--- a/Midseason Analytics Overview.pptx
+++ b/Midseason Analytics Overview.pptx
@@ -16,6 +16,10 @@
     <p:sldId id="264" r:id="rId10"/>
     <p:sldId id="265" r:id="rId11"/>
     <p:sldId id="266" r:id="rId12"/>
+    <p:sldId id="268" r:id="rId13"/>
+    <p:sldId id="270" r:id="rId14"/>
+    <p:sldId id="271" r:id="rId15"/>
+    <p:sldId id="272" r:id="rId16"/>
   </p:sldIdLst>
   <p:sldSz cx="12192000" cy="6858000"/>
   <p:notesSz cx="6858000" cy="9144000"/>
@@ -1878,6 +1882,489 @@
 </c:chartSpace>
 </file>
 
+<file path=ppt/charts/chart4.xml><?xml version="1.0" encoding="utf-8"?>
+<c:chartSpace xmlns:c="http://schemas.openxmlformats.org/drawingml/2006/chart" xmlns:a="http://schemas.openxmlformats.org/drawingml/2006/main" xmlns:r="http://schemas.openxmlformats.org/officeDocument/2006/relationships" xmlns:c16r2="http://schemas.microsoft.com/office/drawing/2015/06/chart">
+  <c:date1904 val="0"/>
+  <c:lang val="en-US"/>
+  <c:roundedCorners val="0"/>
+  <mc:AlternateContent xmlns:mc="http://schemas.openxmlformats.org/markup-compatibility/2006">
+    <mc:Choice xmlns:c14="http://schemas.microsoft.com/office/drawing/2007/8/2/chart" Requires="c14">
+      <c14:style val="102"/>
+    </mc:Choice>
+    <mc:Fallback>
+      <c:style val="2"/>
+    </mc:Fallback>
+  </mc:AlternateContent>
+  <c:chart>
+    <c:title>
+      <c:tx>
+        <c:rich>
+          <a:bodyPr rot="0" spcFirstLastPara="1" vertOverflow="ellipsis" vert="horz" wrap="square" anchor="ctr" anchorCtr="1"/>
+          <a:lstStyle/>
+          <a:p>
+            <a:pPr>
+              <a:defRPr sz="2128" b="1" i="0" u="none" strike="noStrike" kern="1200" baseline="0">
+                <a:solidFill>
+                  <a:schemeClr val="tx2"/>
+                </a:solidFill>
+                <a:latin typeface="+mn-lt"/>
+                <a:ea typeface="+mn-ea"/>
+                <a:cs typeface="+mn-cs"/>
+              </a:defRPr>
+            </a:pPr>
+            <a:r>
+              <a:rPr lang="en-US" dirty="0"/>
+              <a:t>AST/TO Ratio by Week</a:t>
+            </a:r>
+          </a:p>
+        </c:rich>
+      </c:tx>
+      <c:overlay val="0"/>
+      <c:spPr>
+        <a:noFill/>
+        <a:ln>
+          <a:noFill/>
+        </a:ln>
+        <a:effectLst/>
+      </c:spPr>
+      <c:txPr>
+        <a:bodyPr rot="0" spcFirstLastPara="1" vertOverflow="ellipsis" vert="horz" wrap="square" anchor="ctr" anchorCtr="1"/>
+        <a:lstStyle/>
+        <a:p>
+          <a:pPr>
+            <a:defRPr sz="2128" b="1" i="0" u="none" strike="noStrike" kern="1200" baseline="0">
+              <a:solidFill>
+                <a:schemeClr val="tx2"/>
+              </a:solidFill>
+              <a:latin typeface="+mn-lt"/>
+              <a:ea typeface="+mn-ea"/>
+              <a:cs typeface="+mn-cs"/>
+            </a:defRPr>
+          </a:pPr>
+          <a:endParaRPr lang="en-US"/>
+        </a:p>
+      </c:txPr>
+    </c:title>
+    <c:autoTitleDeleted val="0"/>
+    <c:plotArea>
+      <c:layout/>
+      <c:lineChart>
+        <c:grouping val="standard"/>
+        <c:varyColors val="0"/>
+        <c:ser>
+          <c:idx val="0"/>
+          <c:order val="0"/>
+          <c:tx>
+            <c:strRef>
+              <c:f>Sheet1!$Q$2</c:f>
+              <c:strCache>
+                <c:ptCount val="1"/>
+                <c:pt idx="0">
+                  <c:v>AST/TO Game</c:v>
+                </c:pt>
+              </c:strCache>
+            </c:strRef>
+          </c:tx>
+          <c:spPr>
+            <a:ln w="31750" cap="rnd">
+              <a:solidFill>
+                <a:schemeClr val="accent1"/>
+              </a:solidFill>
+              <a:round/>
+            </a:ln>
+            <a:effectLst/>
+          </c:spPr>
+          <c:marker>
+            <c:symbol val="none"/>
+          </c:marker>
+          <c:dLbls>
+            <c:spPr>
+              <a:noFill/>
+              <a:ln>
+                <a:noFill/>
+              </a:ln>
+              <a:effectLst/>
+            </c:spPr>
+            <c:txPr>
+              <a:bodyPr rot="0" spcFirstLastPara="1" vertOverflow="ellipsis" vert="horz" wrap="square" lIns="38100" tIns="19050" rIns="38100" bIns="19050" anchor="ctr" anchorCtr="1">
+                <a:spAutoFit/>
+              </a:bodyPr>
+              <a:lstStyle/>
+              <a:p>
+                <a:pPr>
+                  <a:defRPr sz="1197" b="0" i="0" u="none" strike="noStrike" kern="1200" baseline="0">
+                    <a:solidFill>
+                      <a:schemeClr val="tx2"/>
+                    </a:solidFill>
+                    <a:latin typeface="+mn-lt"/>
+                    <a:ea typeface="+mn-ea"/>
+                    <a:cs typeface="+mn-cs"/>
+                  </a:defRPr>
+                </a:pPr>
+                <a:endParaRPr lang="en-US"/>
+              </a:p>
+            </c:txPr>
+            <c:dLblPos val="t"/>
+            <c:showLegendKey val="0"/>
+            <c:showVal val="1"/>
+            <c:showCatName val="0"/>
+            <c:showSerName val="0"/>
+            <c:showPercent val="0"/>
+            <c:showBubbleSize val="0"/>
+            <c:showLeaderLines val="0"/>
+            <c:extLst>
+              <c:ext xmlns:c15="http://schemas.microsoft.com/office/drawing/2012/chart" uri="{CE6537A1-D6FC-4f65-9D91-7224C49458BB}">
+                <c15:showLeaderLines val="1"/>
+                <c15:leaderLines>
+                  <c:spPr>
+                    <a:ln w="9525">
+                      <a:solidFill>
+                        <a:schemeClr val="tx2">
+                          <a:lumMod val="35000"/>
+                          <a:lumOff val="65000"/>
+                        </a:schemeClr>
+                      </a:solidFill>
+                    </a:ln>
+                    <a:effectLst/>
+                  </c:spPr>
+                </c15:leaderLines>
+              </c:ext>
+            </c:extLst>
+          </c:dLbls>
+          <c:val>
+            <c:numRef>
+              <c:f>Sheet1!$Q$3:$Q$9</c:f>
+              <c:numCache>
+                <c:formatCode>0.00</c:formatCode>
+                <c:ptCount val="7"/>
+                <c:pt idx="0">
+                  <c:v>1.71</c:v>
+                </c:pt>
+                <c:pt idx="1">
+                  <c:v>1.03</c:v>
+                </c:pt>
+                <c:pt idx="2">
+                  <c:v>1.1200000000000001</c:v>
+                </c:pt>
+                <c:pt idx="3">
+                  <c:v>0.68</c:v>
+                </c:pt>
+                <c:pt idx="4">
+                  <c:v>0.72</c:v>
+                </c:pt>
+                <c:pt idx="5">
+                  <c:v>0.65</c:v>
+                </c:pt>
+                <c:pt idx="6">
+                  <c:v>1.1499999999999999</c:v>
+                </c:pt>
+              </c:numCache>
+            </c:numRef>
+          </c:val>
+          <c:smooth val="0"/>
+          <c:extLst>
+            <c:ext xmlns:c16="http://schemas.microsoft.com/office/drawing/2014/chart" uri="{C3380CC4-5D6E-409C-BE32-E72D297353CC}">
+              <c16:uniqueId val="{00000000-D7EA-495F-B337-54F690D0ECDA}"/>
+            </c:ext>
+          </c:extLst>
+        </c:ser>
+        <c:ser>
+          <c:idx val="1"/>
+          <c:order val="1"/>
+          <c:tx>
+            <c:strRef>
+              <c:f>Sheet1!$R$2</c:f>
+              <c:strCache>
+                <c:ptCount val="1"/>
+                <c:pt idx="0">
+                  <c:v>AST/TO Practice</c:v>
+                </c:pt>
+              </c:strCache>
+            </c:strRef>
+          </c:tx>
+          <c:spPr>
+            <a:ln w="31750" cap="rnd">
+              <a:solidFill>
+                <a:schemeClr val="tx2"/>
+              </a:solidFill>
+              <a:round/>
+            </a:ln>
+            <a:effectLst/>
+          </c:spPr>
+          <c:marker>
+            <c:symbol val="none"/>
+          </c:marker>
+          <c:dLbls>
+            <c:spPr>
+              <a:noFill/>
+              <a:ln>
+                <a:noFill/>
+              </a:ln>
+              <a:effectLst/>
+            </c:spPr>
+            <c:txPr>
+              <a:bodyPr rot="0" spcFirstLastPara="1" vertOverflow="ellipsis" vert="horz" wrap="square" lIns="38100" tIns="19050" rIns="38100" bIns="19050" anchor="ctr" anchorCtr="1">
+                <a:spAutoFit/>
+              </a:bodyPr>
+              <a:lstStyle/>
+              <a:p>
+                <a:pPr>
+                  <a:defRPr sz="1197" b="0" i="0" u="none" strike="noStrike" kern="1200" baseline="0">
+                    <a:solidFill>
+                      <a:schemeClr val="tx2"/>
+                    </a:solidFill>
+                    <a:latin typeface="+mn-lt"/>
+                    <a:ea typeface="+mn-ea"/>
+                    <a:cs typeface="+mn-cs"/>
+                  </a:defRPr>
+                </a:pPr>
+                <a:endParaRPr lang="en-US"/>
+              </a:p>
+            </c:txPr>
+            <c:dLblPos val="t"/>
+            <c:showLegendKey val="0"/>
+            <c:showVal val="1"/>
+            <c:showCatName val="0"/>
+            <c:showSerName val="0"/>
+            <c:showPercent val="0"/>
+            <c:showBubbleSize val="0"/>
+            <c:showLeaderLines val="0"/>
+            <c:extLst>
+              <c:ext xmlns:c15="http://schemas.microsoft.com/office/drawing/2012/chart" uri="{CE6537A1-D6FC-4f65-9D91-7224C49458BB}">
+                <c15:showLeaderLines val="1"/>
+                <c15:leaderLines>
+                  <c:spPr>
+                    <a:ln w="9525">
+                      <a:solidFill>
+                        <a:schemeClr val="tx2">
+                          <a:lumMod val="35000"/>
+                          <a:lumOff val="65000"/>
+                        </a:schemeClr>
+                      </a:solidFill>
+                    </a:ln>
+                    <a:effectLst/>
+                  </c:spPr>
+                </c15:leaderLines>
+              </c:ext>
+            </c:extLst>
+          </c:dLbls>
+          <c:val>
+            <c:numRef>
+              <c:f>Sheet1!$R$3:$R$9</c:f>
+              <c:numCache>
+                <c:formatCode>0.00</c:formatCode>
+                <c:ptCount val="7"/>
+                <c:pt idx="0">
+                  <c:v>1.1499999999999999</c:v>
+                </c:pt>
+                <c:pt idx="1">
+                  <c:v>1.19</c:v>
+                </c:pt>
+                <c:pt idx="2">
+                  <c:v>0.88</c:v>
+                </c:pt>
+                <c:pt idx="3">
+                  <c:v>0.53</c:v>
+                </c:pt>
+                <c:pt idx="4">
+                  <c:v>0.79</c:v>
+                </c:pt>
+                <c:pt idx="5">
+                  <c:v>0.69</c:v>
+                </c:pt>
+              </c:numCache>
+            </c:numRef>
+          </c:val>
+          <c:smooth val="0"/>
+          <c:extLst>
+            <c:ext xmlns:c16="http://schemas.microsoft.com/office/drawing/2014/chart" uri="{C3380CC4-5D6E-409C-BE32-E72D297353CC}">
+              <c16:uniqueId val="{00000001-D7EA-495F-B337-54F690D0ECDA}"/>
+            </c:ext>
+          </c:extLst>
+        </c:ser>
+        <c:dLbls>
+          <c:dLblPos val="t"/>
+          <c:showLegendKey val="0"/>
+          <c:showVal val="1"/>
+          <c:showCatName val="0"/>
+          <c:showSerName val="0"/>
+          <c:showPercent val="0"/>
+          <c:showBubbleSize val="0"/>
+        </c:dLbls>
+        <c:smooth val="0"/>
+        <c:axId val="1288324975"/>
+        <c:axId val="1288325455"/>
+      </c:lineChart>
+      <c:catAx>
+        <c:axId val="1288324975"/>
+        <c:scaling>
+          <c:orientation val="minMax"/>
+        </c:scaling>
+        <c:delete val="0"/>
+        <c:axPos val="b"/>
+        <c:majorTickMark val="out"/>
+        <c:minorTickMark val="none"/>
+        <c:tickLblPos val="nextTo"/>
+        <c:spPr>
+          <a:noFill/>
+          <a:ln w="9525" cap="flat" cmpd="sng" algn="ctr">
+            <a:solidFill>
+              <a:schemeClr val="tx2">
+                <a:lumMod val="15000"/>
+                <a:lumOff val="85000"/>
+              </a:schemeClr>
+            </a:solidFill>
+            <a:round/>
+          </a:ln>
+          <a:effectLst/>
+        </c:spPr>
+        <c:txPr>
+          <a:bodyPr rot="-60000000" spcFirstLastPara="1" vertOverflow="ellipsis" vert="horz" wrap="square" anchor="ctr" anchorCtr="1"/>
+          <a:lstStyle/>
+          <a:p>
+            <a:pPr>
+              <a:defRPr sz="1197" b="0" i="0" u="none" strike="noStrike" kern="1200" baseline="0">
+                <a:solidFill>
+                  <a:schemeClr val="tx2"/>
+                </a:solidFill>
+                <a:latin typeface="+mn-lt"/>
+                <a:ea typeface="+mn-ea"/>
+                <a:cs typeface="+mn-cs"/>
+              </a:defRPr>
+            </a:pPr>
+            <a:endParaRPr lang="en-US"/>
+          </a:p>
+        </c:txPr>
+        <c:crossAx val="1288325455"/>
+        <c:crosses val="autoZero"/>
+        <c:auto val="1"/>
+        <c:lblAlgn val="ctr"/>
+        <c:lblOffset val="100"/>
+        <c:noMultiLvlLbl val="0"/>
+      </c:catAx>
+      <c:valAx>
+        <c:axId val="1288325455"/>
+        <c:scaling>
+          <c:orientation val="minMax"/>
+        </c:scaling>
+        <c:delete val="0"/>
+        <c:axPos val="l"/>
+        <c:majorGridlines>
+          <c:spPr>
+            <a:ln w="9525" cap="flat" cmpd="sng" algn="ctr">
+              <a:solidFill>
+                <a:schemeClr val="tx2">
+                  <a:lumMod val="15000"/>
+                  <a:lumOff val="85000"/>
+                </a:schemeClr>
+              </a:solidFill>
+              <a:round/>
+            </a:ln>
+            <a:effectLst/>
+          </c:spPr>
+        </c:majorGridlines>
+        <c:numFmt formatCode="0.00" sourceLinked="1"/>
+        <c:majorTickMark val="none"/>
+        <c:minorTickMark val="none"/>
+        <c:tickLblPos val="nextTo"/>
+        <c:spPr>
+          <a:noFill/>
+          <a:ln>
+            <a:noFill/>
+          </a:ln>
+          <a:effectLst/>
+        </c:spPr>
+        <c:txPr>
+          <a:bodyPr rot="-60000000" spcFirstLastPara="1" vertOverflow="ellipsis" vert="horz" wrap="square" anchor="ctr" anchorCtr="1"/>
+          <a:lstStyle/>
+          <a:p>
+            <a:pPr>
+              <a:defRPr sz="1197" b="0" i="0" u="none" strike="noStrike" kern="1200" baseline="0">
+                <a:solidFill>
+                  <a:schemeClr val="tx2"/>
+                </a:solidFill>
+                <a:latin typeface="+mn-lt"/>
+                <a:ea typeface="+mn-ea"/>
+                <a:cs typeface="+mn-cs"/>
+              </a:defRPr>
+            </a:pPr>
+            <a:endParaRPr lang="en-US"/>
+          </a:p>
+        </c:txPr>
+        <c:crossAx val="1288324975"/>
+        <c:crosses val="autoZero"/>
+        <c:crossBetween val="between"/>
+      </c:valAx>
+      <c:spPr>
+        <a:noFill/>
+        <a:ln>
+          <a:noFill/>
+        </a:ln>
+        <a:effectLst/>
+      </c:spPr>
+    </c:plotArea>
+    <c:legend>
+      <c:legendPos val="b"/>
+      <c:overlay val="0"/>
+      <c:spPr>
+        <a:noFill/>
+        <a:ln>
+          <a:noFill/>
+        </a:ln>
+        <a:effectLst/>
+      </c:spPr>
+      <c:txPr>
+        <a:bodyPr rot="0" spcFirstLastPara="1" vertOverflow="ellipsis" vert="horz" wrap="square" anchor="ctr" anchorCtr="1"/>
+        <a:lstStyle/>
+        <a:p>
+          <a:pPr>
+            <a:defRPr sz="1197" b="0" i="0" u="none" strike="noStrike" kern="1200" baseline="0">
+              <a:solidFill>
+                <a:schemeClr val="tx2"/>
+              </a:solidFill>
+              <a:latin typeface="+mn-lt"/>
+              <a:ea typeface="+mn-ea"/>
+              <a:cs typeface="+mn-cs"/>
+            </a:defRPr>
+          </a:pPr>
+          <a:endParaRPr lang="en-US"/>
+        </a:p>
+      </c:txPr>
+    </c:legend>
+    <c:plotVisOnly val="1"/>
+    <c:dispBlanksAs val="gap"/>
+    <c:showDLblsOverMax val="0"/>
+    <c:extLst>
+      <c:ext xmlns:c16r3="http://schemas.microsoft.com/office/drawing/2017/03/chart" uri="{56B9EC1D-385E-4148-901F-78D8002777C0}">
+        <c16r3:dataDisplayOptions16>
+          <c16r3:dispNaAsBlank val="1"/>
+        </c16r3:dataDisplayOptions16>
+      </c:ext>
+    </c:extLst>
+  </c:chart>
+  <c:spPr>
+    <a:noFill/>
+    <a:ln>
+      <a:noFill/>
+    </a:ln>
+    <a:effectLst/>
+  </c:spPr>
+  <c:txPr>
+    <a:bodyPr/>
+    <a:lstStyle/>
+    <a:p>
+      <a:pPr>
+        <a:defRPr/>
+      </a:pPr>
+      <a:endParaRPr lang="en-US"/>
+    </a:p>
+  </c:txPr>
+  <c:externalData r:id="rId3">
+    <c:autoUpdate val="0"/>
+  </c:externalData>
+</c:chartSpace>
+</file>
+
 <file path=ppt/charts/colors1.xml><?xml version="1.0" encoding="utf-8"?>
 <cs:colorStyle xmlns:cs="http://schemas.microsoft.com/office/drawing/2012/chartStyle" xmlns:a="http://schemas.openxmlformats.org/drawingml/2006/main" meth="cycle" id="20">
   <a:schemeClr val="dk1"/>
@@ -1955,6 +2442,46 @@
   </cs:variation>
   <cs:variation>
     <a:tint val="80000"/>
+  </cs:variation>
+</cs:colorStyle>
+</file>
+
+<file path=ppt/charts/colors4.xml><?xml version="1.0" encoding="utf-8"?>
+<cs:colorStyle xmlns:cs="http://schemas.microsoft.com/office/drawing/2012/chartStyle" xmlns:a="http://schemas.openxmlformats.org/drawingml/2006/main" meth="cycle" id="10">
+  <a:schemeClr val="accent1"/>
+  <a:schemeClr val="accent2"/>
+  <a:schemeClr val="accent3"/>
+  <a:schemeClr val="accent4"/>
+  <a:schemeClr val="accent5"/>
+  <a:schemeClr val="accent6"/>
+  <cs:variation/>
+  <cs:variation>
+    <a:lumMod val="60000"/>
+  </cs:variation>
+  <cs:variation>
+    <a:lumMod val="80000"/>
+    <a:lumOff val="20000"/>
+  </cs:variation>
+  <cs:variation>
+    <a:lumMod val="80000"/>
+  </cs:variation>
+  <cs:variation>
+    <a:lumMod val="60000"/>
+    <a:lumOff val="40000"/>
+  </cs:variation>
+  <cs:variation>
+    <a:lumMod val="50000"/>
+  </cs:variation>
+  <cs:variation>
+    <a:lumMod val="70000"/>
+    <a:lumOff val="30000"/>
+  </cs:variation>
+  <cs:variation>
+    <a:lumMod val="70000"/>
+  </cs:variation>
+  <cs:variation>
+    <a:lumMod val="50000"/>
+    <a:lumOff val="50000"/>
   </cs:variation>
 </cs:colorStyle>
 </file>
@@ -2896,6 +3423,474 @@
 </file>
 
 <file path=ppt/charts/style3.xml><?xml version="1.0" encoding="utf-8"?>
+<cs:chartStyle xmlns:cs="http://schemas.microsoft.com/office/drawing/2012/chartStyle" xmlns:a="http://schemas.openxmlformats.org/drawingml/2006/main" id="231">
+  <cs:axisTitle>
+    <cs:lnRef idx="0"/>
+    <cs:fillRef idx="0"/>
+    <cs:effectRef idx="0"/>
+    <cs:fontRef idx="minor">
+      <a:schemeClr val="tx2"/>
+    </cs:fontRef>
+    <cs:defRPr sz="1197" b="1" kern="1200"/>
+  </cs:axisTitle>
+  <cs:categoryAxis>
+    <cs:lnRef idx="0"/>
+    <cs:fillRef idx="0"/>
+    <cs:effectRef idx="0"/>
+    <cs:fontRef idx="minor">
+      <a:schemeClr val="tx2"/>
+    </cs:fontRef>
+    <cs:spPr>
+      <a:ln w="9525" cap="flat" cmpd="sng" algn="ctr">
+        <a:solidFill>
+          <a:schemeClr val="tx2">
+            <a:lumMod val="15000"/>
+            <a:lumOff val="85000"/>
+          </a:schemeClr>
+        </a:solidFill>
+        <a:round/>
+      </a:ln>
+    </cs:spPr>
+    <cs:defRPr sz="1197" kern="1200"/>
+  </cs:categoryAxis>
+  <cs:chartArea mods="allowNoFillOverride allowNoLineOverride">
+    <cs:lnRef idx="0"/>
+    <cs:fillRef idx="0"/>
+    <cs:effectRef idx="0"/>
+    <cs:fontRef idx="minor">
+      <a:schemeClr val="tx2"/>
+    </cs:fontRef>
+    <cs:spPr>
+      <a:solidFill>
+        <a:schemeClr val="bg1"/>
+      </a:solidFill>
+      <a:ln w="9525" cap="flat" cmpd="sng" algn="ctr">
+        <a:solidFill>
+          <a:schemeClr val="tx2">
+            <a:lumMod val="15000"/>
+            <a:lumOff val="85000"/>
+          </a:schemeClr>
+        </a:solidFill>
+        <a:round/>
+      </a:ln>
+    </cs:spPr>
+    <cs:defRPr sz="1197" kern="1200"/>
+  </cs:chartArea>
+  <cs:dataLabel>
+    <cs:lnRef idx="0"/>
+    <cs:fillRef idx="0"/>
+    <cs:effectRef idx="0"/>
+    <cs:fontRef idx="minor">
+      <a:schemeClr val="tx2"/>
+    </cs:fontRef>
+    <cs:defRPr sz="1197" kern="1200"/>
+  </cs:dataLabel>
+  <cs:dataLabelCallout>
+    <cs:lnRef idx="0"/>
+    <cs:fillRef idx="0"/>
+    <cs:effectRef idx="0"/>
+    <cs:fontRef idx="minor">
+      <a:schemeClr val="dk2">
+        <a:lumMod val="75000"/>
+      </a:schemeClr>
+    </cs:fontRef>
+    <cs:spPr>
+      <a:solidFill>
+        <a:schemeClr val="lt1"/>
+      </a:solidFill>
+      <a:ln>
+        <a:solidFill>
+          <a:schemeClr val="dk1">
+            <a:lumMod val="25000"/>
+            <a:lumOff val="75000"/>
+          </a:schemeClr>
+        </a:solidFill>
+      </a:ln>
+    </cs:spPr>
+    <cs:defRPr sz="1197" kern="1200"/>
+    <cs:bodyPr rot="0" spcFirstLastPara="1" vertOverflow="clip" horzOverflow="clip" vert="horz" wrap="square" lIns="36576" tIns="18288" rIns="36576" bIns="18288" anchor="ctr" anchorCtr="1">
+      <a:spAutoFit/>
+    </cs:bodyPr>
+  </cs:dataLabelCallout>
+  <cs:dataPoint>
+    <cs:lnRef idx="0"/>
+    <cs:fillRef idx="3">
+      <cs:styleClr val="auto"/>
+    </cs:fillRef>
+    <cs:effectRef idx="2"/>
+    <cs:fontRef idx="minor">
+      <a:schemeClr val="tx2"/>
+    </cs:fontRef>
+  </cs:dataPoint>
+  <cs:dataPoint3D>
+    <cs:lnRef idx="0"/>
+    <cs:fillRef idx="3">
+      <cs:styleClr val="auto"/>
+    </cs:fillRef>
+    <cs:effectRef idx="2"/>
+    <cs:fontRef idx="minor">
+      <a:schemeClr val="tx2"/>
+    </cs:fontRef>
+  </cs:dataPoint3D>
+  <cs:dataPointLine>
+    <cs:lnRef idx="0">
+      <cs:styleClr val="auto"/>
+    </cs:lnRef>
+    <cs:fillRef idx="3"/>
+    <cs:effectRef idx="2"/>
+    <cs:fontRef idx="minor">
+      <a:schemeClr val="tx2"/>
+    </cs:fontRef>
+    <cs:spPr>
+      <a:ln w="31750" cap="rnd">
+        <a:solidFill>
+          <a:schemeClr val="phClr"/>
+        </a:solidFill>
+        <a:round/>
+      </a:ln>
+    </cs:spPr>
+  </cs:dataPointLine>
+  <cs:dataPointMarker>
+    <cs:lnRef idx="0"/>
+    <cs:fillRef idx="3">
+      <cs:styleClr val="auto"/>
+    </cs:fillRef>
+    <cs:effectRef idx="2"/>
+    <cs:fontRef idx="minor">
+      <a:schemeClr val="tx2"/>
+    </cs:fontRef>
+    <cs:spPr>
+      <a:ln w="12700">
+        <a:solidFill>
+          <a:schemeClr val="lt2"/>
+        </a:solidFill>
+        <a:round/>
+      </a:ln>
+    </cs:spPr>
+  </cs:dataPointMarker>
+  <cs:dataPointMarkerLayout symbol="circle" size="6"/>
+  <cs:dataPointWireframe>
+    <cs:lnRef idx="0">
+      <cs:styleClr val="auto"/>
+    </cs:lnRef>
+    <cs:fillRef idx="3"/>
+    <cs:effectRef idx="2"/>
+    <cs:fontRef idx="minor">
+      <a:schemeClr val="tx2"/>
+    </cs:fontRef>
+    <cs:spPr>
+      <a:ln w="9525" cap="rnd">
+        <a:solidFill>
+          <a:schemeClr val="phClr"/>
+        </a:solidFill>
+        <a:round/>
+      </a:ln>
+    </cs:spPr>
+  </cs:dataPointWireframe>
+  <cs:dataTable>
+    <cs:lnRef idx="0"/>
+    <cs:fillRef idx="0"/>
+    <cs:effectRef idx="0"/>
+    <cs:fontRef idx="minor">
+      <a:schemeClr val="tx2"/>
+    </cs:fontRef>
+    <cs:spPr>
+      <a:ln w="9525">
+        <a:solidFill>
+          <a:schemeClr val="tx2">
+            <a:lumMod val="15000"/>
+            <a:lumOff val="85000"/>
+          </a:schemeClr>
+        </a:solidFill>
+      </a:ln>
+    </cs:spPr>
+    <cs:defRPr sz="1197" kern="1200"/>
+  </cs:dataTable>
+  <cs:downBar>
+    <cs:lnRef idx="0"/>
+    <cs:fillRef idx="0"/>
+    <cs:effectRef idx="0"/>
+    <cs:fontRef idx="minor">
+      <a:schemeClr val="dk1"/>
+    </cs:fontRef>
+    <cs:spPr>
+      <a:solidFill>
+        <a:schemeClr val="dk1">
+          <a:lumMod val="65000"/>
+          <a:lumOff val="35000"/>
+        </a:schemeClr>
+      </a:solidFill>
+      <a:ln w="9525">
+        <a:solidFill>
+          <a:schemeClr val="tx1">
+            <a:lumMod val="65000"/>
+            <a:lumOff val="35000"/>
+          </a:schemeClr>
+        </a:solidFill>
+      </a:ln>
+    </cs:spPr>
+  </cs:downBar>
+  <cs:dropLine>
+    <cs:lnRef idx="0"/>
+    <cs:fillRef idx="0"/>
+    <cs:effectRef idx="0"/>
+    <cs:fontRef idx="minor">
+      <a:schemeClr val="tx2"/>
+    </cs:fontRef>
+    <cs:spPr>
+      <a:ln w="9525">
+        <a:solidFill>
+          <a:schemeClr val="tx2">
+            <a:lumMod val="60000"/>
+            <a:lumOff val="40000"/>
+          </a:schemeClr>
+        </a:solidFill>
+        <a:prstDash val="dash"/>
+      </a:ln>
+    </cs:spPr>
+  </cs:dropLine>
+  <cs:errorBar>
+    <cs:lnRef idx="0"/>
+    <cs:fillRef idx="0"/>
+    <cs:effectRef idx="0"/>
+    <cs:fontRef idx="minor">
+      <a:schemeClr val="tx2"/>
+    </cs:fontRef>
+    <cs:spPr>
+      <a:ln w="9525">
+        <a:solidFill>
+          <a:schemeClr val="tx2">
+            <a:lumMod val="75000"/>
+          </a:schemeClr>
+        </a:solidFill>
+        <a:round/>
+      </a:ln>
+    </cs:spPr>
+  </cs:errorBar>
+  <cs:floor>
+    <cs:lnRef idx="0"/>
+    <cs:fillRef idx="0"/>
+    <cs:effectRef idx="0"/>
+    <cs:fontRef idx="minor">
+      <a:schemeClr val="tx2"/>
+    </cs:fontRef>
+  </cs:floor>
+  <cs:gridlineMajor>
+    <cs:lnRef idx="0"/>
+    <cs:fillRef idx="0"/>
+    <cs:effectRef idx="0"/>
+    <cs:fontRef idx="minor">
+      <a:schemeClr val="tx2"/>
+    </cs:fontRef>
+    <cs:spPr>
+      <a:ln w="9525" cap="flat" cmpd="sng" algn="ctr">
+        <a:solidFill>
+          <a:schemeClr val="tx2">
+            <a:lumMod val="15000"/>
+            <a:lumOff val="85000"/>
+          </a:schemeClr>
+        </a:solidFill>
+        <a:round/>
+      </a:ln>
+    </cs:spPr>
+  </cs:gridlineMajor>
+  <cs:gridlineMinor>
+    <cs:lnRef idx="0"/>
+    <cs:fillRef idx="0"/>
+    <cs:effectRef idx="0"/>
+    <cs:fontRef idx="minor">
+      <a:schemeClr val="tx2"/>
+    </cs:fontRef>
+    <cs:spPr>
+      <a:ln>
+        <a:solidFill>
+          <a:schemeClr val="tx2">
+            <a:lumMod val="5000"/>
+            <a:lumOff val="95000"/>
+          </a:schemeClr>
+        </a:solidFill>
+      </a:ln>
+    </cs:spPr>
+  </cs:gridlineMinor>
+  <cs:hiLoLine>
+    <cs:lnRef idx="0"/>
+    <cs:fillRef idx="0"/>
+    <cs:effectRef idx="0"/>
+    <cs:fontRef idx="minor">
+      <a:schemeClr val="tx2"/>
+    </cs:fontRef>
+    <cs:spPr>
+      <a:ln w="9525">
+        <a:solidFill>
+          <a:schemeClr val="tx2">
+            <a:lumMod val="60000"/>
+            <a:lumOff val="40000"/>
+          </a:schemeClr>
+        </a:solidFill>
+        <a:prstDash val="dash"/>
+      </a:ln>
+    </cs:spPr>
+  </cs:hiLoLine>
+  <cs:leaderLine>
+    <cs:lnRef idx="0"/>
+    <cs:fillRef idx="0"/>
+    <cs:effectRef idx="0"/>
+    <cs:fontRef idx="minor">
+      <a:schemeClr val="tx2"/>
+    </cs:fontRef>
+    <cs:spPr>
+      <a:ln w="9525">
+        <a:solidFill>
+          <a:schemeClr val="tx2">
+            <a:lumMod val="35000"/>
+            <a:lumOff val="65000"/>
+          </a:schemeClr>
+        </a:solidFill>
+      </a:ln>
+    </cs:spPr>
+  </cs:leaderLine>
+  <cs:legend>
+    <cs:lnRef idx="0"/>
+    <cs:fillRef idx="0"/>
+    <cs:effectRef idx="0"/>
+    <cs:fontRef idx="minor">
+      <a:schemeClr val="tx2"/>
+    </cs:fontRef>
+    <cs:defRPr sz="1197" kern="1200"/>
+  </cs:legend>
+  <cs:plotArea>
+    <cs:lnRef idx="0"/>
+    <cs:fillRef idx="0"/>
+    <cs:effectRef idx="0"/>
+    <cs:fontRef idx="minor">
+      <a:schemeClr val="tx2"/>
+    </cs:fontRef>
+  </cs:plotArea>
+  <cs:plotArea3D>
+    <cs:lnRef idx="0"/>
+    <cs:fillRef idx="0"/>
+    <cs:effectRef idx="0"/>
+    <cs:fontRef idx="minor">
+      <a:schemeClr val="tx2"/>
+    </cs:fontRef>
+  </cs:plotArea3D>
+  <cs:seriesAxis>
+    <cs:lnRef idx="0"/>
+    <cs:fillRef idx="0"/>
+    <cs:effectRef idx="0"/>
+    <cs:fontRef idx="minor">
+      <a:schemeClr val="tx2"/>
+    </cs:fontRef>
+    <cs:spPr>
+      <a:ln w="9525" cap="flat" cmpd="sng" algn="ctr">
+        <a:solidFill>
+          <a:schemeClr val="tx2">
+            <a:lumMod val="15000"/>
+            <a:lumOff val="85000"/>
+          </a:schemeClr>
+        </a:solidFill>
+        <a:round/>
+      </a:ln>
+    </cs:spPr>
+    <cs:defRPr sz="1197" kern="1200"/>
+  </cs:seriesAxis>
+  <cs:seriesLine>
+    <cs:lnRef idx="0"/>
+    <cs:fillRef idx="0"/>
+    <cs:effectRef idx="0"/>
+    <cs:fontRef idx="minor">
+      <a:schemeClr val="tx2"/>
+    </cs:fontRef>
+    <cs:spPr>
+      <a:ln w="9525">
+        <a:solidFill>
+          <a:schemeClr val="tx2">
+            <a:lumMod val="60000"/>
+            <a:lumOff val="40000"/>
+          </a:schemeClr>
+        </a:solidFill>
+        <a:prstDash val="dash"/>
+      </a:ln>
+    </cs:spPr>
+  </cs:seriesLine>
+  <cs:title>
+    <cs:lnRef idx="0"/>
+    <cs:fillRef idx="0"/>
+    <cs:effectRef idx="0"/>
+    <cs:fontRef idx="minor">
+      <a:schemeClr val="tx2"/>
+    </cs:fontRef>
+    <cs:defRPr sz="2128" b="1" kern="1200"/>
+  </cs:title>
+  <cs:trendline>
+    <cs:lnRef idx="0">
+      <cs:styleClr val="auto"/>
+    </cs:lnRef>
+    <cs:fillRef idx="0"/>
+    <cs:effectRef idx="0"/>
+    <cs:fontRef idx="minor">
+      <a:schemeClr val="tx2"/>
+    </cs:fontRef>
+    <cs:spPr>
+      <a:ln w="19050" cap="rnd">
+        <a:solidFill>
+          <a:schemeClr val="phClr"/>
+        </a:solidFill>
+        <a:prstDash val="sysDash"/>
+      </a:ln>
+    </cs:spPr>
+  </cs:trendline>
+  <cs:trendlineLabel>
+    <cs:lnRef idx="0"/>
+    <cs:fillRef idx="0"/>
+    <cs:effectRef idx="0"/>
+    <cs:fontRef idx="minor">
+      <a:schemeClr val="tx2"/>
+    </cs:fontRef>
+    <cs:defRPr sz="1197" kern="1200"/>
+  </cs:trendlineLabel>
+  <cs:upBar>
+    <cs:lnRef idx="0"/>
+    <cs:fillRef idx="0"/>
+    <cs:effectRef idx="0"/>
+    <cs:fontRef idx="minor">
+      <a:schemeClr val="tx2"/>
+    </cs:fontRef>
+    <cs:spPr>
+      <a:solidFill>
+        <a:schemeClr val="lt1"/>
+      </a:solidFill>
+      <a:ln w="9525">
+        <a:solidFill>
+          <a:schemeClr val="tx1">
+            <a:lumMod val="15000"/>
+            <a:lumOff val="85000"/>
+          </a:schemeClr>
+        </a:solidFill>
+      </a:ln>
+    </cs:spPr>
+  </cs:upBar>
+  <cs:valueAxis>
+    <cs:lnRef idx="0"/>
+    <cs:fillRef idx="0"/>
+    <cs:effectRef idx="0"/>
+    <cs:fontRef idx="minor">
+      <a:schemeClr val="tx2"/>
+    </cs:fontRef>
+    <cs:defRPr sz="1197" kern="1200"/>
+  </cs:valueAxis>
+  <cs:wall>
+    <cs:lnRef idx="0"/>
+    <cs:fillRef idx="0"/>
+    <cs:effectRef idx="0"/>
+    <cs:fontRef idx="minor">
+      <a:schemeClr val="tx2"/>
+    </cs:fontRef>
+  </cs:wall>
+</cs:chartStyle>
+</file>
+
+<file path=ppt/charts/style4.xml><?xml version="1.0" encoding="utf-8"?>
 <cs:chartStyle xmlns:cs="http://schemas.microsoft.com/office/drawing/2012/chartStyle" xmlns:a="http://schemas.openxmlformats.org/drawingml/2006/main" id="231">
   <cs:axisTitle>
     <cs:lnRef idx="0"/>
@@ -19567,7 +20562,7 @@
           <a:p>
             <a:fld id="{116627E5-A2B7-46E2-9ED9-D6965D2A0CE5}" type="datetimeFigureOut">
               <a:rPr lang="en-US" smtClean="0"/>
-              <a:t>12/31/2025</a:t>
+              <a:t>1/9/2026</a:t>
             </a:fld>
             <a:endParaRPr lang="en-US"/>
           </a:p>
@@ -19765,7 +20760,7 @@
           <a:p>
             <a:fld id="{116627E5-A2B7-46E2-9ED9-D6965D2A0CE5}" type="datetimeFigureOut">
               <a:rPr lang="en-US" smtClean="0"/>
-              <a:t>12/31/2025</a:t>
+              <a:t>1/9/2026</a:t>
             </a:fld>
             <a:endParaRPr lang="en-US"/>
           </a:p>
@@ -19973,7 +20968,7 @@
           <a:p>
             <a:fld id="{116627E5-A2B7-46E2-9ED9-D6965D2A0CE5}" type="datetimeFigureOut">
               <a:rPr lang="en-US" smtClean="0"/>
-              <a:t>12/31/2025</a:t>
+              <a:t>1/9/2026</a:t>
             </a:fld>
             <a:endParaRPr lang="en-US"/>
           </a:p>
@@ -20171,7 +21166,7 @@
           <a:p>
             <a:fld id="{116627E5-A2B7-46E2-9ED9-D6965D2A0CE5}" type="datetimeFigureOut">
               <a:rPr lang="en-US" smtClean="0"/>
-              <a:t>12/31/2025</a:t>
+              <a:t>1/9/2026</a:t>
             </a:fld>
             <a:endParaRPr lang="en-US"/>
           </a:p>
@@ -20446,7 +21441,7 @@
           <a:p>
             <a:fld id="{116627E5-A2B7-46E2-9ED9-D6965D2A0CE5}" type="datetimeFigureOut">
               <a:rPr lang="en-US" smtClean="0"/>
-              <a:t>12/31/2025</a:t>
+              <a:t>1/9/2026</a:t>
             </a:fld>
             <a:endParaRPr lang="en-US"/>
           </a:p>
@@ -20711,7 +21706,7 @@
           <a:p>
             <a:fld id="{116627E5-A2B7-46E2-9ED9-D6965D2A0CE5}" type="datetimeFigureOut">
               <a:rPr lang="en-US" smtClean="0"/>
-              <a:t>12/31/2025</a:t>
+              <a:t>1/9/2026</a:t>
             </a:fld>
             <a:endParaRPr lang="en-US"/>
           </a:p>
@@ -21123,7 +22118,7 @@
           <a:p>
             <a:fld id="{116627E5-A2B7-46E2-9ED9-D6965D2A0CE5}" type="datetimeFigureOut">
               <a:rPr lang="en-US" smtClean="0"/>
-              <a:t>12/31/2025</a:t>
+              <a:t>1/9/2026</a:t>
             </a:fld>
             <a:endParaRPr lang="en-US"/>
           </a:p>
@@ -21264,7 +22259,7 @@
           <a:p>
             <a:fld id="{116627E5-A2B7-46E2-9ED9-D6965D2A0CE5}" type="datetimeFigureOut">
               <a:rPr lang="en-US" smtClean="0"/>
-              <a:t>12/31/2025</a:t>
+              <a:t>1/9/2026</a:t>
             </a:fld>
             <a:endParaRPr lang="en-US"/>
           </a:p>
@@ -21377,7 +22372,7 @@
           <a:p>
             <a:fld id="{116627E5-A2B7-46E2-9ED9-D6965D2A0CE5}" type="datetimeFigureOut">
               <a:rPr lang="en-US" smtClean="0"/>
-              <a:t>12/31/2025</a:t>
+              <a:t>1/9/2026</a:t>
             </a:fld>
             <a:endParaRPr lang="en-US"/>
           </a:p>
@@ -21688,7 +22683,7 @@
           <a:p>
             <a:fld id="{116627E5-A2B7-46E2-9ED9-D6965D2A0CE5}" type="datetimeFigureOut">
               <a:rPr lang="en-US" smtClean="0"/>
-              <a:t>12/31/2025</a:t>
+              <a:t>1/9/2026</a:t>
             </a:fld>
             <a:endParaRPr lang="en-US"/>
           </a:p>
@@ -21976,7 +22971,7 @@
           <a:p>
             <a:fld id="{116627E5-A2B7-46E2-9ED9-D6965D2A0CE5}" type="datetimeFigureOut">
               <a:rPr lang="en-US" smtClean="0"/>
-              <a:t>12/31/2025</a:t>
+              <a:t>1/9/2026</a:t>
             </a:fld>
             <a:endParaRPr lang="en-US"/>
           </a:p>
@@ -22217,7 +23212,7 @@
           <a:p>
             <a:fld id="{116627E5-A2B7-46E2-9ED9-D6965D2A0CE5}" type="datetimeFigureOut">
               <a:rPr lang="en-US" smtClean="0"/>
-              <a:t>12/31/2025</a:t>
+              <a:t>1/9/2026</a:t>
             </a:fld>
             <a:endParaRPr lang="en-US"/>
           </a:p>
@@ -24053,12 +25048,428 @@
           </a:p>
         </p:txBody>
       </p:sp>
+      <p:graphicFrame>
+        <p:nvGraphicFramePr>
+          <p:cNvPr id="3" name="Content Placeholder 2">
+            <a:extLst>
+              <a:ext uri="{FF2B5EF4-FFF2-40B4-BE49-F238E27FC236}">
+                <a16:creationId xmlns:a16="http://schemas.microsoft.com/office/drawing/2014/main" id="{0655F040-3544-1CCB-1282-07ACDDA6ECDC}"/>
+              </a:ext>
+            </a:extLst>
+          </p:cNvPr>
+          <p:cNvGraphicFramePr>
+            <a:graphicFrameLocks noGrp="1"/>
+          </p:cNvGraphicFramePr>
+          <p:nvPr>
+            <p:ph idx="1"/>
+            <p:extLst>
+              <p:ext uri="{D42A27DB-BD31-4B8C-83A1-F6EECF244321}">
+                <p14:modId xmlns:p14="http://schemas.microsoft.com/office/powerpoint/2010/main" val="217747173"/>
+              </p:ext>
+            </p:extLst>
+          </p:nvPr>
+        </p:nvGraphicFramePr>
+        <p:xfrm>
+          <a:off x="838200" y="1825625"/>
+          <a:ext cx="10515600" cy="4351338"/>
+        </p:xfrm>
+        <a:graphic>
+          <a:graphicData uri="http://schemas.openxmlformats.org/drawingml/2006/chart">
+            <c:chart xmlns:c="http://schemas.openxmlformats.org/drawingml/2006/chart" xmlns:r="http://schemas.openxmlformats.org/officeDocument/2006/relationships" r:id="rId2"/>
+          </a:graphicData>
+        </a:graphic>
+      </p:graphicFrame>
+    </p:spTree>
+    <p:extLst>
+      <p:ext uri="{BB962C8B-B14F-4D97-AF65-F5344CB8AC3E}">
+        <p14:creationId xmlns:p14="http://schemas.microsoft.com/office/powerpoint/2010/main" val="2582531283"/>
+      </p:ext>
+    </p:extLst>
+  </p:cSld>
+  <p:clrMapOvr>
+    <a:masterClrMapping/>
+  </p:clrMapOvr>
+</p:sld>
+</file>
+
+<file path=ppt/slides/slide12.xml><?xml version="1.0" encoding="utf-8"?>
+<p:sld xmlns:a="http://schemas.openxmlformats.org/drawingml/2006/main" xmlns:r="http://schemas.openxmlformats.org/officeDocument/2006/relationships" xmlns:p="http://schemas.openxmlformats.org/presentationml/2006/main">
+  <p:cSld>
+    <p:bg>
+      <p:bgPr>
+        <a:solidFill>
+          <a:schemeClr val="bg1"/>
+        </a:solidFill>
+        <a:effectLst/>
+      </p:bgPr>
+    </p:bg>
+    <p:spTree>
+      <p:nvGrpSpPr>
+        <p:cNvPr id="1" name="">
+          <a:extLst>
+            <a:ext uri="{FF2B5EF4-FFF2-40B4-BE49-F238E27FC236}">
+              <a16:creationId xmlns:a16="http://schemas.microsoft.com/office/drawing/2014/main" id="{B9FE2EF1-C205-FF71-7A63-800FD5BAE58B}"/>
+            </a:ext>
+          </a:extLst>
+        </p:cNvPr>
+        <p:cNvGrpSpPr/>
+        <p:nvPr/>
+      </p:nvGrpSpPr>
+      <p:grpSpPr>
+        <a:xfrm>
+          <a:off x="0" y="0"/>
+          <a:ext cx="0" cy="0"/>
+          <a:chOff x="0" y="0"/>
+          <a:chExt cx="0" cy="0"/>
+        </a:xfrm>
+      </p:grpSpPr>
+      <p:sp useBgFill="1">
+        <p:nvSpPr>
+          <p:cNvPr id="30" name="Rectangle 29">
+            <a:extLst>
+              <a:ext uri="{FF2B5EF4-FFF2-40B4-BE49-F238E27FC236}">
+                <a16:creationId xmlns:a16="http://schemas.microsoft.com/office/drawing/2014/main" id="{41241D20-6D20-517D-C22A-54CF67684FF1}"/>
+              </a:ext>
+              <a:ext uri="{C183D7F6-B498-43B3-948B-1728B52AA6E4}">
+                <adec:decorative xmlns:adec="http://schemas.microsoft.com/office/drawing/2017/decorative" val="1"/>
+              </a:ext>
+            </a:extLst>
+          </p:cNvPr>
+          <p:cNvSpPr>
+            <a:spLocks noGrp="1" noRot="1" noChangeAspect="1" noMove="1" noResize="1" noEditPoints="1" noAdjustHandles="1" noChangeArrowheads="1" noChangeShapeType="1" noTextEdit="1"/>
+          </p:cNvSpPr>
+          <p:nvPr>
+            <p:extLst>
+              <p:ext uri="{386F3935-93C4-4BCD-93E2-E3B085C9AB24}">
+                <p16:designElem xmlns:p16="http://schemas.microsoft.com/office/powerpoint/2015/main" val="1"/>
+              </p:ext>
+            </p:extLst>
+          </p:nvPr>
+        </p:nvSpPr>
+        <p:spPr>
+          <a:xfrm>
+            <a:off x="0" y="0"/>
+            <a:ext cx="12192000" cy="6858000"/>
+          </a:xfrm>
+          <a:prstGeom prst="rect">
+            <a:avLst/>
+          </a:prstGeom>
+          <a:ln w="12700" cap="flat" cmpd="sng" algn="ctr">
+            <a:noFill/>
+            <a:prstDash val="solid"/>
+            <a:miter lim="800000"/>
+          </a:ln>
+          <a:effectLst/>
+          <a:extLst>
+            <a:ext uri="{91240B29-F687-4F45-9708-019B960494DF}">
+              <a14:hiddenLine xmlns:a14="http://schemas.microsoft.com/office/drawing/2010/main" w="12700" cap="flat" cmpd="sng" algn="ctr">
+                <a:solidFill>
+                  <a:schemeClr val="accent1">
+                    <a:shade val="50000"/>
+                  </a:schemeClr>
+                </a:solidFill>
+                <a:prstDash val="solid"/>
+                <a:miter lim="800000"/>
+              </a14:hiddenLine>
+            </a:ext>
+          </a:extLst>
+        </p:spPr>
+        <p:style>
+          <a:lnRef idx="2">
+            <a:schemeClr val="accent1">
+              <a:shade val="50000"/>
+            </a:schemeClr>
+          </a:lnRef>
+          <a:fillRef idx="1">
+            <a:schemeClr val="accent1"/>
+          </a:fillRef>
+          <a:effectRef idx="0">
+            <a:schemeClr val="accent1"/>
+          </a:effectRef>
+          <a:fontRef idx="minor">
+            <a:schemeClr val="lt1"/>
+          </a:fontRef>
+        </p:style>
+        <p:txBody>
+          <a:bodyPr rtlCol="0" anchor="ctr"/>
+          <a:lstStyle/>
+          <a:p>
+            <a:pPr algn="ctr"/>
+            <a:endParaRPr lang="en-US"/>
+          </a:p>
+        </p:txBody>
+      </p:sp>
+      <p:sp>
+        <p:nvSpPr>
+          <p:cNvPr id="32" name="Rectangle 31">
+            <a:extLst>
+              <a:ext uri="{FF2B5EF4-FFF2-40B4-BE49-F238E27FC236}">
+                <a16:creationId xmlns:a16="http://schemas.microsoft.com/office/drawing/2014/main" id="{B705DD23-D647-0EB9-888D-171C1CE66D1A}"/>
+              </a:ext>
+              <a:ext uri="{C183D7F6-B498-43B3-948B-1728B52AA6E4}">
+                <adec:decorative xmlns:adec="http://schemas.microsoft.com/office/drawing/2017/decorative" val="1"/>
+              </a:ext>
+            </a:extLst>
+          </p:cNvPr>
+          <p:cNvSpPr>
+            <a:spLocks noGrp="1" noRot="1" noChangeAspect="1" noMove="1" noResize="1" noEditPoints="1" noAdjustHandles="1" noChangeArrowheads="1" noChangeShapeType="1" noTextEdit="1"/>
+          </p:cNvSpPr>
+          <p:nvPr>
+            <p:extLst>
+              <p:ext uri="{386F3935-93C4-4BCD-93E2-E3B085C9AB24}">
+                <p16:designElem xmlns:p16="http://schemas.microsoft.com/office/powerpoint/2015/main" val="1"/>
+              </p:ext>
+            </p:extLst>
+          </p:nvPr>
+        </p:nvSpPr>
+        <p:spPr>
+          <a:xfrm flipH="1">
+            <a:off x="2" y="0"/>
+            <a:ext cx="12191998" cy="1575955"/>
+          </a:xfrm>
+          <a:prstGeom prst="rect">
+            <a:avLst/>
+          </a:prstGeom>
+          <a:gradFill>
+            <a:gsLst>
+              <a:gs pos="0">
+                <a:srgbClr val="000000">
+                  <a:alpha val="96000"/>
+                </a:srgbClr>
+              </a:gs>
+              <a:gs pos="100000">
+                <a:schemeClr val="accent1">
+                  <a:lumMod val="75000"/>
+                </a:schemeClr>
+              </a:gs>
+            </a:gsLst>
+            <a:lin ang="8400000" scaled="0"/>
+          </a:gradFill>
+          <a:ln>
+            <a:noFill/>
+          </a:ln>
+        </p:spPr>
+        <p:style>
+          <a:lnRef idx="2">
+            <a:schemeClr val="accent1">
+              <a:shade val="50000"/>
+            </a:schemeClr>
+          </a:lnRef>
+          <a:fillRef idx="1">
+            <a:schemeClr val="accent1"/>
+          </a:fillRef>
+          <a:effectRef idx="0">
+            <a:schemeClr val="accent1"/>
+          </a:effectRef>
+          <a:fontRef idx="minor">
+            <a:schemeClr val="lt1"/>
+          </a:fontRef>
+        </p:style>
+        <p:txBody>
+          <a:bodyPr rtlCol="0" anchor="ctr"/>
+          <a:lstStyle/>
+          <a:p>
+            <a:pPr algn="ctr"/>
+            <a:endParaRPr lang="en-US"/>
+          </a:p>
+        </p:txBody>
+      </p:sp>
+      <p:sp>
+        <p:nvSpPr>
+          <p:cNvPr id="34" name="Rectangle 33">
+            <a:extLst>
+              <a:ext uri="{FF2B5EF4-FFF2-40B4-BE49-F238E27FC236}">
+                <a16:creationId xmlns:a16="http://schemas.microsoft.com/office/drawing/2014/main" id="{78EF5D15-4D6F-1028-DF7C-1F0DF67BFD37}"/>
+              </a:ext>
+              <a:ext uri="{C183D7F6-B498-43B3-948B-1728B52AA6E4}">
+                <adec:decorative xmlns:adec="http://schemas.microsoft.com/office/drawing/2017/decorative" val="1"/>
+              </a:ext>
+            </a:extLst>
+          </p:cNvPr>
+          <p:cNvSpPr>
+            <a:spLocks noGrp="1" noRot="1" noChangeAspect="1" noMove="1" noResize="1" noEditPoints="1" noAdjustHandles="1" noChangeArrowheads="1" noChangeShapeType="1" noTextEdit="1"/>
+          </p:cNvSpPr>
+          <p:nvPr>
+            <p:extLst>
+              <p:ext uri="{386F3935-93C4-4BCD-93E2-E3B085C9AB24}">
+                <p16:designElem xmlns:p16="http://schemas.microsoft.com/office/powerpoint/2015/main" val="1"/>
+              </p:ext>
+            </p:extLst>
+          </p:nvPr>
+        </p:nvSpPr>
+        <p:spPr>
+          <a:xfrm rot="10800000" flipH="1">
+            <a:off x="8128857" y="0"/>
+            <a:ext cx="4063143" cy="1576412"/>
+          </a:xfrm>
+          <a:prstGeom prst="rect">
+            <a:avLst/>
+          </a:prstGeom>
+          <a:gradFill>
+            <a:gsLst>
+              <a:gs pos="19000">
+                <a:schemeClr val="accent1">
+                  <a:lumMod val="50000"/>
+                  <a:alpha val="68000"/>
+                </a:schemeClr>
+              </a:gs>
+              <a:gs pos="100000">
+                <a:schemeClr val="accent1">
+                  <a:alpha val="79000"/>
+                </a:schemeClr>
+              </a:gs>
+            </a:gsLst>
+            <a:lin ang="19200000" scaled="0"/>
+          </a:gradFill>
+          <a:ln>
+            <a:noFill/>
+          </a:ln>
+        </p:spPr>
+        <p:style>
+          <a:lnRef idx="2">
+            <a:schemeClr val="accent1">
+              <a:shade val="50000"/>
+            </a:schemeClr>
+          </a:lnRef>
+          <a:fillRef idx="1">
+            <a:schemeClr val="accent1"/>
+          </a:fillRef>
+          <a:effectRef idx="0">
+            <a:schemeClr val="accent1"/>
+          </a:effectRef>
+          <a:fontRef idx="minor">
+            <a:schemeClr val="lt1"/>
+          </a:fontRef>
+        </p:style>
+        <p:txBody>
+          <a:bodyPr rtlCol="0" anchor="ctr"/>
+          <a:lstStyle/>
+          <a:p>
+            <a:pPr algn="ctr"/>
+            <a:endParaRPr lang="en-US"/>
+          </a:p>
+        </p:txBody>
+      </p:sp>
+      <p:sp>
+        <p:nvSpPr>
+          <p:cNvPr id="36" name="Rectangle 35">
+            <a:extLst>
+              <a:ext uri="{FF2B5EF4-FFF2-40B4-BE49-F238E27FC236}">
+                <a16:creationId xmlns:a16="http://schemas.microsoft.com/office/drawing/2014/main" id="{8C2DDCA3-B788-39D3-BDFE-ED1965A75024}"/>
+              </a:ext>
+              <a:ext uri="{C183D7F6-B498-43B3-948B-1728B52AA6E4}">
+                <adec:decorative xmlns:adec="http://schemas.microsoft.com/office/drawing/2017/decorative" val="1"/>
+              </a:ext>
+            </a:extLst>
+          </p:cNvPr>
+          <p:cNvSpPr>
+            <a:spLocks noGrp="1" noRot="1" noChangeAspect="1" noMove="1" noResize="1" noEditPoints="1" noAdjustHandles="1" noChangeArrowheads="1" noChangeShapeType="1" noTextEdit="1"/>
+          </p:cNvSpPr>
+          <p:nvPr>
+            <p:extLst>
+              <p:ext uri="{386F3935-93C4-4BCD-93E2-E3B085C9AB24}">
+                <p16:designElem xmlns:p16="http://schemas.microsoft.com/office/powerpoint/2015/main" val="1"/>
+              </p:ext>
+            </p:extLst>
+          </p:nvPr>
+        </p:nvSpPr>
+        <p:spPr>
+          <a:xfrm rot="5400000">
+            <a:off x="5307777" y="-5307778"/>
+            <a:ext cx="1576446" cy="12192002"/>
+          </a:xfrm>
+          <a:prstGeom prst="rect">
+            <a:avLst/>
+          </a:prstGeom>
+          <a:gradFill>
+            <a:gsLst>
+              <a:gs pos="23000">
+                <a:schemeClr val="accent1">
+                  <a:alpha val="0"/>
+                </a:schemeClr>
+              </a:gs>
+              <a:gs pos="99000">
+                <a:srgbClr val="000000">
+                  <a:alpha val="74000"/>
+                </a:srgbClr>
+              </a:gs>
+            </a:gsLst>
+            <a:lin ang="20400000" scaled="0"/>
+          </a:gradFill>
+          <a:ln>
+            <a:noFill/>
+          </a:ln>
+        </p:spPr>
+        <p:style>
+          <a:lnRef idx="2">
+            <a:schemeClr val="accent1">
+              <a:shade val="50000"/>
+            </a:schemeClr>
+          </a:lnRef>
+          <a:fillRef idx="1">
+            <a:schemeClr val="accent1"/>
+          </a:fillRef>
+          <a:effectRef idx="0">
+            <a:schemeClr val="accent1"/>
+          </a:effectRef>
+          <a:fontRef idx="minor">
+            <a:schemeClr val="lt1"/>
+          </a:fontRef>
+        </p:style>
+        <p:txBody>
+          <a:bodyPr rtlCol="0" anchor="ctr"/>
+          <a:lstStyle/>
+          <a:p>
+            <a:pPr algn="ctr"/>
+            <a:endParaRPr lang="en-US" dirty="0"/>
+          </a:p>
+        </p:txBody>
+      </p:sp>
+      <p:sp>
+        <p:nvSpPr>
+          <p:cNvPr id="2" name="Title 1">
+            <a:extLst>
+              <a:ext uri="{FF2B5EF4-FFF2-40B4-BE49-F238E27FC236}">
+                <a16:creationId xmlns:a16="http://schemas.microsoft.com/office/drawing/2014/main" id="{80287A74-4136-CD49-FD8B-8B6BF23AA053}"/>
+              </a:ext>
+            </a:extLst>
+          </p:cNvPr>
+          <p:cNvSpPr>
+            <a:spLocks noGrp="1"/>
+          </p:cNvSpPr>
+          <p:nvPr>
+            <p:ph type="title"/>
+          </p:nvPr>
+        </p:nvSpPr>
+        <p:spPr>
+          <a:xfrm>
+            <a:off x="1371597" y="348865"/>
+            <a:ext cx="10044023" cy="877729"/>
+          </a:xfrm>
+        </p:spPr>
+        <p:txBody>
+          <a:bodyPr anchor="ctr">
+            <a:normAutofit/>
+          </a:bodyPr>
+          <a:lstStyle/>
+          <a:p>
+            <a:r>
+              <a:rPr lang="en-US" sz="4000" dirty="0">
+                <a:solidFill>
+                  <a:srgbClr val="FFFFFF"/>
+                </a:solidFill>
+              </a:rPr>
+              <a:t>Win Average Stats</a:t>
+            </a:r>
+          </a:p>
+        </p:txBody>
+      </p:sp>
       <p:sp>
         <p:nvSpPr>
           <p:cNvPr id="5" name="Content Placeholder 4">
             <a:extLst>
               <a:ext uri="{FF2B5EF4-FFF2-40B4-BE49-F238E27FC236}">
-                <a16:creationId xmlns:a16="http://schemas.microsoft.com/office/drawing/2014/main" id="{EB108332-5817-AFE2-8658-E99D4957EA72}"/>
+                <a16:creationId xmlns:a16="http://schemas.microsoft.com/office/drawing/2014/main" id="{BF9FCFE1-7874-1D7B-A2FC-BE4C47795900}"/>
               </a:ext>
             </a:extLst>
           </p:cNvPr>
@@ -24074,14 +25485,3286 @@
           <a:bodyPr/>
           <a:lstStyle/>
           <a:p>
-            <a:endParaRPr lang="en-US" dirty="0"/>
+            <a:endParaRPr lang="en-US"/>
           </a:p>
         </p:txBody>
       </p:sp>
     </p:spTree>
     <p:extLst>
       <p:ext uri="{BB962C8B-B14F-4D97-AF65-F5344CB8AC3E}">
-        <p14:creationId xmlns:p14="http://schemas.microsoft.com/office/powerpoint/2010/main" val="2582531283"/>
+        <p14:creationId xmlns:p14="http://schemas.microsoft.com/office/powerpoint/2010/main" val="1545277191"/>
+      </p:ext>
+    </p:extLst>
+  </p:cSld>
+  <p:clrMapOvr>
+    <a:masterClrMapping/>
+  </p:clrMapOvr>
+</p:sld>
+</file>
+
+<file path=ppt/slides/slide13.xml><?xml version="1.0" encoding="utf-8"?>
+<p:sld xmlns:a="http://schemas.openxmlformats.org/drawingml/2006/main" xmlns:r="http://schemas.openxmlformats.org/officeDocument/2006/relationships" xmlns:p="http://schemas.openxmlformats.org/presentationml/2006/main">
+  <p:cSld>
+    <p:bg>
+      <p:bgPr>
+        <a:solidFill>
+          <a:schemeClr val="bg1"/>
+        </a:solidFill>
+        <a:effectLst/>
+      </p:bgPr>
+    </p:bg>
+    <p:spTree>
+      <p:nvGrpSpPr>
+        <p:cNvPr id="1" name="">
+          <a:extLst>
+            <a:ext uri="{FF2B5EF4-FFF2-40B4-BE49-F238E27FC236}">
+              <a16:creationId xmlns:a16="http://schemas.microsoft.com/office/drawing/2014/main" id="{AFE9281D-7618-AED2-7CBB-EF81F6814F70}"/>
+            </a:ext>
+          </a:extLst>
+        </p:cNvPr>
+        <p:cNvGrpSpPr/>
+        <p:nvPr/>
+      </p:nvGrpSpPr>
+      <p:grpSpPr>
+        <a:xfrm>
+          <a:off x="0" y="0"/>
+          <a:ext cx="0" cy="0"/>
+          <a:chOff x="0" y="0"/>
+          <a:chExt cx="0" cy="0"/>
+        </a:xfrm>
+      </p:grpSpPr>
+      <p:sp useBgFill="1">
+        <p:nvSpPr>
+          <p:cNvPr id="30" name="Rectangle 29">
+            <a:extLst>
+              <a:ext uri="{FF2B5EF4-FFF2-40B4-BE49-F238E27FC236}">
+                <a16:creationId xmlns:a16="http://schemas.microsoft.com/office/drawing/2014/main" id="{B895DD35-E118-3DF1-75FD-AAFCA4A0C171}"/>
+              </a:ext>
+              <a:ext uri="{C183D7F6-B498-43B3-948B-1728B52AA6E4}">
+                <adec:decorative xmlns:adec="http://schemas.microsoft.com/office/drawing/2017/decorative" val="1"/>
+              </a:ext>
+            </a:extLst>
+          </p:cNvPr>
+          <p:cNvSpPr>
+            <a:spLocks noGrp="1" noRot="1" noChangeAspect="1" noMove="1" noResize="1" noEditPoints="1" noAdjustHandles="1" noChangeArrowheads="1" noChangeShapeType="1" noTextEdit="1"/>
+          </p:cNvSpPr>
+          <p:nvPr>
+            <p:extLst>
+              <p:ext uri="{386F3935-93C4-4BCD-93E2-E3B085C9AB24}">
+                <p16:designElem xmlns:p16="http://schemas.microsoft.com/office/powerpoint/2015/main" val="1"/>
+              </p:ext>
+            </p:extLst>
+          </p:nvPr>
+        </p:nvSpPr>
+        <p:spPr>
+          <a:xfrm>
+            <a:off x="0" y="0"/>
+            <a:ext cx="12192000" cy="6858000"/>
+          </a:xfrm>
+          <a:prstGeom prst="rect">
+            <a:avLst/>
+          </a:prstGeom>
+          <a:ln w="12700" cap="flat" cmpd="sng" algn="ctr">
+            <a:noFill/>
+            <a:prstDash val="solid"/>
+            <a:miter lim="800000"/>
+          </a:ln>
+          <a:effectLst/>
+          <a:extLst>
+            <a:ext uri="{91240B29-F687-4F45-9708-019B960494DF}">
+              <a14:hiddenLine xmlns:a14="http://schemas.microsoft.com/office/drawing/2010/main" w="12700" cap="flat" cmpd="sng" algn="ctr">
+                <a:solidFill>
+                  <a:schemeClr val="accent1">
+                    <a:shade val="50000"/>
+                  </a:schemeClr>
+                </a:solidFill>
+                <a:prstDash val="solid"/>
+                <a:miter lim="800000"/>
+              </a14:hiddenLine>
+            </a:ext>
+          </a:extLst>
+        </p:spPr>
+        <p:style>
+          <a:lnRef idx="2">
+            <a:schemeClr val="accent1">
+              <a:shade val="50000"/>
+            </a:schemeClr>
+          </a:lnRef>
+          <a:fillRef idx="1">
+            <a:schemeClr val="accent1"/>
+          </a:fillRef>
+          <a:effectRef idx="0">
+            <a:schemeClr val="accent1"/>
+          </a:effectRef>
+          <a:fontRef idx="minor">
+            <a:schemeClr val="lt1"/>
+          </a:fontRef>
+        </p:style>
+        <p:txBody>
+          <a:bodyPr rtlCol="0" anchor="ctr"/>
+          <a:lstStyle/>
+          <a:p>
+            <a:pPr algn="ctr"/>
+            <a:endParaRPr lang="en-US"/>
+          </a:p>
+        </p:txBody>
+      </p:sp>
+      <p:sp>
+        <p:nvSpPr>
+          <p:cNvPr id="32" name="Rectangle 31">
+            <a:extLst>
+              <a:ext uri="{FF2B5EF4-FFF2-40B4-BE49-F238E27FC236}">
+                <a16:creationId xmlns:a16="http://schemas.microsoft.com/office/drawing/2014/main" id="{483B4A19-6FF8-BD4C-723C-3E182D583607}"/>
+              </a:ext>
+              <a:ext uri="{C183D7F6-B498-43B3-948B-1728B52AA6E4}">
+                <adec:decorative xmlns:adec="http://schemas.microsoft.com/office/drawing/2017/decorative" val="1"/>
+              </a:ext>
+            </a:extLst>
+          </p:cNvPr>
+          <p:cNvSpPr>
+            <a:spLocks noGrp="1" noRot="1" noChangeAspect="1" noMove="1" noResize="1" noEditPoints="1" noAdjustHandles="1" noChangeArrowheads="1" noChangeShapeType="1" noTextEdit="1"/>
+          </p:cNvSpPr>
+          <p:nvPr>
+            <p:extLst>
+              <p:ext uri="{386F3935-93C4-4BCD-93E2-E3B085C9AB24}">
+                <p16:designElem xmlns:p16="http://schemas.microsoft.com/office/powerpoint/2015/main" val="1"/>
+              </p:ext>
+            </p:extLst>
+          </p:nvPr>
+        </p:nvSpPr>
+        <p:spPr>
+          <a:xfrm flipH="1">
+            <a:off x="2" y="0"/>
+            <a:ext cx="12191998" cy="1575955"/>
+          </a:xfrm>
+          <a:prstGeom prst="rect">
+            <a:avLst/>
+          </a:prstGeom>
+          <a:gradFill>
+            <a:gsLst>
+              <a:gs pos="0">
+                <a:srgbClr val="000000">
+                  <a:alpha val="96000"/>
+                </a:srgbClr>
+              </a:gs>
+              <a:gs pos="100000">
+                <a:schemeClr val="accent1">
+                  <a:lumMod val="75000"/>
+                </a:schemeClr>
+              </a:gs>
+            </a:gsLst>
+            <a:lin ang="8400000" scaled="0"/>
+          </a:gradFill>
+          <a:ln>
+            <a:noFill/>
+          </a:ln>
+        </p:spPr>
+        <p:style>
+          <a:lnRef idx="2">
+            <a:schemeClr val="accent1">
+              <a:shade val="50000"/>
+            </a:schemeClr>
+          </a:lnRef>
+          <a:fillRef idx="1">
+            <a:schemeClr val="accent1"/>
+          </a:fillRef>
+          <a:effectRef idx="0">
+            <a:schemeClr val="accent1"/>
+          </a:effectRef>
+          <a:fontRef idx="minor">
+            <a:schemeClr val="lt1"/>
+          </a:fontRef>
+        </p:style>
+        <p:txBody>
+          <a:bodyPr rtlCol="0" anchor="ctr"/>
+          <a:lstStyle/>
+          <a:p>
+            <a:pPr algn="ctr"/>
+            <a:endParaRPr lang="en-US"/>
+          </a:p>
+        </p:txBody>
+      </p:sp>
+      <p:sp>
+        <p:nvSpPr>
+          <p:cNvPr id="34" name="Rectangle 33">
+            <a:extLst>
+              <a:ext uri="{FF2B5EF4-FFF2-40B4-BE49-F238E27FC236}">
+                <a16:creationId xmlns:a16="http://schemas.microsoft.com/office/drawing/2014/main" id="{631BBC32-CF07-60C2-A73E-EF736DEC10D8}"/>
+              </a:ext>
+              <a:ext uri="{C183D7F6-B498-43B3-948B-1728B52AA6E4}">
+                <adec:decorative xmlns:adec="http://schemas.microsoft.com/office/drawing/2017/decorative" val="1"/>
+              </a:ext>
+            </a:extLst>
+          </p:cNvPr>
+          <p:cNvSpPr>
+            <a:spLocks noGrp="1" noRot="1" noChangeAspect="1" noMove="1" noResize="1" noEditPoints="1" noAdjustHandles="1" noChangeArrowheads="1" noChangeShapeType="1" noTextEdit="1"/>
+          </p:cNvSpPr>
+          <p:nvPr>
+            <p:extLst>
+              <p:ext uri="{386F3935-93C4-4BCD-93E2-E3B085C9AB24}">
+                <p16:designElem xmlns:p16="http://schemas.microsoft.com/office/powerpoint/2015/main" val="1"/>
+              </p:ext>
+            </p:extLst>
+          </p:nvPr>
+        </p:nvSpPr>
+        <p:spPr>
+          <a:xfrm rot="10800000" flipH="1">
+            <a:off x="8128857" y="0"/>
+            <a:ext cx="4063143" cy="1576412"/>
+          </a:xfrm>
+          <a:prstGeom prst="rect">
+            <a:avLst/>
+          </a:prstGeom>
+          <a:gradFill>
+            <a:gsLst>
+              <a:gs pos="19000">
+                <a:schemeClr val="accent1">
+                  <a:lumMod val="50000"/>
+                  <a:alpha val="68000"/>
+                </a:schemeClr>
+              </a:gs>
+              <a:gs pos="100000">
+                <a:schemeClr val="accent1">
+                  <a:alpha val="79000"/>
+                </a:schemeClr>
+              </a:gs>
+            </a:gsLst>
+            <a:lin ang="19200000" scaled="0"/>
+          </a:gradFill>
+          <a:ln>
+            <a:noFill/>
+          </a:ln>
+        </p:spPr>
+        <p:style>
+          <a:lnRef idx="2">
+            <a:schemeClr val="accent1">
+              <a:shade val="50000"/>
+            </a:schemeClr>
+          </a:lnRef>
+          <a:fillRef idx="1">
+            <a:schemeClr val="accent1"/>
+          </a:fillRef>
+          <a:effectRef idx="0">
+            <a:schemeClr val="accent1"/>
+          </a:effectRef>
+          <a:fontRef idx="minor">
+            <a:schemeClr val="lt1"/>
+          </a:fontRef>
+        </p:style>
+        <p:txBody>
+          <a:bodyPr rtlCol="0" anchor="ctr"/>
+          <a:lstStyle/>
+          <a:p>
+            <a:pPr algn="ctr"/>
+            <a:endParaRPr lang="en-US"/>
+          </a:p>
+        </p:txBody>
+      </p:sp>
+      <p:sp>
+        <p:nvSpPr>
+          <p:cNvPr id="36" name="Rectangle 35">
+            <a:extLst>
+              <a:ext uri="{FF2B5EF4-FFF2-40B4-BE49-F238E27FC236}">
+                <a16:creationId xmlns:a16="http://schemas.microsoft.com/office/drawing/2014/main" id="{D9342218-2619-0FC2-5866-C53C1F21AE5D}"/>
+              </a:ext>
+              <a:ext uri="{C183D7F6-B498-43B3-948B-1728B52AA6E4}">
+                <adec:decorative xmlns:adec="http://schemas.microsoft.com/office/drawing/2017/decorative" val="1"/>
+              </a:ext>
+            </a:extLst>
+          </p:cNvPr>
+          <p:cNvSpPr>
+            <a:spLocks noGrp="1" noRot="1" noChangeAspect="1" noMove="1" noResize="1" noEditPoints="1" noAdjustHandles="1" noChangeArrowheads="1" noChangeShapeType="1" noTextEdit="1"/>
+          </p:cNvSpPr>
+          <p:nvPr>
+            <p:extLst>
+              <p:ext uri="{386F3935-93C4-4BCD-93E2-E3B085C9AB24}">
+                <p16:designElem xmlns:p16="http://schemas.microsoft.com/office/powerpoint/2015/main" val="1"/>
+              </p:ext>
+            </p:extLst>
+          </p:nvPr>
+        </p:nvSpPr>
+        <p:spPr>
+          <a:xfrm rot="5400000">
+            <a:off x="5307777" y="-5307778"/>
+            <a:ext cx="1576446" cy="12192002"/>
+          </a:xfrm>
+          <a:prstGeom prst="rect">
+            <a:avLst/>
+          </a:prstGeom>
+          <a:gradFill>
+            <a:gsLst>
+              <a:gs pos="23000">
+                <a:schemeClr val="accent1">
+                  <a:alpha val="0"/>
+                </a:schemeClr>
+              </a:gs>
+              <a:gs pos="99000">
+                <a:srgbClr val="000000">
+                  <a:alpha val="74000"/>
+                </a:srgbClr>
+              </a:gs>
+            </a:gsLst>
+            <a:lin ang="20400000" scaled="0"/>
+          </a:gradFill>
+          <a:ln>
+            <a:noFill/>
+          </a:ln>
+        </p:spPr>
+        <p:style>
+          <a:lnRef idx="2">
+            <a:schemeClr val="accent1">
+              <a:shade val="50000"/>
+            </a:schemeClr>
+          </a:lnRef>
+          <a:fillRef idx="1">
+            <a:schemeClr val="accent1"/>
+          </a:fillRef>
+          <a:effectRef idx="0">
+            <a:schemeClr val="accent1"/>
+          </a:effectRef>
+          <a:fontRef idx="minor">
+            <a:schemeClr val="lt1"/>
+          </a:fontRef>
+        </p:style>
+        <p:txBody>
+          <a:bodyPr rtlCol="0" anchor="ctr"/>
+          <a:lstStyle/>
+          <a:p>
+            <a:pPr algn="ctr"/>
+            <a:endParaRPr lang="en-US" dirty="0"/>
+          </a:p>
+        </p:txBody>
+      </p:sp>
+      <p:sp>
+        <p:nvSpPr>
+          <p:cNvPr id="2" name="Title 1">
+            <a:extLst>
+              <a:ext uri="{FF2B5EF4-FFF2-40B4-BE49-F238E27FC236}">
+                <a16:creationId xmlns:a16="http://schemas.microsoft.com/office/drawing/2014/main" id="{165E5704-592D-56FF-B5A4-FCDCB3C75FC4}"/>
+              </a:ext>
+            </a:extLst>
+          </p:cNvPr>
+          <p:cNvSpPr>
+            <a:spLocks noGrp="1"/>
+          </p:cNvSpPr>
+          <p:nvPr>
+            <p:ph type="title"/>
+          </p:nvPr>
+        </p:nvSpPr>
+        <p:spPr>
+          <a:xfrm>
+            <a:off x="1371597" y="348865"/>
+            <a:ext cx="10044023" cy="877729"/>
+          </a:xfrm>
+        </p:spPr>
+        <p:txBody>
+          <a:bodyPr anchor="ctr">
+            <a:normAutofit/>
+          </a:bodyPr>
+          <a:lstStyle/>
+          <a:p>
+            <a:r>
+              <a:rPr lang="en-US" sz="4000" dirty="0">
+                <a:solidFill>
+                  <a:srgbClr val="FFFFFF"/>
+                </a:solidFill>
+              </a:rPr>
+              <a:t>Loss Average Stats</a:t>
+            </a:r>
+          </a:p>
+        </p:txBody>
+      </p:sp>
+      <p:sp>
+        <p:nvSpPr>
+          <p:cNvPr id="5" name="Content Placeholder 4">
+            <a:extLst>
+              <a:ext uri="{FF2B5EF4-FFF2-40B4-BE49-F238E27FC236}">
+                <a16:creationId xmlns:a16="http://schemas.microsoft.com/office/drawing/2014/main" id="{F8EB47BC-2444-E3EA-FF92-3D94F3FA0655}"/>
+              </a:ext>
+            </a:extLst>
+          </p:cNvPr>
+          <p:cNvSpPr>
+            <a:spLocks noGrp="1"/>
+          </p:cNvSpPr>
+          <p:nvPr>
+            <p:ph idx="1"/>
+          </p:nvPr>
+        </p:nvSpPr>
+        <p:spPr/>
+        <p:txBody>
+          <a:bodyPr/>
+          <a:lstStyle/>
+          <a:p>
+            <a:endParaRPr lang="en-US"/>
+          </a:p>
+        </p:txBody>
+      </p:sp>
+    </p:spTree>
+    <p:extLst>
+      <p:ext uri="{BB962C8B-B14F-4D97-AF65-F5344CB8AC3E}">
+        <p14:creationId xmlns:p14="http://schemas.microsoft.com/office/powerpoint/2010/main" val="2054070258"/>
+      </p:ext>
+    </p:extLst>
+  </p:cSld>
+  <p:clrMapOvr>
+    <a:masterClrMapping/>
+  </p:clrMapOvr>
+</p:sld>
+</file>
+
+<file path=ppt/slides/slide14.xml><?xml version="1.0" encoding="utf-8"?>
+<p:sld xmlns:a="http://schemas.openxmlformats.org/drawingml/2006/main" xmlns:r="http://schemas.openxmlformats.org/officeDocument/2006/relationships" xmlns:p="http://schemas.openxmlformats.org/presentationml/2006/main">
+  <p:cSld>
+    <p:bg>
+      <p:bgPr>
+        <a:solidFill>
+          <a:schemeClr val="bg1"/>
+        </a:solidFill>
+        <a:effectLst/>
+      </p:bgPr>
+    </p:bg>
+    <p:spTree>
+      <p:nvGrpSpPr>
+        <p:cNvPr id="1" name="">
+          <a:extLst>
+            <a:ext uri="{FF2B5EF4-FFF2-40B4-BE49-F238E27FC236}">
+              <a16:creationId xmlns:a16="http://schemas.microsoft.com/office/drawing/2014/main" id="{B48AE1DB-AC86-03D9-105B-D7D000AA983F}"/>
+            </a:ext>
+          </a:extLst>
+        </p:cNvPr>
+        <p:cNvGrpSpPr/>
+        <p:nvPr/>
+      </p:nvGrpSpPr>
+      <p:grpSpPr>
+        <a:xfrm>
+          <a:off x="0" y="0"/>
+          <a:ext cx="0" cy="0"/>
+          <a:chOff x="0" y="0"/>
+          <a:chExt cx="0" cy="0"/>
+        </a:xfrm>
+      </p:grpSpPr>
+      <p:sp useBgFill="1">
+        <p:nvSpPr>
+          <p:cNvPr id="43" name="Rectangle 42">
+            <a:extLst>
+              <a:ext uri="{FF2B5EF4-FFF2-40B4-BE49-F238E27FC236}">
+                <a16:creationId xmlns:a16="http://schemas.microsoft.com/office/drawing/2014/main" id="{A3363022-C969-41E9-8EB2-E4C94908C1FA}"/>
+              </a:ext>
+              <a:ext uri="{C183D7F6-B498-43B3-948B-1728B52AA6E4}">
+                <adec:decorative xmlns:adec="http://schemas.microsoft.com/office/drawing/2017/decorative" val="1"/>
+              </a:ext>
+            </a:extLst>
+          </p:cNvPr>
+          <p:cNvSpPr>
+            <a:spLocks noGrp="1" noRot="1" noChangeAspect="1" noMove="1" noResize="1" noEditPoints="1" noAdjustHandles="1" noChangeArrowheads="1" noChangeShapeType="1" noTextEdit="1"/>
+          </p:cNvSpPr>
+          <p:nvPr>
+            <p:extLst>
+              <p:ext uri="{386F3935-93C4-4BCD-93E2-E3B085C9AB24}">
+                <p16:designElem xmlns:p16="http://schemas.microsoft.com/office/powerpoint/2015/main" val="1"/>
+              </p:ext>
+            </p:extLst>
+          </p:nvPr>
+        </p:nvSpPr>
+        <p:spPr>
+          <a:xfrm>
+            <a:off x="0" y="-1"/>
+            <a:ext cx="12191695" cy="6852025"/>
+          </a:xfrm>
+          <a:prstGeom prst="rect">
+            <a:avLst/>
+          </a:prstGeom>
+          <a:ln>
+            <a:noFill/>
+          </a:ln>
+        </p:spPr>
+        <p:style>
+          <a:lnRef idx="2">
+            <a:schemeClr val="accent1">
+              <a:shade val="50000"/>
+            </a:schemeClr>
+          </a:lnRef>
+          <a:fillRef idx="1">
+            <a:schemeClr val="accent1"/>
+          </a:fillRef>
+          <a:effectRef idx="0">
+            <a:schemeClr val="accent1"/>
+          </a:effectRef>
+          <a:fontRef idx="minor">
+            <a:schemeClr val="lt1"/>
+          </a:fontRef>
+        </p:style>
+        <p:txBody>
+          <a:bodyPr rtlCol="0" anchor="ctr"/>
+          <a:lstStyle/>
+          <a:p>
+            <a:pPr algn="ctr"/>
+            <a:endParaRPr lang="en-US"/>
+          </a:p>
+        </p:txBody>
+      </p:sp>
+      <p:sp>
+        <p:nvSpPr>
+          <p:cNvPr id="45" name="Rectangle 44">
+            <a:extLst>
+              <a:ext uri="{FF2B5EF4-FFF2-40B4-BE49-F238E27FC236}">
+                <a16:creationId xmlns:a16="http://schemas.microsoft.com/office/drawing/2014/main" id="{8D1AD6B3-BE88-4CEB-BA17-790657CC4729}"/>
+              </a:ext>
+              <a:ext uri="{C183D7F6-B498-43B3-948B-1728B52AA6E4}">
+                <adec:decorative xmlns:adec="http://schemas.microsoft.com/office/drawing/2017/decorative" val="1"/>
+              </a:ext>
+            </a:extLst>
+          </p:cNvPr>
+          <p:cNvSpPr>
+            <a:spLocks noGrp="1" noRot="1" noChangeAspect="1" noMove="1" noResize="1" noEditPoints="1" noAdjustHandles="1" noChangeArrowheads="1" noChangeShapeType="1" noTextEdit="1"/>
+          </p:cNvSpPr>
+          <p:nvPr>
+            <p:extLst>
+              <p:ext uri="{386F3935-93C4-4BCD-93E2-E3B085C9AB24}">
+                <p16:designElem xmlns:p16="http://schemas.microsoft.com/office/powerpoint/2015/main" val="1"/>
+              </p:ext>
+            </p:extLst>
+          </p:nvPr>
+        </p:nvSpPr>
+        <p:spPr>
+          <a:xfrm>
+            <a:off x="305" y="0"/>
+            <a:ext cx="12191695" cy="6858000"/>
+          </a:xfrm>
+          <a:prstGeom prst="rect">
+            <a:avLst/>
+          </a:prstGeom>
+          <a:solidFill>
+            <a:schemeClr val="bg1"/>
+          </a:solidFill>
+          <a:ln>
+            <a:noFill/>
+          </a:ln>
+        </p:spPr>
+        <p:style>
+          <a:lnRef idx="2">
+            <a:schemeClr val="accent1">
+              <a:shade val="50000"/>
+            </a:schemeClr>
+          </a:lnRef>
+          <a:fillRef idx="1">
+            <a:schemeClr val="accent1"/>
+          </a:fillRef>
+          <a:effectRef idx="0">
+            <a:schemeClr val="accent1"/>
+          </a:effectRef>
+          <a:fontRef idx="minor">
+            <a:schemeClr val="lt1"/>
+          </a:fontRef>
+        </p:style>
+        <p:txBody>
+          <a:bodyPr rtlCol="0" anchor="ctr"/>
+          <a:lstStyle/>
+          <a:p>
+            <a:pPr algn="ctr"/>
+            <a:endParaRPr lang="en-US"/>
+          </a:p>
+        </p:txBody>
+      </p:sp>
+      <p:sp>
+        <p:nvSpPr>
+          <p:cNvPr id="2" name="Title 1">
+            <a:extLst>
+              <a:ext uri="{FF2B5EF4-FFF2-40B4-BE49-F238E27FC236}">
+                <a16:creationId xmlns:a16="http://schemas.microsoft.com/office/drawing/2014/main" id="{0FE125FB-8FBF-F05C-F638-A88B95DA6C61}"/>
+              </a:ext>
+            </a:extLst>
+          </p:cNvPr>
+          <p:cNvSpPr>
+            <a:spLocks noGrp="1"/>
+          </p:cNvSpPr>
+          <p:nvPr>
+            <p:ph type="title"/>
+          </p:nvPr>
+        </p:nvSpPr>
+        <p:spPr>
+          <a:xfrm>
+            <a:off x="6590662" y="4267832"/>
+            <a:ext cx="4805996" cy="1297115"/>
+          </a:xfrm>
+        </p:spPr>
+        <p:txBody>
+          <a:bodyPr vert="horz" lIns="91440" tIns="45720" rIns="91440" bIns="45720" rtlCol="0" anchor="t">
+            <a:normAutofit/>
+          </a:bodyPr>
+          <a:lstStyle/>
+          <a:p>
+            <a:r>
+              <a:rPr lang="en-US" sz="4000" kern="1200" dirty="0">
+                <a:solidFill>
+                  <a:schemeClr val="tx2"/>
+                </a:solidFill>
+                <a:latin typeface="+mj-lt"/>
+                <a:ea typeface="+mj-ea"/>
+                <a:cs typeface="+mj-cs"/>
+              </a:rPr>
+              <a:t>Starters – Game Stats</a:t>
+            </a:r>
+          </a:p>
+        </p:txBody>
+      </p:sp>
+      <p:pic>
+        <p:nvPicPr>
+          <p:cNvPr id="40" name="Graphic 39" descr="Users">
+            <a:extLst>
+              <a:ext uri="{FF2B5EF4-FFF2-40B4-BE49-F238E27FC236}">
+                <a16:creationId xmlns:a16="http://schemas.microsoft.com/office/drawing/2014/main" id="{622C39F8-0895-ADBA-DB85-17B1B410CBB9}"/>
+              </a:ext>
+            </a:extLst>
+          </p:cNvPr>
+          <p:cNvPicPr>
+            <a:picLocks noChangeAspect="1"/>
+          </p:cNvPicPr>
+          <p:nvPr/>
+        </p:nvPicPr>
+        <p:blipFill>
+          <a:blip r:embed="rId2">
+            <a:extLst>
+              <a:ext uri="{28A0092B-C50C-407E-A947-70E740481C1C}">
+                <a14:useLocalDpi xmlns:a14="http://schemas.microsoft.com/office/drawing/2010/main" val="0"/>
+              </a:ext>
+              <a:ext uri="{96DAC541-7B7A-43D3-8B79-37D633B846F1}">
+                <asvg:svgBlip xmlns:asvg="http://schemas.microsoft.com/office/drawing/2016/SVG/main" r:embed="rId3"/>
+              </a:ext>
+            </a:extLst>
+          </a:blip>
+          <a:stretch>
+            <a:fillRect/>
+          </a:stretch>
+        </p:blipFill>
+        <p:spPr>
+          <a:xfrm>
+            <a:off x="340470" y="1815320"/>
+            <a:ext cx="4141760" cy="4141760"/>
+          </a:xfrm>
+          <a:custGeom>
+            <a:avLst/>
+            <a:gdLst/>
+            <a:ahLst/>
+            <a:cxnLst/>
+            <a:rect l="l" t="t" r="r" b="b"/>
+            <a:pathLst>
+              <a:path w="4141760" h="4377846">
+                <a:moveTo>
+                  <a:pt x="0" y="0"/>
+                </a:moveTo>
+                <a:lnTo>
+                  <a:pt x="4141760" y="0"/>
+                </a:lnTo>
+                <a:lnTo>
+                  <a:pt x="4141760" y="4377846"/>
+                </a:lnTo>
+                <a:lnTo>
+                  <a:pt x="0" y="4377846"/>
+                </a:lnTo>
+                <a:close/>
+              </a:path>
+            </a:pathLst>
+          </a:custGeom>
+        </p:spPr>
+      </p:pic>
+      <p:grpSp>
+        <p:nvGrpSpPr>
+          <p:cNvPr id="47" name="Group 46">
+            <a:extLst>
+              <a:ext uri="{FF2B5EF4-FFF2-40B4-BE49-F238E27FC236}">
+                <a16:creationId xmlns:a16="http://schemas.microsoft.com/office/drawing/2014/main" id="{89D1390B-7E13-4B4F-9CB2-391063412E54}"/>
+              </a:ext>
+              <a:ext uri="{C183D7F6-B498-43B3-948B-1728B52AA6E4}">
+                <adec:decorative xmlns:adec="http://schemas.microsoft.com/office/drawing/2017/decorative" val="1"/>
+              </a:ext>
+            </a:extLst>
+          </p:cNvPr>
+          <p:cNvGrpSpPr>
+            <a:grpSpLocks noGrp="1" noUngrp="1" noRot="1" noChangeAspect="1" noMove="1" noResize="1"/>
+          </p:cNvGrpSpPr>
+          <p:nvPr>
+            <p:extLst>
+              <p:ext uri="{386F3935-93C4-4BCD-93E2-E3B085C9AB24}">
+                <p16:designElem xmlns:p16="http://schemas.microsoft.com/office/powerpoint/2015/main" val="1"/>
+              </p:ext>
+            </p:extLst>
+          </p:nvPr>
+        </p:nvGrpSpPr>
+        <p:grpSpPr>
+          <a:xfrm>
+            <a:off x="-4253" y="-5977"/>
+            <a:ext cx="6238675" cy="6863979"/>
+            <a:chOff x="305" y="-5977"/>
+            <a:chExt cx="6238675" cy="6863979"/>
+          </a:xfrm>
+        </p:grpSpPr>
+        <p:sp>
+          <p:nvSpPr>
+            <p:cNvPr id="48" name="Freeform: Shape 47">
+              <a:extLst>
+                <a:ext uri="{FF2B5EF4-FFF2-40B4-BE49-F238E27FC236}">
+                  <a16:creationId xmlns:a16="http://schemas.microsoft.com/office/drawing/2014/main" id="{9E720206-AA49-4786-A932-A2650DE09183}"/>
+                </a:ext>
+                <a:ext uri="{C183D7F6-B498-43B3-948B-1728B52AA6E4}">
+                  <adec:decorative xmlns:adec="http://schemas.microsoft.com/office/drawing/2017/decorative" val="1"/>
+                </a:ext>
+              </a:extLst>
+            </p:cNvPr>
+            <p:cNvSpPr/>
+            <p:nvPr>
+              <p:extLst>
+                <p:ext uri="{386F3935-93C4-4BCD-93E2-E3B085C9AB24}">
+                  <p16:designElem xmlns:p16="http://schemas.microsoft.com/office/powerpoint/2015/main" val="1"/>
+                </p:ext>
+              </p:extLst>
+            </p:nvPr>
+          </p:nvSpPr>
+          <p:spPr>
+            <a:xfrm flipH="1">
+              <a:off x="305" y="34854"/>
+              <a:ext cx="6028697" cy="6817170"/>
+            </a:xfrm>
+            <a:custGeom>
+              <a:avLst/>
+              <a:gdLst>
+                <a:gd name="connsiteX0" fmla="*/ 6028697 w 6028697"/>
+                <a:gd name="connsiteY0" fmla="*/ 6155323 h 6817170"/>
+                <a:gd name="connsiteX1" fmla="*/ 6028697 w 6028697"/>
+                <a:gd name="connsiteY1" fmla="*/ 6817170 h 6817170"/>
+                <a:gd name="connsiteX2" fmla="*/ 5157862 w 6028697"/>
+                <a:gd name="connsiteY2" fmla="*/ 6817170 h 6817170"/>
+                <a:gd name="connsiteX3" fmla="*/ 5347156 w 6028697"/>
+                <a:gd name="connsiteY3" fmla="*/ 6687553 h 6817170"/>
+                <a:gd name="connsiteX4" fmla="*/ 5487470 w 6028697"/>
+                <a:gd name="connsiteY4" fmla="*/ 6581714 h 6817170"/>
+                <a:gd name="connsiteX5" fmla="*/ 5627642 w 6028697"/>
+                <a:gd name="connsiteY5" fmla="*/ 6472328 h 6817170"/>
+                <a:gd name="connsiteX6" fmla="*/ 5911392 w 6028697"/>
+                <a:gd name="connsiteY6" fmla="*/ 6245328 h 6817170"/>
+                <a:gd name="connsiteX7" fmla="*/ 4481066 w 6028697"/>
+                <a:gd name="connsiteY7" fmla="*/ 478 h 6817170"/>
+                <a:gd name="connsiteX8" fmla="*/ 4672258 w 6028697"/>
+                <a:gd name="connsiteY8" fmla="*/ 7519 h 6817170"/>
+                <a:gd name="connsiteX9" fmla="*/ 5429869 w 6028697"/>
+                <a:gd name="connsiteY9" fmla="*/ 125134 h 6817170"/>
+                <a:gd name="connsiteX10" fmla="*/ 5976319 w 6028697"/>
+                <a:gd name="connsiteY10" fmla="*/ 314893 h 6817170"/>
+                <a:gd name="connsiteX11" fmla="*/ 6028697 w 6028697"/>
+                <a:gd name="connsiteY11" fmla="*/ 339901 h 6817170"/>
+                <a:gd name="connsiteX12" fmla="*/ 6028697 w 6028697"/>
+                <a:gd name="connsiteY12" fmla="*/ 732458 h 6817170"/>
+                <a:gd name="connsiteX13" fmla="*/ 5990985 w 6028697"/>
+                <a:gd name="connsiteY13" fmla="*/ 712211 h 6817170"/>
+                <a:gd name="connsiteX14" fmla="*/ 5341339 w 6028697"/>
+                <a:gd name="connsiteY14" fmla="*/ 475281 h 6817170"/>
+                <a:gd name="connsiteX15" fmla="*/ 4651969 w 6028697"/>
+                <a:gd name="connsiteY15" fmla="*/ 377104 h 6817170"/>
+                <a:gd name="connsiteX16" fmla="*/ 3953093 w 6028697"/>
+                <a:gd name="connsiteY16" fmla="*/ 402498 h 6817170"/>
+                <a:gd name="connsiteX17" fmla="*/ 3267413 w 6028697"/>
+                <a:gd name="connsiteY17" fmla="*/ 546643 h 6817170"/>
+                <a:gd name="connsiteX18" fmla="*/ 1439498 w 6028697"/>
+                <a:gd name="connsiteY18" fmla="*/ 1568141 h 6817170"/>
+                <a:gd name="connsiteX19" fmla="*/ 960671 w 6028697"/>
+                <a:gd name="connsiteY19" fmla="*/ 2082013 h 6817170"/>
+                <a:gd name="connsiteX20" fmla="*/ 581866 w 6028697"/>
+                <a:gd name="connsiteY20" fmla="*/ 2672638 h 6817170"/>
+                <a:gd name="connsiteX21" fmla="*/ 324789 w 6028697"/>
+                <a:gd name="connsiteY21" fmla="*/ 3325262 h 6817170"/>
+                <a:gd name="connsiteX22" fmla="*/ 231151 w 6028697"/>
+                <a:gd name="connsiteY22" fmla="*/ 4022292 h 6817170"/>
+                <a:gd name="connsiteX23" fmla="*/ 270592 w 6028697"/>
+                <a:gd name="connsiteY23" fmla="*/ 4362792 h 6817170"/>
+                <a:gd name="connsiteX24" fmla="*/ 387213 w 6028697"/>
+                <a:gd name="connsiteY24" fmla="*/ 4681585 h 6817170"/>
+                <a:gd name="connsiteX25" fmla="*/ 468507 w 6028697"/>
+                <a:gd name="connsiteY25" fmla="*/ 4831546 h 6817170"/>
+                <a:gd name="connsiteX26" fmla="*/ 561862 w 6028697"/>
+                <a:gd name="connsiteY26" fmla="*/ 4976826 h 6817170"/>
+                <a:gd name="connsiteX27" fmla="*/ 777511 w 6028697"/>
+                <a:gd name="connsiteY27" fmla="*/ 5257597 h 6817170"/>
+                <a:gd name="connsiteX28" fmla="*/ 1010895 w 6028697"/>
+                <a:gd name="connsiteY28" fmla="*/ 5540494 h 6817170"/>
+                <a:gd name="connsiteX29" fmla="*/ 1126948 w 6028697"/>
+                <a:gd name="connsiteY29" fmla="*/ 5688186 h 6817170"/>
+                <a:gd name="connsiteX30" fmla="*/ 1182706 w 6028697"/>
+                <a:gd name="connsiteY30" fmla="*/ 5760543 h 6817170"/>
+                <a:gd name="connsiteX31" fmla="*/ 1237327 w 6028697"/>
+                <a:gd name="connsiteY31" fmla="*/ 5830060 h 6817170"/>
+                <a:gd name="connsiteX32" fmla="*/ 1706649 w 6028697"/>
+                <a:gd name="connsiteY32" fmla="*/ 6342797 h 6817170"/>
+                <a:gd name="connsiteX33" fmla="*/ 1956207 w 6028697"/>
+                <a:gd name="connsiteY33" fmla="*/ 6573484 h 6817170"/>
+                <a:gd name="connsiteX34" fmla="*/ 2217681 w 6028697"/>
+                <a:gd name="connsiteY34" fmla="*/ 6786297 h 6817170"/>
+                <a:gd name="connsiteX35" fmla="*/ 2260820 w 6028697"/>
+                <a:gd name="connsiteY35" fmla="*/ 6817170 h 6817170"/>
+                <a:gd name="connsiteX36" fmla="*/ 1429497 w 6028697"/>
+                <a:gd name="connsiteY36" fmla="*/ 6817170 h 6817170"/>
+                <a:gd name="connsiteX37" fmla="*/ 1327275 w 6028697"/>
+                <a:gd name="connsiteY37" fmla="*/ 6713800 h 6817170"/>
+                <a:gd name="connsiteX38" fmla="*/ 1080556 w 6028697"/>
+                <a:gd name="connsiteY38" fmla="*/ 6414443 h 6817170"/>
+                <a:gd name="connsiteX39" fmla="*/ 865189 w 6028697"/>
+                <a:gd name="connsiteY39" fmla="*/ 6097496 h 6817170"/>
+                <a:gd name="connsiteX40" fmla="*/ 814823 w 6028697"/>
+                <a:gd name="connsiteY40" fmla="*/ 6016911 h 6817170"/>
+                <a:gd name="connsiteX41" fmla="*/ 766729 w 6028697"/>
+                <a:gd name="connsiteY41" fmla="*/ 5938453 h 6817170"/>
+                <a:gd name="connsiteX42" fmla="*/ 671672 w 6028697"/>
+                <a:gd name="connsiteY42" fmla="*/ 5786648 h 6817170"/>
+                <a:gd name="connsiteX43" fmla="*/ 474608 w 6028697"/>
+                <a:gd name="connsiteY43" fmla="*/ 5474664 h 6817170"/>
+                <a:gd name="connsiteX44" fmla="*/ 282652 w 6028697"/>
+                <a:gd name="connsiteY44" fmla="*/ 5146508 h 6817170"/>
+                <a:gd name="connsiteX45" fmla="*/ 196108 w 6028697"/>
+                <a:gd name="connsiteY45" fmla="*/ 4972712 h 6817170"/>
+                <a:gd name="connsiteX46" fmla="*/ 122474 w 6028697"/>
+                <a:gd name="connsiteY46" fmla="*/ 4791821 h 6817170"/>
+                <a:gd name="connsiteX47" fmla="*/ 65724 w 6028697"/>
+                <a:gd name="connsiteY47" fmla="*/ 4603129 h 6817170"/>
+                <a:gd name="connsiteX48" fmla="*/ 44727 w 6028697"/>
+                <a:gd name="connsiteY48" fmla="*/ 4506937 h 6817170"/>
+                <a:gd name="connsiteX49" fmla="*/ 35505 w 6028697"/>
+                <a:gd name="connsiteY49" fmla="*/ 4458699 h 6817170"/>
+                <a:gd name="connsiteX50" fmla="*/ 27845 w 6028697"/>
+                <a:gd name="connsiteY50" fmla="*/ 4410320 h 6817170"/>
+                <a:gd name="connsiteX51" fmla="*/ 37 w 6028697"/>
+                <a:gd name="connsiteY51" fmla="*/ 4022292 h 6817170"/>
+                <a:gd name="connsiteX52" fmla="*/ 78777 w 6028697"/>
+                <a:gd name="connsiteY52" fmla="*/ 3267236 h 6817170"/>
+                <a:gd name="connsiteX53" fmla="*/ 315424 w 6028697"/>
+                <a:gd name="connsiteY53" fmla="*/ 2543673 h 6817170"/>
+                <a:gd name="connsiteX54" fmla="*/ 1202710 w 6028697"/>
+                <a:gd name="connsiteY54" fmla="*/ 1314895 h 6817170"/>
+                <a:gd name="connsiteX55" fmla="*/ 1791065 w 6028697"/>
+                <a:gd name="connsiteY55" fmla="*/ 833514 h 6817170"/>
+                <a:gd name="connsiteX56" fmla="*/ 3908404 w 6028697"/>
+                <a:gd name="connsiteY56" fmla="*/ 29794 h 6817170"/>
+                <a:gd name="connsiteX57" fmla="*/ 4481066 w 6028697"/>
+                <a:gd name="connsiteY57" fmla="*/ 478 h 6817170"/>
+              </a:gdLst>
+              <a:ahLst/>
+              <a:cxnLst>
+                <a:cxn ang="0">
+                  <a:pos x="connsiteX0" y="connsiteY0"/>
+                </a:cxn>
+                <a:cxn ang="0">
+                  <a:pos x="connsiteX1" y="connsiteY1"/>
+                </a:cxn>
+                <a:cxn ang="0">
+                  <a:pos x="connsiteX2" y="connsiteY2"/>
+                </a:cxn>
+                <a:cxn ang="0">
+                  <a:pos x="connsiteX3" y="connsiteY3"/>
+                </a:cxn>
+                <a:cxn ang="0">
+                  <a:pos x="connsiteX4" y="connsiteY4"/>
+                </a:cxn>
+                <a:cxn ang="0">
+                  <a:pos x="connsiteX5" y="connsiteY5"/>
+                </a:cxn>
+                <a:cxn ang="0">
+                  <a:pos x="connsiteX6" y="connsiteY6"/>
+                </a:cxn>
+                <a:cxn ang="0">
+                  <a:pos x="connsiteX7" y="connsiteY7"/>
+                </a:cxn>
+                <a:cxn ang="0">
+                  <a:pos x="connsiteX8" y="connsiteY8"/>
+                </a:cxn>
+                <a:cxn ang="0">
+                  <a:pos x="connsiteX9" y="connsiteY9"/>
+                </a:cxn>
+                <a:cxn ang="0">
+                  <a:pos x="connsiteX10" y="connsiteY10"/>
+                </a:cxn>
+                <a:cxn ang="0">
+                  <a:pos x="connsiteX11" y="connsiteY11"/>
+                </a:cxn>
+                <a:cxn ang="0">
+                  <a:pos x="connsiteX12" y="connsiteY12"/>
+                </a:cxn>
+                <a:cxn ang="0">
+                  <a:pos x="connsiteX13" y="connsiteY13"/>
+                </a:cxn>
+                <a:cxn ang="0">
+                  <a:pos x="connsiteX14" y="connsiteY14"/>
+                </a:cxn>
+                <a:cxn ang="0">
+                  <a:pos x="connsiteX15" y="connsiteY15"/>
+                </a:cxn>
+                <a:cxn ang="0">
+                  <a:pos x="connsiteX16" y="connsiteY16"/>
+                </a:cxn>
+                <a:cxn ang="0">
+                  <a:pos x="connsiteX17" y="connsiteY17"/>
+                </a:cxn>
+                <a:cxn ang="0">
+                  <a:pos x="connsiteX18" y="connsiteY18"/>
+                </a:cxn>
+                <a:cxn ang="0">
+                  <a:pos x="connsiteX19" y="connsiteY19"/>
+                </a:cxn>
+                <a:cxn ang="0">
+                  <a:pos x="connsiteX20" y="connsiteY20"/>
+                </a:cxn>
+                <a:cxn ang="0">
+                  <a:pos x="connsiteX21" y="connsiteY21"/>
+                </a:cxn>
+                <a:cxn ang="0">
+                  <a:pos x="connsiteX22" y="connsiteY22"/>
+                </a:cxn>
+                <a:cxn ang="0">
+                  <a:pos x="connsiteX23" y="connsiteY23"/>
+                </a:cxn>
+                <a:cxn ang="0">
+                  <a:pos x="connsiteX24" y="connsiteY24"/>
+                </a:cxn>
+                <a:cxn ang="0">
+                  <a:pos x="connsiteX25" y="connsiteY25"/>
+                </a:cxn>
+                <a:cxn ang="0">
+                  <a:pos x="connsiteX26" y="connsiteY26"/>
+                </a:cxn>
+                <a:cxn ang="0">
+                  <a:pos x="connsiteX27" y="connsiteY27"/>
+                </a:cxn>
+                <a:cxn ang="0">
+                  <a:pos x="connsiteX28" y="connsiteY28"/>
+                </a:cxn>
+                <a:cxn ang="0">
+                  <a:pos x="connsiteX29" y="connsiteY29"/>
+                </a:cxn>
+                <a:cxn ang="0">
+                  <a:pos x="connsiteX30" y="connsiteY30"/>
+                </a:cxn>
+                <a:cxn ang="0">
+                  <a:pos x="connsiteX31" y="connsiteY31"/>
+                </a:cxn>
+                <a:cxn ang="0">
+                  <a:pos x="connsiteX32" y="connsiteY32"/>
+                </a:cxn>
+                <a:cxn ang="0">
+                  <a:pos x="connsiteX33" y="connsiteY33"/>
+                </a:cxn>
+                <a:cxn ang="0">
+                  <a:pos x="connsiteX34" y="connsiteY34"/>
+                </a:cxn>
+                <a:cxn ang="0">
+                  <a:pos x="connsiteX35" y="connsiteY35"/>
+                </a:cxn>
+                <a:cxn ang="0">
+                  <a:pos x="connsiteX36" y="connsiteY36"/>
+                </a:cxn>
+                <a:cxn ang="0">
+                  <a:pos x="connsiteX37" y="connsiteY37"/>
+                </a:cxn>
+                <a:cxn ang="0">
+                  <a:pos x="connsiteX38" y="connsiteY38"/>
+                </a:cxn>
+                <a:cxn ang="0">
+                  <a:pos x="connsiteX39" y="connsiteY39"/>
+                </a:cxn>
+                <a:cxn ang="0">
+                  <a:pos x="connsiteX40" y="connsiteY40"/>
+                </a:cxn>
+                <a:cxn ang="0">
+                  <a:pos x="connsiteX41" y="connsiteY41"/>
+                </a:cxn>
+                <a:cxn ang="0">
+                  <a:pos x="connsiteX42" y="connsiteY42"/>
+                </a:cxn>
+                <a:cxn ang="0">
+                  <a:pos x="connsiteX43" y="connsiteY43"/>
+                </a:cxn>
+                <a:cxn ang="0">
+                  <a:pos x="connsiteX44" y="connsiteY44"/>
+                </a:cxn>
+                <a:cxn ang="0">
+                  <a:pos x="connsiteX45" y="connsiteY45"/>
+                </a:cxn>
+                <a:cxn ang="0">
+                  <a:pos x="connsiteX46" y="connsiteY46"/>
+                </a:cxn>
+                <a:cxn ang="0">
+                  <a:pos x="connsiteX47" y="connsiteY47"/>
+                </a:cxn>
+                <a:cxn ang="0">
+                  <a:pos x="connsiteX48" y="connsiteY48"/>
+                </a:cxn>
+                <a:cxn ang="0">
+                  <a:pos x="connsiteX49" y="connsiteY49"/>
+                </a:cxn>
+                <a:cxn ang="0">
+                  <a:pos x="connsiteX50" y="connsiteY50"/>
+                </a:cxn>
+                <a:cxn ang="0">
+                  <a:pos x="connsiteX51" y="connsiteY51"/>
+                </a:cxn>
+                <a:cxn ang="0">
+                  <a:pos x="connsiteX52" y="connsiteY52"/>
+                </a:cxn>
+                <a:cxn ang="0">
+                  <a:pos x="connsiteX53" y="connsiteY53"/>
+                </a:cxn>
+                <a:cxn ang="0">
+                  <a:pos x="connsiteX54" y="connsiteY54"/>
+                </a:cxn>
+                <a:cxn ang="0">
+                  <a:pos x="connsiteX55" y="connsiteY55"/>
+                </a:cxn>
+                <a:cxn ang="0">
+                  <a:pos x="connsiteX56" y="connsiteY56"/>
+                </a:cxn>
+                <a:cxn ang="0">
+                  <a:pos x="connsiteX57" y="connsiteY57"/>
+                </a:cxn>
+              </a:cxnLst>
+              <a:rect l="l" t="t" r="r" b="b"/>
+              <a:pathLst>
+                <a:path w="6028697" h="6817170">
+                  <a:moveTo>
+                    <a:pt x="6028697" y="6155323"/>
+                  </a:moveTo>
+                  <a:lnTo>
+                    <a:pt x="6028697" y="6817170"/>
+                  </a:lnTo>
+                  <a:lnTo>
+                    <a:pt x="5157862" y="6817170"/>
+                  </a:lnTo>
+                  <a:lnTo>
+                    <a:pt x="5347156" y="6687553"/>
+                  </a:lnTo>
+                  <a:cubicBezTo>
+                    <a:pt x="5394117" y="6653219"/>
+                    <a:pt x="5440793" y="6617608"/>
+                    <a:pt x="5487470" y="6581714"/>
+                  </a:cubicBezTo>
+                  <a:cubicBezTo>
+                    <a:pt x="5534147" y="6545820"/>
+                    <a:pt x="5580966" y="6509358"/>
+                    <a:pt x="5627642" y="6472328"/>
+                  </a:cubicBezTo>
+                  <a:lnTo>
+                    <a:pt x="5911392" y="6245328"/>
+                  </a:lnTo>
+                  <a:close/>
+                  <a:moveTo>
+                    <a:pt x="4481066" y="478"/>
+                  </a:moveTo>
+                  <a:cubicBezTo>
+                    <a:pt x="4544817" y="1422"/>
+                    <a:pt x="4608563" y="3769"/>
+                    <a:pt x="4672258" y="7519"/>
+                  </a:cubicBezTo>
+                  <a:cubicBezTo>
+                    <a:pt x="4927973" y="22364"/>
+                    <a:pt x="5181687" y="61751"/>
+                    <a:pt x="5429869" y="125134"/>
+                  </a:cubicBezTo>
+                  <a:cubicBezTo>
+                    <a:pt x="5617090" y="173104"/>
+                    <a:pt x="5799867" y="236595"/>
+                    <a:pt x="5976319" y="314893"/>
+                  </a:cubicBezTo>
+                  <a:lnTo>
+                    <a:pt x="6028697" y="339901"/>
+                  </a:lnTo>
+                  <a:lnTo>
+                    <a:pt x="6028697" y="732458"/>
+                  </a:lnTo>
+                  <a:lnTo>
+                    <a:pt x="5990985" y="712211"/>
+                  </a:lnTo>
+                  <a:cubicBezTo>
+                    <a:pt x="5783917" y="609342"/>
+                    <a:pt x="5566013" y="529876"/>
+                    <a:pt x="5341339" y="475281"/>
+                  </a:cubicBezTo>
+                  <a:cubicBezTo>
+                    <a:pt x="5115233" y="420503"/>
+                    <a:pt x="4884375" y="387624"/>
+                    <a:pt x="4651969" y="377104"/>
+                  </a:cubicBezTo>
+                  <a:cubicBezTo>
+                    <a:pt x="4418713" y="365171"/>
+                    <a:pt x="4184861" y="373670"/>
+                    <a:pt x="3953093" y="402498"/>
+                  </a:cubicBezTo>
+                  <a:cubicBezTo>
+                    <a:pt x="3721001" y="431832"/>
+                    <a:pt x="3491675" y="480040"/>
+                    <a:pt x="3267413" y="546643"/>
+                  </a:cubicBezTo>
+                  <a:cubicBezTo>
+                    <a:pt x="2591323" y="750761"/>
+                    <a:pt x="1967642" y="1099289"/>
+                    <a:pt x="1439498" y="1568141"/>
+                  </a:cubicBezTo>
+                  <a:cubicBezTo>
+                    <a:pt x="1265589" y="1725523"/>
+                    <a:pt x="1105393" y="1897434"/>
+                    <a:pt x="960671" y="2082013"/>
+                  </a:cubicBezTo>
+                  <a:cubicBezTo>
+                    <a:pt x="815775" y="2266294"/>
+                    <a:pt x="688923" y="2464081"/>
+                    <a:pt x="581866" y="2672638"/>
+                  </a:cubicBezTo>
+                  <a:cubicBezTo>
+                    <a:pt x="473765" y="2880669"/>
+                    <a:pt x="387610" y="3099397"/>
+                    <a:pt x="324789" y="3325262"/>
+                  </a:cubicBezTo>
+                  <a:cubicBezTo>
+                    <a:pt x="262714" y="3552403"/>
+                    <a:pt x="231223" y="3786822"/>
+                    <a:pt x="231151" y="4022292"/>
+                  </a:cubicBezTo>
+                  <a:cubicBezTo>
+                    <a:pt x="231413" y="4136912"/>
+                    <a:pt x="244645" y="4251136"/>
+                    <a:pt x="270592" y="4362792"/>
+                  </a:cubicBezTo>
+                  <a:cubicBezTo>
+                    <a:pt x="297885" y="4472943"/>
+                    <a:pt x="336983" y="4579833"/>
+                    <a:pt x="387213" y="4681585"/>
+                  </a:cubicBezTo>
+                  <a:cubicBezTo>
+                    <a:pt x="412042" y="4732517"/>
+                    <a:pt x="439423" y="4782457"/>
+                    <a:pt x="468507" y="4831546"/>
+                  </a:cubicBezTo>
+                  <a:cubicBezTo>
+                    <a:pt x="497591" y="4880636"/>
+                    <a:pt x="529230" y="4929015"/>
+                    <a:pt x="561862" y="4976826"/>
+                  </a:cubicBezTo>
+                  <a:cubicBezTo>
+                    <a:pt x="627975" y="5072166"/>
+                    <a:pt x="701466" y="5164668"/>
+                    <a:pt x="777511" y="5257597"/>
+                  </a:cubicBezTo>
+                  <a:cubicBezTo>
+                    <a:pt x="853556" y="5350524"/>
+                    <a:pt x="933574" y="5443594"/>
+                    <a:pt x="1010895" y="5540494"/>
+                  </a:cubicBezTo>
+                  <a:cubicBezTo>
+                    <a:pt x="1049957" y="5588732"/>
+                    <a:pt x="1088642" y="5637963"/>
+                    <a:pt x="1126948" y="5688186"/>
+                  </a:cubicBezTo>
+                  <a:lnTo>
+                    <a:pt x="1182706" y="5760543"/>
+                  </a:lnTo>
+                  <a:cubicBezTo>
+                    <a:pt x="1201007" y="5783669"/>
+                    <a:pt x="1218458" y="5807503"/>
+                    <a:pt x="1237327" y="5830060"/>
+                  </a:cubicBezTo>
+                  <a:cubicBezTo>
+                    <a:pt x="1383714" y="6009916"/>
+                    <a:pt x="1540413" y="6181116"/>
+                    <a:pt x="1706649" y="6342797"/>
+                  </a:cubicBezTo>
+                  <a:cubicBezTo>
+                    <a:pt x="1788084" y="6422531"/>
+                    <a:pt x="1871265" y="6499427"/>
+                    <a:pt x="1956207" y="6573484"/>
+                  </a:cubicBezTo>
+                  <a:cubicBezTo>
+                    <a:pt x="2041332" y="6647402"/>
+                    <a:pt x="2127733" y="6718907"/>
+                    <a:pt x="2217681" y="6786297"/>
+                  </a:cubicBezTo>
+                  <a:lnTo>
+                    <a:pt x="2260820" y="6817170"/>
+                  </a:lnTo>
+                  <a:lnTo>
+                    <a:pt x="1429497" y="6817170"/>
+                  </a:lnTo>
+                  <a:lnTo>
+                    <a:pt x="1327275" y="6713800"/>
+                  </a:lnTo>
+                  <a:cubicBezTo>
+                    <a:pt x="1239186" y="6618984"/>
+                    <a:pt x="1156797" y="6519019"/>
+                    <a:pt x="1080556" y="6414443"/>
+                  </a:cubicBezTo>
+                  <a:cubicBezTo>
+                    <a:pt x="1004653" y="6310734"/>
+                    <a:pt x="932439" y="6205177"/>
+                    <a:pt x="865189" y="6097496"/>
+                  </a:cubicBezTo>
+                  <a:cubicBezTo>
+                    <a:pt x="847881" y="6070823"/>
+                    <a:pt x="831565" y="6043725"/>
+                    <a:pt x="814823" y="6016911"/>
+                  </a:cubicBezTo>
+                  <a:lnTo>
+                    <a:pt x="766729" y="5938453"/>
+                  </a:lnTo>
+                  <a:cubicBezTo>
+                    <a:pt x="735941" y="5887947"/>
+                    <a:pt x="703878" y="5837581"/>
+                    <a:pt x="671672" y="5786648"/>
+                  </a:cubicBezTo>
+                  <a:lnTo>
+                    <a:pt x="474608" y="5474664"/>
+                  </a:lnTo>
+                  <a:cubicBezTo>
+                    <a:pt x="408778" y="5368968"/>
+                    <a:pt x="343516" y="5260008"/>
+                    <a:pt x="282652" y="5146508"/>
+                  </a:cubicBezTo>
+                  <a:cubicBezTo>
+                    <a:pt x="252290" y="5089759"/>
+                    <a:pt x="223065" y="5032015"/>
+                    <a:pt x="196108" y="4972712"/>
+                  </a:cubicBezTo>
+                  <a:cubicBezTo>
+                    <a:pt x="169152" y="4913408"/>
+                    <a:pt x="144607" y="4853111"/>
+                    <a:pt x="122474" y="4791821"/>
+                  </a:cubicBezTo>
+                  <a:cubicBezTo>
+                    <a:pt x="100342" y="4730532"/>
+                    <a:pt x="81757" y="4666830"/>
+                    <a:pt x="65724" y="4603129"/>
+                  </a:cubicBezTo>
+                  <a:cubicBezTo>
+                    <a:pt x="58205" y="4571064"/>
+                    <a:pt x="50828" y="4539143"/>
+                    <a:pt x="44727" y="4506937"/>
+                  </a:cubicBezTo>
+                  <a:lnTo>
+                    <a:pt x="35505" y="4458699"/>
+                  </a:lnTo>
+                  <a:lnTo>
+                    <a:pt x="27845" y="4410320"/>
+                  </a:lnTo>
+                  <a:cubicBezTo>
+                    <a:pt x="8635" y="4281881"/>
+                    <a:pt x="-661" y="4152150"/>
+                    <a:pt x="37" y="4022292"/>
+                  </a:cubicBezTo>
+                  <a:cubicBezTo>
+                    <a:pt x="712" y="3768592"/>
+                    <a:pt x="27094" y="3515615"/>
+                    <a:pt x="78777" y="3267236"/>
+                  </a:cubicBezTo>
+                  <a:cubicBezTo>
+                    <a:pt x="130048" y="3017876"/>
+                    <a:pt x="209439" y="2775142"/>
+                    <a:pt x="315424" y="2543673"/>
+                  </a:cubicBezTo>
+                  <a:cubicBezTo>
+                    <a:pt x="528236" y="2081161"/>
+                    <a:pt x="838234" y="1667312"/>
+                    <a:pt x="1202710" y="1314895"/>
+                  </a:cubicBezTo>
+                  <a:cubicBezTo>
+                    <a:pt x="1385514" y="1138814"/>
+                    <a:pt x="1582282" y="977831"/>
+                    <a:pt x="1791065" y="833514"/>
+                  </a:cubicBezTo>
+                  <a:cubicBezTo>
+                    <a:pt x="2420037" y="395614"/>
+                    <a:pt x="3147288" y="119557"/>
+                    <a:pt x="3908404" y="29794"/>
+                  </a:cubicBezTo>
+                  <a:cubicBezTo>
+                    <a:pt x="4098509" y="7429"/>
+                    <a:pt x="4289811" y="-2355"/>
+                    <a:pt x="4481066" y="478"/>
+                  </a:cubicBezTo>
+                  <a:close/>
+                </a:path>
+              </a:pathLst>
+            </a:custGeom>
+            <a:gradFill>
+              <a:gsLst>
+                <a:gs pos="2000">
+                  <a:schemeClr val="bg1">
+                    <a:alpha val="10000"/>
+                  </a:schemeClr>
+                </a:gs>
+                <a:gs pos="16000">
+                  <a:schemeClr val="accent6">
+                    <a:alpha val="10000"/>
+                  </a:schemeClr>
+                </a:gs>
+                <a:gs pos="100000">
+                  <a:schemeClr val="bg1">
+                    <a:alpha val="10000"/>
+                  </a:schemeClr>
+                </a:gs>
+                <a:gs pos="85000">
+                  <a:schemeClr val="accent1">
+                    <a:alpha val="10000"/>
+                  </a:schemeClr>
+                </a:gs>
+              </a:gsLst>
+              <a:lin ang="12000000" scaled="0"/>
+            </a:gradFill>
+            <a:ln>
+              <a:noFill/>
+            </a:ln>
+          </p:spPr>
+          <p:style>
+            <a:lnRef idx="2">
+              <a:schemeClr val="accent1">
+                <a:shade val="50000"/>
+              </a:schemeClr>
+            </a:lnRef>
+            <a:fillRef idx="1">
+              <a:schemeClr val="accent1"/>
+            </a:fillRef>
+            <a:effectRef idx="0">
+              <a:schemeClr val="accent1"/>
+            </a:effectRef>
+            <a:fontRef idx="minor">
+              <a:schemeClr val="lt1"/>
+            </a:fontRef>
+          </p:style>
+          <p:txBody>
+            <a:bodyPr rtlCol="0" anchor="ctr"/>
+            <a:lstStyle/>
+            <a:p>
+              <a:pPr algn="ctr"/>
+              <a:endParaRPr lang="en-US" dirty="0"/>
+            </a:p>
+          </p:txBody>
+        </p:sp>
+        <p:sp>
+          <p:nvSpPr>
+            <p:cNvPr id="49" name="Freeform: Shape 48">
+              <a:extLst>
+                <a:ext uri="{FF2B5EF4-FFF2-40B4-BE49-F238E27FC236}">
+                  <a16:creationId xmlns:a16="http://schemas.microsoft.com/office/drawing/2014/main" id="{C72F6EE6-EDE9-45A5-8F6D-02B9B7CB2C2F}"/>
+                </a:ext>
+                <a:ext uri="{C183D7F6-B498-43B3-948B-1728B52AA6E4}">
+                  <adec:decorative xmlns:adec="http://schemas.microsoft.com/office/drawing/2017/decorative" val="1"/>
+                </a:ext>
+              </a:extLst>
+            </p:cNvPr>
+            <p:cNvSpPr/>
+            <p:nvPr>
+              <p:extLst>
+                <p:ext uri="{386F3935-93C4-4BCD-93E2-E3B085C9AB24}">
+                  <p16:designElem xmlns:p16="http://schemas.microsoft.com/office/powerpoint/2015/main" val="1"/>
+                </p:ext>
+              </p:extLst>
+            </p:nvPr>
+          </p:nvSpPr>
+          <p:spPr>
+            <a:xfrm flipH="1">
+              <a:off x="305" y="1"/>
+              <a:ext cx="6165116" cy="6858001"/>
+            </a:xfrm>
+            <a:custGeom>
+              <a:avLst/>
+              <a:gdLst>
+                <a:gd name="connsiteX0" fmla="*/ 6264586 w 6264586"/>
+                <a:gd name="connsiteY0" fmla="*/ 6646464 h 6858001"/>
+                <a:gd name="connsiteX1" fmla="*/ 6264586 w 6264586"/>
+                <a:gd name="connsiteY1" fmla="*/ 6858001 h 6858001"/>
+                <a:gd name="connsiteX2" fmla="*/ 5997170 w 6264586"/>
+                <a:gd name="connsiteY2" fmla="*/ 6858001 h 6858001"/>
+                <a:gd name="connsiteX3" fmla="*/ 6121512 w 6264586"/>
+                <a:gd name="connsiteY3" fmla="*/ 6761029 h 6858001"/>
+                <a:gd name="connsiteX4" fmla="*/ 2693206 w 6264586"/>
+                <a:gd name="connsiteY4" fmla="*/ 0 h 6858001"/>
+                <a:gd name="connsiteX5" fmla="*/ 5872285 w 6264586"/>
+                <a:gd name="connsiteY5" fmla="*/ 0 h 6858001"/>
+                <a:gd name="connsiteX6" fmla="*/ 6024875 w 6264586"/>
+                <a:gd name="connsiteY6" fmla="*/ 68385 h 6858001"/>
+                <a:gd name="connsiteX7" fmla="*/ 6206432 w 6264586"/>
+                <a:gd name="connsiteY7" fmla="*/ 162336 h 6858001"/>
+                <a:gd name="connsiteX8" fmla="*/ 6264586 w 6264586"/>
+                <a:gd name="connsiteY8" fmla="*/ 196704 h 6858001"/>
+                <a:gd name="connsiteX9" fmla="*/ 6264586 w 6264586"/>
+                <a:gd name="connsiteY9" fmla="*/ 537242 h 6858001"/>
+                <a:gd name="connsiteX10" fmla="*/ 6230189 w 6264586"/>
+                <a:gd name="connsiteY10" fmla="*/ 517260 h 6858001"/>
+                <a:gd name="connsiteX11" fmla="*/ 5540536 w 6264586"/>
+                <a:gd name="connsiteY11" fmla="*/ 249543 h 6858001"/>
+                <a:gd name="connsiteX12" fmla="*/ 5178896 w 6264586"/>
+                <a:gd name="connsiteY12" fmla="*/ 178606 h 6858001"/>
+                <a:gd name="connsiteX13" fmla="*/ 4814279 w 6264586"/>
+                <a:gd name="connsiteY13" fmla="*/ 146683 h 6858001"/>
+                <a:gd name="connsiteX14" fmla="*/ 4655095 w 6264586"/>
+                <a:gd name="connsiteY14" fmla="*/ 143421 h 6858001"/>
+                <a:gd name="connsiteX15" fmla="*/ 4081069 w 6264586"/>
+                <a:gd name="connsiteY15" fmla="*/ 185983 h 6858001"/>
+                <a:gd name="connsiteX16" fmla="*/ 3720566 w 6264586"/>
+                <a:gd name="connsiteY16" fmla="*/ 256921 h 6858001"/>
+                <a:gd name="connsiteX17" fmla="*/ 3365879 w 6264586"/>
+                <a:gd name="connsiteY17" fmla="*/ 357651 h 6858001"/>
+                <a:gd name="connsiteX18" fmla="*/ 3020555 w 6264586"/>
+                <a:gd name="connsiteY18" fmla="*/ 486190 h 6858001"/>
+                <a:gd name="connsiteX19" fmla="*/ 2685163 w 6264586"/>
+                <a:gd name="connsiteY19" fmla="*/ 641542 h 6858001"/>
+                <a:gd name="connsiteX20" fmla="*/ 2047720 w 6264586"/>
+                <a:gd name="connsiteY20" fmla="*/ 1025030 h 6858001"/>
+                <a:gd name="connsiteX21" fmla="*/ 1897333 w 6264586"/>
+                <a:gd name="connsiteY21" fmla="*/ 1134983 h 6858001"/>
+                <a:gd name="connsiteX22" fmla="*/ 1835758 w 6264586"/>
+                <a:gd name="connsiteY22" fmla="*/ 1182227 h 6858001"/>
+                <a:gd name="connsiteX23" fmla="*/ 1823273 w 6264586"/>
+                <a:gd name="connsiteY23" fmla="*/ 1192016 h 6858001"/>
+                <a:gd name="connsiteX24" fmla="*/ 1750918 w 6264586"/>
+                <a:gd name="connsiteY24" fmla="*/ 1249760 h 6858001"/>
+                <a:gd name="connsiteX25" fmla="*/ 1469297 w 6264586"/>
+                <a:gd name="connsiteY25" fmla="*/ 1496906 h 6858001"/>
+                <a:gd name="connsiteX26" fmla="*/ 967769 w 6264586"/>
+                <a:gd name="connsiteY26" fmla="*/ 2056602 h 6858001"/>
+                <a:gd name="connsiteX27" fmla="*/ 754105 w 6264586"/>
+                <a:gd name="connsiteY27" fmla="*/ 2368727 h 6858001"/>
+                <a:gd name="connsiteX28" fmla="*/ 572364 w 6264586"/>
+                <a:gd name="connsiteY28" fmla="*/ 2701140 h 6858001"/>
+                <a:gd name="connsiteX29" fmla="*/ 532497 w 6264586"/>
+                <a:gd name="connsiteY29" fmla="*/ 2786265 h 6858001"/>
+                <a:gd name="connsiteX30" fmla="*/ 512918 w 6264586"/>
+                <a:gd name="connsiteY30" fmla="*/ 2828827 h 6858001"/>
+                <a:gd name="connsiteX31" fmla="*/ 494475 w 6264586"/>
+                <a:gd name="connsiteY31" fmla="*/ 2872240 h 6858001"/>
+                <a:gd name="connsiteX32" fmla="*/ 491637 w 6264586"/>
+                <a:gd name="connsiteY32" fmla="*/ 2878908 h 6858001"/>
+                <a:gd name="connsiteX33" fmla="*/ 459290 w 6264586"/>
+                <a:gd name="connsiteY33" fmla="*/ 2959635 h 6858001"/>
+                <a:gd name="connsiteX34" fmla="*/ 446805 w 6264586"/>
+                <a:gd name="connsiteY34" fmla="*/ 2992408 h 6858001"/>
+                <a:gd name="connsiteX35" fmla="*/ 426090 w 6264586"/>
+                <a:gd name="connsiteY35" fmla="*/ 3049158 h 6858001"/>
+                <a:gd name="connsiteX36" fmla="*/ 426090 w 6264586"/>
+                <a:gd name="connsiteY36" fmla="*/ 3049867 h 6858001"/>
+                <a:gd name="connsiteX37" fmla="*/ 318124 w 6264586"/>
+                <a:gd name="connsiteY37" fmla="*/ 3414202 h 6858001"/>
+                <a:gd name="connsiteX38" fmla="*/ 230729 w 6264586"/>
+                <a:gd name="connsiteY38" fmla="*/ 4169260 h 6858001"/>
+                <a:gd name="connsiteX39" fmla="*/ 268893 w 6264586"/>
+                <a:gd name="connsiteY39" fmla="*/ 4544236 h 6858001"/>
+                <a:gd name="connsiteX40" fmla="*/ 379840 w 6264586"/>
+                <a:gd name="connsiteY40" fmla="*/ 4900056 h 6858001"/>
+                <a:gd name="connsiteX41" fmla="*/ 406512 w 6264586"/>
+                <a:gd name="connsiteY41" fmla="*/ 4960211 h 6858001"/>
+                <a:gd name="connsiteX42" fmla="*/ 417862 w 6264586"/>
+                <a:gd name="connsiteY42" fmla="*/ 4984613 h 6858001"/>
+                <a:gd name="connsiteX43" fmla="*/ 428077 w 6264586"/>
+                <a:gd name="connsiteY43" fmla="*/ 5005043 h 6858001"/>
+                <a:gd name="connsiteX44" fmla="*/ 460140 w 6264586"/>
+                <a:gd name="connsiteY44" fmla="*/ 5067327 h 6858001"/>
+                <a:gd name="connsiteX45" fmla="*/ 555197 w 6264586"/>
+                <a:gd name="connsiteY45" fmla="*/ 5229773 h 6858001"/>
+                <a:gd name="connsiteX46" fmla="*/ 660611 w 6264586"/>
+                <a:gd name="connsiteY46" fmla="*/ 5387396 h 6858001"/>
+                <a:gd name="connsiteX47" fmla="*/ 774110 w 6264586"/>
+                <a:gd name="connsiteY47" fmla="*/ 5542182 h 6858001"/>
+                <a:gd name="connsiteX48" fmla="*/ 917829 w 6264586"/>
+                <a:gd name="connsiteY48" fmla="*/ 5727896 h 6858001"/>
+                <a:gd name="connsiteX49" fmla="*/ 1012885 w 6264586"/>
+                <a:gd name="connsiteY49" fmla="*/ 5849767 h 6858001"/>
+                <a:gd name="connsiteX50" fmla="*/ 1133053 w 6264586"/>
+                <a:gd name="connsiteY50" fmla="*/ 6006822 h 6858001"/>
+                <a:gd name="connsiteX51" fmla="*/ 1194343 w 6264586"/>
+                <a:gd name="connsiteY51" fmla="*/ 6090245 h 6858001"/>
+                <a:gd name="connsiteX52" fmla="*/ 1249390 w 6264586"/>
+                <a:gd name="connsiteY52" fmla="*/ 6165155 h 6858001"/>
+                <a:gd name="connsiteX53" fmla="*/ 1345724 w 6264586"/>
+                <a:gd name="connsiteY53" fmla="*/ 6292132 h 6858001"/>
+                <a:gd name="connsiteX54" fmla="*/ 1364310 w 6264586"/>
+                <a:gd name="connsiteY54" fmla="*/ 6316251 h 6858001"/>
+                <a:gd name="connsiteX55" fmla="*/ 1373673 w 6264586"/>
+                <a:gd name="connsiteY55" fmla="*/ 6327885 h 6858001"/>
+                <a:gd name="connsiteX56" fmla="*/ 1484619 w 6264586"/>
+                <a:gd name="connsiteY56" fmla="*/ 6462240 h 6858001"/>
+                <a:gd name="connsiteX57" fmla="*/ 1739000 w 6264586"/>
+                <a:gd name="connsiteY57" fmla="*/ 6737335 h 6858001"/>
+                <a:gd name="connsiteX58" fmla="*/ 1866801 w 6264586"/>
+                <a:gd name="connsiteY58" fmla="*/ 6858001 h 6858001"/>
+                <a:gd name="connsiteX59" fmla="*/ 1144149 w 6264586"/>
+                <a:gd name="connsiteY59" fmla="*/ 6858001 h 6858001"/>
+                <a:gd name="connsiteX60" fmla="*/ 1058349 w 6264586"/>
+                <a:gd name="connsiteY60" fmla="*/ 6766452 h 6858001"/>
+                <a:gd name="connsiteX61" fmla="*/ 580309 w 6264586"/>
+                <a:gd name="connsiteY61" fmla="*/ 6105000 h 6858001"/>
+                <a:gd name="connsiteX62" fmla="*/ 1 w 6264586"/>
+                <a:gd name="connsiteY62" fmla="*/ 3960094 h 6858001"/>
+                <a:gd name="connsiteX63" fmla="*/ 2599292 w 6264586"/>
+                <a:gd name="connsiteY63" fmla="*/ 37050 h 6858001"/>
+              </a:gdLst>
+              <a:ahLst/>
+              <a:cxnLst>
+                <a:cxn ang="0">
+                  <a:pos x="connsiteX0" y="connsiteY0"/>
+                </a:cxn>
+                <a:cxn ang="0">
+                  <a:pos x="connsiteX1" y="connsiteY1"/>
+                </a:cxn>
+                <a:cxn ang="0">
+                  <a:pos x="connsiteX2" y="connsiteY2"/>
+                </a:cxn>
+                <a:cxn ang="0">
+                  <a:pos x="connsiteX3" y="connsiteY3"/>
+                </a:cxn>
+                <a:cxn ang="0">
+                  <a:pos x="connsiteX4" y="connsiteY4"/>
+                </a:cxn>
+                <a:cxn ang="0">
+                  <a:pos x="connsiteX5" y="connsiteY5"/>
+                </a:cxn>
+                <a:cxn ang="0">
+                  <a:pos x="connsiteX6" y="connsiteY6"/>
+                </a:cxn>
+                <a:cxn ang="0">
+                  <a:pos x="connsiteX7" y="connsiteY7"/>
+                </a:cxn>
+                <a:cxn ang="0">
+                  <a:pos x="connsiteX8" y="connsiteY8"/>
+                </a:cxn>
+                <a:cxn ang="0">
+                  <a:pos x="connsiteX9" y="connsiteY9"/>
+                </a:cxn>
+                <a:cxn ang="0">
+                  <a:pos x="connsiteX10" y="connsiteY10"/>
+                </a:cxn>
+                <a:cxn ang="0">
+                  <a:pos x="connsiteX11" y="connsiteY11"/>
+                </a:cxn>
+                <a:cxn ang="0">
+                  <a:pos x="connsiteX12" y="connsiteY12"/>
+                </a:cxn>
+                <a:cxn ang="0">
+                  <a:pos x="connsiteX13" y="connsiteY13"/>
+                </a:cxn>
+                <a:cxn ang="0">
+                  <a:pos x="connsiteX14" y="connsiteY14"/>
+                </a:cxn>
+                <a:cxn ang="0">
+                  <a:pos x="connsiteX15" y="connsiteY15"/>
+                </a:cxn>
+                <a:cxn ang="0">
+                  <a:pos x="connsiteX16" y="connsiteY16"/>
+                </a:cxn>
+                <a:cxn ang="0">
+                  <a:pos x="connsiteX17" y="connsiteY17"/>
+                </a:cxn>
+                <a:cxn ang="0">
+                  <a:pos x="connsiteX18" y="connsiteY18"/>
+                </a:cxn>
+                <a:cxn ang="0">
+                  <a:pos x="connsiteX19" y="connsiteY19"/>
+                </a:cxn>
+                <a:cxn ang="0">
+                  <a:pos x="connsiteX20" y="connsiteY20"/>
+                </a:cxn>
+                <a:cxn ang="0">
+                  <a:pos x="connsiteX21" y="connsiteY21"/>
+                </a:cxn>
+                <a:cxn ang="0">
+                  <a:pos x="connsiteX22" y="connsiteY22"/>
+                </a:cxn>
+                <a:cxn ang="0">
+                  <a:pos x="connsiteX23" y="connsiteY23"/>
+                </a:cxn>
+                <a:cxn ang="0">
+                  <a:pos x="connsiteX24" y="connsiteY24"/>
+                </a:cxn>
+                <a:cxn ang="0">
+                  <a:pos x="connsiteX25" y="connsiteY25"/>
+                </a:cxn>
+                <a:cxn ang="0">
+                  <a:pos x="connsiteX26" y="connsiteY26"/>
+                </a:cxn>
+                <a:cxn ang="0">
+                  <a:pos x="connsiteX27" y="connsiteY27"/>
+                </a:cxn>
+                <a:cxn ang="0">
+                  <a:pos x="connsiteX28" y="connsiteY28"/>
+                </a:cxn>
+                <a:cxn ang="0">
+                  <a:pos x="connsiteX29" y="connsiteY29"/>
+                </a:cxn>
+                <a:cxn ang="0">
+                  <a:pos x="connsiteX30" y="connsiteY30"/>
+                </a:cxn>
+                <a:cxn ang="0">
+                  <a:pos x="connsiteX31" y="connsiteY31"/>
+                </a:cxn>
+                <a:cxn ang="0">
+                  <a:pos x="connsiteX32" y="connsiteY32"/>
+                </a:cxn>
+                <a:cxn ang="0">
+                  <a:pos x="connsiteX33" y="connsiteY33"/>
+                </a:cxn>
+                <a:cxn ang="0">
+                  <a:pos x="connsiteX34" y="connsiteY34"/>
+                </a:cxn>
+                <a:cxn ang="0">
+                  <a:pos x="connsiteX35" y="connsiteY35"/>
+                </a:cxn>
+                <a:cxn ang="0">
+                  <a:pos x="connsiteX36" y="connsiteY36"/>
+                </a:cxn>
+                <a:cxn ang="0">
+                  <a:pos x="connsiteX37" y="connsiteY37"/>
+                </a:cxn>
+                <a:cxn ang="0">
+                  <a:pos x="connsiteX38" y="connsiteY38"/>
+                </a:cxn>
+                <a:cxn ang="0">
+                  <a:pos x="connsiteX39" y="connsiteY39"/>
+                </a:cxn>
+                <a:cxn ang="0">
+                  <a:pos x="connsiteX40" y="connsiteY40"/>
+                </a:cxn>
+                <a:cxn ang="0">
+                  <a:pos x="connsiteX41" y="connsiteY41"/>
+                </a:cxn>
+                <a:cxn ang="0">
+                  <a:pos x="connsiteX42" y="connsiteY42"/>
+                </a:cxn>
+                <a:cxn ang="0">
+                  <a:pos x="connsiteX43" y="connsiteY43"/>
+                </a:cxn>
+                <a:cxn ang="0">
+                  <a:pos x="connsiteX44" y="connsiteY44"/>
+                </a:cxn>
+                <a:cxn ang="0">
+                  <a:pos x="connsiteX45" y="connsiteY45"/>
+                </a:cxn>
+                <a:cxn ang="0">
+                  <a:pos x="connsiteX46" y="connsiteY46"/>
+                </a:cxn>
+                <a:cxn ang="0">
+                  <a:pos x="connsiteX47" y="connsiteY47"/>
+                </a:cxn>
+                <a:cxn ang="0">
+                  <a:pos x="connsiteX48" y="connsiteY48"/>
+                </a:cxn>
+                <a:cxn ang="0">
+                  <a:pos x="connsiteX49" y="connsiteY49"/>
+                </a:cxn>
+                <a:cxn ang="0">
+                  <a:pos x="connsiteX50" y="connsiteY50"/>
+                </a:cxn>
+                <a:cxn ang="0">
+                  <a:pos x="connsiteX51" y="connsiteY51"/>
+                </a:cxn>
+                <a:cxn ang="0">
+                  <a:pos x="connsiteX52" y="connsiteY52"/>
+                </a:cxn>
+                <a:cxn ang="0">
+                  <a:pos x="connsiteX53" y="connsiteY53"/>
+                </a:cxn>
+                <a:cxn ang="0">
+                  <a:pos x="connsiteX54" y="connsiteY54"/>
+                </a:cxn>
+                <a:cxn ang="0">
+                  <a:pos x="connsiteX55" y="connsiteY55"/>
+                </a:cxn>
+                <a:cxn ang="0">
+                  <a:pos x="connsiteX56" y="connsiteY56"/>
+                </a:cxn>
+                <a:cxn ang="0">
+                  <a:pos x="connsiteX57" y="connsiteY57"/>
+                </a:cxn>
+                <a:cxn ang="0">
+                  <a:pos x="connsiteX58" y="connsiteY58"/>
+                </a:cxn>
+                <a:cxn ang="0">
+                  <a:pos x="connsiteX59" y="connsiteY59"/>
+                </a:cxn>
+                <a:cxn ang="0">
+                  <a:pos x="connsiteX60" y="connsiteY60"/>
+                </a:cxn>
+                <a:cxn ang="0">
+                  <a:pos x="connsiteX61" y="connsiteY61"/>
+                </a:cxn>
+                <a:cxn ang="0">
+                  <a:pos x="connsiteX62" y="connsiteY62"/>
+                </a:cxn>
+                <a:cxn ang="0">
+                  <a:pos x="connsiteX63" y="connsiteY63"/>
+                </a:cxn>
+              </a:cxnLst>
+              <a:rect l="l" t="t" r="r" b="b"/>
+              <a:pathLst>
+                <a:path w="6264586" h="6858001">
+                  <a:moveTo>
+                    <a:pt x="6264586" y="6646464"/>
+                  </a:moveTo>
+                  <a:lnTo>
+                    <a:pt x="6264586" y="6858001"/>
+                  </a:lnTo>
+                  <a:lnTo>
+                    <a:pt x="5997170" y="6858001"/>
+                  </a:lnTo>
+                  <a:lnTo>
+                    <a:pt x="6121512" y="6761029"/>
+                  </a:lnTo>
+                  <a:close/>
+                  <a:moveTo>
+                    <a:pt x="2693206" y="0"/>
+                  </a:moveTo>
+                  <a:lnTo>
+                    <a:pt x="5872285" y="0"/>
+                  </a:lnTo>
+                  <a:lnTo>
+                    <a:pt x="6024875" y="68385"/>
+                  </a:lnTo>
+                  <a:cubicBezTo>
+                    <a:pt x="6086250" y="97989"/>
+                    <a:pt x="6146793" y="129318"/>
+                    <a:pt x="6206432" y="162336"/>
+                  </a:cubicBezTo>
+                  <a:lnTo>
+                    <a:pt x="6264586" y="196704"/>
+                  </a:lnTo>
+                  <a:lnTo>
+                    <a:pt x="6264586" y="537242"/>
+                  </a:lnTo>
+                  <a:lnTo>
+                    <a:pt x="6230189" y="517260"/>
+                  </a:lnTo>
+                  <a:cubicBezTo>
+                    <a:pt x="6012226" y="399931"/>
+                    <a:pt x="5780573" y="310008"/>
+                    <a:pt x="5540536" y="249543"/>
+                  </a:cubicBezTo>
+                  <a:cubicBezTo>
+                    <a:pt x="5421375" y="219324"/>
+                    <a:pt x="5300641" y="195644"/>
+                    <a:pt x="5178896" y="178606"/>
+                  </a:cubicBezTo>
+                  <a:cubicBezTo>
+                    <a:pt x="5057977" y="161840"/>
+                    <a:pt x="4936276" y="151186"/>
+                    <a:pt x="4814279" y="146683"/>
+                  </a:cubicBezTo>
+                  <a:cubicBezTo>
+                    <a:pt x="4761501" y="144556"/>
+                    <a:pt x="4708015" y="143421"/>
+                    <a:pt x="4655095" y="143421"/>
+                  </a:cubicBezTo>
+                  <a:cubicBezTo>
+                    <a:pt x="4462968" y="143573"/>
+                    <a:pt x="4271111" y="157799"/>
+                    <a:pt x="4081069" y="185983"/>
+                  </a:cubicBezTo>
+                  <a:cubicBezTo>
+                    <a:pt x="3956361" y="205703"/>
+                    <a:pt x="3835058" y="229396"/>
+                    <a:pt x="3720566" y="256921"/>
+                  </a:cubicBezTo>
+                  <a:cubicBezTo>
+                    <a:pt x="3596708" y="286714"/>
+                    <a:pt x="3477677" y="320905"/>
+                    <a:pt x="3365879" y="357651"/>
+                  </a:cubicBezTo>
+                  <a:cubicBezTo>
+                    <a:pt x="3249257" y="395958"/>
+                    <a:pt x="3133487" y="438945"/>
+                    <a:pt x="3020555" y="486190"/>
+                  </a:cubicBezTo>
+                  <a:cubicBezTo>
+                    <a:pt x="2907623" y="533434"/>
+                    <a:pt x="2794832" y="585786"/>
+                    <a:pt x="2685163" y="641542"/>
+                  </a:cubicBezTo>
+                  <a:cubicBezTo>
+                    <a:pt x="2463995" y="754348"/>
+                    <a:pt x="2250998" y="882488"/>
+                    <a:pt x="2047720" y="1025030"/>
+                  </a:cubicBezTo>
+                  <a:cubicBezTo>
+                    <a:pt x="2006151" y="1054399"/>
+                    <a:pt x="1951528" y="1093415"/>
+                    <a:pt x="1897333" y="1134983"/>
+                  </a:cubicBezTo>
+                  <a:cubicBezTo>
+                    <a:pt x="1876761" y="1150164"/>
+                    <a:pt x="1855905" y="1166479"/>
+                    <a:pt x="1835758" y="1182227"/>
+                  </a:cubicBezTo>
+                  <a:lnTo>
+                    <a:pt x="1823273" y="1192016"/>
+                  </a:lnTo>
+                  <a:cubicBezTo>
+                    <a:pt x="1797027" y="1211879"/>
+                    <a:pt x="1772057" y="1232309"/>
+                    <a:pt x="1750918" y="1249760"/>
+                  </a:cubicBezTo>
+                  <a:cubicBezTo>
+                    <a:pt x="1645931" y="1335737"/>
+                    <a:pt x="1554422" y="1416605"/>
+                    <a:pt x="1469297" y="1496906"/>
+                  </a:cubicBezTo>
+                  <a:cubicBezTo>
+                    <a:pt x="1286595" y="1668957"/>
+                    <a:pt x="1118818" y="1856190"/>
+                    <a:pt x="967769" y="2056602"/>
+                  </a:cubicBezTo>
+                  <a:cubicBezTo>
+                    <a:pt x="890731" y="2159603"/>
+                    <a:pt x="818800" y="2264590"/>
+                    <a:pt x="754105" y="2368727"/>
+                  </a:cubicBezTo>
+                  <a:cubicBezTo>
+                    <a:pt x="681749" y="2488328"/>
+                    <a:pt x="622304" y="2596720"/>
+                    <a:pt x="572364" y="2701140"/>
+                  </a:cubicBezTo>
+                  <a:cubicBezTo>
+                    <a:pt x="557609" y="2730507"/>
+                    <a:pt x="543989" y="2760443"/>
+                    <a:pt x="532497" y="2786265"/>
+                  </a:cubicBezTo>
+                  <a:lnTo>
+                    <a:pt x="512918" y="2828827"/>
+                  </a:lnTo>
+                  <a:lnTo>
+                    <a:pt x="494475" y="2872240"/>
+                  </a:lnTo>
+                  <a:lnTo>
+                    <a:pt x="491637" y="2878908"/>
+                  </a:lnTo>
+                  <a:cubicBezTo>
+                    <a:pt x="480146" y="2906575"/>
+                    <a:pt x="469220" y="2932821"/>
+                    <a:pt x="459290" y="2959635"/>
+                  </a:cubicBezTo>
+                  <a:cubicBezTo>
+                    <a:pt x="455176" y="2970559"/>
+                    <a:pt x="451060" y="2981484"/>
+                    <a:pt x="446805" y="2992408"/>
+                  </a:cubicBezTo>
+                  <a:cubicBezTo>
+                    <a:pt x="439427" y="3012412"/>
+                    <a:pt x="432333" y="3030572"/>
+                    <a:pt x="426090" y="3049158"/>
+                  </a:cubicBezTo>
+                  <a:lnTo>
+                    <a:pt x="426090" y="3049867"/>
+                  </a:lnTo>
+                  <a:cubicBezTo>
+                    <a:pt x="383010" y="3169099"/>
+                    <a:pt x="346959" y="3290756"/>
+                    <a:pt x="318124" y="3414202"/>
+                  </a:cubicBezTo>
+                  <a:cubicBezTo>
+                    <a:pt x="260107" y="3661703"/>
+                    <a:pt x="230780" y="3915049"/>
+                    <a:pt x="230729" y="4169260"/>
+                  </a:cubicBezTo>
+                  <a:cubicBezTo>
+                    <a:pt x="231621" y="4295173"/>
+                    <a:pt x="244398" y="4420719"/>
+                    <a:pt x="268893" y="4544236"/>
+                  </a:cubicBezTo>
+                  <a:cubicBezTo>
+                    <a:pt x="293708" y="4666304"/>
+                    <a:pt x="330882" y="4785521"/>
+                    <a:pt x="379840" y="4900056"/>
+                  </a:cubicBezTo>
+                  <a:cubicBezTo>
+                    <a:pt x="387926" y="4919919"/>
+                    <a:pt x="397006" y="4939498"/>
+                    <a:pt x="406512" y="4960211"/>
+                  </a:cubicBezTo>
+                  <a:cubicBezTo>
+                    <a:pt x="410343" y="4968299"/>
+                    <a:pt x="414173" y="4976385"/>
+                    <a:pt x="417862" y="4984613"/>
+                  </a:cubicBezTo>
+                  <a:lnTo>
+                    <a:pt x="428077" y="5005043"/>
+                  </a:lnTo>
+                  <a:cubicBezTo>
+                    <a:pt x="438860" y="5026751"/>
+                    <a:pt x="449075" y="5047181"/>
+                    <a:pt x="460140" y="5067327"/>
+                  </a:cubicBezTo>
+                  <a:cubicBezTo>
+                    <a:pt x="485536" y="5116273"/>
+                    <a:pt x="514763" y="5165789"/>
+                    <a:pt x="555197" y="5229773"/>
+                  </a:cubicBezTo>
+                  <a:cubicBezTo>
+                    <a:pt x="586836" y="5280282"/>
+                    <a:pt x="620318" y="5329511"/>
+                    <a:pt x="660611" y="5387396"/>
+                  </a:cubicBezTo>
+                  <a:cubicBezTo>
+                    <a:pt x="698065" y="5440741"/>
+                    <a:pt x="737223" y="5493094"/>
+                    <a:pt x="774110" y="5542182"/>
+                  </a:cubicBezTo>
+                  <a:cubicBezTo>
+                    <a:pt x="821070" y="5604324"/>
+                    <a:pt x="870301" y="5667173"/>
+                    <a:pt x="917829" y="5727896"/>
+                  </a:cubicBezTo>
+                  <a:cubicBezTo>
+                    <a:pt x="949042" y="5767762"/>
+                    <a:pt x="979828" y="5807063"/>
+                    <a:pt x="1012885" y="5849767"/>
+                  </a:cubicBezTo>
+                  <a:cubicBezTo>
+                    <a:pt x="1045942" y="5892471"/>
+                    <a:pt x="1089497" y="5948796"/>
+                    <a:pt x="1133053" y="6006822"/>
+                  </a:cubicBezTo>
+                  <a:cubicBezTo>
+                    <a:pt x="1153624" y="6034345"/>
+                    <a:pt x="1175332" y="6063998"/>
+                    <a:pt x="1194343" y="6090245"/>
+                  </a:cubicBezTo>
+                  <a:cubicBezTo>
+                    <a:pt x="1213355" y="6116491"/>
+                    <a:pt x="1231372" y="6141178"/>
+                    <a:pt x="1249390" y="6165155"/>
+                  </a:cubicBezTo>
+                  <a:cubicBezTo>
+                    <a:pt x="1280461" y="6208000"/>
+                    <a:pt x="1313659" y="6250847"/>
+                    <a:pt x="1345724" y="6292132"/>
+                  </a:cubicBezTo>
+                  <a:lnTo>
+                    <a:pt x="1364310" y="6316251"/>
+                  </a:lnTo>
+                  <a:lnTo>
+                    <a:pt x="1373673" y="6327885"/>
+                  </a:lnTo>
+                  <a:cubicBezTo>
+                    <a:pt x="1409566" y="6372433"/>
+                    <a:pt x="1446738" y="6418542"/>
+                    <a:pt x="1484619" y="6462240"/>
+                  </a:cubicBezTo>
+                  <a:cubicBezTo>
+                    <a:pt x="1567899" y="6559850"/>
+                    <a:pt x="1653876" y="6652211"/>
+                    <a:pt x="1739000" y="6737335"/>
+                  </a:cubicBezTo>
+                  <a:lnTo>
+                    <a:pt x="1866801" y="6858001"/>
+                  </a:lnTo>
+                  <a:lnTo>
+                    <a:pt x="1144149" y="6858001"/>
+                  </a:lnTo>
+                  <a:lnTo>
+                    <a:pt x="1058349" y="6766452"/>
+                  </a:lnTo>
+                  <a:cubicBezTo>
+                    <a:pt x="878978" y="6562465"/>
+                    <a:pt x="718756" y="6341104"/>
+                    <a:pt x="580309" y="6105000"/>
+                  </a:cubicBezTo>
+                  <a:cubicBezTo>
+                    <a:pt x="200401" y="5454007"/>
+                    <a:pt x="146" y="4713831"/>
+                    <a:pt x="1" y="3960094"/>
+                  </a:cubicBezTo>
+                  <a:cubicBezTo>
+                    <a:pt x="-335" y="2196754"/>
+                    <a:pt x="1071479" y="683605"/>
+                    <a:pt x="2599292" y="37050"/>
+                  </a:cubicBezTo>
+                  <a:close/>
+                </a:path>
+              </a:pathLst>
+            </a:custGeom>
+            <a:gradFill>
+              <a:gsLst>
+                <a:gs pos="2000">
+                  <a:schemeClr val="bg1">
+                    <a:alpha val="10000"/>
+                  </a:schemeClr>
+                </a:gs>
+                <a:gs pos="16000">
+                  <a:schemeClr val="accent6">
+                    <a:alpha val="10000"/>
+                  </a:schemeClr>
+                </a:gs>
+                <a:gs pos="100000">
+                  <a:schemeClr val="bg1">
+                    <a:alpha val="10000"/>
+                  </a:schemeClr>
+                </a:gs>
+                <a:gs pos="85000">
+                  <a:schemeClr val="accent1">
+                    <a:alpha val="10000"/>
+                  </a:schemeClr>
+                </a:gs>
+              </a:gsLst>
+              <a:lin ang="12000000" scaled="0"/>
+            </a:gradFill>
+            <a:ln>
+              <a:noFill/>
+            </a:ln>
+          </p:spPr>
+          <p:style>
+            <a:lnRef idx="2">
+              <a:schemeClr val="accent1">
+                <a:shade val="50000"/>
+              </a:schemeClr>
+            </a:lnRef>
+            <a:fillRef idx="1">
+              <a:schemeClr val="accent1"/>
+            </a:fillRef>
+            <a:effectRef idx="0">
+              <a:schemeClr val="accent1"/>
+            </a:effectRef>
+            <a:fontRef idx="minor">
+              <a:schemeClr val="lt1"/>
+            </a:fontRef>
+          </p:style>
+          <p:txBody>
+            <a:bodyPr rtlCol="0" anchor="ctr"/>
+            <a:lstStyle/>
+            <a:p>
+              <a:pPr algn="ctr"/>
+              <a:endParaRPr lang="en-US" dirty="0"/>
+            </a:p>
+          </p:txBody>
+        </p:sp>
+        <p:sp>
+          <p:nvSpPr>
+            <p:cNvPr id="50" name="Freeform: Shape 49">
+              <a:extLst>
+                <a:ext uri="{FF2B5EF4-FFF2-40B4-BE49-F238E27FC236}">
+                  <a16:creationId xmlns:a16="http://schemas.microsoft.com/office/drawing/2014/main" id="{C093DC50-3BD7-46B1-A300-CD207E152FF4}"/>
+                </a:ext>
+                <a:ext uri="{C183D7F6-B498-43B3-948B-1728B52AA6E4}">
+                  <adec:decorative xmlns:adec="http://schemas.microsoft.com/office/drawing/2017/decorative" val="1"/>
+                </a:ext>
+              </a:extLst>
+            </p:cNvPr>
+            <p:cNvSpPr/>
+            <p:nvPr>
+              <p:extLst>
+                <p:ext uri="{386F3935-93C4-4BCD-93E2-E3B085C9AB24}">
+                  <p16:designElem xmlns:p16="http://schemas.microsoft.com/office/powerpoint/2015/main" val="1"/>
+                </p:ext>
+              </p:extLst>
+            </p:nvPr>
+          </p:nvSpPr>
+          <p:spPr>
+            <a:xfrm flipH="1">
+              <a:off x="305" y="-5977"/>
+              <a:ext cx="6238675" cy="6858001"/>
+            </a:xfrm>
+            <a:custGeom>
+              <a:avLst/>
+              <a:gdLst>
+                <a:gd name="connsiteX0" fmla="*/ 6264586 w 6264586"/>
+                <a:gd name="connsiteY0" fmla="*/ 6646464 h 6858001"/>
+                <a:gd name="connsiteX1" fmla="*/ 6264586 w 6264586"/>
+                <a:gd name="connsiteY1" fmla="*/ 6858001 h 6858001"/>
+                <a:gd name="connsiteX2" fmla="*/ 5997170 w 6264586"/>
+                <a:gd name="connsiteY2" fmla="*/ 6858001 h 6858001"/>
+                <a:gd name="connsiteX3" fmla="*/ 6121512 w 6264586"/>
+                <a:gd name="connsiteY3" fmla="*/ 6761029 h 6858001"/>
+                <a:gd name="connsiteX4" fmla="*/ 2693206 w 6264586"/>
+                <a:gd name="connsiteY4" fmla="*/ 0 h 6858001"/>
+                <a:gd name="connsiteX5" fmla="*/ 5872285 w 6264586"/>
+                <a:gd name="connsiteY5" fmla="*/ 0 h 6858001"/>
+                <a:gd name="connsiteX6" fmla="*/ 6024875 w 6264586"/>
+                <a:gd name="connsiteY6" fmla="*/ 68385 h 6858001"/>
+                <a:gd name="connsiteX7" fmla="*/ 6206432 w 6264586"/>
+                <a:gd name="connsiteY7" fmla="*/ 162336 h 6858001"/>
+                <a:gd name="connsiteX8" fmla="*/ 6264586 w 6264586"/>
+                <a:gd name="connsiteY8" fmla="*/ 196704 h 6858001"/>
+                <a:gd name="connsiteX9" fmla="*/ 6264586 w 6264586"/>
+                <a:gd name="connsiteY9" fmla="*/ 537242 h 6858001"/>
+                <a:gd name="connsiteX10" fmla="*/ 6230189 w 6264586"/>
+                <a:gd name="connsiteY10" fmla="*/ 517260 h 6858001"/>
+                <a:gd name="connsiteX11" fmla="*/ 5540536 w 6264586"/>
+                <a:gd name="connsiteY11" fmla="*/ 249543 h 6858001"/>
+                <a:gd name="connsiteX12" fmla="*/ 5178896 w 6264586"/>
+                <a:gd name="connsiteY12" fmla="*/ 178606 h 6858001"/>
+                <a:gd name="connsiteX13" fmla="*/ 4814279 w 6264586"/>
+                <a:gd name="connsiteY13" fmla="*/ 146683 h 6858001"/>
+                <a:gd name="connsiteX14" fmla="*/ 4655095 w 6264586"/>
+                <a:gd name="connsiteY14" fmla="*/ 143421 h 6858001"/>
+                <a:gd name="connsiteX15" fmla="*/ 4081069 w 6264586"/>
+                <a:gd name="connsiteY15" fmla="*/ 185983 h 6858001"/>
+                <a:gd name="connsiteX16" fmla="*/ 3720566 w 6264586"/>
+                <a:gd name="connsiteY16" fmla="*/ 256921 h 6858001"/>
+                <a:gd name="connsiteX17" fmla="*/ 3365879 w 6264586"/>
+                <a:gd name="connsiteY17" fmla="*/ 357651 h 6858001"/>
+                <a:gd name="connsiteX18" fmla="*/ 3020555 w 6264586"/>
+                <a:gd name="connsiteY18" fmla="*/ 486190 h 6858001"/>
+                <a:gd name="connsiteX19" fmla="*/ 2685163 w 6264586"/>
+                <a:gd name="connsiteY19" fmla="*/ 641542 h 6858001"/>
+                <a:gd name="connsiteX20" fmla="*/ 2047720 w 6264586"/>
+                <a:gd name="connsiteY20" fmla="*/ 1025030 h 6858001"/>
+                <a:gd name="connsiteX21" fmla="*/ 1897333 w 6264586"/>
+                <a:gd name="connsiteY21" fmla="*/ 1134983 h 6858001"/>
+                <a:gd name="connsiteX22" fmla="*/ 1835758 w 6264586"/>
+                <a:gd name="connsiteY22" fmla="*/ 1182227 h 6858001"/>
+                <a:gd name="connsiteX23" fmla="*/ 1823273 w 6264586"/>
+                <a:gd name="connsiteY23" fmla="*/ 1192016 h 6858001"/>
+                <a:gd name="connsiteX24" fmla="*/ 1750918 w 6264586"/>
+                <a:gd name="connsiteY24" fmla="*/ 1249760 h 6858001"/>
+                <a:gd name="connsiteX25" fmla="*/ 1469297 w 6264586"/>
+                <a:gd name="connsiteY25" fmla="*/ 1496906 h 6858001"/>
+                <a:gd name="connsiteX26" fmla="*/ 967769 w 6264586"/>
+                <a:gd name="connsiteY26" fmla="*/ 2056602 h 6858001"/>
+                <a:gd name="connsiteX27" fmla="*/ 754105 w 6264586"/>
+                <a:gd name="connsiteY27" fmla="*/ 2368727 h 6858001"/>
+                <a:gd name="connsiteX28" fmla="*/ 572364 w 6264586"/>
+                <a:gd name="connsiteY28" fmla="*/ 2701140 h 6858001"/>
+                <a:gd name="connsiteX29" fmla="*/ 532497 w 6264586"/>
+                <a:gd name="connsiteY29" fmla="*/ 2786265 h 6858001"/>
+                <a:gd name="connsiteX30" fmla="*/ 512918 w 6264586"/>
+                <a:gd name="connsiteY30" fmla="*/ 2828827 h 6858001"/>
+                <a:gd name="connsiteX31" fmla="*/ 494475 w 6264586"/>
+                <a:gd name="connsiteY31" fmla="*/ 2872240 h 6858001"/>
+                <a:gd name="connsiteX32" fmla="*/ 491637 w 6264586"/>
+                <a:gd name="connsiteY32" fmla="*/ 2878908 h 6858001"/>
+                <a:gd name="connsiteX33" fmla="*/ 459290 w 6264586"/>
+                <a:gd name="connsiteY33" fmla="*/ 2959635 h 6858001"/>
+                <a:gd name="connsiteX34" fmla="*/ 446805 w 6264586"/>
+                <a:gd name="connsiteY34" fmla="*/ 2992408 h 6858001"/>
+                <a:gd name="connsiteX35" fmla="*/ 426090 w 6264586"/>
+                <a:gd name="connsiteY35" fmla="*/ 3049158 h 6858001"/>
+                <a:gd name="connsiteX36" fmla="*/ 426090 w 6264586"/>
+                <a:gd name="connsiteY36" fmla="*/ 3049867 h 6858001"/>
+                <a:gd name="connsiteX37" fmla="*/ 318124 w 6264586"/>
+                <a:gd name="connsiteY37" fmla="*/ 3414202 h 6858001"/>
+                <a:gd name="connsiteX38" fmla="*/ 230729 w 6264586"/>
+                <a:gd name="connsiteY38" fmla="*/ 4169260 h 6858001"/>
+                <a:gd name="connsiteX39" fmla="*/ 268893 w 6264586"/>
+                <a:gd name="connsiteY39" fmla="*/ 4544236 h 6858001"/>
+                <a:gd name="connsiteX40" fmla="*/ 379840 w 6264586"/>
+                <a:gd name="connsiteY40" fmla="*/ 4900056 h 6858001"/>
+                <a:gd name="connsiteX41" fmla="*/ 406512 w 6264586"/>
+                <a:gd name="connsiteY41" fmla="*/ 4960211 h 6858001"/>
+                <a:gd name="connsiteX42" fmla="*/ 417862 w 6264586"/>
+                <a:gd name="connsiteY42" fmla="*/ 4984613 h 6858001"/>
+                <a:gd name="connsiteX43" fmla="*/ 428077 w 6264586"/>
+                <a:gd name="connsiteY43" fmla="*/ 5005043 h 6858001"/>
+                <a:gd name="connsiteX44" fmla="*/ 460140 w 6264586"/>
+                <a:gd name="connsiteY44" fmla="*/ 5067327 h 6858001"/>
+                <a:gd name="connsiteX45" fmla="*/ 555197 w 6264586"/>
+                <a:gd name="connsiteY45" fmla="*/ 5229773 h 6858001"/>
+                <a:gd name="connsiteX46" fmla="*/ 660611 w 6264586"/>
+                <a:gd name="connsiteY46" fmla="*/ 5387396 h 6858001"/>
+                <a:gd name="connsiteX47" fmla="*/ 774110 w 6264586"/>
+                <a:gd name="connsiteY47" fmla="*/ 5542182 h 6858001"/>
+                <a:gd name="connsiteX48" fmla="*/ 917829 w 6264586"/>
+                <a:gd name="connsiteY48" fmla="*/ 5727896 h 6858001"/>
+                <a:gd name="connsiteX49" fmla="*/ 1012885 w 6264586"/>
+                <a:gd name="connsiteY49" fmla="*/ 5849767 h 6858001"/>
+                <a:gd name="connsiteX50" fmla="*/ 1133053 w 6264586"/>
+                <a:gd name="connsiteY50" fmla="*/ 6006822 h 6858001"/>
+                <a:gd name="connsiteX51" fmla="*/ 1194343 w 6264586"/>
+                <a:gd name="connsiteY51" fmla="*/ 6090245 h 6858001"/>
+                <a:gd name="connsiteX52" fmla="*/ 1249390 w 6264586"/>
+                <a:gd name="connsiteY52" fmla="*/ 6165155 h 6858001"/>
+                <a:gd name="connsiteX53" fmla="*/ 1345724 w 6264586"/>
+                <a:gd name="connsiteY53" fmla="*/ 6292132 h 6858001"/>
+                <a:gd name="connsiteX54" fmla="*/ 1364310 w 6264586"/>
+                <a:gd name="connsiteY54" fmla="*/ 6316251 h 6858001"/>
+                <a:gd name="connsiteX55" fmla="*/ 1373673 w 6264586"/>
+                <a:gd name="connsiteY55" fmla="*/ 6327885 h 6858001"/>
+                <a:gd name="connsiteX56" fmla="*/ 1484619 w 6264586"/>
+                <a:gd name="connsiteY56" fmla="*/ 6462240 h 6858001"/>
+                <a:gd name="connsiteX57" fmla="*/ 1739000 w 6264586"/>
+                <a:gd name="connsiteY57" fmla="*/ 6737335 h 6858001"/>
+                <a:gd name="connsiteX58" fmla="*/ 1866801 w 6264586"/>
+                <a:gd name="connsiteY58" fmla="*/ 6858001 h 6858001"/>
+                <a:gd name="connsiteX59" fmla="*/ 1144149 w 6264586"/>
+                <a:gd name="connsiteY59" fmla="*/ 6858001 h 6858001"/>
+                <a:gd name="connsiteX60" fmla="*/ 1058349 w 6264586"/>
+                <a:gd name="connsiteY60" fmla="*/ 6766452 h 6858001"/>
+                <a:gd name="connsiteX61" fmla="*/ 580309 w 6264586"/>
+                <a:gd name="connsiteY61" fmla="*/ 6105000 h 6858001"/>
+                <a:gd name="connsiteX62" fmla="*/ 1 w 6264586"/>
+                <a:gd name="connsiteY62" fmla="*/ 3960094 h 6858001"/>
+                <a:gd name="connsiteX63" fmla="*/ 2599292 w 6264586"/>
+                <a:gd name="connsiteY63" fmla="*/ 37050 h 6858001"/>
+              </a:gdLst>
+              <a:ahLst/>
+              <a:cxnLst>
+                <a:cxn ang="0">
+                  <a:pos x="connsiteX0" y="connsiteY0"/>
+                </a:cxn>
+                <a:cxn ang="0">
+                  <a:pos x="connsiteX1" y="connsiteY1"/>
+                </a:cxn>
+                <a:cxn ang="0">
+                  <a:pos x="connsiteX2" y="connsiteY2"/>
+                </a:cxn>
+                <a:cxn ang="0">
+                  <a:pos x="connsiteX3" y="connsiteY3"/>
+                </a:cxn>
+                <a:cxn ang="0">
+                  <a:pos x="connsiteX4" y="connsiteY4"/>
+                </a:cxn>
+                <a:cxn ang="0">
+                  <a:pos x="connsiteX5" y="connsiteY5"/>
+                </a:cxn>
+                <a:cxn ang="0">
+                  <a:pos x="connsiteX6" y="connsiteY6"/>
+                </a:cxn>
+                <a:cxn ang="0">
+                  <a:pos x="connsiteX7" y="connsiteY7"/>
+                </a:cxn>
+                <a:cxn ang="0">
+                  <a:pos x="connsiteX8" y="connsiteY8"/>
+                </a:cxn>
+                <a:cxn ang="0">
+                  <a:pos x="connsiteX9" y="connsiteY9"/>
+                </a:cxn>
+                <a:cxn ang="0">
+                  <a:pos x="connsiteX10" y="connsiteY10"/>
+                </a:cxn>
+                <a:cxn ang="0">
+                  <a:pos x="connsiteX11" y="connsiteY11"/>
+                </a:cxn>
+                <a:cxn ang="0">
+                  <a:pos x="connsiteX12" y="connsiteY12"/>
+                </a:cxn>
+                <a:cxn ang="0">
+                  <a:pos x="connsiteX13" y="connsiteY13"/>
+                </a:cxn>
+                <a:cxn ang="0">
+                  <a:pos x="connsiteX14" y="connsiteY14"/>
+                </a:cxn>
+                <a:cxn ang="0">
+                  <a:pos x="connsiteX15" y="connsiteY15"/>
+                </a:cxn>
+                <a:cxn ang="0">
+                  <a:pos x="connsiteX16" y="connsiteY16"/>
+                </a:cxn>
+                <a:cxn ang="0">
+                  <a:pos x="connsiteX17" y="connsiteY17"/>
+                </a:cxn>
+                <a:cxn ang="0">
+                  <a:pos x="connsiteX18" y="connsiteY18"/>
+                </a:cxn>
+                <a:cxn ang="0">
+                  <a:pos x="connsiteX19" y="connsiteY19"/>
+                </a:cxn>
+                <a:cxn ang="0">
+                  <a:pos x="connsiteX20" y="connsiteY20"/>
+                </a:cxn>
+                <a:cxn ang="0">
+                  <a:pos x="connsiteX21" y="connsiteY21"/>
+                </a:cxn>
+                <a:cxn ang="0">
+                  <a:pos x="connsiteX22" y="connsiteY22"/>
+                </a:cxn>
+                <a:cxn ang="0">
+                  <a:pos x="connsiteX23" y="connsiteY23"/>
+                </a:cxn>
+                <a:cxn ang="0">
+                  <a:pos x="connsiteX24" y="connsiteY24"/>
+                </a:cxn>
+                <a:cxn ang="0">
+                  <a:pos x="connsiteX25" y="connsiteY25"/>
+                </a:cxn>
+                <a:cxn ang="0">
+                  <a:pos x="connsiteX26" y="connsiteY26"/>
+                </a:cxn>
+                <a:cxn ang="0">
+                  <a:pos x="connsiteX27" y="connsiteY27"/>
+                </a:cxn>
+                <a:cxn ang="0">
+                  <a:pos x="connsiteX28" y="connsiteY28"/>
+                </a:cxn>
+                <a:cxn ang="0">
+                  <a:pos x="connsiteX29" y="connsiteY29"/>
+                </a:cxn>
+                <a:cxn ang="0">
+                  <a:pos x="connsiteX30" y="connsiteY30"/>
+                </a:cxn>
+                <a:cxn ang="0">
+                  <a:pos x="connsiteX31" y="connsiteY31"/>
+                </a:cxn>
+                <a:cxn ang="0">
+                  <a:pos x="connsiteX32" y="connsiteY32"/>
+                </a:cxn>
+                <a:cxn ang="0">
+                  <a:pos x="connsiteX33" y="connsiteY33"/>
+                </a:cxn>
+                <a:cxn ang="0">
+                  <a:pos x="connsiteX34" y="connsiteY34"/>
+                </a:cxn>
+                <a:cxn ang="0">
+                  <a:pos x="connsiteX35" y="connsiteY35"/>
+                </a:cxn>
+                <a:cxn ang="0">
+                  <a:pos x="connsiteX36" y="connsiteY36"/>
+                </a:cxn>
+                <a:cxn ang="0">
+                  <a:pos x="connsiteX37" y="connsiteY37"/>
+                </a:cxn>
+                <a:cxn ang="0">
+                  <a:pos x="connsiteX38" y="connsiteY38"/>
+                </a:cxn>
+                <a:cxn ang="0">
+                  <a:pos x="connsiteX39" y="connsiteY39"/>
+                </a:cxn>
+                <a:cxn ang="0">
+                  <a:pos x="connsiteX40" y="connsiteY40"/>
+                </a:cxn>
+                <a:cxn ang="0">
+                  <a:pos x="connsiteX41" y="connsiteY41"/>
+                </a:cxn>
+                <a:cxn ang="0">
+                  <a:pos x="connsiteX42" y="connsiteY42"/>
+                </a:cxn>
+                <a:cxn ang="0">
+                  <a:pos x="connsiteX43" y="connsiteY43"/>
+                </a:cxn>
+                <a:cxn ang="0">
+                  <a:pos x="connsiteX44" y="connsiteY44"/>
+                </a:cxn>
+                <a:cxn ang="0">
+                  <a:pos x="connsiteX45" y="connsiteY45"/>
+                </a:cxn>
+                <a:cxn ang="0">
+                  <a:pos x="connsiteX46" y="connsiteY46"/>
+                </a:cxn>
+                <a:cxn ang="0">
+                  <a:pos x="connsiteX47" y="connsiteY47"/>
+                </a:cxn>
+                <a:cxn ang="0">
+                  <a:pos x="connsiteX48" y="connsiteY48"/>
+                </a:cxn>
+                <a:cxn ang="0">
+                  <a:pos x="connsiteX49" y="connsiteY49"/>
+                </a:cxn>
+                <a:cxn ang="0">
+                  <a:pos x="connsiteX50" y="connsiteY50"/>
+                </a:cxn>
+                <a:cxn ang="0">
+                  <a:pos x="connsiteX51" y="connsiteY51"/>
+                </a:cxn>
+                <a:cxn ang="0">
+                  <a:pos x="connsiteX52" y="connsiteY52"/>
+                </a:cxn>
+                <a:cxn ang="0">
+                  <a:pos x="connsiteX53" y="connsiteY53"/>
+                </a:cxn>
+                <a:cxn ang="0">
+                  <a:pos x="connsiteX54" y="connsiteY54"/>
+                </a:cxn>
+                <a:cxn ang="0">
+                  <a:pos x="connsiteX55" y="connsiteY55"/>
+                </a:cxn>
+                <a:cxn ang="0">
+                  <a:pos x="connsiteX56" y="connsiteY56"/>
+                </a:cxn>
+                <a:cxn ang="0">
+                  <a:pos x="connsiteX57" y="connsiteY57"/>
+                </a:cxn>
+                <a:cxn ang="0">
+                  <a:pos x="connsiteX58" y="connsiteY58"/>
+                </a:cxn>
+                <a:cxn ang="0">
+                  <a:pos x="connsiteX59" y="connsiteY59"/>
+                </a:cxn>
+                <a:cxn ang="0">
+                  <a:pos x="connsiteX60" y="connsiteY60"/>
+                </a:cxn>
+                <a:cxn ang="0">
+                  <a:pos x="connsiteX61" y="connsiteY61"/>
+                </a:cxn>
+                <a:cxn ang="0">
+                  <a:pos x="connsiteX62" y="connsiteY62"/>
+                </a:cxn>
+                <a:cxn ang="0">
+                  <a:pos x="connsiteX63" y="connsiteY63"/>
+                </a:cxn>
+              </a:cxnLst>
+              <a:rect l="l" t="t" r="r" b="b"/>
+              <a:pathLst>
+                <a:path w="6264586" h="6858001">
+                  <a:moveTo>
+                    <a:pt x="6264586" y="6646464"/>
+                  </a:moveTo>
+                  <a:lnTo>
+                    <a:pt x="6264586" y="6858001"/>
+                  </a:lnTo>
+                  <a:lnTo>
+                    <a:pt x="5997170" y="6858001"/>
+                  </a:lnTo>
+                  <a:lnTo>
+                    <a:pt x="6121512" y="6761029"/>
+                  </a:lnTo>
+                  <a:close/>
+                  <a:moveTo>
+                    <a:pt x="2693206" y="0"/>
+                  </a:moveTo>
+                  <a:lnTo>
+                    <a:pt x="5872285" y="0"/>
+                  </a:lnTo>
+                  <a:lnTo>
+                    <a:pt x="6024875" y="68385"/>
+                  </a:lnTo>
+                  <a:cubicBezTo>
+                    <a:pt x="6086250" y="97989"/>
+                    <a:pt x="6146793" y="129318"/>
+                    <a:pt x="6206432" y="162336"/>
+                  </a:cubicBezTo>
+                  <a:lnTo>
+                    <a:pt x="6264586" y="196704"/>
+                  </a:lnTo>
+                  <a:lnTo>
+                    <a:pt x="6264586" y="537242"/>
+                  </a:lnTo>
+                  <a:lnTo>
+                    <a:pt x="6230189" y="517260"/>
+                  </a:lnTo>
+                  <a:cubicBezTo>
+                    <a:pt x="6012226" y="399931"/>
+                    <a:pt x="5780573" y="310008"/>
+                    <a:pt x="5540536" y="249543"/>
+                  </a:cubicBezTo>
+                  <a:cubicBezTo>
+                    <a:pt x="5421375" y="219324"/>
+                    <a:pt x="5300641" y="195644"/>
+                    <a:pt x="5178896" y="178606"/>
+                  </a:cubicBezTo>
+                  <a:cubicBezTo>
+                    <a:pt x="5057977" y="161840"/>
+                    <a:pt x="4936276" y="151186"/>
+                    <a:pt x="4814279" y="146683"/>
+                  </a:cubicBezTo>
+                  <a:cubicBezTo>
+                    <a:pt x="4761501" y="144556"/>
+                    <a:pt x="4708015" y="143421"/>
+                    <a:pt x="4655095" y="143421"/>
+                  </a:cubicBezTo>
+                  <a:cubicBezTo>
+                    <a:pt x="4462968" y="143573"/>
+                    <a:pt x="4271111" y="157799"/>
+                    <a:pt x="4081069" y="185983"/>
+                  </a:cubicBezTo>
+                  <a:cubicBezTo>
+                    <a:pt x="3956361" y="205703"/>
+                    <a:pt x="3835058" y="229396"/>
+                    <a:pt x="3720566" y="256921"/>
+                  </a:cubicBezTo>
+                  <a:cubicBezTo>
+                    <a:pt x="3596708" y="286714"/>
+                    <a:pt x="3477677" y="320905"/>
+                    <a:pt x="3365879" y="357651"/>
+                  </a:cubicBezTo>
+                  <a:cubicBezTo>
+                    <a:pt x="3249257" y="395958"/>
+                    <a:pt x="3133487" y="438945"/>
+                    <a:pt x="3020555" y="486190"/>
+                  </a:cubicBezTo>
+                  <a:cubicBezTo>
+                    <a:pt x="2907623" y="533434"/>
+                    <a:pt x="2794832" y="585786"/>
+                    <a:pt x="2685163" y="641542"/>
+                  </a:cubicBezTo>
+                  <a:cubicBezTo>
+                    <a:pt x="2463995" y="754348"/>
+                    <a:pt x="2250998" y="882488"/>
+                    <a:pt x="2047720" y="1025030"/>
+                  </a:cubicBezTo>
+                  <a:cubicBezTo>
+                    <a:pt x="2006151" y="1054399"/>
+                    <a:pt x="1951528" y="1093415"/>
+                    <a:pt x="1897333" y="1134983"/>
+                  </a:cubicBezTo>
+                  <a:cubicBezTo>
+                    <a:pt x="1876761" y="1150164"/>
+                    <a:pt x="1855905" y="1166479"/>
+                    <a:pt x="1835758" y="1182227"/>
+                  </a:cubicBezTo>
+                  <a:lnTo>
+                    <a:pt x="1823273" y="1192016"/>
+                  </a:lnTo>
+                  <a:cubicBezTo>
+                    <a:pt x="1797027" y="1211879"/>
+                    <a:pt x="1772057" y="1232309"/>
+                    <a:pt x="1750918" y="1249760"/>
+                  </a:cubicBezTo>
+                  <a:cubicBezTo>
+                    <a:pt x="1645931" y="1335737"/>
+                    <a:pt x="1554422" y="1416605"/>
+                    <a:pt x="1469297" y="1496906"/>
+                  </a:cubicBezTo>
+                  <a:cubicBezTo>
+                    <a:pt x="1286595" y="1668957"/>
+                    <a:pt x="1118818" y="1856190"/>
+                    <a:pt x="967769" y="2056602"/>
+                  </a:cubicBezTo>
+                  <a:cubicBezTo>
+                    <a:pt x="890731" y="2159603"/>
+                    <a:pt x="818800" y="2264590"/>
+                    <a:pt x="754105" y="2368727"/>
+                  </a:cubicBezTo>
+                  <a:cubicBezTo>
+                    <a:pt x="681749" y="2488328"/>
+                    <a:pt x="622304" y="2596720"/>
+                    <a:pt x="572364" y="2701140"/>
+                  </a:cubicBezTo>
+                  <a:cubicBezTo>
+                    <a:pt x="557609" y="2730507"/>
+                    <a:pt x="543989" y="2760443"/>
+                    <a:pt x="532497" y="2786265"/>
+                  </a:cubicBezTo>
+                  <a:lnTo>
+                    <a:pt x="512918" y="2828827"/>
+                  </a:lnTo>
+                  <a:lnTo>
+                    <a:pt x="494475" y="2872240"/>
+                  </a:lnTo>
+                  <a:lnTo>
+                    <a:pt x="491637" y="2878908"/>
+                  </a:lnTo>
+                  <a:cubicBezTo>
+                    <a:pt x="480146" y="2906575"/>
+                    <a:pt x="469220" y="2932821"/>
+                    <a:pt x="459290" y="2959635"/>
+                  </a:cubicBezTo>
+                  <a:cubicBezTo>
+                    <a:pt x="455176" y="2970559"/>
+                    <a:pt x="451060" y="2981484"/>
+                    <a:pt x="446805" y="2992408"/>
+                  </a:cubicBezTo>
+                  <a:cubicBezTo>
+                    <a:pt x="439427" y="3012412"/>
+                    <a:pt x="432333" y="3030572"/>
+                    <a:pt x="426090" y="3049158"/>
+                  </a:cubicBezTo>
+                  <a:lnTo>
+                    <a:pt x="426090" y="3049867"/>
+                  </a:lnTo>
+                  <a:cubicBezTo>
+                    <a:pt x="383010" y="3169099"/>
+                    <a:pt x="346959" y="3290756"/>
+                    <a:pt x="318124" y="3414202"/>
+                  </a:cubicBezTo>
+                  <a:cubicBezTo>
+                    <a:pt x="260107" y="3661703"/>
+                    <a:pt x="230780" y="3915049"/>
+                    <a:pt x="230729" y="4169260"/>
+                  </a:cubicBezTo>
+                  <a:cubicBezTo>
+                    <a:pt x="231621" y="4295173"/>
+                    <a:pt x="244398" y="4420719"/>
+                    <a:pt x="268893" y="4544236"/>
+                  </a:cubicBezTo>
+                  <a:cubicBezTo>
+                    <a:pt x="293708" y="4666304"/>
+                    <a:pt x="330882" y="4785521"/>
+                    <a:pt x="379840" y="4900056"/>
+                  </a:cubicBezTo>
+                  <a:cubicBezTo>
+                    <a:pt x="387926" y="4919919"/>
+                    <a:pt x="397006" y="4939498"/>
+                    <a:pt x="406512" y="4960211"/>
+                  </a:cubicBezTo>
+                  <a:cubicBezTo>
+                    <a:pt x="410343" y="4968299"/>
+                    <a:pt x="414173" y="4976385"/>
+                    <a:pt x="417862" y="4984613"/>
+                  </a:cubicBezTo>
+                  <a:lnTo>
+                    <a:pt x="428077" y="5005043"/>
+                  </a:lnTo>
+                  <a:cubicBezTo>
+                    <a:pt x="438860" y="5026751"/>
+                    <a:pt x="449075" y="5047181"/>
+                    <a:pt x="460140" y="5067327"/>
+                  </a:cubicBezTo>
+                  <a:cubicBezTo>
+                    <a:pt x="485536" y="5116273"/>
+                    <a:pt x="514763" y="5165789"/>
+                    <a:pt x="555197" y="5229773"/>
+                  </a:cubicBezTo>
+                  <a:cubicBezTo>
+                    <a:pt x="586836" y="5280282"/>
+                    <a:pt x="620318" y="5329511"/>
+                    <a:pt x="660611" y="5387396"/>
+                  </a:cubicBezTo>
+                  <a:cubicBezTo>
+                    <a:pt x="698065" y="5440741"/>
+                    <a:pt x="737223" y="5493094"/>
+                    <a:pt x="774110" y="5542182"/>
+                  </a:cubicBezTo>
+                  <a:cubicBezTo>
+                    <a:pt x="821070" y="5604324"/>
+                    <a:pt x="870301" y="5667173"/>
+                    <a:pt x="917829" y="5727896"/>
+                  </a:cubicBezTo>
+                  <a:cubicBezTo>
+                    <a:pt x="949042" y="5767762"/>
+                    <a:pt x="979828" y="5807063"/>
+                    <a:pt x="1012885" y="5849767"/>
+                  </a:cubicBezTo>
+                  <a:cubicBezTo>
+                    <a:pt x="1045942" y="5892471"/>
+                    <a:pt x="1089497" y="5948796"/>
+                    <a:pt x="1133053" y="6006822"/>
+                  </a:cubicBezTo>
+                  <a:cubicBezTo>
+                    <a:pt x="1153624" y="6034345"/>
+                    <a:pt x="1175332" y="6063998"/>
+                    <a:pt x="1194343" y="6090245"/>
+                  </a:cubicBezTo>
+                  <a:cubicBezTo>
+                    <a:pt x="1213355" y="6116491"/>
+                    <a:pt x="1231372" y="6141178"/>
+                    <a:pt x="1249390" y="6165155"/>
+                  </a:cubicBezTo>
+                  <a:cubicBezTo>
+                    <a:pt x="1280461" y="6208000"/>
+                    <a:pt x="1313659" y="6250847"/>
+                    <a:pt x="1345724" y="6292132"/>
+                  </a:cubicBezTo>
+                  <a:lnTo>
+                    <a:pt x="1364310" y="6316251"/>
+                  </a:lnTo>
+                  <a:lnTo>
+                    <a:pt x="1373673" y="6327885"/>
+                  </a:lnTo>
+                  <a:cubicBezTo>
+                    <a:pt x="1409566" y="6372433"/>
+                    <a:pt x="1446738" y="6418542"/>
+                    <a:pt x="1484619" y="6462240"/>
+                  </a:cubicBezTo>
+                  <a:cubicBezTo>
+                    <a:pt x="1567899" y="6559850"/>
+                    <a:pt x="1653876" y="6652211"/>
+                    <a:pt x="1739000" y="6737335"/>
+                  </a:cubicBezTo>
+                  <a:lnTo>
+                    <a:pt x="1866801" y="6858001"/>
+                  </a:lnTo>
+                  <a:lnTo>
+                    <a:pt x="1144149" y="6858001"/>
+                  </a:lnTo>
+                  <a:lnTo>
+                    <a:pt x="1058349" y="6766452"/>
+                  </a:lnTo>
+                  <a:cubicBezTo>
+                    <a:pt x="878978" y="6562465"/>
+                    <a:pt x="718756" y="6341104"/>
+                    <a:pt x="580309" y="6105000"/>
+                  </a:cubicBezTo>
+                  <a:cubicBezTo>
+                    <a:pt x="200401" y="5454007"/>
+                    <a:pt x="146" y="4713831"/>
+                    <a:pt x="1" y="3960094"/>
+                  </a:cubicBezTo>
+                  <a:cubicBezTo>
+                    <a:pt x="-335" y="2196754"/>
+                    <a:pt x="1071479" y="683605"/>
+                    <a:pt x="2599292" y="37050"/>
+                  </a:cubicBezTo>
+                  <a:close/>
+                </a:path>
+              </a:pathLst>
+            </a:custGeom>
+            <a:gradFill>
+              <a:gsLst>
+                <a:gs pos="2000">
+                  <a:schemeClr val="bg1">
+                    <a:alpha val="10000"/>
+                  </a:schemeClr>
+                </a:gs>
+                <a:gs pos="16000">
+                  <a:schemeClr val="accent6">
+                    <a:alpha val="10000"/>
+                  </a:schemeClr>
+                </a:gs>
+                <a:gs pos="100000">
+                  <a:schemeClr val="bg1">
+                    <a:alpha val="10000"/>
+                  </a:schemeClr>
+                </a:gs>
+                <a:gs pos="85000">
+                  <a:schemeClr val="accent1">
+                    <a:alpha val="10000"/>
+                  </a:schemeClr>
+                </a:gs>
+              </a:gsLst>
+              <a:lin ang="12000000" scaled="0"/>
+            </a:gradFill>
+            <a:ln>
+              <a:noFill/>
+            </a:ln>
+          </p:spPr>
+          <p:style>
+            <a:lnRef idx="2">
+              <a:schemeClr val="accent1">
+                <a:shade val="50000"/>
+              </a:schemeClr>
+            </a:lnRef>
+            <a:fillRef idx="1">
+              <a:schemeClr val="accent1"/>
+            </a:fillRef>
+            <a:effectRef idx="0">
+              <a:schemeClr val="accent1"/>
+            </a:effectRef>
+            <a:fontRef idx="minor">
+              <a:schemeClr val="lt1"/>
+            </a:fontRef>
+          </p:style>
+          <p:txBody>
+            <a:bodyPr rtlCol="0" anchor="ctr"/>
+            <a:lstStyle/>
+            <a:p>
+              <a:pPr algn="ctr"/>
+              <a:endParaRPr lang="en-US" dirty="0"/>
+            </a:p>
+          </p:txBody>
+        </p:sp>
+      </p:grpSp>
+    </p:spTree>
+    <p:extLst>
+      <p:ext uri="{BB962C8B-B14F-4D97-AF65-F5344CB8AC3E}">
+        <p14:creationId xmlns:p14="http://schemas.microsoft.com/office/powerpoint/2010/main" val="603975346"/>
+      </p:ext>
+    </p:extLst>
+  </p:cSld>
+  <p:clrMapOvr>
+    <a:masterClrMapping/>
+  </p:clrMapOvr>
+</p:sld>
+</file>
+
+<file path=ppt/slides/slide15.xml><?xml version="1.0" encoding="utf-8"?>
+<p:sld xmlns:a="http://schemas.openxmlformats.org/drawingml/2006/main" xmlns:r="http://schemas.openxmlformats.org/officeDocument/2006/relationships" xmlns:p="http://schemas.openxmlformats.org/presentationml/2006/main">
+  <p:cSld>
+    <p:bg>
+      <p:bgPr>
+        <a:solidFill>
+          <a:schemeClr val="bg1"/>
+        </a:solidFill>
+        <a:effectLst/>
+      </p:bgPr>
+    </p:bg>
+    <p:spTree>
+      <p:nvGrpSpPr>
+        <p:cNvPr id="1" name="">
+          <a:extLst>
+            <a:ext uri="{FF2B5EF4-FFF2-40B4-BE49-F238E27FC236}">
+              <a16:creationId xmlns:a16="http://schemas.microsoft.com/office/drawing/2014/main" id="{9FB24F6B-580F-68E2-328D-B0D4F78DE573}"/>
+            </a:ext>
+          </a:extLst>
+        </p:cNvPr>
+        <p:cNvGrpSpPr/>
+        <p:nvPr/>
+      </p:nvGrpSpPr>
+      <p:grpSpPr>
+        <a:xfrm>
+          <a:off x="0" y="0"/>
+          <a:ext cx="0" cy="0"/>
+          <a:chOff x="0" y="0"/>
+          <a:chExt cx="0" cy="0"/>
+        </a:xfrm>
+      </p:grpSpPr>
+      <p:sp useBgFill="1">
+        <p:nvSpPr>
+          <p:cNvPr id="30" name="Rectangle 29">
+            <a:extLst>
+              <a:ext uri="{FF2B5EF4-FFF2-40B4-BE49-F238E27FC236}">
+                <a16:creationId xmlns:a16="http://schemas.microsoft.com/office/drawing/2014/main" id="{C84D2917-D931-EA47-7B8F-80CAA7EA93C6}"/>
+              </a:ext>
+              <a:ext uri="{C183D7F6-B498-43B3-948B-1728B52AA6E4}">
+                <adec:decorative xmlns:adec="http://schemas.microsoft.com/office/drawing/2017/decorative" val="1"/>
+              </a:ext>
+            </a:extLst>
+          </p:cNvPr>
+          <p:cNvSpPr>
+            <a:spLocks noGrp="1" noRot="1" noChangeAspect="1" noMove="1" noResize="1" noEditPoints="1" noAdjustHandles="1" noChangeArrowheads="1" noChangeShapeType="1" noTextEdit="1"/>
+          </p:cNvSpPr>
+          <p:nvPr>
+            <p:extLst>
+              <p:ext uri="{386F3935-93C4-4BCD-93E2-E3B085C9AB24}">
+                <p16:designElem xmlns:p16="http://schemas.microsoft.com/office/powerpoint/2015/main" val="1"/>
+              </p:ext>
+            </p:extLst>
+          </p:nvPr>
+        </p:nvSpPr>
+        <p:spPr>
+          <a:xfrm>
+            <a:off x="0" y="0"/>
+            <a:ext cx="12192000" cy="6858000"/>
+          </a:xfrm>
+          <a:prstGeom prst="rect">
+            <a:avLst/>
+          </a:prstGeom>
+          <a:ln w="12700" cap="flat" cmpd="sng" algn="ctr">
+            <a:noFill/>
+            <a:prstDash val="solid"/>
+            <a:miter lim="800000"/>
+          </a:ln>
+          <a:effectLst/>
+          <a:extLst>
+            <a:ext uri="{91240B29-F687-4F45-9708-019B960494DF}">
+              <a14:hiddenLine xmlns:a14="http://schemas.microsoft.com/office/drawing/2010/main" w="12700" cap="flat" cmpd="sng" algn="ctr">
+                <a:solidFill>
+                  <a:schemeClr val="accent1">
+                    <a:shade val="50000"/>
+                  </a:schemeClr>
+                </a:solidFill>
+                <a:prstDash val="solid"/>
+                <a:miter lim="800000"/>
+              </a14:hiddenLine>
+            </a:ext>
+          </a:extLst>
+        </p:spPr>
+        <p:style>
+          <a:lnRef idx="2">
+            <a:schemeClr val="accent1">
+              <a:shade val="50000"/>
+            </a:schemeClr>
+          </a:lnRef>
+          <a:fillRef idx="1">
+            <a:schemeClr val="accent1"/>
+          </a:fillRef>
+          <a:effectRef idx="0">
+            <a:schemeClr val="accent1"/>
+          </a:effectRef>
+          <a:fontRef idx="minor">
+            <a:schemeClr val="lt1"/>
+          </a:fontRef>
+        </p:style>
+        <p:txBody>
+          <a:bodyPr rtlCol="0" anchor="ctr"/>
+          <a:lstStyle/>
+          <a:p>
+            <a:pPr algn="ctr"/>
+            <a:endParaRPr lang="en-US"/>
+          </a:p>
+        </p:txBody>
+      </p:sp>
+      <p:sp>
+        <p:nvSpPr>
+          <p:cNvPr id="32" name="Rectangle 31">
+            <a:extLst>
+              <a:ext uri="{FF2B5EF4-FFF2-40B4-BE49-F238E27FC236}">
+                <a16:creationId xmlns:a16="http://schemas.microsoft.com/office/drawing/2014/main" id="{132D8236-C237-A4C7-7B9B-4889F6210C2F}"/>
+              </a:ext>
+              <a:ext uri="{C183D7F6-B498-43B3-948B-1728B52AA6E4}">
+                <adec:decorative xmlns:adec="http://schemas.microsoft.com/office/drawing/2017/decorative" val="1"/>
+              </a:ext>
+            </a:extLst>
+          </p:cNvPr>
+          <p:cNvSpPr>
+            <a:spLocks noGrp="1" noRot="1" noChangeAspect="1" noMove="1" noResize="1" noEditPoints="1" noAdjustHandles="1" noChangeArrowheads="1" noChangeShapeType="1" noTextEdit="1"/>
+          </p:cNvSpPr>
+          <p:nvPr>
+            <p:extLst>
+              <p:ext uri="{386F3935-93C4-4BCD-93E2-E3B085C9AB24}">
+                <p16:designElem xmlns:p16="http://schemas.microsoft.com/office/powerpoint/2015/main" val="1"/>
+              </p:ext>
+            </p:extLst>
+          </p:nvPr>
+        </p:nvSpPr>
+        <p:spPr>
+          <a:xfrm flipH="1">
+            <a:off x="2" y="0"/>
+            <a:ext cx="12191998" cy="1575955"/>
+          </a:xfrm>
+          <a:prstGeom prst="rect">
+            <a:avLst/>
+          </a:prstGeom>
+          <a:gradFill>
+            <a:gsLst>
+              <a:gs pos="0">
+                <a:srgbClr val="000000">
+                  <a:alpha val="96000"/>
+                </a:srgbClr>
+              </a:gs>
+              <a:gs pos="100000">
+                <a:schemeClr val="accent1">
+                  <a:lumMod val="75000"/>
+                </a:schemeClr>
+              </a:gs>
+            </a:gsLst>
+            <a:lin ang="8400000" scaled="0"/>
+          </a:gradFill>
+          <a:ln>
+            <a:noFill/>
+          </a:ln>
+        </p:spPr>
+        <p:style>
+          <a:lnRef idx="2">
+            <a:schemeClr val="accent1">
+              <a:shade val="50000"/>
+            </a:schemeClr>
+          </a:lnRef>
+          <a:fillRef idx="1">
+            <a:schemeClr val="accent1"/>
+          </a:fillRef>
+          <a:effectRef idx="0">
+            <a:schemeClr val="accent1"/>
+          </a:effectRef>
+          <a:fontRef idx="minor">
+            <a:schemeClr val="lt1"/>
+          </a:fontRef>
+        </p:style>
+        <p:txBody>
+          <a:bodyPr rtlCol="0" anchor="ctr"/>
+          <a:lstStyle/>
+          <a:p>
+            <a:pPr algn="ctr"/>
+            <a:endParaRPr lang="en-US"/>
+          </a:p>
+        </p:txBody>
+      </p:sp>
+      <p:sp>
+        <p:nvSpPr>
+          <p:cNvPr id="34" name="Rectangle 33">
+            <a:extLst>
+              <a:ext uri="{FF2B5EF4-FFF2-40B4-BE49-F238E27FC236}">
+                <a16:creationId xmlns:a16="http://schemas.microsoft.com/office/drawing/2014/main" id="{4AEFC7A7-4F41-F5B5-7D5A-3E8D9B8DAD17}"/>
+              </a:ext>
+              <a:ext uri="{C183D7F6-B498-43B3-948B-1728B52AA6E4}">
+                <adec:decorative xmlns:adec="http://schemas.microsoft.com/office/drawing/2017/decorative" val="1"/>
+              </a:ext>
+            </a:extLst>
+          </p:cNvPr>
+          <p:cNvSpPr>
+            <a:spLocks noGrp="1" noRot="1" noChangeAspect="1" noMove="1" noResize="1" noEditPoints="1" noAdjustHandles="1" noChangeArrowheads="1" noChangeShapeType="1" noTextEdit="1"/>
+          </p:cNvSpPr>
+          <p:nvPr>
+            <p:extLst>
+              <p:ext uri="{386F3935-93C4-4BCD-93E2-E3B085C9AB24}">
+                <p16:designElem xmlns:p16="http://schemas.microsoft.com/office/powerpoint/2015/main" val="1"/>
+              </p:ext>
+            </p:extLst>
+          </p:nvPr>
+        </p:nvSpPr>
+        <p:spPr>
+          <a:xfrm rot="10800000" flipH="1">
+            <a:off x="8128857" y="0"/>
+            <a:ext cx="4063143" cy="1576412"/>
+          </a:xfrm>
+          <a:prstGeom prst="rect">
+            <a:avLst/>
+          </a:prstGeom>
+          <a:gradFill>
+            <a:gsLst>
+              <a:gs pos="19000">
+                <a:schemeClr val="accent1">
+                  <a:lumMod val="50000"/>
+                  <a:alpha val="68000"/>
+                </a:schemeClr>
+              </a:gs>
+              <a:gs pos="100000">
+                <a:schemeClr val="accent1">
+                  <a:alpha val="79000"/>
+                </a:schemeClr>
+              </a:gs>
+            </a:gsLst>
+            <a:lin ang="19200000" scaled="0"/>
+          </a:gradFill>
+          <a:ln>
+            <a:noFill/>
+          </a:ln>
+        </p:spPr>
+        <p:style>
+          <a:lnRef idx="2">
+            <a:schemeClr val="accent1">
+              <a:shade val="50000"/>
+            </a:schemeClr>
+          </a:lnRef>
+          <a:fillRef idx="1">
+            <a:schemeClr val="accent1"/>
+          </a:fillRef>
+          <a:effectRef idx="0">
+            <a:schemeClr val="accent1"/>
+          </a:effectRef>
+          <a:fontRef idx="minor">
+            <a:schemeClr val="lt1"/>
+          </a:fontRef>
+        </p:style>
+        <p:txBody>
+          <a:bodyPr rtlCol="0" anchor="ctr"/>
+          <a:lstStyle/>
+          <a:p>
+            <a:pPr algn="ctr"/>
+            <a:endParaRPr lang="en-US"/>
+          </a:p>
+        </p:txBody>
+      </p:sp>
+      <p:sp>
+        <p:nvSpPr>
+          <p:cNvPr id="36" name="Rectangle 35">
+            <a:extLst>
+              <a:ext uri="{FF2B5EF4-FFF2-40B4-BE49-F238E27FC236}">
+                <a16:creationId xmlns:a16="http://schemas.microsoft.com/office/drawing/2014/main" id="{8A4F92F7-2129-54CE-370D-CA9A9515356F}"/>
+              </a:ext>
+              <a:ext uri="{C183D7F6-B498-43B3-948B-1728B52AA6E4}">
+                <adec:decorative xmlns:adec="http://schemas.microsoft.com/office/drawing/2017/decorative" val="1"/>
+              </a:ext>
+            </a:extLst>
+          </p:cNvPr>
+          <p:cNvSpPr>
+            <a:spLocks noGrp="1" noRot="1" noChangeAspect="1" noMove="1" noResize="1" noEditPoints="1" noAdjustHandles="1" noChangeArrowheads="1" noChangeShapeType="1" noTextEdit="1"/>
+          </p:cNvSpPr>
+          <p:nvPr>
+            <p:extLst>
+              <p:ext uri="{386F3935-93C4-4BCD-93E2-E3B085C9AB24}">
+                <p16:designElem xmlns:p16="http://schemas.microsoft.com/office/powerpoint/2015/main" val="1"/>
+              </p:ext>
+            </p:extLst>
+          </p:nvPr>
+        </p:nvSpPr>
+        <p:spPr>
+          <a:xfrm rot="5400000">
+            <a:off x="5307777" y="-5307778"/>
+            <a:ext cx="1576446" cy="12192002"/>
+          </a:xfrm>
+          <a:prstGeom prst="rect">
+            <a:avLst/>
+          </a:prstGeom>
+          <a:gradFill>
+            <a:gsLst>
+              <a:gs pos="23000">
+                <a:schemeClr val="accent1">
+                  <a:alpha val="0"/>
+                </a:schemeClr>
+              </a:gs>
+              <a:gs pos="99000">
+                <a:srgbClr val="000000">
+                  <a:alpha val="74000"/>
+                </a:srgbClr>
+              </a:gs>
+            </a:gsLst>
+            <a:lin ang="20400000" scaled="0"/>
+          </a:gradFill>
+          <a:ln>
+            <a:noFill/>
+          </a:ln>
+        </p:spPr>
+        <p:style>
+          <a:lnRef idx="2">
+            <a:schemeClr val="accent1">
+              <a:shade val="50000"/>
+            </a:schemeClr>
+          </a:lnRef>
+          <a:fillRef idx="1">
+            <a:schemeClr val="accent1"/>
+          </a:fillRef>
+          <a:effectRef idx="0">
+            <a:schemeClr val="accent1"/>
+          </a:effectRef>
+          <a:fontRef idx="minor">
+            <a:schemeClr val="lt1"/>
+          </a:fontRef>
+        </p:style>
+        <p:txBody>
+          <a:bodyPr rtlCol="0" anchor="ctr"/>
+          <a:lstStyle/>
+          <a:p>
+            <a:pPr algn="ctr"/>
+            <a:endParaRPr lang="en-US" dirty="0"/>
+          </a:p>
+        </p:txBody>
+      </p:sp>
+      <p:sp>
+        <p:nvSpPr>
+          <p:cNvPr id="2" name="Title 1">
+            <a:extLst>
+              <a:ext uri="{FF2B5EF4-FFF2-40B4-BE49-F238E27FC236}">
+                <a16:creationId xmlns:a16="http://schemas.microsoft.com/office/drawing/2014/main" id="{5E622407-E2A4-D725-CCF4-54CD3A9A2769}"/>
+              </a:ext>
+            </a:extLst>
+          </p:cNvPr>
+          <p:cNvSpPr>
+            <a:spLocks noGrp="1"/>
+          </p:cNvSpPr>
+          <p:nvPr>
+            <p:ph type="title"/>
+          </p:nvPr>
+        </p:nvSpPr>
+        <p:spPr>
+          <a:xfrm>
+            <a:off x="1371597" y="348865"/>
+            <a:ext cx="10044023" cy="877729"/>
+          </a:xfrm>
+        </p:spPr>
+        <p:txBody>
+          <a:bodyPr anchor="ctr">
+            <a:normAutofit/>
+          </a:bodyPr>
+          <a:lstStyle/>
+          <a:p>
+            <a:r>
+              <a:rPr lang="en-US" sz="4000" dirty="0">
+                <a:solidFill>
+                  <a:srgbClr val="FFFFFF"/>
+                </a:solidFill>
+              </a:rPr>
+              <a:t>Joseph Chaney</a:t>
+            </a:r>
+          </a:p>
+        </p:txBody>
+      </p:sp>
+      <p:sp>
+        <p:nvSpPr>
+          <p:cNvPr id="5" name="Content Placeholder 4">
+            <a:extLst>
+              <a:ext uri="{FF2B5EF4-FFF2-40B4-BE49-F238E27FC236}">
+                <a16:creationId xmlns:a16="http://schemas.microsoft.com/office/drawing/2014/main" id="{18FBC833-948D-54DB-EAB9-1A5E1BED8790}"/>
+              </a:ext>
+            </a:extLst>
+          </p:cNvPr>
+          <p:cNvSpPr>
+            <a:spLocks noGrp="1"/>
+          </p:cNvSpPr>
+          <p:nvPr>
+            <p:ph idx="1"/>
+          </p:nvPr>
+        </p:nvSpPr>
+        <p:spPr>
+          <a:xfrm>
+            <a:off x="838200" y="1825624"/>
+            <a:ext cx="5666338" cy="4605655"/>
+          </a:xfrm>
+        </p:spPr>
+        <p:txBody>
+          <a:bodyPr>
+            <a:normAutofit fontScale="92500" lnSpcReduction="10000"/>
+          </a:bodyPr>
+          <a:lstStyle/>
+          <a:p>
+            <a:r>
+              <a:rPr lang="en-US" sz="2400" dirty="0"/>
+              <a:t>Strengths</a:t>
+            </a:r>
+          </a:p>
+          <a:p>
+            <a:pPr lvl="1"/>
+            <a:r>
+              <a:rPr lang="en-US" sz="2000" dirty="0"/>
+              <a:t>Right Hand Rim Shots</a:t>
+            </a:r>
+          </a:p>
+          <a:p>
+            <a:pPr lvl="1"/>
+            <a:r>
+              <a:rPr lang="en-US" sz="2000" dirty="0"/>
+              <a:t>Rebounding (Leads Team in OREB/DREB)</a:t>
+            </a:r>
+          </a:p>
+          <a:p>
+            <a:pPr lvl="1"/>
+            <a:endParaRPr lang="en-US" sz="2000" dirty="0"/>
+          </a:p>
+          <a:p>
+            <a:r>
+              <a:rPr lang="en-US" sz="2400" dirty="0"/>
+              <a:t>Weaknesses</a:t>
+            </a:r>
+          </a:p>
+          <a:p>
+            <a:pPr lvl="1"/>
+            <a:r>
+              <a:rPr lang="en-US" sz="2000" dirty="0"/>
+              <a:t>Left Hand Rim Shots</a:t>
+            </a:r>
+          </a:p>
+          <a:p>
+            <a:pPr lvl="1"/>
+            <a:r>
+              <a:rPr lang="en-US" sz="2000" dirty="0"/>
+              <a:t>Midrange Shots</a:t>
+            </a:r>
+          </a:p>
+          <a:p>
+            <a:pPr lvl="1"/>
+            <a:r>
+              <a:rPr lang="en-US" sz="2000" dirty="0"/>
+              <a:t>AST/TO Ratio (0.52)</a:t>
+            </a:r>
+          </a:p>
+          <a:p>
+            <a:pPr lvl="1"/>
+            <a:endParaRPr lang="en-US" sz="2000" dirty="0"/>
+          </a:p>
+          <a:p>
+            <a:r>
+              <a:rPr lang="en-US" sz="2400" dirty="0"/>
+              <a:t>Areas to Help Us Win: </a:t>
+            </a:r>
+          </a:p>
+          <a:p>
+            <a:pPr lvl="1"/>
+            <a:r>
+              <a:rPr lang="en-US" sz="2000" dirty="0"/>
+              <a:t>Get to your right hand near the rim (+20.7%)</a:t>
+            </a:r>
+          </a:p>
+          <a:p>
+            <a:pPr lvl="1"/>
+            <a:r>
+              <a:rPr lang="en-US" sz="2000" dirty="0"/>
+              <a:t>Dominate the Boards</a:t>
+            </a:r>
+          </a:p>
+          <a:p>
+            <a:pPr lvl="1"/>
+            <a:r>
+              <a:rPr lang="en-US" sz="2000" dirty="0"/>
+              <a:t>Practice Speed Reps/Contact Reps on the Left Side</a:t>
+            </a:r>
+          </a:p>
+          <a:p>
+            <a:pPr lvl="1"/>
+            <a:endParaRPr lang="en-US" sz="2000" dirty="0"/>
+          </a:p>
+          <a:p>
+            <a:pPr lvl="1"/>
+            <a:endParaRPr lang="en-US" dirty="0"/>
+          </a:p>
+        </p:txBody>
+      </p:sp>
+      <p:pic>
+        <p:nvPicPr>
+          <p:cNvPr id="4" name="Picture 3">
+            <a:extLst>
+              <a:ext uri="{FF2B5EF4-FFF2-40B4-BE49-F238E27FC236}">
+                <a16:creationId xmlns:a16="http://schemas.microsoft.com/office/drawing/2014/main" id="{B3D13261-8C0F-7A8D-8A93-81C5D38959FA}"/>
+              </a:ext>
+            </a:extLst>
+          </p:cNvPr>
+          <p:cNvPicPr>
+            <a:picLocks noChangeAspect="1"/>
+          </p:cNvPicPr>
+          <p:nvPr/>
+        </p:nvPicPr>
+        <p:blipFill>
+          <a:blip r:embed="rId2"/>
+          <a:stretch>
+            <a:fillRect/>
+          </a:stretch>
+        </p:blipFill>
+        <p:spPr>
+          <a:xfrm>
+            <a:off x="6504540" y="-1"/>
+            <a:ext cx="5687458" cy="6858000"/>
+          </a:xfrm>
+          <a:prstGeom prst="rect">
+            <a:avLst/>
+          </a:prstGeom>
+        </p:spPr>
+      </p:pic>
+    </p:spTree>
+    <p:extLst>
+      <p:ext uri="{BB962C8B-B14F-4D97-AF65-F5344CB8AC3E}">
+        <p14:creationId xmlns:p14="http://schemas.microsoft.com/office/powerpoint/2010/main" val="2845666406"/>
       </p:ext>
     </p:extLst>
   </p:cSld>
@@ -24473,7 +29156,7 @@
             <p:ph idx="1"/>
             <p:extLst>
               <p:ext uri="{D42A27DB-BD31-4B8C-83A1-F6EECF244321}">
-                <p14:modId xmlns:p14="http://schemas.microsoft.com/office/powerpoint/2010/main" val="1047257506"/>
+                <p14:modId xmlns:p14="http://schemas.microsoft.com/office/powerpoint/2010/main" val="756389749"/>
               </p:ext>
               <p:ext uri="{E7BDC344-281C-4309-B0C6-D0EE65EED2A8}">
                 <p202:designPr xmlns:p202="http://schemas.microsoft.com/office/powerpoint/2020/02/main">
@@ -24651,12 +29334,12 @@
                         <a:buNone/>
                       </a:pPr>
                       <a:r>
-                        <a:rPr lang="en-US" sz="2100" b="0" cap="none" spc="0">
+                        <a:rPr lang="en-US" sz="2100" b="0" cap="none" spc="0" dirty="0">
                           <a:solidFill>
                             <a:schemeClr val="tx1"/>
                           </a:solidFill>
                         </a:rPr>
-                        <a:t>Weekly Breakdown of Shooting % and AST, TOs, and REBs</a:t>
+                        <a:t>Weekly Breakdown of Shooting % and AST/TO Ratio</a:t>
                       </a:r>
                     </a:p>
                   </a:txBody>
@@ -24700,7 +29383,7 @@
                         <a:buNone/>
                       </a:pPr>
                       <a:r>
-                        <a:rPr lang="en-US" sz="3300" b="1" cap="none" spc="0">
+                        <a:rPr lang="en-US" sz="3300" b="1" cap="none" spc="0" dirty="0">
                           <a:solidFill>
                             <a:schemeClr val="tx1"/>
                           </a:solidFill>
@@ -24833,12 +29516,12 @@
                         <a:buNone/>
                       </a:pPr>
                       <a:r>
-                        <a:rPr lang="en-US" sz="2100" b="0" cap="none" spc="0">
+                        <a:rPr lang="en-US" sz="2100" b="0" cap="none" spc="0" dirty="0">
                           <a:solidFill>
                             <a:schemeClr val="tx1"/>
                           </a:solidFill>
                         </a:rPr>
-                        <a:t>Player Specific Breakdowns</a:t>
+                        <a:t>Starters - Player Specific Breakdowns</a:t>
                       </a:r>
                     </a:p>
                   </a:txBody>
@@ -24922,12 +29605,12 @@
                         <a:buNone/>
                       </a:pPr>
                       <a:r>
-                        <a:rPr lang="en-US" sz="2100" b="0" cap="none" spc="0">
+                        <a:rPr lang="en-US" sz="2100" b="0" cap="none" spc="0" dirty="0">
                           <a:solidFill>
                             <a:schemeClr val="tx1"/>
                           </a:solidFill>
                         </a:rPr>
-                        <a:t>Additional Recommendations</a:t>
+                        <a:t>Role Players – Practice Specific Breakdowns</a:t>
                       </a:r>
                     </a:p>
                   </a:txBody>

--- a/Midseason Analytics Overview.pptx
+++ b/Midseason Analytics Overview.pptx
@@ -18,8 +18,18 @@
     <p:sldId id="266" r:id="rId12"/>
     <p:sldId id="268" r:id="rId13"/>
     <p:sldId id="270" r:id="rId14"/>
-    <p:sldId id="271" r:id="rId15"/>
-    <p:sldId id="272" r:id="rId16"/>
+    <p:sldId id="282" r:id="rId15"/>
+    <p:sldId id="271" r:id="rId16"/>
+    <p:sldId id="272" r:id="rId17"/>
+    <p:sldId id="273" r:id="rId18"/>
+    <p:sldId id="274" r:id="rId19"/>
+    <p:sldId id="275" r:id="rId20"/>
+    <p:sldId id="276" r:id="rId21"/>
+    <p:sldId id="277" r:id="rId22"/>
+    <p:sldId id="278" r:id="rId23"/>
+    <p:sldId id="279" r:id="rId24"/>
+    <p:sldId id="280" r:id="rId25"/>
+    <p:sldId id="281" r:id="rId26"/>
   </p:sldIdLst>
   <p:sldSz cx="12192000" cy="6858000"/>
   <p:notesSz cx="6858000" cy="9144000"/>
@@ -25464,31 +25474,355 @@
           </a:p>
         </p:txBody>
       </p:sp>
-      <p:sp>
-        <p:nvSpPr>
-          <p:cNvPr id="5" name="Content Placeholder 4">
+      <p:graphicFrame>
+        <p:nvGraphicFramePr>
+          <p:cNvPr id="3" name="Content Placeholder 2">
             <a:extLst>
               <a:ext uri="{FF2B5EF4-FFF2-40B4-BE49-F238E27FC236}">
-                <a16:creationId xmlns:a16="http://schemas.microsoft.com/office/drawing/2014/main" id="{BF9FCFE1-7874-1D7B-A2FC-BE4C47795900}"/>
+                <a16:creationId xmlns:a16="http://schemas.microsoft.com/office/drawing/2014/main" id="{F4893D22-DD70-6EC8-8FF2-5170DEF7D2F6}"/>
               </a:ext>
             </a:extLst>
           </p:cNvPr>
-          <p:cNvSpPr>
-            <a:spLocks noGrp="1"/>
-          </p:cNvSpPr>
+          <p:cNvGraphicFramePr>
+            <a:graphicFrameLocks noGrp="1"/>
+          </p:cNvGraphicFramePr>
           <p:nvPr>
             <p:ph idx="1"/>
+            <p:extLst>
+              <p:ext uri="{D42A27DB-BD31-4B8C-83A1-F6EECF244321}">
+                <p14:modId xmlns:p14="http://schemas.microsoft.com/office/powerpoint/2010/main" val="4194594209"/>
+              </p:ext>
+            </p:extLst>
           </p:nvPr>
-        </p:nvSpPr>
-        <p:spPr/>
-        <p:txBody>
-          <a:bodyPr/>
-          <a:lstStyle/>
-          <a:p>
-            <a:endParaRPr lang="en-US"/>
-          </a:p>
-        </p:txBody>
-      </p:sp>
+        </p:nvGraphicFramePr>
+        <p:xfrm>
+          <a:off x="838200" y="1825625"/>
+          <a:ext cx="10515600" cy="4299876"/>
+        </p:xfrm>
+        <a:graphic>
+          <a:graphicData uri="http://schemas.openxmlformats.org/drawingml/2006/table">
+            <a:tbl>
+              <a:tblPr firstRow="1" bandRow="1">
+                <a:tableStyleId>{85BE263C-DBD7-4A20-BB59-AAB30ACAA65A}</a:tableStyleId>
+              </a:tblPr>
+              <a:tblGrid>
+                <a:gridCol w="5257800">
+                  <a:extLst>
+                    <a:ext uri="{9D8B030D-6E8A-4147-A177-3AD203B41FA5}">
+                      <a16:colId xmlns:a16="http://schemas.microsoft.com/office/drawing/2014/main" val="2574094626"/>
+                    </a:ext>
+                  </a:extLst>
+                </a:gridCol>
+                <a:gridCol w="5257800">
+                  <a:extLst>
+                    <a:ext uri="{9D8B030D-6E8A-4147-A177-3AD203B41FA5}">
+                      <a16:colId xmlns:a16="http://schemas.microsoft.com/office/drawing/2014/main" val="3248942054"/>
+                    </a:ext>
+                  </a:extLst>
+                </a:gridCol>
+              </a:tblGrid>
+              <a:tr h="477764">
+                <a:tc>
+                  <a:txBody>
+                    <a:bodyPr/>
+                    <a:lstStyle/>
+                    <a:p>
+                      <a:r>
+                        <a:rPr lang="en-US" dirty="0"/>
+                        <a:t>Stats</a:t>
+                      </a:r>
+                    </a:p>
+                  </a:txBody>
+                  <a:tcPr/>
+                </a:tc>
+                <a:tc>
+                  <a:txBody>
+                    <a:bodyPr/>
+                    <a:lstStyle/>
+                    <a:p>
+                      <a:r>
+                        <a:rPr lang="en-US" dirty="0"/>
+                        <a:t>Score</a:t>
+                      </a:r>
+                    </a:p>
+                  </a:txBody>
+                  <a:tcPr/>
+                </a:tc>
+                <a:extLst>
+                  <a:ext uri="{0D108BD9-81ED-4DB2-BD59-A6C34878D82A}">
+                    <a16:rowId xmlns:a16="http://schemas.microsoft.com/office/drawing/2014/main" val="2337428870"/>
+                  </a:ext>
+                </a:extLst>
+              </a:tr>
+              <a:tr h="477764">
+                <a:tc>
+                  <a:txBody>
+                    <a:bodyPr/>
+                    <a:lstStyle/>
+                    <a:p>
+                      <a:r>
+                        <a:rPr lang="en-US" dirty="0"/>
+                        <a:t>Assists per Game</a:t>
+                      </a:r>
+                    </a:p>
+                  </a:txBody>
+                  <a:tcPr/>
+                </a:tc>
+                <a:tc>
+                  <a:txBody>
+                    <a:bodyPr/>
+                    <a:lstStyle/>
+                    <a:p>
+                      <a:r>
+                        <a:rPr lang="en-US" dirty="0"/>
+                        <a:t>15.11</a:t>
+                      </a:r>
+                    </a:p>
+                  </a:txBody>
+                  <a:tcPr/>
+                </a:tc>
+                <a:extLst>
+                  <a:ext uri="{0D108BD9-81ED-4DB2-BD59-A6C34878D82A}">
+                    <a16:rowId xmlns:a16="http://schemas.microsoft.com/office/drawing/2014/main" val="410420620"/>
+                  </a:ext>
+                </a:extLst>
+              </a:tr>
+              <a:tr h="477764">
+                <a:tc>
+                  <a:txBody>
+                    <a:bodyPr/>
+                    <a:lstStyle/>
+                    <a:p>
+                      <a:r>
+                        <a:rPr lang="en-US" dirty="0"/>
+                        <a:t>Turnovers per Game</a:t>
+                      </a:r>
+                    </a:p>
+                  </a:txBody>
+                  <a:tcPr/>
+                </a:tc>
+                <a:tc>
+                  <a:txBody>
+                    <a:bodyPr/>
+                    <a:lstStyle/>
+                    <a:p>
+                      <a:r>
+                        <a:rPr lang="en-US" dirty="0"/>
+                        <a:t>15.78</a:t>
+                      </a:r>
+                    </a:p>
+                  </a:txBody>
+                  <a:tcPr/>
+                </a:tc>
+                <a:extLst>
+                  <a:ext uri="{0D108BD9-81ED-4DB2-BD59-A6C34878D82A}">
+                    <a16:rowId xmlns:a16="http://schemas.microsoft.com/office/drawing/2014/main" val="2496175546"/>
+                  </a:ext>
+                </a:extLst>
+              </a:tr>
+              <a:tr h="477764">
+                <a:tc>
+                  <a:txBody>
+                    <a:bodyPr/>
+                    <a:lstStyle/>
+                    <a:p>
+                      <a:r>
+                        <a:rPr lang="en-US" dirty="0"/>
+                        <a:t>Offensive Rebounds per Game</a:t>
+                      </a:r>
+                    </a:p>
+                  </a:txBody>
+                  <a:tcPr/>
+                </a:tc>
+                <a:tc>
+                  <a:txBody>
+                    <a:bodyPr/>
+                    <a:lstStyle/>
+                    <a:p>
+                      <a:r>
+                        <a:rPr lang="en-US" dirty="0"/>
+                        <a:t>12.78</a:t>
+                      </a:r>
+                    </a:p>
+                  </a:txBody>
+                  <a:tcPr/>
+                </a:tc>
+                <a:extLst>
+                  <a:ext uri="{0D108BD9-81ED-4DB2-BD59-A6C34878D82A}">
+                    <a16:rowId xmlns:a16="http://schemas.microsoft.com/office/drawing/2014/main" val="451335325"/>
+                  </a:ext>
+                </a:extLst>
+              </a:tr>
+              <a:tr h="477764">
+                <a:tc>
+                  <a:txBody>
+                    <a:bodyPr/>
+                    <a:lstStyle/>
+                    <a:p>
+                      <a:r>
+                        <a:rPr lang="en-US" dirty="0"/>
+                        <a:t>Defensive Rebounds per Game</a:t>
+                      </a:r>
+                    </a:p>
+                  </a:txBody>
+                  <a:tcPr/>
+                </a:tc>
+                <a:tc>
+                  <a:txBody>
+                    <a:bodyPr/>
+                    <a:lstStyle/>
+                    <a:p>
+                      <a:r>
+                        <a:rPr lang="en-US" dirty="0"/>
+                        <a:t>22.56</a:t>
+                      </a:r>
+                    </a:p>
+                  </a:txBody>
+                  <a:tcPr/>
+                </a:tc>
+                <a:extLst>
+                  <a:ext uri="{0D108BD9-81ED-4DB2-BD59-A6C34878D82A}">
+                    <a16:rowId xmlns:a16="http://schemas.microsoft.com/office/drawing/2014/main" val="4028033368"/>
+                  </a:ext>
+                </a:extLst>
+              </a:tr>
+              <a:tr h="477764">
+                <a:tc>
+                  <a:txBody>
+                    <a:bodyPr/>
+                    <a:lstStyle/>
+                    <a:p>
+                      <a:r>
+                        <a:rPr lang="en-US" dirty="0" err="1"/>
+                        <a:t>eFG</a:t>
+                      </a:r>
+                      <a:r>
+                        <a:rPr lang="en-US" dirty="0"/>
+                        <a:t>%</a:t>
+                      </a:r>
+                    </a:p>
+                  </a:txBody>
+                  <a:tcPr/>
+                </a:tc>
+                <a:tc>
+                  <a:txBody>
+                    <a:bodyPr/>
+                    <a:lstStyle/>
+                    <a:p>
+                      <a:endParaRPr lang="en-US" dirty="0"/>
+                    </a:p>
+                  </a:txBody>
+                  <a:tcPr/>
+                </a:tc>
+                <a:extLst>
+                  <a:ext uri="{0D108BD9-81ED-4DB2-BD59-A6C34878D82A}">
+                    <a16:rowId xmlns:a16="http://schemas.microsoft.com/office/drawing/2014/main" val="3203560419"/>
+                  </a:ext>
+                </a:extLst>
+              </a:tr>
+              <a:tr h="477764">
+                <a:tc>
+                  <a:txBody>
+                    <a:bodyPr/>
+                    <a:lstStyle/>
+                    <a:p>
+                      <a:r>
+                        <a:rPr lang="en-US" dirty="0"/>
+                        <a:t>3PT%</a:t>
+                      </a:r>
+                    </a:p>
+                  </a:txBody>
+                  <a:tcPr/>
+                </a:tc>
+                <a:tc>
+                  <a:txBody>
+                    <a:bodyPr/>
+                    <a:lstStyle/>
+                    <a:p>
+                      <a:r>
+                        <a:rPr lang="en-US" dirty="0"/>
+                        <a:t>34%</a:t>
+                      </a:r>
+                    </a:p>
+                  </a:txBody>
+                  <a:tcPr/>
+                </a:tc>
+                <a:extLst>
+                  <a:ext uri="{0D108BD9-81ED-4DB2-BD59-A6C34878D82A}">
+                    <a16:rowId xmlns:a16="http://schemas.microsoft.com/office/drawing/2014/main" val="573887757"/>
+                  </a:ext>
+                </a:extLst>
+              </a:tr>
+              <a:tr h="477764">
+                <a:tc>
+                  <a:txBody>
+                    <a:bodyPr/>
+                    <a:lstStyle/>
+                    <a:p>
+                      <a:r>
+                        <a:rPr lang="en-US" dirty="0"/>
+                        <a:t>Average Hustle Score</a:t>
+                      </a:r>
+                    </a:p>
+                  </a:txBody>
+                  <a:tcPr/>
+                </a:tc>
+                <a:tc>
+                  <a:txBody>
+                    <a:bodyPr/>
+                    <a:lstStyle/>
+                    <a:p>
+                      <a:r>
+                        <a:rPr lang="en-US" dirty="0"/>
+                        <a:t>55.89</a:t>
+                      </a:r>
+                    </a:p>
+                  </a:txBody>
+                  <a:tcPr/>
+                </a:tc>
+                <a:extLst>
+                  <a:ext uri="{0D108BD9-81ED-4DB2-BD59-A6C34878D82A}">
+                    <a16:rowId xmlns:a16="http://schemas.microsoft.com/office/drawing/2014/main" val="3643584962"/>
+                  </a:ext>
+                </a:extLst>
+              </a:tr>
+              <a:tr h="477764">
+                <a:tc>
+                  <a:txBody>
+                    <a:bodyPr/>
+                    <a:lstStyle/>
+                    <a:p>
+                      <a:r>
+                        <a:rPr lang="en-US" dirty="0"/>
+                        <a:t>Deflections per Game</a:t>
+                      </a:r>
+                    </a:p>
+                  </a:txBody>
+                  <a:tcPr/>
+                </a:tc>
+                <a:tc>
+                  <a:txBody>
+                    <a:bodyPr/>
+                    <a:lstStyle/>
+                    <a:p>
+                      <a:r>
+                        <a:rPr lang="en-US" dirty="0"/>
+                        <a:t>22.0</a:t>
+                      </a:r>
+                    </a:p>
+                  </a:txBody>
+                  <a:tcPr/>
+                </a:tc>
+                <a:extLst>
+                  <a:ext uri="{0D108BD9-81ED-4DB2-BD59-A6C34878D82A}">
+                    <a16:rowId xmlns:a16="http://schemas.microsoft.com/office/drawing/2014/main" val="2888394238"/>
+                  </a:ext>
+                </a:extLst>
+              </a:tr>
+            </a:tbl>
+          </a:graphicData>
+        </a:graphic>
+      </p:graphicFrame>
     </p:spTree>
     <p:extLst>
       <p:ext uri="{BB962C8B-B14F-4D97-AF65-F5344CB8AC3E}">
@@ -25874,12 +26208,798 @@
           </a:p>
         </p:txBody>
       </p:sp>
+      <p:graphicFrame>
+        <p:nvGraphicFramePr>
+          <p:cNvPr id="3" name="Content Placeholder 2">
+            <a:extLst>
+              <a:ext uri="{FF2B5EF4-FFF2-40B4-BE49-F238E27FC236}">
+                <a16:creationId xmlns:a16="http://schemas.microsoft.com/office/drawing/2014/main" id="{15995495-DA79-91C5-7F9B-689154A58D22}"/>
+              </a:ext>
+            </a:extLst>
+          </p:cNvPr>
+          <p:cNvGraphicFramePr>
+            <a:graphicFrameLocks noGrp="1"/>
+          </p:cNvGraphicFramePr>
+          <p:nvPr>
+            <p:ph idx="1"/>
+            <p:extLst>
+              <p:ext uri="{D42A27DB-BD31-4B8C-83A1-F6EECF244321}">
+                <p14:modId xmlns:p14="http://schemas.microsoft.com/office/powerpoint/2010/main" val="60060592"/>
+              </p:ext>
+            </p:extLst>
+          </p:nvPr>
+        </p:nvGraphicFramePr>
+        <p:xfrm>
+          <a:off x="838200" y="1825624"/>
+          <a:ext cx="10515600" cy="4349034"/>
+        </p:xfrm>
+        <a:graphic>
+          <a:graphicData uri="http://schemas.openxmlformats.org/drawingml/2006/table">
+            <a:tbl>
+              <a:tblPr firstRow="1" bandRow="1">
+                <a:tableStyleId>{85BE263C-DBD7-4A20-BB59-AAB30ACAA65A}</a:tableStyleId>
+              </a:tblPr>
+              <a:tblGrid>
+                <a:gridCol w="5257800">
+                  <a:extLst>
+                    <a:ext uri="{9D8B030D-6E8A-4147-A177-3AD203B41FA5}">
+                      <a16:colId xmlns:a16="http://schemas.microsoft.com/office/drawing/2014/main" val="3106765185"/>
+                    </a:ext>
+                  </a:extLst>
+                </a:gridCol>
+                <a:gridCol w="5257800">
+                  <a:extLst>
+                    <a:ext uri="{9D8B030D-6E8A-4147-A177-3AD203B41FA5}">
+                      <a16:colId xmlns:a16="http://schemas.microsoft.com/office/drawing/2014/main" val="442305335"/>
+                    </a:ext>
+                  </a:extLst>
+                </a:gridCol>
+              </a:tblGrid>
+              <a:tr h="483226">
+                <a:tc>
+                  <a:txBody>
+                    <a:bodyPr/>
+                    <a:lstStyle/>
+                    <a:p>
+                      <a:r>
+                        <a:rPr lang="en-US" dirty="0"/>
+                        <a:t>Stats</a:t>
+                      </a:r>
+                    </a:p>
+                  </a:txBody>
+                  <a:tcPr/>
+                </a:tc>
+                <a:tc>
+                  <a:txBody>
+                    <a:bodyPr/>
+                    <a:lstStyle/>
+                    <a:p>
+                      <a:r>
+                        <a:rPr lang="en-US" dirty="0"/>
+                        <a:t>Score</a:t>
+                      </a:r>
+                    </a:p>
+                  </a:txBody>
+                  <a:tcPr/>
+                </a:tc>
+                <a:extLst>
+                  <a:ext uri="{0D108BD9-81ED-4DB2-BD59-A6C34878D82A}">
+                    <a16:rowId xmlns:a16="http://schemas.microsoft.com/office/drawing/2014/main" val="1027988369"/>
+                  </a:ext>
+                </a:extLst>
+              </a:tr>
+              <a:tr h="483226">
+                <a:tc>
+                  <a:txBody>
+                    <a:bodyPr/>
+                    <a:lstStyle/>
+                    <a:p>
+                      <a:r>
+                        <a:rPr lang="en-US" dirty="0"/>
+                        <a:t>Assists per Game</a:t>
+                      </a:r>
+                    </a:p>
+                  </a:txBody>
+                  <a:tcPr/>
+                </a:tc>
+                <a:tc>
+                  <a:txBody>
+                    <a:bodyPr/>
+                    <a:lstStyle/>
+                    <a:p>
+                      <a:r>
+                        <a:rPr lang="en-US" b="0" dirty="0"/>
+                        <a:t>10.6</a:t>
+                      </a:r>
+                      <a:r>
+                        <a:rPr lang="en-US" dirty="0"/>
+                        <a:t> </a:t>
+                      </a:r>
+                      <a:r>
+                        <a:rPr lang="en-US" dirty="0">
+                          <a:highlight>
+                            <a:srgbClr val="00FFFF"/>
+                          </a:highlight>
+                        </a:rPr>
+                        <a:t>(-4.51 Wins Average)</a:t>
+                      </a:r>
+                    </a:p>
+                  </a:txBody>
+                  <a:tcPr/>
+                </a:tc>
+                <a:extLst>
+                  <a:ext uri="{0D108BD9-81ED-4DB2-BD59-A6C34878D82A}">
+                    <a16:rowId xmlns:a16="http://schemas.microsoft.com/office/drawing/2014/main" val="557717435"/>
+                  </a:ext>
+                </a:extLst>
+              </a:tr>
+              <a:tr h="483226">
+                <a:tc>
+                  <a:txBody>
+                    <a:bodyPr/>
+                    <a:lstStyle/>
+                    <a:p>
+                      <a:r>
+                        <a:rPr lang="en-US" dirty="0"/>
+                        <a:t>Turnovers per Game</a:t>
+                      </a:r>
+                    </a:p>
+                  </a:txBody>
+                  <a:tcPr/>
+                </a:tc>
+                <a:tc>
+                  <a:txBody>
+                    <a:bodyPr/>
+                    <a:lstStyle/>
+                    <a:p>
+                      <a:r>
+                        <a:rPr lang="en-US" dirty="0"/>
+                        <a:t>15.3 (0.48 below Wins Average)</a:t>
+                      </a:r>
+                    </a:p>
+                  </a:txBody>
+                  <a:tcPr/>
+                </a:tc>
+                <a:extLst>
+                  <a:ext uri="{0D108BD9-81ED-4DB2-BD59-A6C34878D82A}">
+                    <a16:rowId xmlns:a16="http://schemas.microsoft.com/office/drawing/2014/main" val="3732119782"/>
+                  </a:ext>
+                </a:extLst>
+              </a:tr>
+              <a:tr h="483226">
+                <a:tc>
+                  <a:txBody>
+                    <a:bodyPr/>
+                    <a:lstStyle/>
+                    <a:p>
+                      <a:r>
+                        <a:rPr lang="en-US" dirty="0"/>
+                        <a:t>Offensive Rebounds per Game</a:t>
+                      </a:r>
+                    </a:p>
+                  </a:txBody>
+                  <a:tcPr/>
+                </a:tc>
+                <a:tc>
+                  <a:txBody>
+                    <a:bodyPr/>
+                    <a:lstStyle/>
+                    <a:p>
+                      <a:r>
+                        <a:rPr lang="en-US" dirty="0"/>
+                        <a:t>10.0 </a:t>
+                      </a:r>
+                      <a:r>
+                        <a:rPr lang="en-US" dirty="0">
+                          <a:highlight>
+                            <a:srgbClr val="00FFFF"/>
+                          </a:highlight>
+                        </a:rPr>
+                        <a:t>(-2.78 Wins Average)</a:t>
+                      </a:r>
+                    </a:p>
+                  </a:txBody>
+                  <a:tcPr/>
+                </a:tc>
+                <a:extLst>
+                  <a:ext uri="{0D108BD9-81ED-4DB2-BD59-A6C34878D82A}">
+                    <a16:rowId xmlns:a16="http://schemas.microsoft.com/office/drawing/2014/main" val="2227012345"/>
+                  </a:ext>
+                </a:extLst>
+              </a:tr>
+              <a:tr h="483226">
+                <a:tc>
+                  <a:txBody>
+                    <a:bodyPr/>
+                    <a:lstStyle/>
+                    <a:p>
+                      <a:r>
+                        <a:rPr lang="en-US" dirty="0"/>
+                        <a:t>Defensive Rebounds per Game</a:t>
+                      </a:r>
+                    </a:p>
+                  </a:txBody>
+                  <a:tcPr/>
+                </a:tc>
+                <a:tc>
+                  <a:txBody>
+                    <a:bodyPr/>
+                    <a:lstStyle/>
+                    <a:p>
+                      <a:r>
+                        <a:rPr lang="en-US" dirty="0"/>
+                        <a:t>17.2 </a:t>
+                      </a:r>
+                      <a:r>
+                        <a:rPr lang="en-US" dirty="0">
+                          <a:highlight>
+                            <a:srgbClr val="00FFFF"/>
+                          </a:highlight>
+                        </a:rPr>
+                        <a:t>(-5.36 Wins Average)</a:t>
+                      </a:r>
+                    </a:p>
+                  </a:txBody>
+                  <a:tcPr/>
+                </a:tc>
+                <a:extLst>
+                  <a:ext uri="{0D108BD9-81ED-4DB2-BD59-A6C34878D82A}">
+                    <a16:rowId xmlns:a16="http://schemas.microsoft.com/office/drawing/2014/main" val="490171536"/>
+                  </a:ext>
+                </a:extLst>
+              </a:tr>
+              <a:tr h="483226">
+                <a:tc>
+                  <a:txBody>
+                    <a:bodyPr/>
+                    <a:lstStyle/>
+                    <a:p>
+                      <a:r>
+                        <a:rPr lang="en-US" dirty="0" err="1"/>
+                        <a:t>eFG</a:t>
+                      </a:r>
+                      <a:r>
+                        <a:rPr lang="en-US" dirty="0"/>
+                        <a:t>%</a:t>
+                      </a:r>
+                    </a:p>
+                  </a:txBody>
+                  <a:tcPr/>
+                </a:tc>
+                <a:tc>
+                  <a:txBody>
+                    <a:bodyPr/>
+                    <a:lstStyle/>
+                    <a:p>
+                      <a:endParaRPr lang="en-US" dirty="0"/>
+                    </a:p>
+                  </a:txBody>
+                  <a:tcPr/>
+                </a:tc>
+                <a:extLst>
+                  <a:ext uri="{0D108BD9-81ED-4DB2-BD59-A6C34878D82A}">
+                    <a16:rowId xmlns:a16="http://schemas.microsoft.com/office/drawing/2014/main" val="2994071036"/>
+                  </a:ext>
+                </a:extLst>
+              </a:tr>
+              <a:tr h="483226">
+                <a:tc>
+                  <a:txBody>
+                    <a:bodyPr/>
+                    <a:lstStyle/>
+                    <a:p>
+                      <a:r>
+                        <a:rPr lang="en-US" dirty="0"/>
+                        <a:t>3PT%</a:t>
+                      </a:r>
+                    </a:p>
+                  </a:txBody>
+                  <a:tcPr/>
+                </a:tc>
+                <a:tc>
+                  <a:txBody>
+                    <a:bodyPr/>
+                    <a:lstStyle/>
+                    <a:p>
+                      <a:r>
+                        <a:rPr lang="en-US" dirty="0"/>
+                        <a:t>25.3% </a:t>
+                      </a:r>
+                      <a:r>
+                        <a:rPr lang="en-US" dirty="0">
+                          <a:highlight>
+                            <a:srgbClr val="00FFFF"/>
+                          </a:highlight>
+                        </a:rPr>
+                        <a:t>(-8.7% Wins Average)</a:t>
+                      </a:r>
+                    </a:p>
+                  </a:txBody>
+                  <a:tcPr/>
+                </a:tc>
+                <a:extLst>
+                  <a:ext uri="{0D108BD9-81ED-4DB2-BD59-A6C34878D82A}">
+                    <a16:rowId xmlns:a16="http://schemas.microsoft.com/office/drawing/2014/main" val="913361738"/>
+                  </a:ext>
+                </a:extLst>
+              </a:tr>
+              <a:tr h="483226">
+                <a:tc>
+                  <a:txBody>
+                    <a:bodyPr/>
+                    <a:lstStyle/>
+                    <a:p>
+                      <a:r>
+                        <a:rPr lang="en-US" dirty="0"/>
+                        <a:t>Average Hustle Score</a:t>
+                      </a:r>
+                    </a:p>
+                  </a:txBody>
+                  <a:tcPr/>
+                </a:tc>
+                <a:tc>
+                  <a:txBody>
+                    <a:bodyPr/>
+                    <a:lstStyle/>
+                    <a:p>
+                      <a:r>
+                        <a:rPr lang="en-US" dirty="0"/>
+                        <a:t>51.5 </a:t>
+                      </a:r>
+                      <a:r>
+                        <a:rPr lang="en-US" dirty="0">
+                          <a:highlight>
+                            <a:srgbClr val="00FFFF"/>
+                          </a:highlight>
+                        </a:rPr>
+                        <a:t>(-4.39 Wins Average)</a:t>
+                      </a:r>
+                    </a:p>
+                  </a:txBody>
+                  <a:tcPr/>
+                </a:tc>
+                <a:extLst>
+                  <a:ext uri="{0D108BD9-81ED-4DB2-BD59-A6C34878D82A}">
+                    <a16:rowId xmlns:a16="http://schemas.microsoft.com/office/drawing/2014/main" val="3584902781"/>
+                  </a:ext>
+                </a:extLst>
+              </a:tr>
+              <a:tr h="483226">
+                <a:tc>
+                  <a:txBody>
+                    <a:bodyPr/>
+                    <a:lstStyle/>
+                    <a:p>
+                      <a:r>
+                        <a:rPr lang="en-US" dirty="0"/>
+                        <a:t>Deflections per Game</a:t>
+                      </a:r>
+                    </a:p>
+                  </a:txBody>
+                  <a:tcPr/>
+                </a:tc>
+                <a:tc>
+                  <a:txBody>
+                    <a:bodyPr/>
+                    <a:lstStyle/>
+                    <a:p>
+                      <a:r>
+                        <a:rPr lang="en-US" dirty="0"/>
+                        <a:t>17.8 </a:t>
+                      </a:r>
+                      <a:r>
+                        <a:rPr lang="en-US" dirty="0">
+                          <a:highlight>
+                            <a:srgbClr val="00FFFF"/>
+                          </a:highlight>
+                        </a:rPr>
+                        <a:t>(-4.2 Wins Average)</a:t>
+                      </a:r>
+                    </a:p>
+                  </a:txBody>
+                  <a:tcPr/>
+                </a:tc>
+                <a:extLst>
+                  <a:ext uri="{0D108BD9-81ED-4DB2-BD59-A6C34878D82A}">
+                    <a16:rowId xmlns:a16="http://schemas.microsoft.com/office/drawing/2014/main" val="1263982420"/>
+                  </a:ext>
+                </a:extLst>
+              </a:tr>
+            </a:tbl>
+          </a:graphicData>
+        </a:graphic>
+      </p:graphicFrame>
+    </p:spTree>
+    <p:extLst>
+      <p:ext uri="{BB962C8B-B14F-4D97-AF65-F5344CB8AC3E}">
+        <p14:creationId xmlns:p14="http://schemas.microsoft.com/office/powerpoint/2010/main" val="2054070258"/>
+      </p:ext>
+    </p:extLst>
+  </p:cSld>
+  <p:clrMapOvr>
+    <a:masterClrMapping/>
+  </p:clrMapOvr>
+</p:sld>
+</file>
+
+<file path=ppt/slides/slide14.xml><?xml version="1.0" encoding="utf-8"?>
+<p:sld xmlns:a="http://schemas.openxmlformats.org/drawingml/2006/main" xmlns:r="http://schemas.openxmlformats.org/officeDocument/2006/relationships" xmlns:p="http://schemas.openxmlformats.org/presentationml/2006/main">
+  <p:cSld>
+    <p:bg>
+      <p:bgPr>
+        <a:solidFill>
+          <a:schemeClr val="bg1"/>
+        </a:solidFill>
+        <a:effectLst/>
+      </p:bgPr>
+    </p:bg>
+    <p:spTree>
+      <p:nvGrpSpPr>
+        <p:cNvPr id="1" name="">
+          <a:extLst>
+            <a:ext uri="{FF2B5EF4-FFF2-40B4-BE49-F238E27FC236}">
+              <a16:creationId xmlns:a16="http://schemas.microsoft.com/office/drawing/2014/main" id="{99602E8F-0381-3A48-12B2-F8BEB92B769B}"/>
+            </a:ext>
+          </a:extLst>
+        </p:cNvPr>
+        <p:cNvGrpSpPr/>
+        <p:nvPr/>
+      </p:nvGrpSpPr>
+      <p:grpSpPr>
+        <a:xfrm>
+          <a:off x="0" y="0"/>
+          <a:ext cx="0" cy="0"/>
+          <a:chOff x="0" y="0"/>
+          <a:chExt cx="0" cy="0"/>
+        </a:xfrm>
+      </p:grpSpPr>
+      <p:sp useBgFill="1">
+        <p:nvSpPr>
+          <p:cNvPr id="30" name="Rectangle 29">
+            <a:extLst>
+              <a:ext uri="{FF2B5EF4-FFF2-40B4-BE49-F238E27FC236}">
+                <a16:creationId xmlns:a16="http://schemas.microsoft.com/office/drawing/2014/main" id="{754C434D-E533-1496-9D7E-763D269B842F}"/>
+              </a:ext>
+              <a:ext uri="{C183D7F6-B498-43B3-948B-1728B52AA6E4}">
+                <adec:decorative xmlns:adec="http://schemas.microsoft.com/office/drawing/2017/decorative" val="1"/>
+              </a:ext>
+            </a:extLst>
+          </p:cNvPr>
+          <p:cNvSpPr>
+            <a:spLocks noGrp="1" noRot="1" noChangeAspect="1" noMove="1" noResize="1" noEditPoints="1" noAdjustHandles="1" noChangeArrowheads="1" noChangeShapeType="1" noTextEdit="1"/>
+          </p:cNvSpPr>
+          <p:nvPr>
+            <p:extLst>
+              <p:ext uri="{386F3935-93C4-4BCD-93E2-E3B085C9AB24}">
+                <p16:designElem xmlns:p16="http://schemas.microsoft.com/office/powerpoint/2015/main" val="1"/>
+              </p:ext>
+            </p:extLst>
+          </p:nvPr>
+        </p:nvSpPr>
+        <p:spPr>
+          <a:xfrm>
+            <a:off x="0" y="0"/>
+            <a:ext cx="12192000" cy="6858000"/>
+          </a:xfrm>
+          <a:prstGeom prst="rect">
+            <a:avLst/>
+          </a:prstGeom>
+          <a:ln w="12700" cap="flat" cmpd="sng" algn="ctr">
+            <a:noFill/>
+            <a:prstDash val="solid"/>
+            <a:miter lim="800000"/>
+          </a:ln>
+          <a:effectLst/>
+          <a:extLst>
+            <a:ext uri="{91240B29-F687-4F45-9708-019B960494DF}">
+              <a14:hiddenLine xmlns:a14="http://schemas.microsoft.com/office/drawing/2010/main" w="12700" cap="flat" cmpd="sng" algn="ctr">
+                <a:solidFill>
+                  <a:schemeClr val="accent1">
+                    <a:shade val="50000"/>
+                  </a:schemeClr>
+                </a:solidFill>
+                <a:prstDash val="solid"/>
+                <a:miter lim="800000"/>
+              </a14:hiddenLine>
+            </a:ext>
+          </a:extLst>
+        </p:spPr>
+        <p:style>
+          <a:lnRef idx="2">
+            <a:schemeClr val="accent1">
+              <a:shade val="50000"/>
+            </a:schemeClr>
+          </a:lnRef>
+          <a:fillRef idx="1">
+            <a:schemeClr val="accent1"/>
+          </a:fillRef>
+          <a:effectRef idx="0">
+            <a:schemeClr val="accent1"/>
+          </a:effectRef>
+          <a:fontRef idx="minor">
+            <a:schemeClr val="lt1"/>
+          </a:fontRef>
+        </p:style>
+        <p:txBody>
+          <a:bodyPr rtlCol="0" anchor="ctr"/>
+          <a:lstStyle/>
+          <a:p>
+            <a:pPr algn="ctr"/>
+            <a:endParaRPr lang="en-US"/>
+          </a:p>
+        </p:txBody>
+      </p:sp>
+      <p:sp>
+        <p:nvSpPr>
+          <p:cNvPr id="32" name="Rectangle 31">
+            <a:extLst>
+              <a:ext uri="{FF2B5EF4-FFF2-40B4-BE49-F238E27FC236}">
+                <a16:creationId xmlns:a16="http://schemas.microsoft.com/office/drawing/2014/main" id="{557AFE98-96A5-8EA5-EE26-C549EA6CE56F}"/>
+              </a:ext>
+              <a:ext uri="{C183D7F6-B498-43B3-948B-1728B52AA6E4}">
+                <adec:decorative xmlns:adec="http://schemas.microsoft.com/office/drawing/2017/decorative" val="1"/>
+              </a:ext>
+            </a:extLst>
+          </p:cNvPr>
+          <p:cNvSpPr>
+            <a:spLocks noGrp="1" noRot="1" noChangeAspect="1" noMove="1" noResize="1" noEditPoints="1" noAdjustHandles="1" noChangeArrowheads="1" noChangeShapeType="1" noTextEdit="1"/>
+          </p:cNvSpPr>
+          <p:nvPr>
+            <p:extLst>
+              <p:ext uri="{386F3935-93C4-4BCD-93E2-E3B085C9AB24}">
+                <p16:designElem xmlns:p16="http://schemas.microsoft.com/office/powerpoint/2015/main" val="1"/>
+              </p:ext>
+            </p:extLst>
+          </p:nvPr>
+        </p:nvSpPr>
+        <p:spPr>
+          <a:xfrm flipH="1">
+            <a:off x="2" y="0"/>
+            <a:ext cx="12191998" cy="1575955"/>
+          </a:xfrm>
+          <a:prstGeom prst="rect">
+            <a:avLst/>
+          </a:prstGeom>
+          <a:gradFill>
+            <a:gsLst>
+              <a:gs pos="0">
+                <a:srgbClr val="000000">
+                  <a:alpha val="96000"/>
+                </a:srgbClr>
+              </a:gs>
+              <a:gs pos="100000">
+                <a:schemeClr val="accent1">
+                  <a:lumMod val="75000"/>
+                </a:schemeClr>
+              </a:gs>
+            </a:gsLst>
+            <a:lin ang="8400000" scaled="0"/>
+          </a:gradFill>
+          <a:ln>
+            <a:noFill/>
+          </a:ln>
+        </p:spPr>
+        <p:style>
+          <a:lnRef idx="2">
+            <a:schemeClr val="accent1">
+              <a:shade val="50000"/>
+            </a:schemeClr>
+          </a:lnRef>
+          <a:fillRef idx="1">
+            <a:schemeClr val="accent1"/>
+          </a:fillRef>
+          <a:effectRef idx="0">
+            <a:schemeClr val="accent1"/>
+          </a:effectRef>
+          <a:fontRef idx="minor">
+            <a:schemeClr val="lt1"/>
+          </a:fontRef>
+        </p:style>
+        <p:txBody>
+          <a:bodyPr rtlCol="0" anchor="ctr"/>
+          <a:lstStyle/>
+          <a:p>
+            <a:pPr algn="ctr"/>
+            <a:endParaRPr lang="en-US"/>
+          </a:p>
+        </p:txBody>
+      </p:sp>
+      <p:sp>
+        <p:nvSpPr>
+          <p:cNvPr id="34" name="Rectangle 33">
+            <a:extLst>
+              <a:ext uri="{FF2B5EF4-FFF2-40B4-BE49-F238E27FC236}">
+                <a16:creationId xmlns:a16="http://schemas.microsoft.com/office/drawing/2014/main" id="{2E2A7A2E-9F46-15E3-46CA-E55821C7BD38}"/>
+              </a:ext>
+              <a:ext uri="{C183D7F6-B498-43B3-948B-1728B52AA6E4}">
+                <adec:decorative xmlns:adec="http://schemas.microsoft.com/office/drawing/2017/decorative" val="1"/>
+              </a:ext>
+            </a:extLst>
+          </p:cNvPr>
+          <p:cNvSpPr>
+            <a:spLocks noGrp="1" noRot="1" noChangeAspect="1" noMove="1" noResize="1" noEditPoints="1" noAdjustHandles="1" noChangeArrowheads="1" noChangeShapeType="1" noTextEdit="1"/>
+          </p:cNvSpPr>
+          <p:nvPr>
+            <p:extLst>
+              <p:ext uri="{386F3935-93C4-4BCD-93E2-E3B085C9AB24}">
+                <p16:designElem xmlns:p16="http://schemas.microsoft.com/office/powerpoint/2015/main" val="1"/>
+              </p:ext>
+            </p:extLst>
+          </p:nvPr>
+        </p:nvSpPr>
+        <p:spPr>
+          <a:xfrm rot="10800000" flipH="1">
+            <a:off x="8128857" y="0"/>
+            <a:ext cx="4063143" cy="1576412"/>
+          </a:xfrm>
+          <a:prstGeom prst="rect">
+            <a:avLst/>
+          </a:prstGeom>
+          <a:gradFill>
+            <a:gsLst>
+              <a:gs pos="19000">
+                <a:schemeClr val="accent1">
+                  <a:lumMod val="50000"/>
+                  <a:alpha val="68000"/>
+                </a:schemeClr>
+              </a:gs>
+              <a:gs pos="100000">
+                <a:schemeClr val="accent1">
+                  <a:alpha val="79000"/>
+                </a:schemeClr>
+              </a:gs>
+            </a:gsLst>
+            <a:lin ang="19200000" scaled="0"/>
+          </a:gradFill>
+          <a:ln>
+            <a:noFill/>
+          </a:ln>
+        </p:spPr>
+        <p:style>
+          <a:lnRef idx="2">
+            <a:schemeClr val="accent1">
+              <a:shade val="50000"/>
+            </a:schemeClr>
+          </a:lnRef>
+          <a:fillRef idx="1">
+            <a:schemeClr val="accent1"/>
+          </a:fillRef>
+          <a:effectRef idx="0">
+            <a:schemeClr val="accent1"/>
+          </a:effectRef>
+          <a:fontRef idx="minor">
+            <a:schemeClr val="lt1"/>
+          </a:fontRef>
+        </p:style>
+        <p:txBody>
+          <a:bodyPr rtlCol="0" anchor="ctr"/>
+          <a:lstStyle/>
+          <a:p>
+            <a:pPr algn="ctr"/>
+            <a:endParaRPr lang="en-US"/>
+          </a:p>
+        </p:txBody>
+      </p:sp>
+      <p:sp>
+        <p:nvSpPr>
+          <p:cNvPr id="36" name="Rectangle 35">
+            <a:extLst>
+              <a:ext uri="{FF2B5EF4-FFF2-40B4-BE49-F238E27FC236}">
+                <a16:creationId xmlns:a16="http://schemas.microsoft.com/office/drawing/2014/main" id="{5F473603-6969-EAE9-B430-6D44AF3877A0}"/>
+              </a:ext>
+              <a:ext uri="{C183D7F6-B498-43B3-948B-1728B52AA6E4}">
+                <adec:decorative xmlns:adec="http://schemas.microsoft.com/office/drawing/2017/decorative" val="1"/>
+              </a:ext>
+            </a:extLst>
+          </p:cNvPr>
+          <p:cNvSpPr>
+            <a:spLocks noGrp="1" noRot="1" noChangeAspect="1" noMove="1" noResize="1" noEditPoints="1" noAdjustHandles="1" noChangeArrowheads="1" noChangeShapeType="1" noTextEdit="1"/>
+          </p:cNvSpPr>
+          <p:nvPr>
+            <p:extLst>
+              <p:ext uri="{386F3935-93C4-4BCD-93E2-E3B085C9AB24}">
+                <p16:designElem xmlns:p16="http://schemas.microsoft.com/office/powerpoint/2015/main" val="1"/>
+              </p:ext>
+            </p:extLst>
+          </p:nvPr>
+        </p:nvSpPr>
+        <p:spPr>
+          <a:xfrm rot="5400000">
+            <a:off x="5307777" y="-5307778"/>
+            <a:ext cx="1576446" cy="12192002"/>
+          </a:xfrm>
+          <a:prstGeom prst="rect">
+            <a:avLst/>
+          </a:prstGeom>
+          <a:gradFill>
+            <a:gsLst>
+              <a:gs pos="23000">
+                <a:schemeClr val="accent1">
+                  <a:alpha val="0"/>
+                </a:schemeClr>
+              </a:gs>
+              <a:gs pos="99000">
+                <a:srgbClr val="000000">
+                  <a:alpha val="74000"/>
+                </a:srgbClr>
+              </a:gs>
+            </a:gsLst>
+            <a:lin ang="20400000" scaled="0"/>
+          </a:gradFill>
+          <a:ln>
+            <a:noFill/>
+          </a:ln>
+        </p:spPr>
+        <p:style>
+          <a:lnRef idx="2">
+            <a:schemeClr val="accent1">
+              <a:shade val="50000"/>
+            </a:schemeClr>
+          </a:lnRef>
+          <a:fillRef idx="1">
+            <a:schemeClr val="accent1"/>
+          </a:fillRef>
+          <a:effectRef idx="0">
+            <a:schemeClr val="accent1"/>
+          </a:effectRef>
+          <a:fontRef idx="minor">
+            <a:schemeClr val="lt1"/>
+          </a:fontRef>
+        </p:style>
+        <p:txBody>
+          <a:bodyPr rtlCol="0" anchor="ctr"/>
+          <a:lstStyle/>
+          <a:p>
+            <a:pPr algn="ctr"/>
+            <a:endParaRPr lang="en-US" dirty="0"/>
+          </a:p>
+        </p:txBody>
+      </p:sp>
+      <p:sp>
+        <p:nvSpPr>
+          <p:cNvPr id="2" name="Title 1">
+            <a:extLst>
+              <a:ext uri="{FF2B5EF4-FFF2-40B4-BE49-F238E27FC236}">
+                <a16:creationId xmlns:a16="http://schemas.microsoft.com/office/drawing/2014/main" id="{EB032E36-7F45-8123-8E9E-D58B25134DF5}"/>
+              </a:ext>
+            </a:extLst>
+          </p:cNvPr>
+          <p:cNvSpPr>
+            <a:spLocks noGrp="1"/>
+          </p:cNvSpPr>
+          <p:nvPr>
+            <p:ph type="title"/>
+          </p:nvPr>
+        </p:nvSpPr>
+        <p:spPr>
+          <a:xfrm>
+            <a:off x="1371597" y="348865"/>
+            <a:ext cx="10044023" cy="877729"/>
+          </a:xfrm>
+        </p:spPr>
+        <p:txBody>
+          <a:bodyPr anchor="ctr">
+            <a:normAutofit/>
+          </a:bodyPr>
+          <a:lstStyle/>
+          <a:p>
+            <a:r>
+              <a:rPr lang="en-US" sz="4000" dirty="0">
+                <a:solidFill>
+                  <a:srgbClr val="FFFFFF"/>
+                </a:solidFill>
+              </a:rPr>
+              <a:t>Overall Takeaways</a:t>
+            </a:r>
+          </a:p>
+        </p:txBody>
+      </p:sp>
       <p:sp>
         <p:nvSpPr>
           <p:cNvPr id="5" name="Content Placeholder 4">
             <a:extLst>
               <a:ext uri="{FF2B5EF4-FFF2-40B4-BE49-F238E27FC236}">
-                <a16:creationId xmlns:a16="http://schemas.microsoft.com/office/drawing/2014/main" id="{F8EB47BC-2444-E3EA-FF92-3D94F3FA0655}"/>
+                <a16:creationId xmlns:a16="http://schemas.microsoft.com/office/drawing/2014/main" id="{65D91DEF-1EA3-614B-63C7-36A442044832}"/>
               </a:ext>
             </a:extLst>
           </p:cNvPr>
@@ -25895,14 +27015,38 @@
           <a:bodyPr/>
           <a:lstStyle/>
           <a:p>
-            <a:endParaRPr lang="en-US"/>
+            <a:r>
+              <a:rPr lang="en-US" dirty="0"/>
+              <a:t>Weekly Practice Shooting % usually higher than Game Shooting %</a:t>
+            </a:r>
+          </a:p>
+          <a:p>
+            <a:pPr lvl="1"/>
+            <a:r>
+              <a:rPr lang="en-US" dirty="0"/>
+              <a:t>Improvements: Practice Faster than Game Speed Shooting Drills for 3PT and Rim Attacks</a:t>
+            </a:r>
+          </a:p>
+          <a:p>
+            <a:r>
+              <a:rPr lang="en-US" dirty="0"/>
+              <a:t>AST/TO Ratios are similar for Games and Practices</a:t>
+            </a:r>
+          </a:p>
+          <a:p>
+            <a:pPr lvl="1"/>
+            <a:endParaRPr lang="en-US" dirty="0"/>
+          </a:p>
+          <a:p>
+            <a:pPr lvl="1"/>
+            <a:endParaRPr lang="en-US" dirty="0"/>
           </a:p>
         </p:txBody>
       </p:sp>
     </p:spTree>
     <p:extLst>
       <p:ext uri="{BB962C8B-B14F-4D97-AF65-F5344CB8AC3E}">
-        <p14:creationId xmlns:p14="http://schemas.microsoft.com/office/powerpoint/2010/main" val="2054070258"/>
+        <p14:creationId xmlns:p14="http://schemas.microsoft.com/office/powerpoint/2010/main" val="4282788699"/>
       </p:ext>
     </p:extLst>
   </p:cSld>
@@ -25912,7 +27056,7 @@
 </p:sld>
 </file>
 
-<file path=ppt/slides/slide14.xml><?xml version="1.0" encoding="utf-8"?>
+<file path=ppt/slides/slide15.xml><?xml version="1.0" encoding="utf-8"?>
 <p:sld xmlns:a="http://schemas.openxmlformats.org/drawingml/2006/main" xmlns:r="http://schemas.openxmlformats.org/officeDocument/2006/relationships" xmlns:p="http://schemas.openxmlformats.org/presentationml/2006/main">
   <p:cSld>
     <p:bg>
@@ -25945,10 +27089,10 @@
       </p:grpSpPr>
       <p:sp useBgFill="1">
         <p:nvSpPr>
-          <p:cNvPr id="43" name="Rectangle 42">
+          <p:cNvPr id="55" name="Rectangle 54">
             <a:extLst>
               <a:ext uri="{FF2B5EF4-FFF2-40B4-BE49-F238E27FC236}">
-                <a16:creationId xmlns:a16="http://schemas.microsoft.com/office/drawing/2014/main" id="{A3363022-C969-41E9-8EB2-E4C94908C1FA}"/>
+                <a16:creationId xmlns:a16="http://schemas.microsoft.com/office/drawing/2014/main" id="{19D32F93-50AC-4C46-A5DB-291C60DDB7BD}"/>
               </a:ext>
               <a:ext uri="{C183D7F6-B498-43B3-948B-1728B52AA6E4}">
                 <adec:decorative xmlns:adec="http://schemas.microsoft.com/office/drawing/2017/decorative" val="1"/>
@@ -25968,8 +27112,8 @@
         </p:nvSpPr>
         <p:spPr>
           <a:xfrm>
-            <a:off x="0" y="-1"/>
-            <a:ext cx="12191695" cy="6852025"/>
+            <a:off x="0" y="0"/>
+            <a:ext cx="12192000" cy="6858000"/>
           </a:xfrm>
           <a:prstGeom prst="rect">
             <a:avLst/>
@@ -26005,10 +27149,73 @@
       </p:sp>
       <p:sp>
         <p:nvSpPr>
-          <p:cNvPr id="45" name="Rectangle 44">
+          <p:cNvPr id="57" name="Right Triangle 56">
             <a:extLst>
               <a:ext uri="{FF2B5EF4-FFF2-40B4-BE49-F238E27FC236}">
-                <a16:creationId xmlns:a16="http://schemas.microsoft.com/office/drawing/2014/main" id="{8D1AD6B3-BE88-4CEB-BA17-790657CC4729}"/>
+                <a16:creationId xmlns:a16="http://schemas.microsoft.com/office/drawing/2014/main" id="{827DC2C4-B485-428A-BF4A-472D2967F47F}"/>
+              </a:ext>
+              <a:ext uri="{C183D7F6-B498-43B3-948B-1728B52AA6E4}">
+                <adec:decorative xmlns:adec="http://schemas.microsoft.com/office/drawing/2017/decorative" val="1"/>
+              </a:ext>
+            </a:extLst>
+          </p:cNvPr>
+          <p:cNvSpPr>
+            <a:spLocks noGrp="1" noRot="1" noChangeAspect="1" noMove="1" noResize="1" noEditPoints="1" noAdjustHandles="1" noChangeArrowheads="1" noChangeShapeType="1" noTextEdit="1"/>
+          </p:cNvSpPr>
+          <p:nvPr>
+            <p:extLst>
+              <p:ext uri="{386F3935-93C4-4BCD-93E2-E3B085C9AB24}">
+                <p16:designElem xmlns:p16="http://schemas.microsoft.com/office/powerpoint/2015/main" val="1"/>
+              </p:ext>
+            </p:extLst>
+          </p:nvPr>
+        </p:nvSpPr>
+        <p:spPr>
+          <a:xfrm flipH="1">
+            <a:off x="8576720" y="3335867"/>
+            <a:ext cx="3291840" cy="3200400"/>
+          </a:xfrm>
+          <a:prstGeom prst="rtTriangle">
+            <a:avLst/>
+          </a:prstGeom>
+          <a:solidFill>
+            <a:schemeClr val="accent4"/>
+          </a:solidFill>
+          <a:ln>
+            <a:noFill/>
+          </a:ln>
+        </p:spPr>
+        <p:style>
+          <a:lnRef idx="2">
+            <a:schemeClr val="accent1">
+              <a:shade val="50000"/>
+            </a:schemeClr>
+          </a:lnRef>
+          <a:fillRef idx="1">
+            <a:schemeClr val="accent1"/>
+          </a:fillRef>
+          <a:effectRef idx="0">
+            <a:schemeClr val="accent1"/>
+          </a:effectRef>
+          <a:fontRef idx="minor">
+            <a:schemeClr val="lt1"/>
+          </a:fontRef>
+        </p:style>
+        <p:txBody>
+          <a:bodyPr rtlCol="0" anchor="ctr"/>
+          <a:lstStyle/>
+          <a:p>
+            <a:pPr algn="ctr"/>
+            <a:endParaRPr lang="en-US" dirty="0"/>
+          </a:p>
+        </p:txBody>
+      </p:sp>
+      <p:sp>
+        <p:nvSpPr>
+          <p:cNvPr id="59" name="Rectangle 58">
+            <a:extLst>
+              <a:ext uri="{FF2B5EF4-FFF2-40B4-BE49-F238E27FC236}">
+                <a16:creationId xmlns:a16="http://schemas.microsoft.com/office/drawing/2014/main" id="{EE04B5EB-F158-4507-90DD-BD23620C7CC9}"/>
               </a:ext>
               <a:ext uri="{C183D7F6-B498-43B3-948B-1728B52AA6E4}">
                 <adec:decorative xmlns:adec="http://schemas.microsoft.com/office/drawing/2017/decorative" val="1"/>
@@ -26028,17 +27235,20 @@
         </p:nvSpPr>
         <p:spPr>
           <a:xfrm>
-            <a:off x="305" y="0"/>
-            <a:ext cx="12191695" cy="6858000"/>
+            <a:off x="641774" y="623275"/>
+            <a:ext cx="10905053" cy="5607882"/>
           </a:xfrm>
           <a:prstGeom prst="rect">
             <a:avLst/>
           </a:prstGeom>
-          <a:solidFill>
-            <a:schemeClr val="bg1"/>
-          </a:solidFill>
-          <a:ln>
-            <a:noFill/>
+          <a:noFill/>
+          <a:ln w="19050">
+            <a:solidFill>
+              <a:schemeClr val="tx1">
+                <a:lumMod val="75000"/>
+                <a:lumOff val="25000"/>
+              </a:schemeClr>
+            </a:solidFill>
           </a:ln>
         </p:spPr>
         <p:style>
@@ -26084,26 +27294,27 @@
         </p:nvSpPr>
         <p:spPr>
           <a:xfrm>
-            <a:off x="6590662" y="4267832"/>
-            <a:ext cx="4805996" cy="1297115"/>
+            <a:off x="965200" y="1383528"/>
+            <a:ext cx="5925989" cy="3167510"/>
           </a:xfrm>
         </p:spPr>
         <p:txBody>
-          <a:bodyPr vert="horz" lIns="91440" tIns="45720" rIns="91440" bIns="45720" rtlCol="0" anchor="t">
+          <a:bodyPr vert="horz" lIns="91440" tIns="45720" rIns="91440" bIns="45720" rtlCol="0" anchor="b">
             <a:normAutofit/>
           </a:bodyPr>
           <a:lstStyle/>
           <a:p>
+            <a:pPr algn="r"/>
             <a:r>
-              <a:rPr lang="en-US" sz="4000" kern="1200" dirty="0">
+              <a:rPr lang="en-US" sz="7400" kern="1200">
                 <a:solidFill>
-                  <a:schemeClr val="tx2"/>
+                  <a:schemeClr val="tx1"/>
                 </a:solidFill>
                 <a:latin typeface="+mj-lt"/>
                 <a:ea typeface="+mj-ea"/>
                 <a:cs typeface="+mj-cs"/>
               </a:rPr>
-              <a:t>Starters – Game Stats</a:t>
+              <a:t>Starters &amp; Role Players – Game Stats</a:t>
             </a:r>
           </a:p>
         </p:txBody>
@@ -26139,2094 +27350,14 @@
         </p:blipFill>
         <p:spPr>
           <a:xfrm>
-            <a:off x="340470" y="1815320"/>
-            <a:ext cx="4141760" cy="4141760"/>
+            <a:off x="7599140" y="2209474"/>
+            <a:ext cx="2489416" cy="2489416"/>
           </a:xfrm>
-          <a:custGeom>
+          <a:prstGeom prst="rect">
             <a:avLst/>
-            <a:gdLst/>
-            <a:ahLst/>
-            <a:cxnLst/>
-            <a:rect l="l" t="t" r="r" b="b"/>
-            <a:pathLst>
-              <a:path w="4141760" h="4377846">
-                <a:moveTo>
-                  <a:pt x="0" y="0"/>
-                </a:moveTo>
-                <a:lnTo>
-                  <a:pt x="4141760" y="0"/>
-                </a:lnTo>
-                <a:lnTo>
-                  <a:pt x="4141760" y="4377846"/>
-                </a:lnTo>
-                <a:lnTo>
-                  <a:pt x="0" y="4377846"/>
-                </a:lnTo>
-                <a:close/>
-              </a:path>
-            </a:pathLst>
-          </a:custGeom>
+          </a:prstGeom>
         </p:spPr>
       </p:pic>
-      <p:grpSp>
-        <p:nvGrpSpPr>
-          <p:cNvPr id="47" name="Group 46">
-            <a:extLst>
-              <a:ext uri="{FF2B5EF4-FFF2-40B4-BE49-F238E27FC236}">
-                <a16:creationId xmlns:a16="http://schemas.microsoft.com/office/drawing/2014/main" id="{89D1390B-7E13-4B4F-9CB2-391063412E54}"/>
-              </a:ext>
-              <a:ext uri="{C183D7F6-B498-43B3-948B-1728B52AA6E4}">
-                <adec:decorative xmlns:adec="http://schemas.microsoft.com/office/drawing/2017/decorative" val="1"/>
-              </a:ext>
-            </a:extLst>
-          </p:cNvPr>
-          <p:cNvGrpSpPr>
-            <a:grpSpLocks noGrp="1" noUngrp="1" noRot="1" noChangeAspect="1" noMove="1" noResize="1"/>
-          </p:cNvGrpSpPr>
-          <p:nvPr>
-            <p:extLst>
-              <p:ext uri="{386F3935-93C4-4BCD-93E2-E3B085C9AB24}">
-                <p16:designElem xmlns:p16="http://schemas.microsoft.com/office/powerpoint/2015/main" val="1"/>
-              </p:ext>
-            </p:extLst>
-          </p:nvPr>
-        </p:nvGrpSpPr>
-        <p:grpSpPr>
-          <a:xfrm>
-            <a:off x="-4253" y="-5977"/>
-            <a:ext cx="6238675" cy="6863979"/>
-            <a:chOff x="305" y="-5977"/>
-            <a:chExt cx="6238675" cy="6863979"/>
-          </a:xfrm>
-        </p:grpSpPr>
-        <p:sp>
-          <p:nvSpPr>
-            <p:cNvPr id="48" name="Freeform: Shape 47">
-              <a:extLst>
-                <a:ext uri="{FF2B5EF4-FFF2-40B4-BE49-F238E27FC236}">
-                  <a16:creationId xmlns:a16="http://schemas.microsoft.com/office/drawing/2014/main" id="{9E720206-AA49-4786-A932-A2650DE09183}"/>
-                </a:ext>
-                <a:ext uri="{C183D7F6-B498-43B3-948B-1728B52AA6E4}">
-                  <adec:decorative xmlns:adec="http://schemas.microsoft.com/office/drawing/2017/decorative" val="1"/>
-                </a:ext>
-              </a:extLst>
-            </p:cNvPr>
-            <p:cNvSpPr/>
-            <p:nvPr>
-              <p:extLst>
-                <p:ext uri="{386F3935-93C4-4BCD-93E2-E3B085C9AB24}">
-                  <p16:designElem xmlns:p16="http://schemas.microsoft.com/office/powerpoint/2015/main" val="1"/>
-                </p:ext>
-              </p:extLst>
-            </p:nvPr>
-          </p:nvSpPr>
-          <p:spPr>
-            <a:xfrm flipH="1">
-              <a:off x="305" y="34854"/>
-              <a:ext cx="6028697" cy="6817170"/>
-            </a:xfrm>
-            <a:custGeom>
-              <a:avLst/>
-              <a:gdLst>
-                <a:gd name="connsiteX0" fmla="*/ 6028697 w 6028697"/>
-                <a:gd name="connsiteY0" fmla="*/ 6155323 h 6817170"/>
-                <a:gd name="connsiteX1" fmla="*/ 6028697 w 6028697"/>
-                <a:gd name="connsiteY1" fmla="*/ 6817170 h 6817170"/>
-                <a:gd name="connsiteX2" fmla="*/ 5157862 w 6028697"/>
-                <a:gd name="connsiteY2" fmla="*/ 6817170 h 6817170"/>
-                <a:gd name="connsiteX3" fmla="*/ 5347156 w 6028697"/>
-                <a:gd name="connsiteY3" fmla="*/ 6687553 h 6817170"/>
-                <a:gd name="connsiteX4" fmla="*/ 5487470 w 6028697"/>
-                <a:gd name="connsiteY4" fmla="*/ 6581714 h 6817170"/>
-                <a:gd name="connsiteX5" fmla="*/ 5627642 w 6028697"/>
-                <a:gd name="connsiteY5" fmla="*/ 6472328 h 6817170"/>
-                <a:gd name="connsiteX6" fmla="*/ 5911392 w 6028697"/>
-                <a:gd name="connsiteY6" fmla="*/ 6245328 h 6817170"/>
-                <a:gd name="connsiteX7" fmla="*/ 4481066 w 6028697"/>
-                <a:gd name="connsiteY7" fmla="*/ 478 h 6817170"/>
-                <a:gd name="connsiteX8" fmla="*/ 4672258 w 6028697"/>
-                <a:gd name="connsiteY8" fmla="*/ 7519 h 6817170"/>
-                <a:gd name="connsiteX9" fmla="*/ 5429869 w 6028697"/>
-                <a:gd name="connsiteY9" fmla="*/ 125134 h 6817170"/>
-                <a:gd name="connsiteX10" fmla="*/ 5976319 w 6028697"/>
-                <a:gd name="connsiteY10" fmla="*/ 314893 h 6817170"/>
-                <a:gd name="connsiteX11" fmla="*/ 6028697 w 6028697"/>
-                <a:gd name="connsiteY11" fmla="*/ 339901 h 6817170"/>
-                <a:gd name="connsiteX12" fmla="*/ 6028697 w 6028697"/>
-                <a:gd name="connsiteY12" fmla="*/ 732458 h 6817170"/>
-                <a:gd name="connsiteX13" fmla="*/ 5990985 w 6028697"/>
-                <a:gd name="connsiteY13" fmla="*/ 712211 h 6817170"/>
-                <a:gd name="connsiteX14" fmla="*/ 5341339 w 6028697"/>
-                <a:gd name="connsiteY14" fmla="*/ 475281 h 6817170"/>
-                <a:gd name="connsiteX15" fmla="*/ 4651969 w 6028697"/>
-                <a:gd name="connsiteY15" fmla="*/ 377104 h 6817170"/>
-                <a:gd name="connsiteX16" fmla="*/ 3953093 w 6028697"/>
-                <a:gd name="connsiteY16" fmla="*/ 402498 h 6817170"/>
-                <a:gd name="connsiteX17" fmla="*/ 3267413 w 6028697"/>
-                <a:gd name="connsiteY17" fmla="*/ 546643 h 6817170"/>
-                <a:gd name="connsiteX18" fmla="*/ 1439498 w 6028697"/>
-                <a:gd name="connsiteY18" fmla="*/ 1568141 h 6817170"/>
-                <a:gd name="connsiteX19" fmla="*/ 960671 w 6028697"/>
-                <a:gd name="connsiteY19" fmla="*/ 2082013 h 6817170"/>
-                <a:gd name="connsiteX20" fmla="*/ 581866 w 6028697"/>
-                <a:gd name="connsiteY20" fmla="*/ 2672638 h 6817170"/>
-                <a:gd name="connsiteX21" fmla="*/ 324789 w 6028697"/>
-                <a:gd name="connsiteY21" fmla="*/ 3325262 h 6817170"/>
-                <a:gd name="connsiteX22" fmla="*/ 231151 w 6028697"/>
-                <a:gd name="connsiteY22" fmla="*/ 4022292 h 6817170"/>
-                <a:gd name="connsiteX23" fmla="*/ 270592 w 6028697"/>
-                <a:gd name="connsiteY23" fmla="*/ 4362792 h 6817170"/>
-                <a:gd name="connsiteX24" fmla="*/ 387213 w 6028697"/>
-                <a:gd name="connsiteY24" fmla="*/ 4681585 h 6817170"/>
-                <a:gd name="connsiteX25" fmla="*/ 468507 w 6028697"/>
-                <a:gd name="connsiteY25" fmla="*/ 4831546 h 6817170"/>
-                <a:gd name="connsiteX26" fmla="*/ 561862 w 6028697"/>
-                <a:gd name="connsiteY26" fmla="*/ 4976826 h 6817170"/>
-                <a:gd name="connsiteX27" fmla="*/ 777511 w 6028697"/>
-                <a:gd name="connsiteY27" fmla="*/ 5257597 h 6817170"/>
-                <a:gd name="connsiteX28" fmla="*/ 1010895 w 6028697"/>
-                <a:gd name="connsiteY28" fmla="*/ 5540494 h 6817170"/>
-                <a:gd name="connsiteX29" fmla="*/ 1126948 w 6028697"/>
-                <a:gd name="connsiteY29" fmla="*/ 5688186 h 6817170"/>
-                <a:gd name="connsiteX30" fmla="*/ 1182706 w 6028697"/>
-                <a:gd name="connsiteY30" fmla="*/ 5760543 h 6817170"/>
-                <a:gd name="connsiteX31" fmla="*/ 1237327 w 6028697"/>
-                <a:gd name="connsiteY31" fmla="*/ 5830060 h 6817170"/>
-                <a:gd name="connsiteX32" fmla="*/ 1706649 w 6028697"/>
-                <a:gd name="connsiteY32" fmla="*/ 6342797 h 6817170"/>
-                <a:gd name="connsiteX33" fmla="*/ 1956207 w 6028697"/>
-                <a:gd name="connsiteY33" fmla="*/ 6573484 h 6817170"/>
-                <a:gd name="connsiteX34" fmla="*/ 2217681 w 6028697"/>
-                <a:gd name="connsiteY34" fmla="*/ 6786297 h 6817170"/>
-                <a:gd name="connsiteX35" fmla="*/ 2260820 w 6028697"/>
-                <a:gd name="connsiteY35" fmla="*/ 6817170 h 6817170"/>
-                <a:gd name="connsiteX36" fmla="*/ 1429497 w 6028697"/>
-                <a:gd name="connsiteY36" fmla="*/ 6817170 h 6817170"/>
-                <a:gd name="connsiteX37" fmla="*/ 1327275 w 6028697"/>
-                <a:gd name="connsiteY37" fmla="*/ 6713800 h 6817170"/>
-                <a:gd name="connsiteX38" fmla="*/ 1080556 w 6028697"/>
-                <a:gd name="connsiteY38" fmla="*/ 6414443 h 6817170"/>
-                <a:gd name="connsiteX39" fmla="*/ 865189 w 6028697"/>
-                <a:gd name="connsiteY39" fmla="*/ 6097496 h 6817170"/>
-                <a:gd name="connsiteX40" fmla="*/ 814823 w 6028697"/>
-                <a:gd name="connsiteY40" fmla="*/ 6016911 h 6817170"/>
-                <a:gd name="connsiteX41" fmla="*/ 766729 w 6028697"/>
-                <a:gd name="connsiteY41" fmla="*/ 5938453 h 6817170"/>
-                <a:gd name="connsiteX42" fmla="*/ 671672 w 6028697"/>
-                <a:gd name="connsiteY42" fmla="*/ 5786648 h 6817170"/>
-                <a:gd name="connsiteX43" fmla="*/ 474608 w 6028697"/>
-                <a:gd name="connsiteY43" fmla="*/ 5474664 h 6817170"/>
-                <a:gd name="connsiteX44" fmla="*/ 282652 w 6028697"/>
-                <a:gd name="connsiteY44" fmla="*/ 5146508 h 6817170"/>
-                <a:gd name="connsiteX45" fmla="*/ 196108 w 6028697"/>
-                <a:gd name="connsiteY45" fmla="*/ 4972712 h 6817170"/>
-                <a:gd name="connsiteX46" fmla="*/ 122474 w 6028697"/>
-                <a:gd name="connsiteY46" fmla="*/ 4791821 h 6817170"/>
-                <a:gd name="connsiteX47" fmla="*/ 65724 w 6028697"/>
-                <a:gd name="connsiteY47" fmla="*/ 4603129 h 6817170"/>
-                <a:gd name="connsiteX48" fmla="*/ 44727 w 6028697"/>
-                <a:gd name="connsiteY48" fmla="*/ 4506937 h 6817170"/>
-                <a:gd name="connsiteX49" fmla="*/ 35505 w 6028697"/>
-                <a:gd name="connsiteY49" fmla="*/ 4458699 h 6817170"/>
-                <a:gd name="connsiteX50" fmla="*/ 27845 w 6028697"/>
-                <a:gd name="connsiteY50" fmla="*/ 4410320 h 6817170"/>
-                <a:gd name="connsiteX51" fmla="*/ 37 w 6028697"/>
-                <a:gd name="connsiteY51" fmla="*/ 4022292 h 6817170"/>
-                <a:gd name="connsiteX52" fmla="*/ 78777 w 6028697"/>
-                <a:gd name="connsiteY52" fmla="*/ 3267236 h 6817170"/>
-                <a:gd name="connsiteX53" fmla="*/ 315424 w 6028697"/>
-                <a:gd name="connsiteY53" fmla="*/ 2543673 h 6817170"/>
-                <a:gd name="connsiteX54" fmla="*/ 1202710 w 6028697"/>
-                <a:gd name="connsiteY54" fmla="*/ 1314895 h 6817170"/>
-                <a:gd name="connsiteX55" fmla="*/ 1791065 w 6028697"/>
-                <a:gd name="connsiteY55" fmla="*/ 833514 h 6817170"/>
-                <a:gd name="connsiteX56" fmla="*/ 3908404 w 6028697"/>
-                <a:gd name="connsiteY56" fmla="*/ 29794 h 6817170"/>
-                <a:gd name="connsiteX57" fmla="*/ 4481066 w 6028697"/>
-                <a:gd name="connsiteY57" fmla="*/ 478 h 6817170"/>
-              </a:gdLst>
-              <a:ahLst/>
-              <a:cxnLst>
-                <a:cxn ang="0">
-                  <a:pos x="connsiteX0" y="connsiteY0"/>
-                </a:cxn>
-                <a:cxn ang="0">
-                  <a:pos x="connsiteX1" y="connsiteY1"/>
-                </a:cxn>
-                <a:cxn ang="0">
-                  <a:pos x="connsiteX2" y="connsiteY2"/>
-                </a:cxn>
-                <a:cxn ang="0">
-                  <a:pos x="connsiteX3" y="connsiteY3"/>
-                </a:cxn>
-                <a:cxn ang="0">
-                  <a:pos x="connsiteX4" y="connsiteY4"/>
-                </a:cxn>
-                <a:cxn ang="0">
-                  <a:pos x="connsiteX5" y="connsiteY5"/>
-                </a:cxn>
-                <a:cxn ang="0">
-                  <a:pos x="connsiteX6" y="connsiteY6"/>
-                </a:cxn>
-                <a:cxn ang="0">
-                  <a:pos x="connsiteX7" y="connsiteY7"/>
-                </a:cxn>
-                <a:cxn ang="0">
-                  <a:pos x="connsiteX8" y="connsiteY8"/>
-                </a:cxn>
-                <a:cxn ang="0">
-                  <a:pos x="connsiteX9" y="connsiteY9"/>
-                </a:cxn>
-                <a:cxn ang="0">
-                  <a:pos x="connsiteX10" y="connsiteY10"/>
-                </a:cxn>
-                <a:cxn ang="0">
-                  <a:pos x="connsiteX11" y="connsiteY11"/>
-                </a:cxn>
-                <a:cxn ang="0">
-                  <a:pos x="connsiteX12" y="connsiteY12"/>
-                </a:cxn>
-                <a:cxn ang="0">
-                  <a:pos x="connsiteX13" y="connsiteY13"/>
-                </a:cxn>
-                <a:cxn ang="0">
-                  <a:pos x="connsiteX14" y="connsiteY14"/>
-                </a:cxn>
-                <a:cxn ang="0">
-                  <a:pos x="connsiteX15" y="connsiteY15"/>
-                </a:cxn>
-                <a:cxn ang="0">
-                  <a:pos x="connsiteX16" y="connsiteY16"/>
-                </a:cxn>
-                <a:cxn ang="0">
-                  <a:pos x="connsiteX17" y="connsiteY17"/>
-                </a:cxn>
-                <a:cxn ang="0">
-                  <a:pos x="connsiteX18" y="connsiteY18"/>
-                </a:cxn>
-                <a:cxn ang="0">
-                  <a:pos x="connsiteX19" y="connsiteY19"/>
-                </a:cxn>
-                <a:cxn ang="0">
-                  <a:pos x="connsiteX20" y="connsiteY20"/>
-                </a:cxn>
-                <a:cxn ang="0">
-                  <a:pos x="connsiteX21" y="connsiteY21"/>
-                </a:cxn>
-                <a:cxn ang="0">
-                  <a:pos x="connsiteX22" y="connsiteY22"/>
-                </a:cxn>
-                <a:cxn ang="0">
-                  <a:pos x="connsiteX23" y="connsiteY23"/>
-                </a:cxn>
-                <a:cxn ang="0">
-                  <a:pos x="connsiteX24" y="connsiteY24"/>
-                </a:cxn>
-                <a:cxn ang="0">
-                  <a:pos x="connsiteX25" y="connsiteY25"/>
-                </a:cxn>
-                <a:cxn ang="0">
-                  <a:pos x="connsiteX26" y="connsiteY26"/>
-                </a:cxn>
-                <a:cxn ang="0">
-                  <a:pos x="connsiteX27" y="connsiteY27"/>
-                </a:cxn>
-                <a:cxn ang="0">
-                  <a:pos x="connsiteX28" y="connsiteY28"/>
-                </a:cxn>
-                <a:cxn ang="0">
-                  <a:pos x="connsiteX29" y="connsiteY29"/>
-                </a:cxn>
-                <a:cxn ang="0">
-                  <a:pos x="connsiteX30" y="connsiteY30"/>
-                </a:cxn>
-                <a:cxn ang="0">
-                  <a:pos x="connsiteX31" y="connsiteY31"/>
-                </a:cxn>
-                <a:cxn ang="0">
-                  <a:pos x="connsiteX32" y="connsiteY32"/>
-                </a:cxn>
-                <a:cxn ang="0">
-                  <a:pos x="connsiteX33" y="connsiteY33"/>
-                </a:cxn>
-                <a:cxn ang="0">
-                  <a:pos x="connsiteX34" y="connsiteY34"/>
-                </a:cxn>
-                <a:cxn ang="0">
-                  <a:pos x="connsiteX35" y="connsiteY35"/>
-                </a:cxn>
-                <a:cxn ang="0">
-                  <a:pos x="connsiteX36" y="connsiteY36"/>
-                </a:cxn>
-                <a:cxn ang="0">
-                  <a:pos x="connsiteX37" y="connsiteY37"/>
-                </a:cxn>
-                <a:cxn ang="0">
-                  <a:pos x="connsiteX38" y="connsiteY38"/>
-                </a:cxn>
-                <a:cxn ang="0">
-                  <a:pos x="connsiteX39" y="connsiteY39"/>
-                </a:cxn>
-                <a:cxn ang="0">
-                  <a:pos x="connsiteX40" y="connsiteY40"/>
-                </a:cxn>
-                <a:cxn ang="0">
-                  <a:pos x="connsiteX41" y="connsiteY41"/>
-                </a:cxn>
-                <a:cxn ang="0">
-                  <a:pos x="connsiteX42" y="connsiteY42"/>
-                </a:cxn>
-                <a:cxn ang="0">
-                  <a:pos x="connsiteX43" y="connsiteY43"/>
-                </a:cxn>
-                <a:cxn ang="0">
-                  <a:pos x="connsiteX44" y="connsiteY44"/>
-                </a:cxn>
-                <a:cxn ang="0">
-                  <a:pos x="connsiteX45" y="connsiteY45"/>
-                </a:cxn>
-                <a:cxn ang="0">
-                  <a:pos x="connsiteX46" y="connsiteY46"/>
-                </a:cxn>
-                <a:cxn ang="0">
-                  <a:pos x="connsiteX47" y="connsiteY47"/>
-                </a:cxn>
-                <a:cxn ang="0">
-                  <a:pos x="connsiteX48" y="connsiteY48"/>
-                </a:cxn>
-                <a:cxn ang="0">
-                  <a:pos x="connsiteX49" y="connsiteY49"/>
-                </a:cxn>
-                <a:cxn ang="0">
-                  <a:pos x="connsiteX50" y="connsiteY50"/>
-                </a:cxn>
-                <a:cxn ang="0">
-                  <a:pos x="connsiteX51" y="connsiteY51"/>
-                </a:cxn>
-                <a:cxn ang="0">
-                  <a:pos x="connsiteX52" y="connsiteY52"/>
-                </a:cxn>
-                <a:cxn ang="0">
-                  <a:pos x="connsiteX53" y="connsiteY53"/>
-                </a:cxn>
-                <a:cxn ang="0">
-                  <a:pos x="connsiteX54" y="connsiteY54"/>
-                </a:cxn>
-                <a:cxn ang="0">
-                  <a:pos x="connsiteX55" y="connsiteY55"/>
-                </a:cxn>
-                <a:cxn ang="0">
-                  <a:pos x="connsiteX56" y="connsiteY56"/>
-                </a:cxn>
-                <a:cxn ang="0">
-                  <a:pos x="connsiteX57" y="connsiteY57"/>
-                </a:cxn>
-              </a:cxnLst>
-              <a:rect l="l" t="t" r="r" b="b"/>
-              <a:pathLst>
-                <a:path w="6028697" h="6817170">
-                  <a:moveTo>
-                    <a:pt x="6028697" y="6155323"/>
-                  </a:moveTo>
-                  <a:lnTo>
-                    <a:pt x="6028697" y="6817170"/>
-                  </a:lnTo>
-                  <a:lnTo>
-                    <a:pt x="5157862" y="6817170"/>
-                  </a:lnTo>
-                  <a:lnTo>
-                    <a:pt x="5347156" y="6687553"/>
-                  </a:lnTo>
-                  <a:cubicBezTo>
-                    <a:pt x="5394117" y="6653219"/>
-                    <a:pt x="5440793" y="6617608"/>
-                    <a:pt x="5487470" y="6581714"/>
-                  </a:cubicBezTo>
-                  <a:cubicBezTo>
-                    <a:pt x="5534147" y="6545820"/>
-                    <a:pt x="5580966" y="6509358"/>
-                    <a:pt x="5627642" y="6472328"/>
-                  </a:cubicBezTo>
-                  <a:lnTo>
-                    <a:pt x="5911392" y="6245328"/>
-                  </a:lnTo>
-                  <a:close/>
-                  <a:moveTo>
-                    <a:pt x="4481066" y="478"/>
-                  </a:moveTo>
-                  <a:cubicBezTo>
-                    <a:pt x="4544817" y="1422"/>
-                    <a:pt x="4608563" y="3769"/>
-                    <a:pt x="4672258" y="7519"/>
-                  </a:cubicBezTo>
-                  <a:cubicBezTo>
-                    <a:pt x="4927973" y="22364"/>
-                    <a:pt x="5181687" y="61751"/>
-                    <a:pt x="5429869" y="125134"/>
-                  </a:cubicBezTo>
-                  <a:cubicBezTo>
-                    <a:pt x="5617090" y="173104"/>
-                    <a:pt x="5799867" y="236595"/>
-                    <a:pt x="5976319" y="314893"/>
-                  </a:cubicBezTo>
-                  <a:lnTo>
-                    <a:pt x="6028697" y="339901"/>
-                  </a:lnTo>
-                  <a:lnTo>
-                    <a:pt x="6028697" y="732458"/>
-                  </a:lnTo>
-                  <a:lnTo>
-                    <a:pt x="5990985" y="712211"/>
-                  </a:lnTo>
-                  <a:cubicBezTo>
-                    <a:pt x="5783917" y="609342"/>
-                    <a:pt x="5566013" y="529876"/>
-                    <a:pt x="5341339" y="475281"/>
-                  </a:cubicBezTo>
-                  <a:cubicBezTo>
-                    <a:pt x="5115233" y="420503"/>
-                    <a:pt x="4884375" y="387624"/>
-                    <a:pt x="4651969" y="377104"/>
-                  </a:cubicBezTo>
-                  <a:cubicBezTo>
-                    <a:pt x="4418713" y="365171"/>
-                    <a:pt x="4184861" y="373670"/>
-                    <a:pt x="3953093" y="402498"/>
-                  </a:cubicBezTo>
-                  <a:cubicBezTo>
-                    <a:pt x="3721001" y="431832"/>
-                    <a:pt x="3491675" y="480040"/>
-                    <a:pt x="3267413" y="546643"/>
-                  </a:cubicBezTo>
-                  <a:cubicBezTo>
-                    <a:pt x="2591323" y="750761"/>
-                    <a:pt x="1967642" y="1099289"/>
-                    <a:pt x="1439498" y="1568141"/>
-                  </a:cubicBezTo>
-                  <a:cubicBezTo>
-                    <a:pt x="1265589" y="1725523"/>
-                    <a:pt x="1105393" y="1897434"/>
-                    <a:pt x="960671" y="2082013"/>
-                  </a:cubicBezTo>
-                  <a:cubicBezTo>
-                    <a:pt x="815775" y="2266294"/>
-                    <a:pt x="688923" y="2464081"/>
-                    <a:pt x="581866" y="2672638"/>
-                  </a:cubicBezTo>
-                  <a:cubicBezTo>
-                    <a:pt x="473765" y="2880669"/>
-                    <a:pt x="387610" y="3099397"/>
-                    <a:pt x="324789" y="3325262"/>
-                  </a:cubicBezTo>
-                  <a:cubicBezTo>
-                    <a:pt x="262714" y="3552403"/>
-                    <a:pt x="231223" y="3786822"/>
-                    <a:pt x="231151" y="4022292"/>
-                  </a:cubicBezTo>
-                  <a:cubicBezTo>
-                    <a:pt x="231413" y="4136912"/>
-                    <a:pt x="244645" y="4251136"/>
-                    <a:pt x="270592" y="4362792"/>
-                  </a:cubicBezTo>
-                  <a:cubicBezTo>
-                    <a:pt x="297885" y="4472943"/>
-                    <a:pt x="336983" y="4579833"/>
-                    <a:pt x="387213" y="4681585"/>
-                  </a:cubicBezTo>
-                  <a:cubicBezTo>
-                    <a:pt x="412042" y="4732517"/>
-                    <a:pt x="439423" y="4782457"/>
-                    <a:pt x="468507" y="4831546"/>
-                  </a:cubicBezTo>
-                  <a:cubicBezTo>
-                    <a:pt x="497591" y="4880636"/>
-                    <a:pt x="529230" y="4929015"/>
-                    <a:pt x="561862" y="4976826"/>
-                  </a:cubicBezTo>
-                  <a:cubicBezTo>
-                    <a:pt x="627975" y="5072166"/>
-                    <a:pt x="701466" y="5164668"/>
-                    <a:pt x="777511" y="5257597"/>
-                  </a:cubicBezTo>
-                  <a:cubicBezTo>
-                    <a:pt x="853556" y="5350524"/>
-                    <a:pt x="933574" y="5443594"/>
-                    <a:pt x="1010895" y="5540494"/>
-                  </a:cubicBezTo>
-                  <a:cubicBezTo>
-                    <a:pt x="1049957" y="5588732"/>
-                    <a:pt x="1088642" y="5637963"/>
-                    <a:pt x="1126948" y="5688186"/>
-                  </a:cubicBezTo>
-                  <a:lnTo>
-                    <a:pt x="1182706" y="5760543"/>
-                  </a:lnTo>
-                  <a:cubicBezTo>
-                    <a:pt x="1201007" y="5783669"/>
-                    <a:pt x="1218458" y="5807503"/>
-                    <a:pt x="1237327" y="5830060"/>
-                  </a:cubicBezTo>
-                  <a:cubicBezTo>
-                    <a:pt x="1383714" y="6009916"/>
-                    <a:pt x="1540413" y="6181116"/>
-                    <a:pt x="1706649" y="6342797"/>
-                  </a:cubicBezTo>
-                  <a:cubicBezTo>
-                    <a:pt x="1788084" y="6422531"/>
-                    <a:pt x="1871265" y="6499427"/>
-                    <a:pt x="1956207" y="6573484"/>
-                  </a:cubicBezTo>
-                  <a:cubicBezTo>
-                    <a:pt x="2041332" y="6647402"/>
-                    <a:pt x="2127733" y="6718907"/>
-                    <a:pt x="2217681" y="6786297"/>
-                  </a:cubicBezTo>
-                  <a:lnTo>
-                    <a:pt x="2260820" y="6817170"/>
-                  </a:lnTo>
-                  <a:lnTo>
-                    <a:pt x="1429497" y="6817170"/>
-                  </a:lnTo>
-                  <a:lnTo>
-                    <a:pt x="1327275" y="6713800"/>
-                  </a:lnTo>
-                  <a:cubicBezTo>
-                    <a:pt x="1239186" y="6618984"/>
-                    <a:pt x="1156797" y="6519019"/>
-                    <a:pt x="1080556" y="6414443"/>
-                  </a:cubicBezTo>
-                  <a:cubicBezTo>
-                    <a:pt x="1004653" y="6310734"/>
-                    <a:pt x="932439" y="6205177"/>
-                    <a:pt x="865189" y="6097496"/>
-                  </a:cubicBezTo>
-                  <a:cubicBezTo>
-                    <a:pt x="847881" y="6070823"/>
-                    <a:pt x="831565" y="6043725"/>
-                    <a:pt x="814823" y="6016911"/>
-                  </a:cubicBezTo>
-                  <a:lnTo>
-                    <a:pt x="766729" y="5938453"/>
-                  </a:lnTo>
-                  <a:cubicBezTo>
-                    <a:pt x="735941" y="5887947"/>
-                    <a:pt x="703878" y="5837581"/>
-                    <a:pt x="671672" y="5786648"/>
-                  </a:cubicBezTo>
-                  <a:lnTo>
-                    <a:pt x="474608" y="5474664"/>
-                  </a:lnTo>
-                  <a:cubicBezTo>
-                    <a:pt x="408778" y="5368968"/>
-                    <a:pt x="343516" y="5260008"/>
-                    <a:pt x="282652" y="5146508"/>
-                  </a:cubicBezTo>
-                  <a:cubicBezTo>
-                    <a:pt x="252290" y="5089759"/>
-                    <a:pt x="223065" y="5032015"/>
-                    <a:pt x="196108" y="4972712"/>
-                  </a:cubicBezTo>
-                  <a:cubicBezTo>
-                    <a:pt x="169152" y="4913408"/>
-                    <a:pt x="144607" y="4853111"/>
-                    <a:pt x="122474" y="4791821"/>
-                  </a:cubicBezTo>
-                  <a:cubicBezTo>
-                    <a:pt x="100342" y="4730532"/>
-                    <a:pt x="81757" y="4666830"/>
-                    <a:pt x="65724" y="4603129"/>
-                  </a:cubicBezTo>
-                  <a:cubicBezTo>
-                    <a:pt x="58205" y="4571064"/>
-                    <a:pt x="50828" y="4539143"/>
-                    <a:pt x="44727" y="4506937"/>
-                  </a:cubicBezTo>
-                  <a:lnTo>
-                    <a:pt x="35505" y="4458699"/>
-                  </a:lnTo>
-                  <a:lnTo>
-                    <a:pt x="27845" y="4410320"/>
-                  </a:lnTo>
-                  <a:cubicBezTo>
-                    <a:pt x="8635" y="4281881"/>
-                    <a:pt x="-661" y="4152150"/>
-                    <a:pt x="37" y="4022292"/>
-                  </a:cubicBezTo>
-                  <a:cubicBezTo>
-                    <a:pt x="712" y="3768592"/>
-                    <a:pt x="27094" y="3515615"/>
-                    <a:pt x="78777" y="3267236"/>
-                  </a:cubicBezTo>
-                  <a:cubicBezTo>
-                    <a:pt x="130048" y="3017876"/>
-                    <a:pt x="209439" y="2775142"/>
-                    <a:pt x="315424" y="2543673"/>
-                  </a:cubicBezTo>
-                  <a:cubicBezTo>
-                    <a:pt x="528236" y="2081161"/>
-                    <a:pt x="838234" y="1667312"/>
-                    <a:pt x="1202710" y="1314895"/>
-                  </a:cubicBezTo>
-                  <a:cubicBezTo>
-                    <a:pt x="1385514" y="1138814"/>
-                    <a:pt x="1582282" y="977831"/>
-                    <a:pt x="1791065" y="833514"/>
-                  </a:cubicBezTo>
-                  <a:cubicBezTo>
-                    <a:pt x="2420037" y="395614"/>
-                    <a:pt x="3147288" y="119557"/>
-                    <a:pt x="3908404" y="29794"/>
-                  </a:cubicBezTo>
-                  <a:cubicBezTo>
-                    <a:pt x="4098509" y="7429"/>
-                    <a:pt x="4289811" y="-2355"/>
-                    <a:pt x="4481066" y="478"/>
-                  </a:cubicBezTo>
-                  <a:close/>
-                </a:path>
-              </a:pathLst>
-            </a:custGeom>
-            <a:gradFill>
-              <a:gsLst>
-                <a:gs pos="2000">
-                  <a:schemeClr val="bg1">
-                    <a:alpha val="10000"/>
-                  </a:schemeClr>
-                </a:gs>
-                <a:gs pos="16000">
-                  <a:schemeClr val="accent6">
-                    <a:alpha val="10000"/>
-                  </a:schemeClr>
-                </a:gs>
-                <a:gs pos="100000">
-                  <a:schemeClr val="bg1">
-                    <a:alpha val="10000"/>
-                  </a:schemeClr>
-                </a:gs>
-                <a:gs pos="85000">
-                  <a:schemeClr val="accent1">
-                    <a:alpha val="10000"/>
-                  </a:schemeClr>
-                </a:gs>
-              </a:gsLst>
-              <a:lin ang="12000000" scaled="0"/>
-            </a:gradFill>
-            <a:ln>
-              <a:noFill/>
-            </a:ln>
-          </p:spPr>
-          <p:style>
-            <a:lnRef idx="2">
-              <a:schemeClr val="accent1">
-                <a:shade val="50000"/>
-              </a:schemeClr>
-            </a:lnRef>
-            <a:fillRef idx="1">
-              <a:schemeClr val="accent1"/>
-            </a:fillRef>
-            <a:effectRef idx="0">
-              <a:schemeClr val="accent1"/>
-            </a:effectRef>
-            <a:fontRef idx="minor">
-              <a:schemeClr val="lt1"/>
-            </a:fontRef>
-          </p:style>
-          <p:txBody>
-            <a:bodyPr rtlCol="0" anchor="ctr"/>
-            <a:lstStyle/>
-            <a:p>
-              <a:pPr algn="ctr"/>
-              <a:endParaRPr lang="en-US" dirty="0"/>
-            </a:p>
-          </p:txBody>
-        </p:sp>
-        <p:sp>
-          <p:nvSpPr>
-            <p:cNvPr id="49" name="Freeform: Shape 48">
-              <a:extLst>
-                <a:ext uri="{FF2B5EF4-FFF2-40B4-BE49-F238E27FC236}">
-                  <a16:creationId xmlns:a16="http://schemas.microsoft.com/office/drawing/2014/main" id="{C72F6EE6-EDE9-45A5-8F6D-02B9B7CB2C2F}"/>
-                </a:ext>
-                <a:ext uri="{C183D7F6-B498-43B3-948B-1728B52AA6E4}">
-                  <adec:decorative xmlns:adec="http://schemas.microsoft.com/office/drawing/2017/decorative" val="1"/>
-                </a:ext>
-              </a:extLst>
-            </p:cNvPr>
-            <p:cNvSpPr/>
-            <p:nvPr>
-              <p:extLst>
-                <p:ext uri="{386F3935-93C4-4BCD-93E2-E3B085C9AB24}">
-                  <p16:designElem xmlns:p16="http://schemas.microsoft.com/office/powerpoint/2015/main" val="1"/>
-                </p:ext>
-              </p:extLst>
-            </p:nvPr>
-          </p:nvSpPr>
-          <p:spPr>
-            <a:xfrm flipH="1">
-              <a:off x="305" y="1"/>
-              <a:ext cx="6165116" cy="6858001"/>
-            </a:xfrm>
-            <a:custGeom>
-              <a:avLst/>
-              <a:gdLst>
-                <a:gd name="connsiteX0" fmla="*/ 6264586 w 6264586"/>
-                <a:gd name="connsiteY0" fmla="*/ 6646464 h 6858001"/>
-                <a:gd name="connsiteX1" fmla="*/ 6264586 w 6264586"/>
-                <a:gd name="connsiteY1" fmla="*/ 6858001 h 6858001"/>
-                <a:gd name="connsiteX2" fmla="*/ 5997170 w 6264586"/>
-                <a:gd name="connsiteY2" fmla="*/ 6858001 h 6858001"/>
-                <a:gd name="connsiteX3" fmla="*/ 6121512 w 6264586"/>
-                <a:gd name="connsiteY3" fmla="*/ 6761029 h 6858001"/>
-                <a:gd name="connsiteX4" fmla="*/ 2693206 w 6264586"/>
-                <a:gd name="connsiteY4" fmla="*/ 0 h 6858001"/>
-                <a:gd name="connsiteX5" fmla="*/ 5872285 w 6264586"/>
-                <a:gd name="connsiteY5" fmla="*/ 0 h 6858001"/>
-                <a:gd name="connsiteX6" fmla="*/ 6024875 w 6264586"/>
-                <a:gd name="connsiteY6" fmla="*/ 68385 h 6858001"/>
-                <a:gd name="connsiteX7" fmla="*/ 6206432 w 6264586"/>
-                <a:gd name="connsiteY7" fmla="*/ 162336 h 6858001"/>
-                <a:gd name="connsiteX8" fmla="*/ 6264586 w 6264586"/>
-                <a:gd name="connsiteY8" fmla="*/ 196704 h 6858001"/>
-                <a:gd name="connsiteX9" fmla="*/ 6264586 w 6264586"/>
-                <a:gd name="connsiteY9" fmla="*/ 537242 h 6858001"/>
-                <a:gd name="connsiteX10" fmla="*/ 6230189 w 6264586"/>
-                <a:gd name="connsiteY10" fmla="*/ 517260 h 6858001"/>
-                <a:gd name="connsiteX11" fmla="*/ 5540536 w 6264586"/>
-                <a:gd name="connsiteY11" fmla="*/ 249543 h 6858001"/>
-                <a:gd name="connsiteX12" fmla="*/ 5178896 w 6264586"/>
-                <a:gd name="connsiteY12" fmla="*/ 178606 h 6858001"/>
-                <a:gd name="connsiteX13" fmla="*/ 4814279 w 6264586"/>
-                <a:gd name="connsiteY13" fmla="*/ 146683 h 6858001"/>
-                <a:gd name="connsiteX14" fmla="*/ 4655095 w 6264586"/>
-                <a:gd name="connsiteY14" fmla="*/ 143421 h 6858001"/>
-                <a:gd name="connsiteX15" fmla="*/ 4081069 w 6264586"/>
-                <a:gd name="connsiteY15" fmla="*/ 185983 h 6858001"/>
-                <a:gd name="connsiteX16" fmla="*/ 3720566 w 6264586"/>
-                <a:gd name="connsiteY16" fmla="*/ 256921 h 6858001"/>
-                <a:gd name="connsiteX17" fmla="*/ 3365879 w 6264586"/>
-                <a:gd name="connsiteY17" fmla="*/ 357651 h 6858001"/>
-                <a:gd name="connsiteX18" fmla="*/ 3020555 w 6264586"/>
-                <a:gd name="connsiteY18" fmla="*/ 486190 h 6858001"/>
-                <a:gd name="connsiteX19" fmla="*/ 2685163 w 6264586"/>
-                <a:gd name="connsiteY19" fmla="*/ 641542 h 6858001"/>
-                <a:gd name="connsiteX20" fmla="*/ 2047720 w 6264586"/>
-                <a:gd name="connsiteY20" fmla="*/ 1025030 h 6858001"/>
-                <a:gd name="connsiteX21" fmla="*/ 1897333 w 6264586"/>
-                <a:gd name="connsiteY21" fmla="*/ 1134983 h 6858001"/>
-                <a:gd name="connsiteX22" fmla="*/ 1835758 w 6264586"/>
-                <a:gd name="connsiteY22" fmla="*/ 1182227 h 6858001"/>
-                <a:gd name="connsiteX23" fmla="*/ 1823273 w 6264586"/>
-                <a:gd name="connsiteY23" fmla="*/ 1192016 h 6858001"/>
-                <a:gd name="connsiteX24" fmla="*/ 1750918 w 6264586"/>
-                <a:gd name="connsiteY24" fmla="*/ 1249760 h 6858001"/>
-                <a:gd name="connsiteX25" fmla="*/ 1469297 w 6264586"/>
-                <a:gd name="connsiteY25" fmla="*/ 1496906 h 6858001"/>
-                <a:gd name="connsiteX26" fmla="*/ 967769 w 6264586"/>
-                <a:gd name="connsiteY26" fmla="*/ 2056602 h 6858001"/>
-                <a:gd name="connsiteX27" fmla="*/ 754105 w 6264586"/>
-                <a:gd name="connsiteY27" fmla="*/ 2368727 h 6858001"/>
-                <a:gd name="connsiteX28" fmla="*/ 572364 w 6264586"/>
-                <a:gd name="connsiteY28" fmla="*/ 2701140 h 6858001"/>
-                <a:gd name="connsiteX29" fmla="*/ 532497 w 6264586"/>
-                <a:gd name="connsiteY29" fmla="*/ 2786265 h 6858001"/>
-                <a:gd name="connsiteX30" fmla="*/ 512918 w 6264586"/>
-                <a:gd name="connsiteY30" fmla="*/ 2828827 h 6858001"/>
-                <a:gd name="connsiteX31" fmla="*/ 494475 w 6264586"/>
-                <a:gd name="connsiteY31" fmla="*/ 2872240 h 6858001"/>
-                <a:gd name="connsiteX32" fmla="*/ 491637 w 6264586"/>
-                <a:gd name="connsiteY32" fmla="*/ 2878908 h 6858001"/>
-                <a:gd name="connsiteX33" fmla="*/ 459290 w 6264586"/>
-                <a:gd name="connsiteY33" fmla="*/ 2959635 h 6858001"/>
-                <a:gd name="connsiteX34" fmla="*/ 446805 w 6264586"/>
-                <a:gd name="connsiteY34" fmla="*/ 2992408 h 6858001"/>
-                <a:gd name="connsiteX35" fmla="*/ 426090 w 6264586"/>
-                <a:gd name="connsiteY35" fmla="*/ 3049158 h 6858001"/>
-                <a:gd name="connsiteX36" fmla="*/ 426090 w 6264586"/>
-                <a:gd name="connsiteY36" fmla="*/ 3049867 h 6858001"/>
-                <a:gd name="connsiteX37" fmla="*/ 318124 w 6264586"/>
-                <a:gd name="connsiteY37" fmla="*/ 3414202 h 6858001"/>
-                <a:gd name="connsiteX38" fmla="*/ 230729 w 6264586"/>
-                <a:gd name="connsiteY38" fmla="*/ 4169260 h 6858001"/>
-                <a:gd name="connsiteX39" fmla="*/ 268893 w 6264586"/>
-                <a:gd name="connsiteY39" fmla="*/ 4544236 h 6858001"/>
-                <a:gd name="connsiteX40" fmla="*/ 379840 w 6264586"/>
-                <a:gd name="connsiteY40" fmla="*/ 4900056 h 6858001"/>
-                <a:gd name="connsiteX41" fmla="*/ 406512 w 6264586"/>
-                <a:gd name="connsiteY41" fmla="*/ 4960211 h 6858001"/>
-                <a:gd name="connsiteX42" fmla="*/ 417862 w 6264586"/>
-                <a:gd name="connsiteY42" fmla="*/ 4984613 h 6858001"/>
-                <a:gd name="connsiteX43" fmla="*/ 428077 w 6264586"/>
-                <a:gd name="connsiteY43" fmla="*/ 5005043 h 6858001"/>
-                <a:gd name="connsiteX44" fmla="*/ 460140 w 6264586"/>
-                <a:gd name="connsiteY44" fmla="*/ 5067327 h 6858001"/>
-                <a:gd name="connsiteX45" fmla="*/ 555197 w 6264586"/>
-                <a:gd name="connsiteY45" fmla="*/ 5229773 h 6858001"/>
-                <a:gd name="connsiteX46" fmla="*/ 660611 w 6264586"/>
-                <a:gd name="connsiteY46" fmla="*/ 5387396 h 6858001"/>
-                <a:gd name="connsiteX47" fmla="*/ 774110 w 6264586"/>
-                <a:gd name="connsiteY47" fmla="*/ 5542182 h 6858001"/>
-                <a:gd name="connsiteX48" fmla="*/ 917829 w 6264586"/>
-                <a:gd name="connsiteY48" fmla="*/ 5727896 h 6858001"/>
-                <a:gd name="connsiteX49" fmla="*/ 1012885 w 6264586"/>
-                <a:gd name="connsiteY49" fmla="*/ 5849767 h 6858001"/>
-                <a:gd name="connsiteX50" fmla="*/ 1133053 w 6264586"/>
-                <a:gd name="connsiteY50" fmla="*/ 6006822 h 6858001"/>
-                <a:gd name="connsiteX51" fmla="*/ 1194343 w 6264586"/>
-                <a:gd name="connsiteY51" fmla="*/ 6090245 h 6858001"/>
-                <a:gd name="connsiteX52" fmla="*/ 1249390 w 6264586"/>
-                <a:gd name="connsiteY52" fmla="*/ 6165155 h 6858001"/>
-                <a:gd name="connsiteX53" fmla="*/ 1345724 w 6264586"/>
-                <a:gd name="connsiteY53" fmla="*/ 6292132 h 6858001"/>
-                <a:gd name="connsiteX54" fmla="*/ 1364310 w 6264586"/>
-                <a:gd name="connsiteY54" fmla="*/ 6316251 h 6858001"/>
-                <a:gd name="connsiteX55" fmla="*/ 1373673 w 6264586"/>
-                <a:gd name="connsiteY55" fmla="*/ 6327885 h 6858001"/>
-                <a:gd name="connsiteX56" fmla="*/ 1484619 w 6264586"/>
-                <a:gd name="connsiteY56" fmla="*/ 6462240 h 6858001"/>
-                <a:gd name="connsiteX57" fmla="*/ 1739000 w 6264586"/>
-                <a:gd name="connsiteY57" fmla="*/ 6737335 h 6858001"/>
-                <a:gd name="connsiteX58" fmla="*/ 1866801 w 6264586"/>
-                <a:gd name="connsiteY58" fmla="*/ 6858001 h 6858001"/>
-                <a:gd name="connsiteX59" fmla="*/ 1144149 w 6264586"/>
-                <a:gd name="connsiteY59" fmla="*/ 6858001 h 6858001"/>
-                <a:gd name="connsiteX60" fmla="*/ 1058349 w 6264586"/>
-                <a:gd name="connsiteY60" fmla="*/ 6766452 h 6858001"/>
-                <a:gd name="connsiteX61" fmla="*/ 580309 w 6264586"/>
-                <a:gd name="connsiteY61" fmla="*/ 6105000 h 6858001"/>
-                <a:gd name="connsiteX62" fmla="*/ 1 w 6264586"/>
-                <a:gd name="connsiteY62" fmla="*/ 3960094 h 6858001"/>
-                <a:gd name="connsiteX63" fmla="*/ 2599292 w 6264586"/>
-                <a:gd name="connsiteY63" fmla="*/ 37050 h 6858001"/>
-              </a:gdLst>
-              <a:ahLst/>
-              <a:cxnLst>
-                <a:cxn ang="0">
-                  <a:pos x="connsiteX0" y="connsiteY0"/>
-                </a:cxn>
-                <a:cxn ang="0">
-                  <a:pos x="connsiteX1" y="connsiteY1"/>
-                </a:cxn>
-                <a:cxn ang="0">
-                  <a:pos x="connsiteX2" y="connsiteY2"/>
-                </a:cxn>
-                <a:cxn ang="0">
-                  <a:pos x="connsiteX3" y="connsiteY3"/>
-                </a:cxn>
-                <a:cxn ang="0">
-                  <a:pos x="connsiteX4" y="connsiteY4"/>
-                </a:cxn>
-                <a:cxn ang="0">
-                  <a:pos x="connsiteX5" y="connsiteY5"/>
-                </a:cxn>
-                <a:cxn ang="0">
-                  <a:pos x="connsiteX6" y="connsiteY6"/>
-                </a:cxn>
-                <a:cxn ang="0">
-                  <a:pos x="connsiteX7" y="connsiteY7"/>
-                </a:cxn>
-                <a:cxn ang="0">
-                  <a:pos x="connsiteX8" y="connsiteY8"/>
-                </a:cxn>
-                <a:cxn ang="0">
-                  <a:pos x="connsiteX9" y="connsiteY9"/>
-                </a:cxn>
-                <a:cxn ang="0">
-                  <a:pos x="connsiteX10" y="connsiteY10"/>
-                </a:cxn>
-                <a:cxn ang="0">
-                  <a:pos x="connsiteX11" y="connsiteY11"/>
-                </a:cxn>
-                <a:cxn ang="0">
-                  <a:pos x="connsiteX12" y="connsiteY12"/>
-                </a:cxn>
-                <a:cxn ang="0">
-                  <a:pos x="connsiteX13" y="connsiteY13"/>
-                </a:cxn>
-                <a:cxn ang="0">
-                  <a:pos x="connsiteX14" y="connsiteY14"/>
-                </a:cxn>
-                <a:cxn ang="0">
-                  <a:pos x="connsiteX15" y="connsiteY15"/>
-                </a:cxn>
-                <a:cxn ang="0">
-                  <a:pos x="connsiteX16" y="connsiteY16"/>
-                </a:cxn>
-                <a:cxn ang="0">
-                  <a:pos x="connsiteX17" y="connsiteY17"/>
-                </a:cxn>
-                <a:cxn ang="0">
-                  <a:pos x="connsiteX18" y="connsiteY18"/>
-                </a:cxn>
-                <a:cxn ang="0">
-                  <a:pos x="connsiteX19" y="connsiteY19"/>
-                </a:cxn>
-                <a:cxn ang="0">
-                  <a:pos x="connsiteX20" y="connsiteY20"/>
-                </a:cxn>
-                <a:cxn ang="0">
-                  <a:pos x="connsiteX21" y="connsiteY21"/>
-                </a:cxn>
-                <a:cxn ang="0">
-                  <a:pos x="connsiteX22" y="connsiteY22"/>
-                </a:cxn>
-                <a:cxn ang="0">
-                  <a:pos x="connsiteX23" y="connsiteY23"/>
-                </a:cxn>
-                <a:cxn ang="0">
-                  <a:pos x="connsiteX24" y="connsiteY24"/>
-                </a:cxn>
-                <a:cxn ang="0">
-                  <a:pos x="connsiteX25" y="connsiteY25"/>
-                </a:cxn>
-                <a:cxn ang="0">
-                  <a:pos x="connsiteX26" y="connsiteY26"/>
-                </a:cxn>
-                <a:cxn ang="0">
-                  <a:pos x="connsiteX27" y="connsiteY27"/>
-                </a:cxn>
-                <a:cxn ang="0">
-                  <a:pos x="connsiteX28" y="connsiteY28"/>
-                </a:cxn>
-                <a:cxn ang="0">
-                  <a:pos x="connsiteX29" y="connsiteY29"/>
-                </a:cxn>
-                <a:cxn ang="0">
-                  <a:pos x="connsiteX30" y="connsiteY30"/>
-                </a:cxn>
-                <a:cxn ang="0">
-                  <a:pos x="connsiteX31" y="connsiteY31"/>
-                </a:cxn>
-                <a:cxn ang="0">
-                  <a:pos x="connsiteX32" y="connsiteY32"/>
-                </a:cxn>
-                <a:cxn ang="0">
-                  <a:pos x="connsiteX33" y="connsiteY33"/>
-                </a:cxn>
-                <a:cxn ang="0">
-                  <a:pos x="connsiteX34" y="connsiteY34"/>
-                </a:cxn>
-                <a:cxn ang="0">
-                  <a:pos x="connsiteX35" y="connsiteY35"/>
-                </a:cxn>
-                <a:cxn ang="0">
-                  <a:pos x="connsiteX36" y="connsiteY36"/>
-                </a:cxn>
-                <a:cxn ang="0">
-                  <a:pos x="connsiteX37" y="connsiteY37"/>
-                </a:cxn>
-                <a:cxn ang="0">
-                  <a:pos x="connsiteX38" y="connsiteY38"/>
-                </a:cxn>
-                <a:cxn ang="0">
-                  <a:pos x="connsiteX39" y="connsiteY39"/>
-                </a:cxn>
-                <a:cxn ang="0">
-                  <a:pos x="connsiteX40" y="connsiteY40"/>
-                </a:cxn>
-                <a:cxn ang="0">
-                  <a:pos x="connsiteX41" y="connsiteY41"/>
-                </a:cxn>
-                <a:cxn ang="0">
-                  <a:pos x="connsiteX42" y="connsiteY42"/>
-                </a:cxn>
-                <a:cxn ang="0">
-                  <a:pos x="connsiteX43" y="connsiteY43"/>
-                </a:cxn>
-                <a:cxn ang="0">
-                  <a:pos x="connsiteX44" y="connsiteY44"/>
-                </a:cxn>
-                <a:cxn ang="0">
-                  <a:pos x="connsiteX45" y="connsiteY45"/>
-                </a:cxn>
-                <a:cxn ang="0">
-                  <a:pos x="connsiteX46" y="connsiteY46"/>
-                </a:cxn>
-                <a:cxn ang="0">
-                  <a:pos x="connsiteX47" y="connsiteY47"/>
-                </a:cxn>
-                <a:cxn ang="0">
-                  <a:pos x="connsiteX48" y="connsiteY48"/>
-                </a:cxn>
-                <a:cxn ang="0">
-                  <a:pos x="connsiteX49" y="connsiteY49"/>
-                </a:cxn>
-                <a:cxn ang="0">
-                  <a:pos x="connsiteX50" y="connsiteY50"/>
-                </a:cxn>
-                <a:cxn ang="0">
-                  <a:pos x="connsiteX51" y="connsiteY51"/>
-                </a:cxn>
-                <a:cxn ang="0">
-                  <a:pos x="connsiteX52" y="connsiteY52"/>
-                </a:cxn>
-                <a:cxn ang="0">
-                  <a:pos x="connsiteX53" y="connsiteY53"/>
-                </a:cxn>
-                <a:cxn ang="0">
-                  <a:pos x="connsiteX54" y="connsiteY54"/>
-                </a:cxn>
-                <a:cxn ang="0">
-                  <a:pos x="connsiteX55" y="connsiteY55"/>
-                </a:cxn>
-                <a:cxn ang="0">
-                  <a:pos x="connsiteX56" y="connsiteY56"/>
-                </a:cxn>
-                <a:cxn ang="0">
-                  <a:pos x="connsiteX57" y="connsiteY57"/>
-                </a:cxn>
-                <a:cxn ang="0">
-                  <a:pos x="connsiteX58" y="connsiteY58"/>
-                </a:cxn>
-                <a:cxn ang="0">
-                  <a:pos x="connsiteX59" y="connsiteY59"/>
-                </a:cxn>
-                <a:cxn ang="0">
-                  <a:pos x="connsiteX60" y="connsiteY60"/>
-                </a:cxn>
-                <a:cxn ang="0">
-                  <a:pos x="connsiteX61" y="connsiteY61"/>
-                </a:cxn>
-                <a:cxn ang="0">
-                  <a:pos x="connsiteX62" y="connsiteY62"/>
-                </a:cxn>
-                <a:cxn ang="0">
-                  <a:pos x="connsiteX63" y="connsiteY63"/>
-                </a:cxn>
-              </a:cxnLst>
-              <a:rect l="l" t="t" r="r" b="b"/>
-              <a:pathLst>
-                <a:path w="6264586" h="6858001">
-                  <a:moveTo>
-                    <a:pt x="6264586" y="6646464"/>
-                  </a:moveTo>
-                  <a:lnTo>
-                    <a:pt x="6264586" y="6858001"/>
-                  </a:lnTo>
-                  <a:lnTo>
-                    <a:pt x="5997170" y="6858001"/>
-                  </a:lnTo>
-                  <a:lnTo>
-                    <a:pt x="6121512" y="6761029"/>
-                  </a:lnTo>
-                  <a:close/>
-                  <a:moveTo>
-                    <a:pt x="2693206" y="0"/>
-                  </a:moveTo>
-                  <a:lnTo>
-                    <a:pt x="5872285" y="0"/>
-                  </a:lnTo>
-                  <a:lnTo>
-                    <a:pt x="6024875" y="68385"/>
-                  </a:lnTo>
-                  <a:cubicBezTo>
-                    <a:pt x="6086250" y="97989"/>
-                    <a:pt x="6146793" y="129318"/>
-                    <a:pt x="6206432" y="162336"/>
-                  </a:cubicBezTo>
-                  <a:lnTo>
-                    <a:pt x="6264586" y="196704"/>
-                  </a:lnTo>
-                  <a:lnTo>
-                    <a:pt x="6264586" y="537242"/>
-                  </a:lnTo>
-                  <a:lnTo>
-                    <a:pt x="6230189" y="517260"/>
-                  </a:lnTo>
-                  <a:cubicBezTo>
-                    <a:pt x="6012226" y="399931"/>
-                    <a:pt x="5780573" y="310008"/>
-                    <a:pt x="5540536" y="249543"/>
-                  </a:cubicBezTo>
-                  <a:cubicBezTo>
-                    <a:pt x="5421375" y="219324"/>
-                    <a:pt x="5300641" y="195644"/>
-                    <a:pt x="5178896" y="178606"/>
-                  </a:cubicBezTo>
-                  <a:cubicBezTo>
-                    <a:pt x="5057977" y="161840"/>
-                    <a:pt x="4936276" y="151186"/>
-                    <a:pt x="4814279" y="146683"/>
-                  </a:cubicBezTo>
-                  <a:cubicBezTo>
-                    <a:pt x="4761501" y="144556"/>
-                    <a:pt x="4708015" y="143421"/>
-                    <a:pt x="4655095" y="143421"/>
-                  </a:cubicBezTo>
-                  <a:cubicBezTo>
-                    <a:pt x="4462968" y="143573"/>
-                    <a:pt x="4271111" y="157799"/>
-                    <a:pt x="4081069" y="185983"/>
-                  </a:cubicBezTo>
-                  <a:cubicBezTo>
-                    <a:pt x="3956361" y="205703"/>
-                    <a:pt x="3835058" y="229396"/>
-                    <a:pt x="3720566" y="256921"/>
-                  </a:cubicBezTo>
-                  <a:cubicBezTo>
-                    <a:pt x="3596708" y="286714"/>
-                    <a:pt x="3477677" y="320905"/>
-                    <a:pt x="3365879" y="357651"/>
-                  </a:cubicBezTo>
-                  <a:cubicBezTo>
-                    <a:pt x="3249257" y="395958"/>
-                    <a:pt x="3133487" y="438945"/>
-                    <a:pt x="3020555" y="486190"/>
-                  </a:cubicBezTo>
-                  <a:cubicBezTo>
-                    <a:pt x="2907623" y="533434"/>
-                    <a:pt x="2794832" y="585786"/>
-                    <a:pt x="2685163" y="641542"/>
-                  </a:cubicBezTo>
-                  <a:cubicBezTo>
-                    <a:pt x="2463995" y="754348"/>
-                    <a:pt x="2250998" y="882488"/>
-                    <a:pt x="2047720" y="1025030"/>
-                  </a:cubicBezTo>
-                  <a:cubicBezTo>
-                    <a:pt x="2006151" y="1054399"/>
-                    <a:pt x="1951528" y="1093415"/>
-                    <a:pt x="1897333" y="1134983"/>
-                  </a:cubicBezTo>
-                  <a:cubicBezTo>
-                    <a:pt x="1876761" y="1150164"/>
-                    <a:pt x="1855905" y="1166479"/>
-                    <a:pt x="1835758" y="1182227"/>
-                  </a:cubicBezTo>
-                  <a:lnTo>
-                    <a:pt x="1823273" y="1192016"/>
-                  </a:lnTo>
-                  <a:cubicBezTo>
-                    <a:pt x="1797027" y="1211879"/>
-                    <a:pt x="1772057" y="1232309"/>
-                    <a:pt x="1750918" y="1249760"/>
-                  </a:cubicBezTo>
-                  <a:cubicBezTo>
-                    <a:pt x="1645931" y="1335737"/>
-                    <a:pt x="1554422" y="1416605"/>
-                    <a:pt x="1469297" y="1496906"/>
-                  </a:cubicBezTo>
-                  <a:cubicBezTo>
-                    <a:pt x="1286595" y="1668957"/>
-                    <a:pt x="1118818" y="1856190"/>
-                    <a:pt x="967769" y="2056602"/>
-                  </a:cubicBezTo>
-                  <a:cubicBezTo>
-                    <a:pt x="890731" y="2159603"/>
-                    <a:pt x="818800" y="2264590"/>
-                    <a:pt x="754105" y="2368727"/>
-                  </a:cubicBezTo>
-                  <a:cubicBezTo>
-                    <a:pt x="681749" y="2488328"/>
-                    <a:pt x="622304" y="2596720"/>
-                    <a:pt x="572364" y="2701140"/>
-                  </a:cubicBezTo>
-                  <a:cubicBezTo>
-                    <a:pt x="557609" y="2730507"/>
-                    <a:pt x="543989" y="2760443"/>
-                    <a:pt x="532497" y="2786265"/>
-                  </a:cubicBezTo>
-                  <a:lnTo>
-                    <a:pt x="512918" y="2828827"/>
-                  </a:lnTo>
-                  <a:lnTo>
-                    <a:pt x="494475" y="2872240"/>
-                  </a:lnTo>
-                  <a:lnTo>
-                    <a:pt x="491637" y="2878908"/>
-                  </a:lnTo>
-                  <a:cubicBezTo>
-                    <a:pt x="480146" y="2906575"/>
-                    <a:pt x="469220" y="2932821"/>
-                    <a:pt x="459290" y="2959635"/>
-                  </a:cubicBezTo>
-                  <a:cubicBezTo>
-                    <a:pt x="455176" y="2970559"/>
-                    <a:pt x="451060" y="2981484"/>
-                    <a:pt x="446805" y="2992408"/>
-                  </a:cubicBezTo>
-                  <a:cubicBezTo>
-                    <a:pt x="439427" y="3012412"/>
-                    <a:pt x="432333" y="3030572"/>
-                    <a:pt x="426090" y="3049158"/>
-                  </a:cubicBezTo>
-                  <a:lnTo>
-                    <a:pt x="426090" y="3049867"/>
-                  </a:lnTo>
-                  <a:cubicBezTo>
-                    <a:pt x="383010" y="3169099"/>
-                    <a:pt x="346959" y="3290756"/>
-                    <a:pt x="318124" y="3414202"/>
-                  </a:cubicBezTo>
-                  <a:cubicBezTo>
-                    <a:pt x="260107" y="3661703"/>
-                    <a:pt x="230780" y="3915049"/>
-                    <a:pt x="230729" y="4169260"/>
-                  </a:cubicBezTo>
-                  <a:cubicBezTo>
-                    <a:pt x="231621" y="4295173"/>
-                    <a:pt x="244398" y="4420719"/>
-                    <a:pt x="268893" y="4544236"/>
-                  </a:cubicBezTo>
-                  <a:cubicBezTo>
-                    <a:pt x="293708" y="4666304"/>
-                    <a:pt x="330882" y="4785521"/>
-                    <a:pt x="379840" y="4900056"/>
-                  </a:cubicBezTo>
-                  <a:cubicBezTo>
-                    <a:pt x="387926" y="4919919"/>
-                    <a:pt x="397006" y="4939498"/>
-                    <a:pt x="406512" y="4960211"/>
-                  </a:cubicBezTo>
-                  <a:cubicBezTo>
-                    <a:pt x="410343" y="4968299"/>
-                    <a:pt x="414173" y="4976385"/>
-                    <a:pt x="417862" y="4984613"/>
-                  </a:cubicBezTo>
-                  <a:lnTo>
-                    <a:pt x="428077" y="5005043"/>
-                  </a:lnTo>
-                  <a:cubicBezTo>
-                    <a:pt x="438860" y="5026751"/>
-                    <a:pt x="449075" y="5047181"/>
-                    <a:pt x="460140" y="5067327"/>
-                  </a:cubicBezTo>
-                  <a:cubicBezTo>
-                    <a:pt x="485536" y="5116273"/>
-                    <a:pt x="514763" y="5165789"/>
-                    <a:pt x="555197" y="5229773"/>
-                  </a:cubicBezTo>
-                  <a:cubicBezTo>
-                    <a:pt x="586836" y="5280282"/>
-                    <a:pt x="620318" y="5329511"/>
-                    <a:pt x="660611" y="5387396"/>
-                  </a:cubicBezTo>
-                  <a:cubicBezTo>
-                    <a:pt x="698065" y="5440741"/>
-                    <a:pt x="737223" y="5493094"/>
-                    <a:pt x="774110" y="5542182"/>
-                  </a:cubicBezTo>
-                  <a:cubicBezTo>
-                    <a:pt x="821070" y="5604324"/>
-                    <a:pt x="870301" y="5667173"/>
-                    <a:pt x="917829" y="5727896"/>
-                  </a:cubicBezTo>
-                  <a:cubicBezTo>
-                    <a:pt x="949042" y="5767762"/>
-                    <a:pt x="979828" y="5807063"/>
-                    <a:pt x="1012885" y="5849767"/>
-                  </a:cubicBezTo>
-                  <a:cubicBezTo>
-                    <a:pt x="1045942" y="5892471"/>
-                    <a:pt x="1089497" y="5948796"/>
-                    <a:pt x="1133053" y="6006822"/>
-                  </a:cubicBezTo>
-                  <a:cubicBezTo>
-                    <a:pt x="1153624" y="6034345"/>
-                    <a:pt x="1175332" y="6063998"/>
-                    <a:pt x="1194343" y="6090245"/>
-                  </a:cubicBezTo>
-                  <a:cubicBezTo>
-                    <a:pt x="1213355" y="6116491"/>
-                    <a:pt x="1231372" y="6141178"/>
-                    <a:pt x="1249390" y="6165155"/>
-                  </a:cubicBezTo>
-                  <a:cubicBezTo>
-                    <a:pt x="1280461" y="6208000"/>
-                    <a:pt x="1313659" y="6250847"/>
-                    <a:pt x="1345724" y="6292132"/>
-                  </a:cubicBezTo>
-                  <a:lnTo>
-                    <a:pt x="1364310" y="6316251"/>
-                  </a:lnTo>
-                  <a:lnTo>
-                    <a:pt x="1373673" y="6327885"/>
-                  </a:lnTo>
-                  <a:cubicBezTo>
-                    <a:pt x="1409566" y="6372433"/>
-                    <a:pt x="1446738" y="6418542"/>
-                    <a:pt x="1484619" y="6462240"/>
-                  </a:cubicBezTo>
-                  <a:cubicBezTo>
-                    <a:pt x="1567899" y="6559850"/>
-                    <a:pt x="1653876" y="6652211"/>
-                    <a:pt x="1739000" y="6737335"/>
-                  </a:cubicBezTo>
-                  <a:lnTo>
-                    <a:pt x="1866801" y="6858001"/>
-                  </a:lnTo>
-                  <a:lnTo>
-                    <a:pt x="1144149" y="6858001"/>
-                  </a:lnTo>
-                  <a:lnTo>
-                    <a:pt x="1058349" y="6766452"/>
-                  </a:lnTo>
-                  <a:cubicBezTo>
-                    <a:pt x="878978" y="6562465"/>
-                    <a:pt x="718756" y="6341104"/>
-                    <a:pt x="580309" y="6105000"/>
-                  </a:cubicBezTo>
-                  <a:cubicBezTo>
-                    <a:pt x="200401" y="5454007"/>
-                    <a:pt x="146" y="4713831"/>
-                    <a:pt x="1" y="3960094"/>
-                  </a:cubicBezTo>
-                  <a:cubicBezTo>
-                    <a:pt x="-335" y="2196754"/>
-                    <a:pt x="1071479" y="683605"/>
-                    <a:pt x="2599292" y="37050"/>
-                  </a:cubicBezTo>
-                  <a:close/>
-                </a:path>
-              </a:pathLst>
-            </a:custGeom>
-            <a:gradFill>
-              <a:gsLst>
-                <a:gs pos="2000">
-                  <a:schemeClr val="bg1">
-                    <a:alpha val="10000"/>
-                  </a:schemeClr>
-                </a:gs>
-                <a:gs pos="16000">
-                  <a:schemeClr val="accent6">
-                    <a:alpha val="10000"/>
-                  </a:schemeClr>
-                </a:gs>
-                <a:gs pos="100000">
-                  <a:schemeClr val="bg1">
-                    <a:alpha val="10000"/>
-                  </a:schemeClr>
-                </a:gs>
-                <a:gs pos="85000">
-                  <a:schemeClr val="accent1">
-                    <a:alpha val="10000"/>
-                  </a:schemeClr>
-                </a:gs>
-              </a:gsLst>
-              <a:lin ang="12000000" scaled="0"/>
-            </a:gradFill>
-            <a:ln>
-              <a:noFill/>
-            </a:ln>
-          </p:spPr>
-          <p:style>
-            <a:lnRef idx="2">
-              <a:schemeClr val="accent1">
-                <a:shade val="50000"/>
-              </a:schemeClr>
-            </a:lnRef>
-            <a:fillRef idx="1">
-              <a:schemeClr val="accent1"/>
-            </a:fillRef>
-            <a:effectRef idx="0">
-              <a:schemeClr val="accent1"/>
-            </a:effectRef>
-            <a:fontRef idx="minor">
-              <a:schemeClr val="lt1"/>
-            </a:fontRef>
-          </p:style>
-          <p:txBody>
-            <a:bodyPr rtlCol="0" anchor="ctr"/>
-            <a:lstStyle/>
-            <a:p>
-              <a:pPr algn="ctr"/>
-              <a:endParaRPr lang="en-US" dirty="0"/>
-            </a:p>
-          </p:txBody>
-        </p:sp>
-        <p:sp>
-          <p:nvSpPr>
-            <p:cNvPr id="50" name="Freeform: Shape 49">
-              <a:extLst>
-                <a:ext uri="{FF2B5EF4-FFF2-40B4-BE49-F238E27FC236}">
-                  <a16:creationId xmlns:a16="http://schemas.microsoft.com/office/drawing/2014/main" id="{C093DC50-3BD7-46B1-A300-CD207E152FF4}"/>
-                </a:ext>
-                <a:ext uri="{C183D7F6-B498-43B3-948B-1728B52AA6E4}">
-                  <adec:decorative xmlns:adec="http://schemas.microsoft.com/office/drawing/2017/decorative" val="1"/>
-                </a:ext>
-              </a:extLst>
-            </p:cNvPr>
-            <p:cNvSpPr/>
-            <p:nvPr>
-              <p:extLst>
-                <p:ext uri="{386F3935-93C4-4BCD-93E2-E3B085C9AB24}">
-                  <p16:designElem xmlns:p16="http://schemas.microsoft.com/office/powerpoint/2015/main" val="1"/>
-                </p:ext>
-              </p:extLst>
-            </p:nvPr>
-          </p:nvSpPr>
-          <p:spPr>
-            <a:xfrm flipH="1">
-              <a:off x="305" y="-5977"/>
-              <a:ext cx="6238675" cy="6858001"/>
-            </a:xfrm>
-            <a:custGeom>
-              <a:avLst/>
-              <a:gdLst>
-                <a:gd name="connsiteX0" fmla="*/ 6264586 w 6264586"/>
-                <a:gd name="connsiteY0" fmla="*/ 6646464 h 6858001"/>
-                <a:gd name="connsiteX1" fmla="*/ 6264586 w 6264586"/>
-                <a:gd name="connsiteY1" fmla="*/ 6858001 h 6858001"/>
-                <a:gd name="connsiteX2" fmla="*/ 5997170 w 6264586"/>
-                <a:gd name="connsiteY2" fmla="*/ 6858001 h 6858001"/>
-                <a:gd name="connsiteX3" fmla="*/ 6121512 w 6264586"/>
-                <a:gd name="connsiteY3" fmla="*/ 6761029 h 6858001"/>
-                <a:gd name="connsiteX4" fmla="*/ 2693206 w 6264586"/>
-                <a:gd name="connsiteY4" fmla="*/ 0 h 6858001"/>
-                <a:gd name="connsiteX5" fmla="*/ 5872285 w 6264586"/>
-                <a:gd name="connsiteY5" fmla="*/ 0 h 6858001"/>
-                <a:gd name="connsiteX6" fmla="*/ 6024875 w 6264586"/>
-                <a:gd name="connsiteY6" fmla="*/ 68385 h 6858001"/>
-                <a:gd name="connsiteX7" fmla="*/ 6206432 w 6264586"/>
-                <a:gd name="connsiteY7" fmla="*/ 162336 h 6858001"/>
-                <a:gd name="connsiteX8" fmla="*/ 6264586 w 6264586"/>
-                <a:gd name="connsiteY8" fmla="*/ 196704 h 6858001"/>
-                <a:gd name="connsiteX9" fmla="*/ 6264586 w 6264586"/>
-                <a:gd name="connsiteY9" fmla="*/ 537242 h 6858001"/>
-                <a:gd name="connsiteX10" fmla="*/ 6230189 w 6264586"/>
-                <a:gd name="connsiteY10" fmla="*/ 517260 h 6858001"/>
-                <a:gd name="connsiteX11" fmla="*/ 5540536 w 6264586"/>
-                <a:gd name="connsiteY11" fmla="*/ 249543 h 6858001"/>
-                <a:gd name="connsiteX12" fmla="*/ 5178896 w 6264586"/>
-                <a:gd name="connsiteY12" fmla="*/ 178606 h 6858001"/>
-                <a:gd name="connsiteX13" fmla="*/ 4814279 w 6264586"/>
-                <a:gd name="connsiteY13" fmla="*/ 146683 h 6858001"/>
-                <a:gd name="connsiteX14" fmla="*/ 4655095 w 6264586"/>
-                <a:gd name="connsiteY14" fmla="*/ 143421 h 6858001"/>
-                <a:gd name="connsiteX15" fmla="*/ 4081069 w 6264586"/>
-                <a:gd name="connsiteY15" fmla="*/ 185983 h 6858001"/>
-                <a:gd name="connsiteX16" fmla="*/ 3720566 w 6264586"/>
-                <a:gd name="connsiteY16" fmla="*/ 256921 h 6858001"/>
-                <a:gd name="connsiteX17" fmla="*/ 3365879 w 6264586"/>
-                <a:gd name="connsiteY17" fmla="*/ 357651 h 6858001"/>
-                <a:gd name="connsiteX18" fmla="*/ 3020555 w 6264586"/>
-                <a:gd name="connsiteY18" fmla="*/ 486190 h 6858001"/>
-                <a:gd name="connsiteX19" fmla="*/ 2685163 w 6264586"/>
-                <a:gd name="connsiteY19" fmla="*/ 641542 h 6858001"/>
-                <a:gd name="connsiteX20" fmla="*/ 2047720 w 6264586"/>
-                <a:gd name="connsiteY20" fmla="*/ 1025030 h 6858001"/>
-                <a:gd name="connsiteX21" fmla="*/ 1897333 w 6264586"/>
-                <a:gd name="connsiteY21" fmla="*/ 1134983 h 6858001"/>
-                <a:gd name="connsiteX22" fmla="*/ 1835758 w 6264586"/>
-                <a:gd name="connsiteY22" fmla="*/ 1182227 h 6858001"/>
-                <a:gd name="connsiteX23" fmla="*/ 1823273 w 6264586"/>
-                <a:gd name="connsiteY23" fmla="*/ 1192016 h 6858001"/>
-                <a:gd name="connsiteX24" fmla="*/ 1750918 w 6264586"/>
-                <a:gd name="connsiteY24" fmla="*/ 1249760 h 6858001"/>
-                <a:gd name="connsiteX25" fmla="*/ 1469297 w 6264586"/>
-                <a:gd name="connsiteY25" fmla="*/ 1496906 h 6858001"/>
-                <a:gd name="connsiteX26" fmla="*/ 967769 w 6264586"/>
-                <a:gd name="connsiteY26" fmla="*/ 2056602 h 6858001"/>
-                <a:gd name="connsiteX27" fmla="*/ 754105 w 6264586"/>
-                <a:gd name="connsiteY27" fmla="*/ 2368727 h 6858001"/>
-                <a:gd name="connsiteX28" fmla="*/ 572364 w 6264586"/>
-                <a:gd name="connsiteY28" fmla="*/ 2701140 h 6858001"/>
-                <a:gd name="connsiteX29" fmla="*/ 532497 w 6264586"/>
-                <a:gd name="connsiteY29" fmla="*/ 2786265 h 6858001"/>
-                <a:gd name="connsiteX30" fmla="*/ 512918 w 6264586"/>
-                <a:gd name="connsiteY30" fmla="*/ 2828827 h 6858001"/>
-                <a:gd name="connsiteX31" fmla="*/ 494475 w 6264586"/>
-                <a:gd name="connsiteY31" fmla="*/ 2872240 h 6858001"/>
-                <a:gd name="connsiteX32" fmla="*/ 491637 w 6264586"/>
-                <a:gd name="connsiteY32" fmla="*/ 2878908 h 6858001"/>
-                <a:gd name="connsiteX33" fmla="*/ 459290 w 6264586"/>
-                <a:gd name="connsiteY33" fmla="*/ 2959635 h 6858001"/>
-                <a:gd name="connsiteX34" fmla="*/ 446805 w 6264586"/>
-                <a:gd name="connsiteY34" fmla="*/ 2992408 h 6858001"/>
-                <a:gd name="connsiteX35" fmla="*/ 426090 w 6264586"/>
-                <a:gd name="connsiteY35" fmla="*/ 3049158 h 6858001"/>
-                <a:gd name="connsiteX36" fmla="*/ 426090 w 6264586"/>
-                <a:gd name="connsiteY36" fmla="*/ 3049867 h 6858001"/>
-                <a:gd name="connsiteX37" fmla="*/ 318124 w 6264586"/>
-                <a:gd name="connsiteY37" fmla="*/ 3414202 h 6858001"/>
-                <a:gd name="connsiteX38" fmla="*/ 230729 w 6264586"/>
-                <a:gd name="connsiteY38" fmla="*/ 4169260 h 6858001"/>
-                <a:gd name="connsiteX39" fmla="*/ 268893 w 6264586"/>
-                <a:gd name="connsiteY39" fmla="*/ 4544236 h 6858001"/>
-                <a:gd name="connsiteX40" fmla="*/ 379840 w 6264586"/>
-                <a:gd name="connsiteY40" fmla="*/ 4900056 h 6858001"/>
-                <a:gd name="connsiteX41" fmla="*/ 406512 w 6264586"/>
-                <a:gd name="connsiteY41" fmla="*/ 4960211 h 6858001"/>
-                <a:gd name="connsiteX42" fmla="*/ 417862 w 6264586"/>
-                <a:gd name="connsiteY42" fmla="*/ 4984613 h 6858001"/>
-                <a:gd name="connsiteX43" fmla="*/ 428077 w 6264586"/>
-                <a:gd name="connsiteY43" fmla="*/ 5005043 h 6858001"/>
-                <a:gd name="connsiteX44" fmla="*/ 460140 w 6264586"/>
-                <a:gd name="connsiteY44" fmla="*/ 5067327 h 6858001"/>
-                <a:gd name="connsiteX45" fmla="*/ 555197 w 6264586"/>
-                <a:gd name="connsiteY45" fmla="*/ 5229773 h 6858001"/>
-                <a:gd name="connsiteX46" fmla="*/ 660611 w 6264586"/>
-                <a:gd name="connsiteY46" fmla="*/ 5387396 h 6858001"/>
-                <a:gd name="connsiteX47" fmla="*/ 774110 w 6264586"/>
-                <a:gd name="connsiteY47" fmla="*/ 5542182 h 6858001"/>
-                <a:gd name="connsiteX48" fmla="*/ 917829 w 6264586"/>
-                <a:gd name="connsiteY48" fmla="*/ 5727896 h 6858001"/>
-                <a:gd name="connsiteX49" fmla="*/ 1012885 w 6264586"/>
-                <a:gd name="connsiteY49" fmla="*/ 5849767 h 6858001"/>
-                <a:gd name="connsiteX50" fmla="*/ 1133053 w 6264586"/>
-                <a:gd name="connsiteY50" fmla="*/ 6006822 h 6858001"/>
-                <a:gd name="connsiteX51" fmla="*/ 1194343 w 6264586"/>
-                <a:gd name="connsiteY51" fmla="*/ 6090245 h 6858001"/>
-                <a:gd name="connsiteX52" fmla="*/ 1249390 w 6264586"/>
-                <a:gd name="connsiteY52" fmla="*/ 6165155 h 6858001"/>
-                <a:gd name="connsiteX53" fmla="*/ 1345724 w 6264586"/>
-                <a:gd name="connsiteY53" fmla="*/ 6292132 h 6858001"/>
-                <a:gd name="connsiteX54" fmla="*/ 1364310 w 6264586"/>
-                <a:gd name="connsiteY54" fmla="*/ 6316251 h 6858001"/>
-                <a:gd name="connsiteX55" fmla="*/ 1373673 w 6264586"/>
-                <a:gd name="connsiteY55" fmla="*/ 6327885 h 6858001"/>
-                <a:gd name="connsiteX56" fmla="*/ 1484619 w 6264586"/>
-                <a:gd name="connsiteY56" fmla="*/ 6462240 h 6858001"/>
-                <a:gd name="connsiteX57" fmla="*/ 1739000 w 6264586"/>
-                <a:gd name="connsiteY57" fmla="*/ 6737335 h 6858001"/>
-                <a:gd name="connsiteX58" fmla="*/ 1866801 w 6264586"/>
-                <a:gd name="connsiteY58" fmla="*/ 6858001 h 6858001"/>
-                <a:gd name="connsiteX59" fmla="*/ 1144149 w 6264586"/>
-                <a:gd name="connsiteY59" fmla="*/ 6858001 h 6858001"/>
-                <a:gd name="connsiteX60" fmla="*/ 1058349 w 6264586"/>
-                <a:gd name="connsiteY60" fmla="*/ 6766452 h 6858001"/>
-                <a:gd name="connsiteX61" fmla="*/ 580309 w 6264586"/>
-                <a:gd name="connsiteY61" fmla="*/ 6105000 h 6858001"/>
-                <a:gd name="connsiteX62" fmla="*/ 1 w 6264586"/>
-                <a:gd name="connsiteY62" fmla="*/ 3960094 h 6858001"/>
-                <a:gd name="connsiteX63" fmla="*/ 2599292 w 6264586"/>
-                <a:gd name="connsiteY63" fmla="*/ 37050 h 6858001"/>
-              </a:gdLst>
-              <a:ahLst/>
-              <a:cxnLst>
-                <a:cxn ang="0">
-                  <a:pos x="connsiteX0" y="connsiteY0"/>
-                </a:cxn>
-                <a:cxn ang="0">
-                  <a:pos x="connsiteX1" y="connsiteY1"/>
-                </a:cxn>
-                <a:cxn ang="0">
-                  <a:pos x="connsiteX2" y="connsiteY2"/>
-                </a:cxn>
-                <a:cxn ang="0">
-                  <a:pos x="connsiteX3" y="connsiteY3"/>
-                </a:cxn>
-                <a:cxn ang="0">
-                  <a:pos x="connsiteX4" y="connsiteY4"/>
-                </a:cxn>
-                <a:cxn ang="0">
-                  <a:pos x="connsiteX5" y="connsiteY5"/>
-                </a:cxn>
-                <a:cxn ang="0">
-                  <a:pos x="connsiteX6" y="connsiteY6"/>
-                </a:cxn>
-                <a:cxn ang="0">
-                  <a:pos x="connsiteX7" y="connsiteY7"/>
-                </a:cxn>
-                <a:cxn ang="0">
-                  <a:pos x="connsiteX8" y="connsiteY8"/>
-                </a:cxn>
-                <a:cxn ang="0">
-                  <a:pos x="connsiteX9" y="connsiteY9"/>
-                </a:cxn>
-                <a:cxn ang="0">
-                  <a:pos x="connsiteX10" y="connsiteY10"/>
-                </a:cxn>
-                <a:cxn ang="0">
-                  <a:pos x="connsiteX11" y="connsiteY11"/>
-                </a:cxn>
-                <a:cxn ang="0">
-                  <a:pos x="connsiteX12" y="connsiteY12"/>
-                </a:cxn>
-                <a:cxn ang="0">
-                  <a:pos x="connsiteX13" y="connsiteY13"/>
-                </a:cxn>
-                <a:cxn ang="0">
-                  <a:pos x="connsiteX14" y="connsiteY14"/>
-                </a:cxn>
-                <a:cxn ang="0">
-                  <a:pos x="connsiteX15" y="connsiteY15"/>
-                </a:cxn>
-                <a:cxn ang="0">
-                  <a:pos x="connsiteX16" y="connsiteY16"/>
-                </a:cxn>
-                <a:cxn ang="0">
-                  <a:pos x="connsiteX17" y="connsiteY17"/>
-                </a:cxn>
-                <a:cxn ang="0">
-                  <a:pos x="connsiteX18" y="connsiteY18"/>
-                </a:cxn>
-                <a:cxn ang="0">
-                  <a:pos x="connsiteX19" y="connsiteY19"/>
-                </a:cxn>
-                <a:cxn ang="0">
-                  <a:pos x="connsiteX20" y="connsiteY20"/>
-                </a:cxn>
-                <a:cxn ang="0">
-                  <a:pos x="connsiteX21" y="connsiteY21"/>
-                </a:cxn>
-                <a:cxn ang="0">
-                  <a:pos x="connsiteX22" y="connsiteY22"/>
-                </a:cxn>
-                <a:cxn ang="0">
-                  <a:pos x="connsiteX23" y="connsiteY23"/>
-                </a:cxn>
-                <a:cxn ang="0">
-                  <a:pos x="connsiteX24" y="connsiteY24"/>
-                </a:cxn>
-                <a:cxn ang="0">
-                  <a:pos x="connsiteX25" y="connsiteY25"/>
-                </a:cxn>
-                <a:cxn ang="0">
-                  <a:pos x="connsiteX26" y="connsiteY26"/>
-                </a:cxn>
-                <a:cxn ang="0">
-                  <a:pos x="connsiteX27" y="connsiteY27"/>
-                </a:cxn>
-                <a:cxn ang="0">
-                  <a:pos x="connsiteX28" y="connsiteY28"/>
-                </a:cxn>
-                <a:cxn ang="0">
-                  <a:pos x="connsiteX29" y="connsiteY29"/>
-                </a:cxn>
-                <a:cxn ang="0">
-                  <a:pos x="connsiteX30" y="connsiteY30"/>
-                </a:cxn>
-                <a:cxn ang="0">
-                  <a:pos x="connsiteX31" y="connsiteY31"/>
-                </a:cxn>
-                <a:cxn ang="0">
-                  <a:pos x="connsiteX32" y="connsiteY32"/>
-                </a:cxn>
-                <a:cxn ang="0">
-                  <a:pos x="connsiteX33" y="connsiteY33"/>
-                </a:cxn>
-                <a:cxn ang="0">
-                  <a:pos x="connsiteX34" y="connsiteY34"/>
-                </a:cxn>
-                <a:cxn ang="0">
-                  <a:pos x="connsiteX35" y="connsiteY35"/>
-                </a:cxn>
-                <a:cxn ang="0">
-                  <a:pos x="connsiteX36" y="connsiteY36"/>
-                </a:cxn>
-                <a:cxn ang="0">
-                  <a:pos x="connsiteX37" y="connsiteY37"/>
-                </a:cxn>
-                <a:cxn ang="0">
-                  <a:pos x="connsiteX38" y="connsiteY38"/>
-                </a:cxn>
-                <a:cxn ang="0">
-                  <a:pos x="connsiteX39" y="connsiteY39"/>
-                </a:cxn>
-                <a:cxn ang="0">
-                  <a:pos x="connsiteX40" y="connsiteY40"/>
-                </a:cxn>
-                <a:cxn ang="0">
-                  <a:pos x="connsiteX41" y="connsiteY41"/>
-                </a:cxn>
-                <a:cxn ang="0">
-                  <a:pos x="connsiteX42" y="connsiteY42"/>
-                </a:cxn>
-                <a:cxn ang="0">
-                  <a:pos x="connsiteX43" y="connsiteY43"/>
-                </a:cxn>
-                <a:cxn ang="0">
-                  <a:pos x="connsiteX44" y="connsiteY44"/>
-                </a:cxn>
-                <a:cxn ang="0">
-                  <a:pos x="connsiteX45" y="connsiteY45"/>
-                </a:cxn>
-                <a:cxn ang="0">
-                  <a:pos x="connsiteX46" y="connsiteY46"/>
-                </a:cxn>
-                <a:cxn ang="0">
-                  <a:pos x="connsiteX47" y="connsiteY47"/>
-                </a:cxn>
-                <a:cxn ang="0">
-                  <a:pos x="connsiteX48" y="connsiteY48"/>
-                </a:cxn>
-                <a:cxn ang="0">
-                  <a:pos x="connsiteX49" y="connsiteY49"/>
-                </a:cxn>
-                <a:cxn ang="0">
-                  <a:pos x="connsiteX50" y="connsiteY50"/>
-                </a:cxn>
-                <a:cxn ang="0">
-                  <a:pos x="connsiteX51" y="connsiteY51"/>
-                </a:cxn>
-                <a:cxn ang="0">
-                  <a:pos x="connsiteX52" y="connsiteY52"/>
-                </a:cxn>
-                <a:cxn ang="0">
-                  <a:pos x="connsiteX53" y="connsiteY53"/>
-                </a:cxn>
-                <a:cxn ang="0">
-                  <a:pos x="connsiteX54" y="connsiteY54"/>
-                </a:cxn>
-                <a:cxn ang="0">
-                  <a:pos x="connsiteX55" y="connsiteY55"/>
-                </a:cxn>
-                <a:cxn ang="0">
-                  <a:pos x="connsiteX56" y="connsiteY56"/>
-                </a:cxn>
-                <a:cxn ang="0">
-                  <a:pos x="connsiteX57" y="connsiteY57"/>
-                </a:cxn>
-                <a:cxn ang="0">
-                  <a:pos x="connsiteX58" y="connsiteY58"/>
-                </a:cxn>
-                <a:cxn ang="0">
-                  <a:pos x="connsiteX59" y="connsiteY59"/>
-                </a:cxn>
-                <a:cxn ang="0">
-                  <a:pos x="connsiteX60" y="connsiteY60"/>
-                </a:cxn>
-                <a:cxn ang="0">
-                  <a:pos x="connsiteX61" y="connsiteY61"/>
-                </a:cxn>
-                <a:cxn ang="0">
-                  <a:pos x="connsiteX62" y="connsiteY62"/>
-                </a:cxn>
-                <a:cxn ang="0">
-                  <a:pos x="connsiteX63" y="connsiteY63"/>
-                </a:cxn>
-              </a:cxnLst>
-              <a:rect l="l" t="t" r="r" b="b"/>
-              <a:pathLst>
-                <a:path w="6264586" h="6858001">
-                  <a:moveTo>
-                    <a:pt x="6264586" y="6646464"/>
-                  </a:moveTo>
-                  <a:lnTo>
-                    <a:pt x="6264586" y="6858001"/>
-                  </a:lnTo>
-                  <a:lnTo>
-                    <a:pt x="5997170" y="6858001"/>
-                  </a:lnTo>
-                  <a:lnTo>
-                    <a:pt x="6121512" y="6761029"/>
-                  </a:lnTo>
-                  <a:close/>
-                  <a:moveTo>
-                    <a:pt x="2693206" y="0"/>
-                  </a:moveTo>
-                  <a:lnTo>
-                    <a:pt x="5872285" y="0"/>
-                  </a:lnTo>
-                  <a:lnTo>
-                    <a:pt x="6024875" y="68385"/>
-                  </a:lnTo>
-                  <a:cubicBezTo>
-                    <a:pt x="6086250" y="97989"/>
-                    <a:pt x="6146793" y="129318"/>
-                    <a:pt x="6206432" y="162336"/>
-                  </a:cubicBezTo>
-                  <a:lnTo>
-                    <a:pt x="6264586" y="196704"/>
-                  </a:lnTo>
-                  <a:lnTo>
-                    <a:pt x="6264586" y="537242"/>
-                  </a:lnTo>
-                  <a:lnTo>
-                    <a:pt x="6230189" y="517260"/>
-                  </a:lnTo>
-                  <a:cubicBezTo>
-                    <a:pt x="6012226" y="399931"/>
-                    <a:pt x="5780573" y="310008"/>
-                    <a:pt x="5540536" y="249543"/>
-                  </a:cubicBezTo>
-                  <a:cubicBezTo>
-                    <a:pt x="5421375" y="219324"/>
-                    <a:pt x="5300641" y="195644"/>
-                    <a:pt x="5178896" y="178606"/>
-                  </a:cubicBezTo>
-                  <a:cubicBezTo>
-                    <a:pt x="5057977" y="161840"/>
-                    <a:pt x="4936276" y="151186"/>
-                    <a:pt x="4814279" y="146683"/>
-                  </a:cubicBezTo>
-                  <a:cubicBezTo>
-                    <a:pt x="4761501" y="144556"/>
-                    <a:pt x="4708015" y="143421"/>
-                    <a:pt x="4655095" y="143421"/>
-                  </a:cubicBezTo>
-                  <a:cubicBezTo>
-                    <a:pt x="4462968" y="143573"/>
-                    <a:pt x="4271111" y="157799"/>
-                    <a:pt x="4081069" y="185983"/>
-                  </a:cubicBezTo>
-                  <a:cubicBezTo>
-                    <a:pt x="3956361" y="205703"/>
-                    <a:pt x="3835058" y="229396"/>
-                    <a:pt x="3720566" y="256921"/>
-                  </a:cubicBezTo>
-                  <a:cubicBezTo>
-                    <a:pt x="3596708" y="286714"/>
-                    <a:pt x="3477677" y="320905"/>
-                    <a:pt x="3365879" y="357651"/>
-                  </a:cubicBezTo>
-                  <a:cubicBezTo>
-                    <a:pt x="3249257" y="395958"/>
-                    <a:pt x="3133487" y="438945"/>
-                    <a:pt x="3020555" y="486190"/>
-                  </a:cubicBezTo>
-                  <a:cubicBezTo>
-                    <a:pt x="2907623" y="533434"/>
-                    <a:pt x="2794832" y="585786"/>
-                    <a:pt x="2685163" y="641542"/>
-                  </a:cubicBezTo>
-                  <a:cubicBezTo>
-                    <a:pt x="2463995" y="754348"/>
-                    <a:pt x="2250998" y="882488"/>
-                    <a:pt x="2047720" y="1025030"/>
-                  </a:cubicBezTo>
-                  <a:cubicBezTo>
-                    <a:pt x="2006151" y="1054399"/>
-                    <a:pt x="1951528" y="1093415"/>
-                    <a:pt x="1897333" y="1134983"/>
-                  </a:cubicBezTo>
-                  <a:cubicBezTo>
-                    <a:pt x="1876761" y="1150164"/>
-                    <a:pt x="1855905" y="1166479"/>
-                    <a:pt x="1835758" y="1182227"/>
-                  </a:cubicBezTo>
-                  <a:lnTo>
-                    <a:pt x="1823273" y="1192016"/>
-                  </a:lnTo>
-                  <a:cubicBezTo>
-                    <a:pt x="1797027" y="1211879"/>
-                    <a:pt x="1772057" y="1232309"/>
-                    <a:pt x="1750918" y="1249760"/>
-                  </a:cubicBezTo>
-                  <a:cubicBezTo>
-                    <a:pt x="1645931" y="1335737"/>
-                    <a:pt x="1554422" y="1416605"/>
-                    <a:pt x="1469297" y="1496906"/>
-                  </a:cubicBezTo>
-                  <a:cubicBezTo>
-                    <a:pt x="1286595" y="1668957"/>
-                    <a:pt x="1118818" y="1856190"/>
-                    <a:pt x="967769" y="2056602"/>
-                  </a:cubicBezTo>
-                  <a:cubicBezTo>
-                    <a:pt x="890731" y="2159603"/>
-                    <a:pt x="818800" y="2264590"/>
-                    <a:pt x="754105" y="2368727"/>
-                  </a:cubicBezTo>
-                  <a:cubicBezTo>
-                    <a:pt x="681749" y="2488328"/>
-                    <a:pt x="622304" y="2596720"/>
-                    <a:pt x="572364" y="2701140"/>
-                  </a:cubicBezTo>
-                  <a:cubicBezTo>
-                    <a:pt x="557609" y="2730507"/>
-                    <a:pt x="543989" y="2760443"/>
-                    <a:pt x="532497" y="2786265"/>
-                  </a:cubicBezTo>
-                  <a:lnTo>
-                    <a:pt x="512918" y="2828827"/>
-                  </a:lnTo>
-                  <a:lnTo>
-                    <a:pt x="494475" y="2872240"/>
-                  </a:lnTo>
-                  <a:lnTo>
-                    <a:pt x="491637" y="2878908"/>
-                  </a:lnTo>
-                  <a:cubicBezTo>
-                    <a:pt x="480146" y="2906575"/>
-                    <a:pt x="469220" y="2932821"/>
-                    <a:pt x="459290" y="2959635"/>
-                  </a:cubicBezTo>
-                  <a:cubicBezTo>
-                    <a:pt x="455176" y="2970559"/>
-                    <a:pt x="451060" y="2981484"/>
-                    <a:pt x="446805" y="2992408"/>
-                  </a:cubicBezTo>
-                  <a:cubicBezTo>
-                    <a:pt x="439427" y="3012412"/>
-                    <a:pt x="432333" y="3030572"/>
-                    <a:pt x="426090" y="3049158"/>
-                  </a:cubicBezTo>
-                  <a:lnTo>
-                    <a:pt x="426090" y="3049867"/>
-                  </a:lnTo>
-                  <a:cubicBezTo>
-                    <a:pt x="383010" y="3169099"/>
-                    <a:pt x="346959" y="3290756"/>
-                    <a:pt x="318124" y="3414202"/>
-                  </a:cubicBezTo>
-                  <a:cubicBezTo>
-                    <a:pt x="260107" y="3661703"/>
-                    <a:pt x="230780" y="3915049"/>
-                    <a:pt x="230729" y="4169260"/>
-                  </a:cubicBezTo>
-                  <a:cubicBezTo>
-                    <a:pt x="231621" y="4295173"/>
-                    <a:pt x="244398" y="4420719"/>
-                    <a:pt x="268893" y="4544236"/>
-                  </a:cubicBezTo>
-                  <a:cubicBezTo>
-                    <a:pt x="293708" y="4666304"/>
-                    <a:pt x="330882" y="4785521"/>
-                    <a:pt x="379840" y="4900056"/>
-                  </a:cubicBezTo>
-                  <a:cubicBezTo>
-                    <a:pt x="387926" y="4919919"/>
-                    <a:pt x="397006" y="4939498"/>
-                    <a:pt x="406512" y="4960211"/>
-                  </a:cubicBezTo>
-                  <a:cubicBezTo>
-                    <a:pt x="410343" y="4968299"/>
-                    <a:pt x="414173" y="4976385"/>
-                    <a:pt x="417862" y="4984613"/>
-                  </a:cubicBezTo>
-                  <a:lnTo>
-                    <a:pt x="428077" y="5005043"/>
-                  </a:lnTo>
-                  <a:cubicBezTo>
-                    <a:pt x="438860" y="5026751"/>
-                    <a:pt x="449075" y="5047181"/>
-                    <a:pt x="460140" y="5067327"/>
-                  </a:cubicBezTo>
-                  <a:cubicBezTo>
-                    <a:pt x="485536" y="5116273"/>
-                    <a:pt x="514763" y="5165789"/>
-                    <a:pt x="555197" y="5229773"/>
-                  </a:cubicBezTo>
-                  <a:cubicBezTo>
-                    <a:pt x="586836" y="5280282"/>
-                    <a:pt x="620318" y="5329511"/>
-                    <a:pt x="660611" y="5387396"/>
-                  </a:cubicBezTo>
-                  <a:cubicBezTo>
-                    <a:pt x="698065" y="5440741"/>
-                    <a:pt x="737223" y="5493094"/>
-                    <a:pt x="774110" y="5542182"/>
-                  </a:cubicBezTo>
-                  <a:cubicBezTo>
-                    <a:pt x="821070" y="5604324"/>
-                    <a:pt x="870301" y="5667173"/>
-                    <a:pt x="917829" y="5727896"/>
-                  </a:cubicBezTo>
-                  <a:cubicBezTo>
-                    <a:pt x="949042" y="5767762"/>
-                    <a:pt x="979828" y="5807063"/>
-                    <a:pt x="1012885" y="5849767"/>
-                  </a:cubicBezTo>
-                  <a:cubicBezTo>
-                    <a:pt x="1045942" y="5892471"/>
-                    <a:pt x="1089497" y="5948796"/>
-                    <a:pt x="1133053" y="6006822"/>
-                  </a:cubicBezTo>
-                  <a:cubicBezTo>
-                    <a:pt x="1153624" y="6034345"/>
-                    <a:pt x="1175332" y="6063998"/>
-                    <a:pt x="1194343" y="6090245"/>
-                  </a:cubicBezTo>
-                  <a:cubicBezTo>
-                    <a:pt x="1213355" y="6116491"/>
-                    <a:pt x="1231372" y="6141178"/>
-                    <a:pt x="1249390" y="6165155"/>
-                  </a:cubicBezTo>
-                  <a:cubicBezTo>
-                    <a:pt x="1280461" y="6208000"/>
-                    <a:pt x="1313659" y="6250847"/>
-                    <a:pt x="1345724" y="6292132"/>
-                  </a:cubicBezTo>
-                  <a:lnTo>
-                    <a:pt x="1364310" y="6316251"/>
-                  </a:lnTo>
-                  <a:lnTo>
-                    <a:pt x="1373673" y="6327885"/>
-                  </a:lnTo>
-                  <a:cubicBezTo>
-                    <a:pt x="1409566" y="6372433"/>
-                    <a:pt x="1446738" y="6418542"/>
-                    <a:pt x="1484619" y="6462240"/>
-                  </a:cubicBezTo>
-                  <a:cubicBezTo>
-                    <a:pt x="1567899" y="6559850"/>
-                    <a:pt x="1653876" y="6652211"/>
-                    <a:pt x="1739000" y="6737335"/>
-                  </a:cubicBezTo>
-                  <a:lnTo>
-                    <a:pt x="1866801" y="6858001"/>
-                  </a:lnTo>
-                  <a:lnTo>
-                    <a:pt x="1144149" y="6858001"/>
-                  </a:lnTo>
-                  <a:lnTo>
-                    <a:pt x="1058349" y="6766452"/>
-                  </a:lnTo>
-                  <a:cubicBezTo>
-                    <a:pt x="878978" y="6562465"/>
-                    <a:pt x="718756" y="6341104"/>
-                    <a:pt x="580309" y="6105000"/>
-                  </a:cubicBezTo>
-                  <a:cubicBezTo>
-                    <a:pt x="200401" y="5454007"/>
-                    <a:pt x="146" y="4713831"/>
-                    <a:pt x="1" y="3960094"/>
-                  </a:cubicBezTo>
-                  <a:cubicBezTo>
-                    <a:pt x="-335" y="2196754"/>
-                    <a:pt x="1071479" y="683605"/>
-                    <a:pt x="2599292" y="37050"/>
-                  </a:cubicBezTo>
-                  <a:close/>
-                </a:path>
-              </a:pathLst>
-            </a:custGeom>
-            <a:gradFill>
-              <a:gsLst>
-                <a:gs pos="2000">
-                  <a:schemeClr val="bg1">
-                    <a:alpha val="10000"/>
-                  </a:schemeClr>
-                </a:gs>
-                <a:gs pos="16000">
-                  <a:schemeClr val="accent6">
-                    <a:alpha val="10000"/>
-                  </a:schemeClr>
-                </a:gs>
-                <a:gs pos="100000">
-                  <a:schemeClr val="bg1">
-                    <a:alpha val="10000"/>
-                  </a:schemeClr>
-                </a:gs>
-                <a:gs pos="85000">
-                  <a:schemeClr val="accent1">
-                    <a:alpha val="10000"/>
-                  </a:schemeClr>
-                </a:gs>
-              </a:gsLst>
-              <a:lin ang="12000000" scaled="0"/>
-            </a:gradFill>
-            <a:ln>
-              <a:noFill/>
-            </a:ln>
-          </p:spPr>
-          <p:style>
-            <a:lnRef idx="2">
-              <a:schemeClr val="accent1">
-                <a:shade val="50000"/>
-              </a:schemeClr>
-            </a:lnRef>
-            <a:fillRef idx="1">
-              <a:schemeClr val="accent1"/>
-            </a:fillRef>
-            <a:effectRef idx="0">
-              <a:schemeClr val="accent1"/>
-            </a:effectRef>
-            <a:fontRef idx="minor">
-              <a:schemeClr val="lt1"/>
-            </a:fontRef>
-          </p:style>
-          <p:txBody>
-            <a:bodyPr rtlCol="0" anchor="ctr"/>
-            <a:lstStyle/>
-            <a:p>
-              <a:pPr algn="ctr"/>
-              <a:endParaRPr lang="en-US" dirty="0"/>
-            </a:p>
-          </p:txBody>
-        </p:sp>
-      </p:grpSp>
     </p:spTree>
     <p:extLst>
       <p:ext uri="{BB962C8B-B14F-4D97-AF65-F5344CB8AC3E}">
@@ -28240,7 +27371,7 @@
 </p:sld>
 </file>
 
-<file path=ppt/slides/slide15.xml><?xml version="1.0" encoding="utf-8"?>
+<file path=ppt/slides/slide16.xml><?xml version="1.0" encoding="utf-8"?>
 <p:sld xmlns:a="http://schemas.openxmlformats.org/drawingml/2006/main" xmlns:r="http://schemas.openxmlformats.org/officeDocument/2006/relationships" xmlns:p="http://schemas.openxmlformats.org/presentationml/2006/main">
   <p:cSld>
     <p:bg>
@@ -28687,7 +27818,7 @@
             <a:pPr lvl="1"/>
             <a:r>
               <a:rPr lang="en-US" sz="2000" dirty="0"/>
-              <a:t>AST/TO Ratio (0.52)</a:t>
+              <a:t>AST/TO Ratio (-0.3 Team Average)</a:t>
             </a:r>
           </a:p>
           <a:p>
@@ -28704,7 +27835,14 @@
             <a:pPr lvl="1"/>
             <a:r>
               <a:rPr lang="en-US" sz="2000" dirty="0"/>
-              <a:t>Get to your right hand near the rim (+20.7%)</a:t>
+              <a:t>Get to your right hand near the rim </a:t>
+            </a:r>
+          </a:p>
+          <a:p>
+            <a:pPr lvl="2"/>
+            <a:r>
+              <a:rPr lang="en-US" sz="1600" dirty="0"/>
+              <a:t>+20.7% difference in FG% compared to the Left Side</a:t>
             </a:r>
           </a:p>
           <a:p>
@@ -28761,10 +27899,1783 @@
           </a:prstGeom>
         </p:spPr>
       </p:pic>
+      <p:pic>
+        <p:nvPicPr>
+          <p:cNvPr id="6" name="Picture 5">
+            <a:extLst>
+              <a:ext uri="{FF2B5EF4-FFF2-40B4-BE49-F238E27FC236}">
+                <a16:creationId xmlns:a16="http://schemas.microsoft.com/office/drawing/2014/main" id="{B2979962-5118-4FFE-6C10-59799A1ECDCF}"/>
+              </a:ext>
+            </a:extLst>
+          </p:cNvPr>
+          <p:cNvPicPr>
+            <a:picLocks noChangeAspect="1"/>
+          </p:cNvPicPr>
+          <p:nvPr/>
+        </p:nvPicPr>
+        <p:blipFill>
+          <a:blip r:embed="rId3"/>
+          <a:stretch>
+            <a:fillRect/>
+          </a:stretch>
+        </p:blipFill>
+        <p:spPr>
+          <a:xfrm>
+            <a:off x="6604000" y="1575459"/>
+            <a:ext cx="5587998" cy="1576446"/>
+          </a:xfrm>
+          <a:prstGeom prst="rect">
+            <a:avLst/>
+          </a:prstGeom>
+        </p:spPr>
+      </p:pic>
     </p:spTree>
     <p:extLst>
       <p:ext uri="{BB962C8B-B14F-4D97-AF65-F5344CB8AC3E}">
         <p14:creationId xmlns:p14="http://schemas.microsoft.com/office/powerpoint/2010/main" val="2845666406"/>
+      </p:ext>
+    </p:extLst>
+  </p:cSld>
+  <p:clrMapOvr>
+    <a:masterClrMapping/>
+  </p:clrMapOvr>
+</p:sld>
+</file>
+
+<file path=ppt/slides/slide17.xml><?xml version="1.0" encoding="utf-8"?>
+<p:sld xmlns:a="http://schemas.openxmlformats.org/drawingml/2006/main" xmlns:r="http://schemas.openxmlformats.org/officeDocument/2006/relationships" xmlns:p="http://schemas.openxmlformats.org/presentationml/2006/main">
+  <p:cSld>
+    <p:bg>
+      <p:bgPr>
+        <a:solidFill>
+          <a:schemeClr val="bg1"/>
+        </a:solidFill>
+        <a:effectLst/>
+      </p:bgPr>
+    </p:bg>
+    <p:spTree>
+      <p:nvGrpSpPr>
+        <p:cNvPr id="1" name="">
+          <a:extLst>
+            <a:ext uri="{FF2B5EF4-FFF2-40B4-BE49-F238E27FC236}">
+              <a16:creationId xmlns:a16="http://schemas.microsoft.com/office/drawing/2014/main" id="{60CD9DF7-3EC7-059F-F760-10CF4CBDCB74}"/>
+            </a:ext>
+          </a:extLst>
+        </p:cNvPr>
+        <p:cNvGrpSpPr/>
+        <p:nvPr/>
+      </p:nvGrpSpPr>
+      <p:grpSpPr>
+        <a:xfrm>
+          <a:off x="0" y="0"/>
+          <a:ext cx="0" cy="0"/>
+          <a:chOff x="0" y="0"/>
+          <a:chExt cx="0" cy="0"/>
+        </a:xfrm>
+      </p:grpSpPr>
+      <p:sp useBgFill="1">
+        <p:nvSpPr>
+          <p:cNvPr id="30" name="Rectangle 29">
+            <a:extLst>
+              <a:ext uri="{FF2B5EF4-FFF2-40B4-BE49-F238E27FC236}">
+                <a16:creationId xmlns:a16="http://schemas.microsoft.com/office/drawing/2014/main" id="{09887909-1B73-94BB-B064-2DE27A5D33A2}"/>
+              </a:ext>
+              <a:ext uri="{C183D7F6-B498-43B3-948B-1728B52AA6E4}">
+                <adec:decorative xmlns:adec="http://schemas.microsoft.com/office/drawing/2017/decorative" val="1"/>
+              </a:ext>
+            </a:extLst>
+          </p:cNvPr>
+          <p:cNvSpPr>
+            <a:spLocks noGrp="1" noRot="1" noChangeAspect="1" noMove="1" noResize="1" noEditPoints="1" noAdjustHandles="1" noChangeArrowheads="1" noChangeShapeType="1" noTextEdit="1"/>
+          </p:cNvSpPr>
+          <p:nvPr>
+            <p:extLst>
+              <p:ext uri="{386F3935-93C4-4BCD-93E2-E3B085C9AB24}">
+                <p16:designElem xmlns:p16="http://schemas.microsoft.com/office/powerpoint/2015/main" val="1"/>
+              </p:ext>
+            </p:extLst>
+          </p:nvPr>
+        </p:nvSpPr>
+        <p:spPr>
+          <a:xfrm>
+            <a:off x="0" y="0"/>
+            <a:ext cx="12192000" cy="6858000"/>
+          </a:xfrm>
+          <a:prstGeom prst="rect">
+            <a:avLst/>
+          </a:prstGeom>
+          <a:ln w="12700" cap="flat" cmpd="sng" algn="ctr">
+            <a:noFill/>
+            <a:prstDash val="solid"/>
+            <a:miter lim="800000"/>
+          </a:ln>
+          <a:effectLst/>
+          <a:extLst>
+            <a:ext uri="{91240B29-F687-4F45-9708-019B960494DF}">
+              <a14:hiddenLine xmlns:a14="http://schemas.microsoft.com/office/drawing/2010/main" w="12700" cap="flat" cmpd="sng" algn="ctr">
+                <a:solidFill>
+                  <a:schemeClr val="accent1">
+                    <a:shade val="50000"/>
+                  </a:schemeClr>
+                </a:solidFill>
+                <a:prstDash val="solid"/>
+                <a:miter lim="800000"/>
+              </a14:hiddenLine>
+            </a:ext>
+          </a:extLst>
+        </p:spPr>
+        <p:style>
+          <a:lnRef idx="2">
+            <a:schemeClr val="accent1">
+              <a:shade val="50000"/>
+            </a:schemeClr>
+          </a:lnRef>
+          <a:fillRef idx="1">
+            <a:schemeClr val="accent1"/>
+          </a:fillRef>
+          <a:effectRef idx="0">
+            <a:schemeClr val="accent1"/>
+          </a:effectRef>
+          <a:fontRef idx="minor">
+            <a:schemeClr val="lt1"/>
+          </a:fontRef>
+        </p:style>
+        <p:txBody>
+          <a:bodyPr rtlCol="0" anchor="ctr"/>
+          <a:lstStyle/>
+          <a:p>
+            <a:pPr algn="ctr"/>
+            <a:endParaRPr lang="en-US"/>
+          </a:p>
+        </p:txBody>
+      </p:sp>
+      <p:sp>
+        <p:nvSpPr>
+          <p:cNvPr id="32" name="Rectangle 31">
+            <a:extLst>
+              <a:ext uri="{FF2B5EF4-FFF2-40B4-BE49-F238E27FC236}">
+                <a16:creationId xmlns:a16="http://schemas.microsoft.com/office/drawing/2014/main" id="{711BAD79-6E6D-5252-B32C-A048D6F2600F}"/>
+              </a:ext>
+              <a:ext uri="{C183D7F6-B498-43B3-948B-1728B52AA6E4}">
+                <adec:decorative xmlns:adec="http://schemas.microsoft.com/office/drawing/2017/decorative" val="1"/>
+              </a:ext>
+            </a:extLst>
+          </p:cNvPr>
+          <p:cNvSpPr>
+            <a:spLocks noGrp="1" noRot="1" noChangeAspect="1" noMove="1" noResize="1" noEditPoints="1" noAdjustHandles="1" noChangeArrowheads="1" noChangeShapeType="1" noTextEdit="1"/>
+          </p:cNvSpPr>
+          <p:nvPr>
+            <p:extLst>
+              <p:ext uri="{386F3935-93C4-4BCD-93E2-E3B085C9AB24}">
+                <p16:designElem xmlns:p16="http://schemas.microsoft.com/office/powerpoint/2015/main" val="1"/>
+              </p:ext>
+            </p:extLst>
+          </p:nvPr>
+        </p:nvSpPr>
+        <p:spPr>
+          <a:xfrm flipH="1">
+            <a:off x="2" y="0"/>
+            <a:ext cx="12191998" cy="1575955"/>
+          </a:xfrm>
+          <a:prstGeom prst="rect">
+            <a:avLst/>
+          </a:prstGeom>
+          <a:gradFill>
+            <a:gsLst>
+              <a:gs pos="0">
+                <a:srgbClr val="000000">
+                  <a:alpha val="96000"/>
+                </a:srgbClr>
+              </a:gs>
+              <a:gs pos="100000">
+                <a:schemeClr val="accent1">
+                  <a:lumMod val="75000"/>
+                </a:schemeClr>
+              </a:gs>
+            </a:gsLst>
+            <a:lin ang="8400000" scaled="0"/>
+          </a:gradFill>
+          <a:ln>
+            <a:noFill/>
+          </a:ln>
+        </p:spPr>
+        <p:style>
+          <a:lnRef idx="2">
+            <a:schemeClr val="accent1">
+              <a:shade val="50000"/>
+            </a:schemeClr>
+          </a:lnRef>
+          <a:fillRef idx="1">
+            <a:schemeClr val="accent1"/>
+          </a:fillRef>
+          <a:effectRef idx="0">
+            <a:schemeClr val="accent1"/>
+          </a:effectRef>
+          <a:fontRef idx="minor">
+            <a:schemeClr val="lt1"/>
+          </a:fontRef>
+        </p:style>
+        <p:txBody>
+          <a:bodyPr rtlCol="0" anchor="ctr"/>
+          <a:lstStyle/>
+          <a:p>
+            <a:pPr algn="ctr"/>
+            <a:endParaRPr lang="en-US"/>
+          </a:p>
+        </p:txBody>
+      </p:sp>
+      <p:sp>
+        <p:nvSpPr>
+          <p:cNvPr id="34" name="Rectangle 33">
+            <a:extLst>
+              <a:ext uri="{FF2B5EF4-FFF2-40B4-BE49-F238E27FC236}">
+                <a16:creationId xmlns:a16="http://schemas.microsoft.com/office/drawing/2014/main" id="{395EF1AE-6217-C956-EE87-AF1A01FAE164}"/>
+              </a:ext>
+              <a:ext uri="{C183D7F6-B498-43B3-948B-1728B52AA6E4}">
+                <adec:decorative xmlns:adec="http://schemas.microsoft.com/office/drawing/2017/decorative" val="1"/>
+              </a:ext>
+            </a:extLst>
+          </p:cNvPr>
+          <p:cNvSpPr>
+            <a:spLocks noGrp="1" noRot="1" noChangeAspect="1" noMove="1" noResize="1" noEditPoints="1" noAdjustHandles="1" noChangeArrowheads="1" noChangeShapeType="1" noTextEdit="1"/>
+          </p:cNvSpPr>
+          <p:nvPr>
+            <p:extLst>
+              <p:ext uri="{386F3935-93C4-4BCD-93E2-E3B085C9AB24}">
+                <p16:designElem xmlns:p16="http://schemas.microsoft.com/office/powerpoint/2015/main" val="1"/>
+              </p:ext>
+            </p:extLst>
+          </p:nvPr>
+        </p:nvSpPr>
+        <p:spPr>
+          <a:xfrm rot="10800000" flipH="1">
+            <a:off x="8128857" y="0"/>
+            <a:ext cx="4063143" cy="1576412"/>
+          </a:xfrm>
+          <a:prstGeom prst="rect">
+            <a:avLst/>
+          </a:prstGeom>
+          <a:gradFill>
+            <a:gsLst>
+              <a:gs pos="19000">
+                <a:schemeClr val="accent1">
+                  <a:lumMod val="50000"/>
+                  <a:alpha val="68000"/>
+                </a:schemeClr>
+              </a:gs>
+              <a:gs pos="100000">
+                <a:schemeClr val="accent1">
+                  <a:alpha val="79000"/>
+                </a:schemeClr>
+              </a:gs>
+            </a:gsLst>
+            <a:lin ang="19200000" scaled="0"/>
+          </a:gradFill>
+          <a:ln>
+            <a:noFill/>
+          </a:ln>
+        </p:spPr>
+        <p:style>
+          <a:lnRef idx="2">
+            <a:schemeClr val="accent1">
+              <a:shade val="50000"/>
+            </a:schemeClr>
+          </a:lnRef>
+          <a:fillRef idx="1">
+            <a:schemeClr val="accent1"/>
+          </a:fillRef>
+          <a:effectRef idx="0">
+            <a:schemeClr val="accent1"/>
+          </a:effectRef>
+          <a:fontRef idx="minor">
+            <a:schemeClr val="lt1"/>
+          </a:fontRef>
+        </p:style>
+        <p:txBody>
+          <a:bodyPr rtlCol="0" anchor="ctr"/>
+          <a:lstStyle/>
+          <a:p>
+            <a:pPr algn="ctr"/>
+            <a:endParaRPr lang="en-US"/>
+          </a:p>
+        </p:txBody>
+      </p:sp>
+      <p:sp>
+        <p:nvSpPr>
+          <p:cNvPr id="36" name="Rectangle 35">
+            <a:extLst>
+              <a:ext uri="{FF2B5EF4-FFF2-40B4-BE49-F238E27FC236}">
+                <a16:creationId xmlns:a16="http://schemas.microsoft.com/office/drawing/2014/main" id="{08F271B6-763B-F050-78F7-EBCF1FD2B71B}"/>
+              </a:ext>
+              <a:ext uri="{C183D7F6-B498-43B3-948B-1728B52AA6E4}">
+                <adec:decorative xmlns:adec="http://schemas.microsoft.com/office/drawing/2017/decorative" val="1"/>
+              </a:ext>
+            </a:extLst>
+          </p:cNvPr>
+          <p:cNvSpPr>
+            <a:spLocks noGrp="1" noRot="1" noChangeAspect="1" noMove="1" noResize="1" noEditPoints="1" noAdjustHandles="1" noChangeArrowheads="1" noChangeShapeType="1" noTextEdit="1"/>
+          </p:cNvSpPr>
+          <p:nvPr>
+            <p:extLst>
+              <p:ext uri="{386F3935-93C4-4BCD-93E2-E3B085C9AB24}">
+                <p16:designElem xmlns:p16="http://schemas.microsoft.com/office/powerpoint/2015/main" val="1"/>
+              </p:ext>
+            </p:extLst>
+          </p:nvPr>
+        </p:nvSpPr>
+        <p:spPr>
+          <a:xfrm rot="5400000">
+            <a:off x="5307777" y="-5307778"/>
+            <a:ext cx="1576446" cy="12192002"/>
+          </a:xfrm>
+          <a:prstGeom prst="rect">
+            <a:avLst/>
+          </a:prstGeom>
+          <a:gradFill>
+            <a:gsLst>
+              <a:gs pos="23000">
+                <a:schemeClr val="accent1">
+                  <a:alpha val="0"/>
+                </a:schemeClr>
+              </a:gs>
+              <a:gs pos="99000">
+                <a:srgbClr val="000000">
+                  <a:alpha val="74000"/>
+                </a:srgbClr>
+              </a:gs>
+            </a:gsLst>
+            <a:lin ang="20400000" scaled="0"/>
+          </a:gradFill>
+          <a:ln>
+            <a:noFill/>
+          </a:ln>
+        </p:spPr>
+        <p:style>
+          <a:lnRef idx="2">
+            <a:schemeClr val="accent1">
+              <a:shade val="50000"/>
+            </a:schemeClr>
+          </a:lnRef>
+          <a:fillRef idx="1">
+            <a:schemeClr val="accent1"/>
+          </a:fillRef>
+          <a:effectRef idx="0">
+            <a:schemeClr val="accent1"/>
+          </a:effectRef>
+          <a:fontRef idx="minor">
+            <a:schemeClr val="lt1"/>
+          </a:fontRef>
+        </p:style>
+        <p:txBody>
+          <a:bodyPr rtlCol="0" anchor="ctr"/>
+          <a:lstStyle/>
+          <a:p>
+            <a:pPr algn="ctr"/>
+            <a:endParaRPr lang="en-US" dirty="0"/>
+          </a:p>
+        </p:txBody>
+      </p:sp>
+      <p:sp>
+        <p:nvSpPr>
+          <p:cNvPr id="2" name="Title 1">
+            <a:extLst>
+              <a:ext uri="{FF2B5EF4-FFF2-40B4-BE49-F238E27FC236}">
+                <a16:creationId xmlns:a16="http://schemas.microsoft.com/office/drawing/2014/main" id="{DB7970B6-A011-00BE-B492-2A6E6208BA54}"/>
+              </a:ext>
+            </a:extLst>
+          </p:cNvPr>
+          <p:cNvSpPr>
+            <a:spLocks noGrp="1"/>
+          </p:cNvSpPr>
+          <p:nvPr>
+            <p:ph type="title"/>
+          </p:nvPr>
+        </p:nvSpPr>
+        <p:spPr>
+          <a:xfrm>
+            <a:off x="1371597" y="348865"/>
+            <a:ext cx="10044023" cy="877729"/>
+          </a:xfrm>
+        </p:spPr>
+        <p:txBody>
+          <a:bodyPr anchor="ctr">
+            <a:normAutofit/>
+          </a:bodyPr>
+          <a:lstStyle/>
+          <a:p>
+            <a:r>
+              <a:rPr lang="en-US" sz="4000" dirty="0">
+                <a:solidFill>
+                  <a:srgbClr val="FFFFFF"/>
+                </a:solidFill>
+              </a:rPr>
+              <a:t>William Thornton</a:t>
+            </a:r>
+          </a:p>
+        </p:txBody>
+      </p:sp>
+      <p:sp>
+        <p:nvSpPr>
+          <p:cNvPr id="5" name="Content Placeholder 4">
+            <a:extLst>
+              <a:ext uri="{FF2B5EF4-FFF2-40B4-BE49-F238E27FC236}">
+                <a16:creationId xmlns:a16="http://schemas.microsoft.com/office/drawing/2014/main" id="{0DDA6934-AC22-9B5A-E572-C21B99251AB4}"/>
+              </a:ext>
+            </a:extLst>
+          </p:cNvPr>
+          <p:cNvSpPr>
+            <a:spLocks noGrp="1"/>
+          </p:cNvSpPr>
+          <p:nvPr>
+            <p:ph idx="1"/>
+          </p:nvPr>
+        </p:nvSpPr>
+        <p:spPr>
+          <a:xfrm>
+            <a:off x="838200" y="1825624"/>
+            <a:ext cx="5666338" cy="4605655"/>
+          </a:xfrm>
+        </p:spPr>
+        <p:txBody>
+          <a:bodyPr>
+            <a:normAutofit/>
+          </a:bodyPr>
+          <a:lstStyle/>
+          <a:p>
+            <a:r>
+              <a:rPr lang="en-US" sz="2400" dirty="0"/>
+              <a:t>Strengths</a:t>
+            </a:r>
+          </a:p>
+          <a:p>
+            <a:pPr lvl="1"/>
+            <a:r>
+              <a:rPr lang="en-US" sz="2000" dirty="0"/>
+              <a:t>Left Wing 3s (1.4 </a:t>
+            </a:r>
+            <a:r>
+              <a:rPr lang="en-US" sz="2000" dirty="0" err="1"/>
+              <a:t>xP</a:t>
+            </a:r>
+            <a:r>
+              <a:rPr lang="en-US" sz="2000" dirty="0"/>
+              <a:t> per shot)</a:t>
+            </a:r>
+          </a:p>
+          <a:p>
+            <a:r>
+              <a:rPr lang="en-US" sz="2400" dirty="0"/>
+              <a:t>Weaknesses</a:t>
+            </a:r>
+          </a:p>
+          <a:p>
+            <a:pPr lvl="1"/>
+            <a:r>
+              <a:rPr lang="en-US" sz="2000" dirty="0"/>
+              <a:t>Midrange/Rim Shots (0.74 </a:t>
+            </a:r>
+            <a:r>
+              <a:rPr lang="en-US" sz="2000" dirty="0" err="1"/>
+              <a:t>xP</a:t>
+            </a:r>
+            <a:r>
+              <a:rPr lang="en-US" sz="2000" dirty="0"/>
+              <a:t> per shot)</a:t>
+            </a:r>
+          </a:p>
+          <a:p>
+            <a:pPr lvl="1"/>
+            <a:r>
+              <a:rPr lang="en-US" sz="2000" dirty="0"/>
+              <a:t>AST/TO Ratio (-0.24 Team Average)</a:t>
+            </a:r>
+          </a:p>
+          <a:p>
+            <a:pPr lvl="1"/>
+            <a:endParaRPr lang="en-US" sz="2000" dirty="0"/>
+          </a:p>
+          <a:p>
+            <a:r>
+              <a:rPr lang="en-US" sz="2400" dirty="0"/>
+              <a:t>Areas to Help Us Win: </a:t>
+            </a:r>
+          </a:p>
+          <a:p>
+            <a:pPr lvl="1"/>
+            <a:r>
+              <a:rPr lang="en-US" sz="2000" dirty="0"/>
+              <a:t>Take Uncontested Balanced 3PT Shots</a:t>
+            </a:r>
+          </a:p>
+          <a:p>
+            <a:pPr lvl="1"/>
+            <a:r>
+              <a:rPr lang="en-US" sz="2000" dirty="0"/>
+              <a:t>Practice Game Speed Shooting Reps</a:t>
+            </a:r>
+          </a:p>
+          <a:p>
+            <a:pPr lvl="1"/>
+            <a:r>
+              <a:rPr lang="en-US" sz="2000" dirty="0"/>
+              <a:t>Practice Game Speed Driving Attack Decision Making</a:t>
+            </a:r>
+          </a:p>
+          <a:p>
+            <a:pPr lvl="1"/>
+            <a:endParaRPr lang="en-US" sz="2000" dirty="0"/>
+          </a:p>
+          <a:p>
+            <a:pPr lvl="1"/>
+            <a:endParaRPr lang="en-US" sz="2000" dirty="0"/>
+          </a:p>
+          <a:p>
+            <a:pPr lvl="1"/>
+            <a:endParaRPr lang="en-US" dirty="0"/>
+          </a:p>
+        </p:txBody>
+      </p:sp>
+      <p:pic>
+        <p:nvPicPr>
+          <p:cNvPr id="7" name="Picture 6">
+            <a:extLst>
+              <a:ext uri="{FF2B5EF4-FFF2-40B4-BE49-F238E27FC236}">
+                <a16:creationId xmlns:a16="http://schemas.microsoft.com/office/drawing/2014/main" id="{29A8A7DE-8641-E948-04D9-0E431C8C9E1A}"/>
+              </a:ext>
+            </a:extLst>
+          </p:cNvPr>
+          <p:cNvPicPr>
+            <a:picLocks noChangeAspect="1"/>
+          </p:cNvPicPr>
+          <p:nvPr/>
+        </p:nvPicPr>
+        <p:blipFill>
+          <a:blip r:embed="rId2"/>
+          <a:stretch>
+            <a:fillRect/>
+          </a:stretch>
+        </p:blipFill>
+        <p:spPr>
+          <a:xfrm>
+            <a:off x="6603998" y="0"/>
+            <a:ext cx="5581612" cy="6858000"/>
+          </a:xfrm>
+          <a:prstGeom prst="rect">
+            <a:avLst/>
+          </a:prstGeom>
+        </p:spPr>
+      </p:pic>
+      <p:pic>
+        <p:nvPicPr>
+          <p:cNvPr id="9" name="Picture 8">
+            <a:extLst>
+              <a:ext uri="{FF2B5EF4-FFF2-40B4-BE49-F238E27FC236}">
+                <a16:creationId xmlns:a16="http://schemas.microsoft.com/office/drawing/2014/main" id="{3765786B-A6C1-7252-1109-19B7615D043A}"/>
+              </a:ext>
+            </a:extLst>
+          </p:cNvPr>
+          <p:cNvPicPr>
+            <a:picLocks noChangeAspect="1"/>
+          </p:cNvPicPr>
+          <p:nvPr/>
+        </p:nvPicPr>
+        <p:blipFill>
+          <a:blip r:embed="rId3"/>
+          <a:stretch>
+            <a:fillRect/>
+          </a:stretch>
+        </p:blipFill>
+        <p:spPr>
+          <a:xfrm>
+            <a:off x="6610386" y="1428216"/>
+            <a:ext cx="5581612" cy="1426744"/>
+          </a:xfrm>
+          <a:prstGeom prst="rect">
+            <a:avLst/>
+          </a:prstGeom>
+        </p:spPr>
+      </p:pic>
+    </p:spTree>
+    <p:extLst>
+      <p:ext uri="{BB962C8B-B14F-4D97-AF65-F5344CB8AC3E}">
+        <p14:creationId xmlns:p14="http://schemas.microsoft.com/office/powerpoint/2010/main" val="4205997477"/>
+      </p:ext>
+    </p:extLst>
+  </p:cSld>
+  <p:clrMapOvr>
+    <a:masterClrMapping/>
+  </p:clrMapOvr>
+</p:sld>
+</file>
+
+<file path=ppt/slides/slide18.xml><?xml version="1.0" encoding="utf-8"?>
+<p:sld xmlns:a="http://schemas.openxmlformats.org/drawingml/2006/main" xmlns:r="http://schemas.openxmlformats.org/officeDocument/2006/relationships" xmlns:p="http://schemas.openxmlformats.org/presentationml/2006/main">
+  <p:cSld>
+    <p:bg>
+      <p:bgPr>
+        <a:solidFill>
+          <a:schemeClr val="bg1"/>
+        </a:solidFill>
+        <a:effectLst/>
+      </p:bgPr>
+    </p:bg>
+    <p:spTree>
+      <p:nvGrpSpPr>
+        <p:cNvPr id="1" name="">
+          <a:extLst>
+            <a:ext uri="{FF2B5EF4-FFF2-40B4-BE49-F238E27FC236}">
+              <a16:creationId xmlns:a16="http://schemas.microsoft.com/office/drawing/2014/main" id="{DE093C93-0A1C-2C79-95B9-670ABFBFD65C}"/>
+            </a:ext>
+          </a:extLst>
+        </p:cNvPr>
+        <p:cNvGrpSpPr/>
+        <p:nvPr/>
+      </p:nvGrpSpPr>
+      <p:grpSpPr>
+        <a:xfrm>
+          <a:off x="0" y="0"/>
+          <a:ext cx="0" cy="0"/>
+          <a:chOff x="0" y="0"/>
+          <a:chExt cx="0" cy="0"/>
+        </a:xfrm>
+      </p:grpSpPr>
+      <p:sp useBgFill="1">
+        <p:nvSpPr>
+          <p:cNvPr id="30" name="Rectangle 29">
+            <a:extLst>
+              <a:ext uri="{FF2B5EF4-FFF2-40B4-BE49-F238E27FC236}">
+                <a16:creationId xmlns:a16="http://schemas.microsoft.com/office/drawing/2014/main" id="{86B850A1-499F-6AC3-E137-1390C69FABB8}"/>
+              </a:ext>
+              <a:ext uri="{C183D7F6-B498-43B3-948B-1728B52AA6E4}">
+                <adec:decorative xmlns:adec="http://schemas.microsoft.com/office/drawing/2017/decorative" val="1"/>
+              </a:ext>
+            </a:extLst>
+          </p:cNvPr>
+          <p:cNvSpPr>
+            <a:spLocks noGrp="1" noRot="1" noChangeAspect="1" noMove="1" noResize="1" noEditPoints="1" noAdjustHandles="1" noChangeArrowheads="1" noChangeShapeType="1" noTextEdit="1"/>
+          </p:cNvSpPr>
+          <p:nvPr>
+            <p:extLst>
+              <p:ext uri="{386F3935-93C4-4BCD-93E2-E3B085C9AB24}">
+                <p16:designElem xmlns:p16="http://schemas.microsoft.com/office/powerpoint/2015/main" val="1"/>
+              </p:ext>
+            </p:extLst>
+          </p:nvPr>
+        </p:nvSpPr>
+        <p:spPr>
+          <a:xfrm>
+            <a:off x="0" y="0"/>
+            <a:ext cx="12192000" cy="6858000"/>
+          </a:xfrm>
+          <a:prstGeom prst="rect">
+            <a:avLst/>
+          </a:prstGeom>
+          <a:ln w="12700" cap="flat" cmpd="sng" algn="ctr">
+            <a:noFill/>
+            <a:prstDash val="solid"/>
+            <a:miter lim="800000"/>
+          </a:ln>
+          <a:effectLst/>
+          <a:extLst>
+            <a:ext uri="{91240B29-F687-4F45-9708-019B960494DF}">
+              <a14:hiddenLine xmlns:a14="http://schemas.microsoft.com/office/drawing/2010/main" w="12700" cap="flat" cmpd="sng" algn="ctr">
+                <a:solidFill>
+                  <a:schemeClr val="accent1">
+                    <a:shade val="50000"/>
+                  </a:schemeClr>
+                </a:solidFill>
+                <a:prstDash val="solid"/>
+                <a:miter lim="800000"/>
+              </a14:hiddenLine>
+            </a:ext>
+          </a:extLst>
+        </p:spPr>
+        <p:style>
+          <a:lnRef idx="2">
+            <a:schemeClr val="accent1">
+              <a:shade val="50000"/>
+            </a:schemeClr>
+          </a:lnRef>
+          <a:fillRef idx="1">
+            <a:schemeClr val="accent1"/>
+          </a:fillRef>
+          <a:effectRef idx="0">
+            <a:schemeClr val="accent1"/>
+          </a:effectRef>
+          <a:fontRef idx="minor">
+            <a:schemeClr val="lt1"/>
+          </a:fontRef>
+        </p:style>
+        <p:txBody>
+          <a:bodyPr rtlCol="0" anchor="ctr"/>
+          <a:lstStyle/>
+          <a:p>
+            <a:pPr algn="ctr"/>
+            <a:endParaRPr lang="en-US"/>
+          </a:p>
+        </p:txBody>
+      </p:sp>
+      <p:sp>
+        <p:nvSpPr>
+          <p:cNvPr id="32" name="Rectangle 31">
+            <a:extLst>
+              <a:ext uri="{FF2B5EF4-FFF2-40B4-BE49-F238E27FC236}">
+                <a16:creationId xmlns:a16="http://schemas.microsoft.com/office/drawing/2014/main" id="{76F19525-AF54-B539-02D6-45D4E53F189F}"/>
+              </a:ext>
+              <a:ext uri="{C183D7F6-B498-43B3-948B-1728B52AA6E4}">
+                <adec:decorative xmlns:adec="http://schemas.microsoft.com/office/drawing/2017/decorative" val="1"/>
+              </a:ext>
+            </a:extLst>
+          </p:cNvPr>
+          <p:cNvSpPr>
+            <a:spLocks noGrp="1" noRot="1" noChangeAspect="1" noMove="1" noResize="1" noEditPoints="1" noAdjustHandles="1" noChangeArrowheads="1" noChangeShapeType="1" noTextEdit="1"/>
+          </p:cNvSpPr>
+          <p:nvPr>
+            <p:extLst>
+              <p:ext uri="{386F3935-93C4-4BCD-93E2-E3B085C9AB24}">
+                <p16:designElem xmlns:p16="http://schemas.microsoft.com/office/powerpoint/2015/main" val="1"/>
+              </p:ext>
+            </p:extLst>
+          </p:nvPr>
+        </p:nvSpPr>
+        <p:spPr>
+          <a:xfrm flipH="1">
+            <a:off x="2" y="0"/>
+            <a:ext cx="12191998" cy="1575955"/>
+          </a:xfrm>
+          <a:prstGeom prst="rect">
+            <a:avLst/>
+          </a:prstGeom>
+          <a:gradFill>
+            <a:gsLst>
+              <a:gs pos="0">
+                <a:srgbClr val="000000">
+                  <a:alpha val="96000"/>
+                </a:srgbClr>
+              </a:gs>
+              <a:gs pos="100000">
+                <a:schemeClr val="accent1">
+                  <a:lumMod val="75000"/>
+                </a:schemeClr>
+              </a:gs>
+            </a:gsLst>
+            <a:lin ang="8400000" scaled="0"/>
+          </a:gradFill>
+          <a:ln>
+            <a:noFill/>
+          </a:ln>
+        </p:spPr>
+        <p:style>
+          <a:lnRef idx="2">
+            <a:schemeClr val="accent1">
+              <a:shade val="50000"/>
+            </a:schemeClr>
+          </a:lnRef>
+          <a:fillRef idx="1">
+            <a:schemeClr val="accent1"/>
+          </a:fillRef>
+          <a:effectRef idx="0">
+            <a:schemeClr val="accent1"/>
+          </a:effectRef>
+          <a:fontRef idx="minor">
+            <a:schemeClr val="lt1"/>
+          </a:fontRef>
+        </p:style>
+        <p:txBody>
+          <a:bodyPr rtlCol="0" anchor="ctr"/>
+          <a:lstStyle/>
+          <a:p>
+            <a:pPr algn="ctr"/>
+            <a:endParaRPr lang="en-US"/>
+          </a:p>
+        </p:txBody>
+      </p:sp>
+      <p:sp>
+        <p:nvSpPr>
+          <p:cNvPr id="34" name="Rectangle 33">
+            <a:extLst>
+              <a:ext uri="{FF2B5EF4-FFF2-40B4-BE49-F238E27FC236}">
+                <a16:creationId xmlns:a16="http://schemas.microsoft.com/office/drawing/2014/main" id="{3F1D63C5-788F-E019-26A5-AA7D346597FF}"/>
+              </a:ext>
+              <a:ext uri="{C183D7F6-B498-43B3-948B-1728B52AA6E4}">
+                <adec:decorative xmlns:adec="http://schemas.microsoft.com/office/drawing/2017/decorative" val="1"/>
+              </a:ext>
+            </a:extLst>
+          </p:cNvPr>
+          <p:cNvSpPr>
+            <a:spLocks noGrp="1" noRot="1" noChangeAspect="1" noMove="1" noResize="1" noEditPoints="1" noAdjustHandles="1" noChangeArrowheads="1" noChangeShapeType="1" noTextEdit="1"/>
+          </p:cNvSpPr>
+          <p:nvPr>
+            <p:extLst>
+              <p:ext uri="{386F3935-93C4-4BCD-93E2-E3B085C9AB24}">
+                <p16:designElem xmlns:p16="http://schemas.microsoft.com/office/powerpoint/2015/main" val="1"/>
+              </p:ext>
+            </p:extLst>
+          </p:nvPr>
+        </p:nvSpPr>
+        <p:spPr>
+          <a:xfrm rot="10800000" flipH="1">
+            <a:off x="8128857" y="0"/>
+            <a:ext cx="4063143" cy="1576412"/>
+          </a:xfrm>
+          <a:prstGeom prst="rect">
+            <a:avLst/>
+          </a:prstGeom>
+          <a:gradFill>
+            <a:gsLst>
+              <a:gs pos="19000">
+                <a:schemeClr val="accent1">
+                  <a:lumMod val="50000"/>
+                  <a:alpha val="68000"/>
+                </a:schemeClr>
+              </a:gs>
+              <a:gs pos="100000">
+                <a:schemeClr val="accent1">
+                  <a:alpha val="79000"/>
+                </a:schemeClr>
+              </a:gs>
+            </a:gsLst>
+            <a:lin ang="19200000" scaled="0"/>
+          </a:gradFill>
+          <a:ln>
+            <a:noFill/>
+          </a:ln>
+        </p:spPr>
+        <p:style>
+          <a:lnRef idx="2">
+            <a:schemeClr val="accent1">
+              <a:shade val="50000"/>
+            </a:schemeClr>
+          </a:lnRef>
+          <a:fillRef idx="1">
+            <a:schemeClr val="accent1"/>
+          </a:fillRef>
+          <a:effectRef idx="0">
+            <a:schemeClr val="accent1"/>
+          </a:effectRef>
+          <a:fontRef idx="minor">
+            <a:schemeClr val="lt1"/>
+          </a:fontRef>
+        </p:style>
+        <p:txBody>
+          <a:bodyPr rtlCol="0" anchor="ctr"/>
+          <a:lstStyle/>
+          <a:p>
+            <a:pPr algn="ctr"/>
+            <a:endParaRPr lang="en-US"/>
+          </a:p>
+        </p:txBody>
+      </p:sp>
+      <p:sp>
+        <p:nvSpPr>
+          <p:cNvPr id="36" name="Rectangle 35">
+            <a:extLst>
+              <a:ext uri="{FF2B5EF4-FFF2-40B4-BE49-F238E27FC236}">
+                <a16:creationId xmlns:a16="http://schemas.microsoft.com/office/drawing/2014/main" id="{B8C411F8-F2F5-1FCD-215E-0682C8CE3298}"/>
+              </a:ext>
+              <a:ext uri="{C183D7F6-B498-43B3-948B-1728B52AA6E4}">
+                <adec:decorative xmlns:adec="http://schemas.microsoft.com/office/drawing/2017/decorative" val="1"/>
+              </a:ext>
+            </a:extLst>
+          </p:cNvPr>
+          <p:cNvSpPr>
+            <a:spLocks noGrp="1" noRot="1" noChangeAspect="1" noMove="1" noResize="1" noEditPoints="1" noAdjustHandles="1" noChangeArrowheads="1" noChangeShapeType="1" noTextEdit="1"/>
+          </p:cNvSpPr>
+          <p:nvPr>
+            <p:extLst>
+              <p:ext uri="{386F3935-93C4-4BCD-93E2-E3B085C9AB24}">
+                <p16:designElem xmlns:p16="http://schemas.microsoft.com/office/powerpoint/2015/main" val="1"/>
+              </p:ext>
+            </p:extLst>
+          </p:nvPr>
+        </p:nvSpPr>
+        <p:spPr>
+          <a:xfrm rot="5400000">
+            <a:off x="5307777" y="-5307778"/>
+            <a:ext cx="1576446" cy="12192002"/>
+          </a:xfrm>
+          <a:prstGeom prst="rect">
+            <a:avLst/>
+          </a:prstGeom>
+          <a:gradFill>
+            <a:gsLst>
+              <a:gs pos="23000">
+                <a:schemeClr val="accent1">
+                  <a:alpha val="0"/>
+                </a:schemeClr>
+              </a:gs>
+              <a:gs pos="99000">
+                <a:srgbClr val="000000">
+                  <a:alpha val="74000"/>
+                </a:srgbClr>
+              </a:gs>
+            </a:gsLst>
+            <a:lin ang="20400000" scaled="0"/>
+          </a:gradFill>
+          <a:ln>
+            <a:noFill/>
+          </a:ln>
+        </p:spPr>
+        <p:style>
+          <a:lnRef idx="2">
+            <a:schemeClr val="accent1">
+              <a:shade val="50000"/>
+            </a:schemeClr>
+          </a:lnRef>
+          <a:fillRef idx="1">
+            <a:schemeClr val="accent1"/>
+          </a:fillRef>
+          <a:effectRef idx="0">
+            <a:schemeClr val="accent1"/>
+          </a:effectRef>
+          <a:fontRef idx="minor">
+            <a:schemeClr val="lt1"/>
+          </a:fontRef>
+        </p:style>
+        <p:txBody>
+          <a:bodyPr rtlCol="0" anchor="ctr"/>
+          <a:lstStyle/>
+          <a:p>
+            <a:pPr algn="ctr"/>
+            <a:endParaRPr lang="en-US" dirty="0"/>
+          </a:p>
+        </p:txBody>
+      </p:sp>
+      <p:sp>
+        <p:nvSpPr>
+          <p:cNvPr id="2" name="Title 1">
+            <a:extLst>
+              <a:ext uri="{FF2B5EF4-FFF2-40B4-BE49-F238E27FC236}">
+                <a16:creationId xmlns:a16="http://schemas.microsoft.com/office/drawing/2014/main" id="{2065B58E-DB3E-C0C5-2089-2E1DDD7BECDC}"/>
+              </a:ext>
+            </a:extLst>
+          </p:cNvPr>
+          <p:cNvSpPr>
+            <a:spLocks noGrp="1"/>
+          </p:cNvSpPr>
+          <p:nvPr>
+            <p:ph type="title"/>
+          </p:nvPr>
+        </p:nvSpPr>
+        <p:spPr>
+          <a:xfrm>
+            <a:off x="1371597" y="348865"/>
+            <a:ext cx="10044023" cy="877729"/>
+          </a:xfrm>
+        </p:spPr>
+        <p:txBody>
+          <a:bodyPr anchor="ctr">
+            <a:normAutofit/>
+          </a:bodyPr>
+          <a:lstStyle/>
+          <a:p>
+            <a:r>
+              <a:rPr lang="en-US" sz="4000">
+                <a:solidFill>
+                  <a:srgbClr val="FFFFFF"/>
+                </a:solidFill>
+              </a:rPr>
+              <a:t>Ejay Napier</a:t>
+            </a:r>
+            <a:endParaRPr lang="en-US" sz="4000" dirty="0">
+              <a:solidFill>
+                <a:srgbClr val="FFFFFF"/>
+              </a:solidFill>
+            </a:endParaRPr>
+          </a:p>
+        </p:txBody>
+      </p:sp>
+      <p:sp>
+        <p:nvSpPr>
+          <p:cNvPr id="5" name="Content Placeholder 4">
+            <a:extLst>
+              <a:ext uri="{FF2B5EF4-FFF2-40B4-BE49-F238E27FC236}">
+                <a16:creationId xmlns:a16="http://schemas.microsoft.com/office/drawing/2014/main" id="{F1AC3984-31EB-15BE-8044-6D3F904724EF}"/>
+              </a:ext>
+            </a:extLst>
+          </p:cNvPr>
+          <p:cNvSpPr>
+            <a:spLocks noGrp="1"/>
+          </p:cNvSpPr>
+          <p:nvPr>
+            <p:ph idx="1"/>
+          </p:nvPr>
+        </p:nvSpPr>
+        <p:spPr>
+          <a:xfrm>
+            <a:off x="838200" y="1825624"/>
+            <a:ext cx="5666338" cy="4605655"/>
+          </a:xfrm>
+        </p:spPr>
+        <p:txBody>
+          <a:bodyPr>
+            <a:normAutofit fontScale="92500" lnSpcReduction="10000"/>
+          </a:bodyPr>
+          <a:lstStyle/>
+          <a:p>
+            <a:r>
+              <a:rPr lang="en-US" sz="2400" dirty="0"/>
+              <a:t>Strengths</a:t>
+            </a:r>
+          </a:p>
+          <a:p>
+            <a:pPr lvl="1"/>
+            <a:r>
+              <a:rPr lang="en-US" sz="2000" dirty="0"/>
+              <a:t>Right Rim Shots (</a:t>
+            </a:r>
+            <a:r>
+              <a:rPr lang="en-US" sz="2000" dirty="0" err="1"/>
+              <a:t>xP</a:t>
+            </a:r>
+            <a:r>
+              <a:rPr lang="en-US" sz="2000" dirty="0"/>
+              <a:t> = 1.1 pts per shot)</a:t>
+            </a:r>
+          </a:p>
+          <a:p>
+            <a:pPr lvl="1"/>
+            <a:r>
+              <a:rPr lang="en-US" sz="2000" dirty="0"/>
+              <a:t>AST/TO Ratio (+0.37 Team Average) – Leads Team</a:t>
+            </a:r>
+          </a:p>
+          <a:p>
+            <a:r>
+              <a:rPr lang="en-US" sz="2400" dirty="0"/>
+              <a:t>Weaknesses</a:t>
+            </a:r>
+          </a:p>
+          <a:p>
+            <a:pPr lvl="1"/>
+            <a:r>
+              <a:rPr lang="en-US" sz="2000" dirty="0"/>
+              <a:t>Left Side of the Floor </a:t>
+            </a:r>
+          </a:p>
+          <a:p>
+            <a:pPr lvl="2"/>
+            <a:r>
+              <a:rPr lang="en-US" sz="1600" dirty="0"/>
+              <a:t>-7.8% difference in FG% compared to the Right Side</a:t>
+            </a:r>
+          </a:p>
+          <a:p>
+            <a:pPr lvl="1"/>
+            <a:endParaRPr lang="en-US" sz="2000" dirty="0"/>
+          </a:p>
+          <a:p>
+            <a:r>
+              <a:rPr lang="en-US" sz="2400" dirty="0"/>
+              <a:t>Areas to Help Us Win: </a:t>
+            </a:r>
+          </a:p>
+          <a:p>
+            <a:pPr lvl="1"/>
+            <a:r>
+              <a:rPr lang="en-US" sz="2000" dirty="0"/>
+              <a:t>Attack the Basket</a:t>
+            </a:r>
+          </a:p>
+          <a:p>
+            <a:pPr lvl="2"/>
+            <a:r>
+              <a:rPr lang="en-US" sz="1600" dirty="0"/>
+              <a:t>1.1 </a:t>
+            </a:r>
+            <a:r>
+              <a:rPr lang="en-US" sz="1600" dirty="0" err="1"/>
+              <a:t>xP</a:t>
+            </a:r>
+            <a:r>
+              <a:rPr lang="en-US" sz="1600" dirty="0"/>
+              <a:t> per shot compared to 0.84 </a:t>
+            </a:r>
+            <a:r>
+              <a:rPr lang="en-US" sz="1600" dirty="0" err="1"/>
+              <a:t>xp</a:t>
+            </a:r>
+            <a:r>
+              <a:rPr lang="en-US" sz="1600" dirty="0"/>
+              <a:t> per shot from 3PT</a:t>
+            </a:r>
+          </a:p>
+          <a:p>
+            <a:pPr lvl="1"/>
+            <a:r>
+              <a:rPr lang="en-US" sz="2000" dirty="0"/>
+              <a:t>Practice Game Reps from the Left Side of the Floor</a:t>
+            </a:r>
+          </a:p>
+          <a:p>
+            <a:pPr lvl="1"/>
+            <a:r>
+              <a:rPr lang="en-US" sz="2000" dirty="0"/>
+              <a:t>Continue to Distribute the Ball</a:t>
+            </a:r>
+          </a:p>
+          <a:p>
+            <a:pPr lvl="1"/>
+            <a:endParaRPr lang="en-US" sz="2000" dirty="0"/>
+          </a:p>
+          <a:p>
+            <a:pPr lvl="1"/>
+            <a:endParaRPr lang="en-US" sz="2000" dirty="0"/>
+          </a:p>
+          <a:p>
+            <a:pPr lvl="1"/>
+            <a:endParaRPr lang="en-US" dirty="0"/>
+          </a:p>
+        </p:txBody>
+      </p:sp>
+      <p:pic>
+        <p:nvPicPr>
+          <p:cNvPr id="11" name="Picture 10">
+            <a:extLst>
+              <a:ext uri="{FF2B5EF4-FFF2-40B4-BE49-F238E27FC236}">
+                <a16:creationId xmlns:a16="http://schemas.microsoft.com/office/drawing/2014/main" id="{A63AB77E-0968-CEC6-0096-E0974A271ED5}"/>
+              </a:ext>
+            </a:extLst>
+          </p:cNvPr>
+          <p:cNvPicPr>
+            <a:picLocks noChangeAspect="1"/>
+          </p:cNvPicPr>
+          <p:nvPr/>
+        </p:nvPicPr>
+        <p:blipFill>
+          <a:blip r:embed="rId2"/>
+          <a:stretch>
+            <a:fillRect/>
+          </a:stretch>
+        </p:blipFill>
+        <p:spPr>
+          <a:xfrm>
+            <a:off x="6429614" y="0"/>
+            <a:ext cx="5762384" cy="6858000"/>
+          </a:xfrm>
+          <a:prstGeom prst="rect">
+            <a:avLst/>
+          </a:prstGeom>
+        </p:spPr>
+      </p:pic>
+      <p:pic>
+        <p:nvPicPr>
+          <p:cNvPr id="8" name="Picture 7">
+            <a:extLst>
+              <a:ext uri="{FF2B5EF4-FFF2-40B4-BE49-F238E27FC236}">
+                <a16:creationId xmlns:a16="http://schemas.microsoft.com/office/drawing/2014/main" id="{B2B5432A-68E4-B7E5-136D-BE2B68711B94}"/>
+              </a:ext>
+            </a:extLst>
+          </p:cNvPr>
+          <p:cNvPicPr>
+            <a:picLocks noChangeAspect="1"/>
+          </p:cNvPicPr>
+          <p:nvPr/>
+        </p:nvPicPr>
+        <p:blipFill>
+          <a:blip r:embed="rId3"/>
+          <a:stretch>
+            <a:fillRect/>
+          </a:stretch>
+        </p:blipFill>
+        <p:spPr>
+          <a:xfrm>
+            <a:off x="6429614" y="1504339"/>
+            <a:ext cx="5762384" cy="1492861"/>
+          </a:xfrm>
+          <a:prstGeom prst="rect">
+            <a:avLst/>
+          </a:prstGeom>
+        </p:spPr>
+      </p:pic>
+    </p:spTree>
+    <p:extLst>
+      <p:ext uri="{BB962C8B-B14F-4D97-AF65-F5344CB8AC3E}">
+        <p14:creationId xmlns:p14="http://schemas.microsoft.com/office/powerpoint/2010/main" val="560630997"/>
+      </p:ext>
+    </p:extLst>
+  </p:cSld>
+  <p:clrMapOvr>
+    <a:masterClrMapping/>
+  </p:clrMapOvr>
+</p:sld>
+</file>
+
+<file path=ppt/slides/slide19.xml><?xml version="1.0" encoding="utf-8"?>
+<p:sld xmlns:a="http://schemas.openxmlformats.org/drawingml/2006/main" xmlns:r="http://schemas.openxmlformats.org/officeDocument/2006/relationships" xmlns:p="http://schemas.openxmlformats.org/presentationml/2006/main">
+  <p:cSld>
+    <p:bg>
+      <p:bgPr>
+        <a:solidFill>
+          <a:schemeClr val="bg1"/>
+        </a:solidFill>
+        <a:effectLst/>
+      </p:bgPr>
+    </p:bg>
+    <p:spTree>
+      <p:nvGrpSpPr>
+        <p:cNvPr id="1" name="">
+          <a:extLst>
+            <a:ext uri="{FF2B5EF4-FFF2-40B4-BE49-F238E27FC236}">
+              <a16:creationId xmlns:a16="http://schemas.microsoft.com/office/drawing/2014/main" id="{BBDA488D-A6D7-9C5B-2D56-7E9FF01DE895}"/>
+            </a:ext>
+          </a:extLst>
+        </p:cNvPr>
+        <p:cNvGrpSpPr/>
+        <p:nvPr/>
+      </p:nvGrpSpPr>
+      <p:grpSpPr>
+        <a:xfrm>
+          <a:off x="0" y="0"/>
+          <a:ext cx="0" cy="0"/>
+          <a:chOff x="0" y="0"/>
+          <a:chExt cx="0" cy="0"/>
+        </a:xfrm>
+      </p:grpSpPr>
+      <p:sp useBgFill="1">
+        <p:nvSpPr>
+          <p:cNvPr id="30" name="Rectangle 29">
+            <a:extLst>
+              <a:ext uri="{FF2B5EF4-FFF2-40B4-BE49-F238E27FC236}">
+                <a16:creationId xmlns:a16="http://schemas.microsoft.com/office/drawing/2014/main" id="{44B4DCA0-89DE-F507-820C-41A61BD9CEA9}"/>
+              </a:ext>
+              <a:ext uri="{C183D7F6-B498-43B3-948B-1728B52AA6E4}">
+                <adec:decorative xmlns:adec="http://schemas.microsoft.com/office/drawing/2017/decorative" val="1"/>
+              </a:ext>
+            </a:extLst>
+          </p:cNvPr>
+          <p:cNvSpPr>
+            <a:spLocks noGrp="1" noRot="1" noChangeAspect="1" noMove="1" noResize="1" noEditPoints="1" noAdjustHandles="1" noChangeArrowheads="1" noChangeShapeType="1" noTextEdit="1"/>
+          </p:cNvSpPr>
+          <p:nvPr>
+            <p:extLst>
+              <p:ext uri="{386F3935-93C4-4BCD-93E2-E3B085C9AB24}">
+                <p16:designElem xmlns:p16="http://schemas.microsoft.com/office/powerpoint/2015/main" val="1"/>
+              </p:ext>
+            </p:extLst>
+          </p:nvPr>
+        </p:nvSpPr>
+        <p:spPr>
+          <a:xfrm>
+            <a:off x="0" y="0"/>
+            <a:ext cx="12192000" cy="6858000"/>
+          </a:xfrm>
+          <a:prstGeom prst="rect">
+            <a:avLst/>
+          </a:prstGeom>
+          <a:ln w="12700" cap="flat" cmpd="sng" algn="ctr">
+            <a:noFill/>
+            <a:prstDash val="solid"/>
+            <a:miter lim="800000"/>
+          </a:ln>
+          <a:effectLst/>
+          <a:extLst>
+            <a:ext uri="{91240B29-F687-4F45-9708-019B960494DF}">
+              <a14:hiddenLine xmlns:a14="http://schemas.microsoft.com/office/drawing/2010/main" w="12700" cap="flat" cmpd="sng" algn="ctr">
+                <a:solidFill>
+                  <a:schemeClr val="accent1">
+                    <a:shade val="50000"/>
+                  </a:schemeClr>
+                </a:solidFill>
+                <a:prstDash val="solid"/>
+                <a:miter lim="800000"/>
+              </a14:hiddenLine>
+            </a:ext>
+          </a:extLst>
+        </p:spPr>
+        <p:style>
+          <a:lnRef idx="2">
+            <a:schemeClr val="accent1">
+              <a:shade val="50000"/>
+            </a:schemeClr>
+          </a:lnRef>
+          <a:fillRef idx="1">
+            <a:schemeClr val="accent1"/>
+          </a:fillRef>
+          <a:effectRef idx="0">
+            <a:schemeClr val="accent1"/>
+          </a:effectRef>
+          <a:fontRef idx="minor">
+            <a:schemeClr val="lt1"/>
+          </a:fontRef>
+        </p:style>
+        <p:txBody>
+          <a:bodyPr rtlCol="0" anchor="ctr"/>
+          <a:lstStyle/>
+          <a:p>
+            <a:pPr algn="ctr"/>
+            <a:endParaRPr lang="en-US"/>
+          </a:p>
+        </p:txBody>
+      </p:sp>
+      <p:sp>
+        <p:nvSpPr>
+          <p:cNvPr id="32" name="Rectangle 31">
+            <a:extLst>
+              <a:ext uri="{FF2B5EF4-FFF2-40B4-BE49-F238E27FC236}">
+                <a16:creationId xmlns:a16="http://schemas.microsoft.com/office/drawing/2014/main" id="{35ABFA4B-C6C7-7B7D-CAEE-EBE45B32A2C8}"/>
+              </a:ext>
+              <a:ext uri="{C183D7F6-B498-43B3-948B-1728B52AA6E4}">
+                <adec:decorative xmlns:adec="http://schemas.microsoft.com/office/drawing/2017/decorative" val="1"/>
+              </a:ext>
+            </a:extLst>
+          </p:cNvPr>
+          <p:cNvSpPr>
+            <a:spLocks noGrp="1" noRot="1" noChangeAspect="1" noMove="1" noResize="1" noEditPoints="1" noAdjustHandles="1" noChangeArrowheads="1" noChangeShapeType="1" noTextEdit="1"/>
+          </p:cNvSpPr>
+          <p:nvPr>
+            <p:extLst>
+              <p:ext uri="{386F3935-93C4-4BCD-93E2-E3B085C9AB24}">
+                <p16:designElem xmlns:p16="http://schemas.microsoft.com/office/powerpoint/2015/main" val="1"/>
+              </p:ext>
+            </p:extLst>
+          </p:nvPr>
+        </p:nvSpPr>
+        <p:spPr>
+          <a:xfrm flipH="1">
+            <a:off x="2" y="0"/>
+            <a:ext cx="12191998" cy="1575955"/>
+          </a:xfrm>
+          <a:prstGeom prst="rect">
+            <a:avLst/>
+          </a:prstGeom>
+          <a:gradFill>
+            <a:gsLst>
+              <a:gs pos="0">
+                <a:srgbClr val="000000">
+                  <a:alpha val="96000"/>
+                </a:srgbClr>
+              </a:gs>
+              <a:gs pos="100000">
+                <a:schemeClr val="accent1">
+                  <a:lumMod val="75000"/>
+                </a:schemeClr>
+              </a:gs>
+            </a:gsLst>
+            <a:lin ang="8400000" scaled="0"/>
+          </a:gradFill>
+          <a:ln>
+            <a:noFill/>
+          </a:ln>
+        </p:spPr>
+        <p:style>
+          <a:lnRef idx="2">
+            <a:schemeClr val="accent1">
+              <a:shade val="50000"/>
+            </a:schemeClr>
+          </a:lnRef>
+          <a:fillRef idx="1">
+            <a:schemeClr val="accent1"/>
+          </a:fillRef>
+          <a:effectRef idx="0">
+            <a:schemeClr val="accent1"/>
+          </a:effectRef>
+          <a:fontRef idx="minor">
+            <a:schemeClr val="lt1"/>
+          </a:fontRef>
+        </p:style>
+        <p:txBody>
+          <a:bodyPr rtlCol="0" anchor="ctr"/>
+          <a:lstStyle/>
+          <a:p>
+            <a:pPr algn="ctr"/>
+            <a:endParaRPr lang="en-US"/>
+          </a:p>
+        </p:txBody>
+      </p:sp>
+      <p:sp>
+        <p:nvSpPr>
+          <p:cNvPr id="34" name="Rectangle 33">
+            <a:extLst>
+              <a:ext uri="{FF2B5EF4-FFF2-40B4-BE49-F238E27FC236}">
+                <a16:creationId xmlns:a16="http://schemas.microsoft.com/office/drawing/2014/main" id="{5DB2BED4-D4AF-4B2E-9B14-6EC4C4217747}"/>
+              </a:ext>
+              <a:ext uri="{C183D7F6-B498-43B3-948B-1728B52AA6E4}">
+                <adec:decorative xmlns:adec="http://schemas.microsoft.com/office/drawing/2017/decorative" val="1"/>
+              </a:ext>
+            </a:extLst>
+          </p:cNvPr>
+          <p:cNvSpPr>
+            <a:spLocks noGrp="1" noRot="1" noChangeAspect="1" noMove="1" noResize="1" noEditPoints="1" noAdjustHandles="1" noChangeArrowheads="1" noChangeShapeType="1" noTextEdit="1"/>
+          </p:cNvSpPr>
+          <p:nvPr>
+            <p:extLst>
+              <p:ext uri="{386F3935-93C4-4BCD-93E2-E3B085C9AB24}">
+                <p16:designElem xmlns:p16="http://schemas.microsoft.com/office/powerpoint/2015/main" val="1"/>
+              </p:ext>
+            </p:extLst>
+          </p:nvPr>
+        </p:nvSpPr>
+        <p:spPr>
+          <a:xfrm rot="10800000" flipH="1">
+            <a:off x="8128857" y="0"/>
+            <a:ext cx="4063143" cy="1576412"/>
+          </a:xfrm>
+          <a:prstGeom prst="rect">
+            <a:avLst/>
+          </a:prstGeom>
+          <a:gradFill>
+            <a:gsLst>
+              <a:gs pos="19000">
+                <a:schemeClr val="accent1">
+                  <a:lumMod val="50000"/>
+                  <a:alpha val="68000"/>
+                </a:schemeClr>
+              </a:gs>
+              <a:gs pos="100000">
+                <a:schemeClr val="accent1">
+                  <a:alpha val="79000"/>
+                </a:schemeClr>
+              </a:gs>
+            </a:gsLst>
+            <a:lin ang="19200000" scaled="0"/>
+          </a:gradFill>
+          <a:ln>
+            <a:noFill/>
+          </a:ln>
+        </p:spPr>
+        <p:style>
+          <a:lnRef idx="2">
+            <a:schemeClr val="accent1">
+              <a:shade val="50000"/>
+            </a:schemeClr>
+          </a:lnRef>
+          <a:fillRef idx="1">
+            <a:schemeClr val="accent1"/>
+          </a:fillRef>
+          <a:effectRef idx="0">
+            <a:schemeClr val="accent1"/>
+          </a:effectRef>
+          <a:fontRef idx="minor">
+            <a:schemeClr val="lt1"/>
+          </a:fontRef>
+        </p:style>
+        <p:txBody>
+          <a:bodyPr rtlCol="0" anchor="ctr"/>
+          <a:lstStyle/>
+          <a:p>
+            <a:pPr algn="ctr"/>
+            <a:endParaRPr lang="en-US"/>
+          </a:p>
+        </p:txBody>
+      </p:sp>
+      <p:sp>
+        <p:nvSpPr>
+          <p:cNvPr id="36" name="Rectangle 35">
+            <a:extLst>
+              <a:ext uri="{FF2B5EF4-FFF2-40B4-BE49-F238E27FC236}">
+                <a16:creationId xmlns:a16="http://schemas.microsoft.com/office/drawing/2014/main" id="{B6C4F27A-0924-2081-969C-BB0575261C5E}"/>
+              </a:ext>
+              <a:ext uri="{C183D7F6-B498-43B3-948B-1728B52AA6E4}">
+                <adec:decorative xmlns:adec="http://schemas.microsoft.com/office/drawing/2017/decorative" val="1"/>
+              </a:ext>
+            </a:extLst>
+          </p:cNvPr>
+          <p:cNvSpPr>
+            <a:spLocks noGrp="1" noRot="1" noChangeAspect="1" noMove="1" noResize="1" noEditPoints="1" noAdjustHandles="1" noChangeArrowheads="1" noChangeShapeType="1" noTextEdit="1"/>
+          </p:cNvSpPr>
+          <p:nvPr>
+            <p:extLst>
+              <p:ext uri="{386F3935-93C4-4BCD-93E2-E3B085C9AB24}">
+                <p16:designElem xmlns:p16="http://schemas.microsoft.com/office/powerpoint/2015/main" val="1"/>
+              </p:ext>
+            </p:extLst>
+          </p:nvPr>
+        </p:nvSpPr>
+        <p:spPr>
+          <a:xfrm rot="5400000">
+            <a:off x="5307777" y="-5307778"/>
+            <a:ext cx="1576446" cy="12192002"/>
+          </a:xfrm>
+          <a:prstGeom prst="rect">
+            <a:avLst/>
+          </a:prstGeom>
+          <a:gradFill>
+            <a:gsLst>
+              <a:gs pos="23000">
+                <a:schemeClr val="accent1">
+                  <a:alpha val="0"/>
+                </a:schemeClr>
+              </a:gs>
+              <a:gs pos="99000">
+                <a:srgbClr val="000000">
+                  <a:alpha val="74000"/>
+                </a:srgbClr>
+              </a:gs>
+            </a:gsLst>
+            <a:lin ang="20400000" scaled="0"/>
+          </a:gradFill>
+          <a:ln>
+            <a:noFill/>
+          </a:ln>
+        </p:spPr>
+        <p:style>
+          <a:lnRef idx="2">
+            <a:schemeClr val="accent1">
+              <a:shade val="50000"/>
+            </a:schemeClr>
+          </a:lnRef>
+          <a:fillRef idx="1">
+            <a:schemeClr val="accent1"/>
+          </a:fillRef>
+          <a:effectRef idx="0">
+            <a:schemeClr val="accent1"/>
+          </a:effectRef>
+          <a:fontRef idx="minor">
+            <a:schemeClr val="lt1"/>
+          </a:fontRef>
+        </p:style>
+        <p:txBody>
+          <a:bodyPr rtlCol="0" anchor="ctr"/>
+          <a:lstStyle/>
+          <a:p>
+            <a:pPr algn="ctr"/>
+            <a:endParaRPr lang="en-US" dirty="0"/>
+          </a:p>
+        </p:txBody>
+      </p:sp>
+      <p:sp>
+        <p:nvSpPr>
+          <p:cNvPr id="2" name="Title 1">
+            <a:extLst>
+              <a:ext uri="{FF2B5EF4-FFF2-40B4-BE49-F238E27FC236}">
+                <a16:creationId xmlns:a16="http://schemas.microsoft.com/office/drawing/2014/main" id="{45630D98-5A79-95D2-347A-91F084925D98}"/>
+              </a:ext>
+            </a:extLst>
+          </p:cNvPr>
+          <p:cNvSpPr>
+            <a:spLocks noGrp="1"/>
+          </p:cNvSpPr>
+          <p:nvPr>
+            <p:ph type="title"/>
+          </p:nvPr>
+        </p:nvSpPr>
+        <p:spPr>
+          <a:xfrm>
+            <a:off x="1371597" y="348865"/>
+            <a:ext cx="10044023" cy="877729"/>
+          </a:xfrm>
+        </p:spPr>
+        <p:txBody>
+          <a:bodyPr anchor="ctr">
+            <a:normAutofit/>
+          </a:bodyPr>
+          <a:lstStyle/>
+          <a:p>
+            <a:r>
+              <a:rPr lang="en-US" sz="4000" dirty="0">
+                <a:solidFill>
+                  <a:srgbClr val="FFFFFF"/>
+                </a:solidFill>
+              </a:rPr>
+              <a:t>Cray Luckett</a:t>
+            </a:r>
+          </a:p>
+        </p:txBody>
+      </p:sp>
+      <p:sp>
+        <p:nvSpPr>
+          <p:cNvPr id="5" name="Content Placeholder 4">
+            <a:extLst>
+              <a:ext uri="{FF2B5EF4-FFF2-40B4-BE49-F238E27FC236}">
+                <a16:creationId xmlns:a16="http://schemas.microsoft.com/office/drawing/2014/main" id="{495E53C5-E531-6FFD-6196-060855DD1FBB}"/>
+              </a:ext>
+            </a:extLst>
+          </p:cNvPr>
+          <p:cNvSpPr>
+            <a:spLocks noGrp="1"/>
+          </p:cNvSpPr>
+          <p:nvPr>
+            <p:ph idx="1"/>
+          </p:nvPr>
+        </p:nvSpPr>
+        <p:spPr>
+          <a:xfrm>
+            <a:off x="838200" y="1825624"/>
+            <a:ext cx="5666338" cy="4924497"/>
+          </a:xfrm>
+        </p:spPr>
+        <p:txBody>
+          <a:bodyPr>
+            <a:normAutofit/>
+          </a:bodyPr>
+          <a:lstStyle/>
+          <a:p>
+            <a:r>
+              <a:rPr lang="en-US" sz="2400" dirty="0"/>
+              <a:t>Strengths</a:t>
+            </a:r>
+          </a:p>
+          <a:p>
+            <a:pPr lvl="1"/>
+            <a:r>
+              <a:rPr lang="en-US" sz="2000" dirty="0"/>
+              <a:t>3PTs (Especially Right Wing)</a:t>
+            </a:r>
+          </a:p>
+          <a:p>
+            <a:pPr lvl="1"/>
+            <a:r>
+              <a:rPr lang="en-US" sz="2000" dirty="0"/>
+              <a:t>Rim Shots (+16.1% than Team Average)</a:t>
+            </a:r>
+          </a:p>
+          <a:p>
+            <a:pPr lvl="1"/>
+            <a:r>
+              <a:rPr lang="en-US" sz="2000" dirty="0"/>
+              <a:t>Rebounding (Second on Team)</a:t>
+            </a:r>
+          </a:p>
+          <a:p>
+            <a:r>
+              <a:rPr lang="en-US" sz="2400" dirty="0"/>
+              <a:t>Weaknesses</a:t>
+            </a:r>
+          </a:p>
+          <a:p>
+            <a:pPr lvl="1"/>
+            <a:r>
+              <a:rPr lang="en-US" sz="2000" dirty="0"/>
+              <a:t>Midrange shots (0.5 </a:t>
+            </a:r>
+            <a:r>
+              <a:rPr lang="en-US" sz="2000" dirty="0" err="1"/>
+              <a:t>xP</a:t>
+            </a:r>
+            <a:r>
+              <a:rPr lang="en-US" sz="2000" dirty="0"/>
+              <a:t> per Shot)</a:t>
+            </a:r>
+          </a:p>
+          <a:p>
+            <a:pPr lvl="1"/>
+            <a:endParaRPr lang="en-US" sz="2000" dirty="0"/>
+          </a:p>
+          <a:p>
+            <a:r>
+              <a:rPr lang="en-US" sz="2400" dirty="0"/>
+              <a:t>Areas to Help Us Win: </a:t>
+            </a:r>
+          </a:p>
+          <a:p>
+            <a:pPr lvl="1"/>
+            <a:r>
+              <a:rPr lang="en-US" sz="2000" dirty="0"/>
+              <a:t>Attack the Paint when chased off 3PT Line</a:t>
+            </a:r>
+          </a:p>
+          <a:p>
+            <a:pPr lvl="2"/>
+            <a:r>
+              <a:rPr lang="en-US" sz="1600" dirty="0" err="1"/>
+              <a:t>xP</a:t>
+            </a:r>
+            <a:r>
+              <a:rPr lang="en-US" sz="1600" dirty="0"/>
+              <a:t> 1.52 per shot at Rim compared </a:t>
+            </a:r>
+            <a:r>
+              <a:rPr lang="en-US" sz="1600" dirty="0" err="1"/>
+              <a:t>xP</a:t>
+            </a:r>
+            <a:r>
+              <a:rPr lang="en-US" sz="1600" dirty="0"/>
+              <a:t> 0.5 per shot in Midrange</a:t>
+            </a:r>
+          </a:p>
+          <a:p>
+            <a:pPr lvl="1"/>
+            <a:r>
+              <a:rPr lang="en-US" sz="2000" dirty="0"/>
+              <a:t>Defensive Discipline </a:t>
+            </a:r>
+          </a:p>
+          <a:p>
+            <a:pPr lvl="1"/>
+            <a:r>
+              <a:rPr lang="en-US" sz="2000" dirty="0"/>
+              <a:t>Play with Strength rather than attempting to draw a foul </a:t>
+            </a:r>
+          </a:p>
+          <a:p>
+            <a:pPr lvl="1"/>
+            <a:endParaRPr lang="en-US" sz="2000" dirty="0"/>
+          </a:p>
+          <a:p>
+            <a:pPr lvl="1"/>
+            <a:endParaRPr lang="en-US" sz="2000" dirty="0"/>
+          </a:p>
+          <a:p>
+            <a:pPr lvl="1"/>
+            <a:endParaRPr lang="en-US" dirty="0"/>
+          </a:p>
+        </p:txBody>
+      </p:sp>
+      <p:pic>
+        <p:nvPicPr>
+          <p:cNvPr id="4" name="Picture 3">
+            <a:extLst>
+              <a:ext uri="{FF2B5EF4-FFF2-40B4-BE49-F238E27FC236}">
+                <a16:creationId xmlns:a16="http://schemas.microsoft.com/office/drawing/2014/main" id="{DBAAD96E-C6C2-4316-5C30-4359AA290912}"/>
+              </a:ext>
+            </a:extLst>
+          </p:cNvPr>
+          <p:cNvPicPr>
+            <a:picLocks noChangeAspect="1"/>
+          </p:cNvPicPr>
+          <p:nvPr/>
+        </p:nvPicPr>
+        <p:blipFill>
+          <a:blip r:embed="rId2"/>
+          <a:stretch>
+            <a:fillRect/>
+          </a:stretch>
+        </p:blipFill>
+        <p:spPr>
+          <a:xfrm>
+            <a:off x="6420826" y="-491"/>
+            <a:ext cx="5756817" cy="6858000"/>
+          </a:xfrm>
+          <a:prstGeom prst="rect">
+            <a:avLst/>
+          </a:prstGeom>
+        </p:spPr>
+      </p:pic>
+      <p:pic>
+        <p:nvPicPr>
+          <p:cNvPr id="8" name="Picture 7">
+            <a:extLst>
+              <a:ext uri="{FF2B5EF4-FFF2-40B4-BE49-F238E27FC236}">
+                <a16:creationId xmlns:a16="http://schemas.microsoft.com/office/drawing/2014/main" id="{68D4B918-3F47-AD74-0146-26F2C7C81871}"/>
+              </a:ext>
+            </a:extLst>
+          </p:cNvPr>
+          <p:cNvPicPr>
+            <a:picLocks noChangeAspect="1"/>
+          </p:cNvPicPr>
+          <p:nvPr/>
+        </p:nvPicPr>
+        <p:blipFill>
+          <a:blip r:embed="rId3"/>
+          <a:stretch>
+            <a:fillRect/>
+          </a:stretch>
+        </p:blipFill>
+        <p:spPr>
+          <a:xfrm>
+            <a:off x="6426226" y="1475773"/>
+            <a:ext cx="5751417" cy="1480788"/>
+          </a:xfrm>
+          <a:prstGeom prst="rect">
+            <a:avLst/>
+          </a:prstGeom>
+        </p:spPr>
+      </p:pic>
+    </p:spTree>
+    <p:extLst>
+      <p:ext uri="{BB962C8B-B14F-4D97-AF65-F5344CB8AC3E}">
+        <p14:creationId xmlns:p14="http://schemas.microsoft.com/office/powerpoint/2010/main" val="367713159"/>
       </p:ext>
     </p:extLst>
   </p:cSld>
@@ -29650,6 +30561,3194 @@
     <p:extLst>
       <p:ext uri="{BB962C8B-B14F-4D97-AF65-F5344CB8AC3E}">
         <p14:creationId xmlns:p14="http://schemas.microsoft.com/office/powerpoint/2010/main" val="878177479"/>
+      </p:ext>
+    </p:extLst>
+  </p:cSld>
+  <p:clrMapOvr>
+    <a:masterClrMapping/>
+  </p:clrMapOvr>
+</p:sld>
+</file>
+
+<file path=ppt/slides/slide20.xml><?xml version="1.0" encoding="utf-8"?>
+<p:sld xmlns:a="http://schemas.openxmlformats.org/drawingml/2006/main" xmlns:r="http://schemas.openxmlformats.org/officeDocument/2006/relationships" xmlns:p="http://schemas.openxmlformats.org/presentationml/2006/main">
+  <p:cSld>
+    <p:bg>
+      <p:bgPr>
+        <a:solidFill>
+          <a:schemeClr val="bg1"/>
+        </a:solidFill>
+        <a:effectLst/>
+      </p:bgPr>
+    </p:bg>
+    <p:spTree>
+      <p:nvGrpSpPr>
+        <p:cNvPr id="1" name="">
+          <a:extLst>
+            <a:ext uri="{FF2B5EF4-FFF2-40B4-BE49-F238E27FC236}">
+              <a16:creationId xmlns:a16="http://schemas.microsoft.com/office/drawing/2014/main" id="{8FA65BDE-13B6-0022-8433-DC8539E6E4E5}"/>
+            </a:ext>
+          </a:extLst>
+        </p:cNvPr>
+        <p:cNvGrpSpPr/>
+        <p:nvPr/>
+      </p:nvGrpSpPr>
+      <p:grpSpPr>
+        <a:xfrm>
+          <a:off x="0" y="0"/>
+          <a:ext cx="0" cy="0"/>
+          <a:chOff x="0" y="0"/>
+          <a:chExt cx="0" cy="0"/>
+        </a:xfrm>
+      </p:grpSpPr>
+      <p:sp useBgFill="1">
+        <p:nvSpPr>
+          <p:cNvPr id="30" name="Rectangle 29">
+            <a:extLst>
+              <a:ext uri="{FF2B5EF4-FFF2-40B4-BE49-F238E27FC236}">
+                <a16:creationId xmlns:a16="http://schemas.microsoft.com/office/drawing/2014/main" id="{F4F29720-56B4-0D09-57E3-BCB02AF0B9F5}"/>
+              </a:ext>
+              <a:ext uri="{C183D7F6-B498-43B3-948B-1728B52AA6E4}">
+                <adec:decorative xmlns:adec="http://schemas.microsoft.com/office/drawing/2017/decorative" val="1"/>
+              </a:ext>
+            </a:extLst>
+          </p:cNvPr>
+          <p:cNvSpPr>
+            <a:spLocks noGrp="1" noRot="1" noChangeAspect="1" noMove="1" noResize="1" noEditPoints="1" noAdjustHandles="1" noChangeArrowheads="1" noChangeShapeType="1" noTextEdit="1"/>
+          </p:cNvSpPr>
+          <p:nvPr>
+            <p:extLst>
+              <p:ext uri="{386F3935-93C4-4BCD-93E2-E3B085C9AB24}">
+                <p16:designElem xmlns:p16="http://schemas.microsoft.com/office/powerpoint/2015/main" val="1"/>
+              </p:ext>
+            </p:extLst>
+          </p:nvPr>
+        </p:nvSpPr>
+        <p:spPr>
+          <a:xfrm>
+            <a:off x="0" y="0"/>
+            <a:ext cx="12192000" cy="6858000"/>
+          </a:xfrm>
+          <a:prstGeom prst="rect">
+            <a:avLst/>
+          </a:prstGeom>
+          <a:ln w="12700" cap="flat" cmpd="sng" algn="ctr">
+            <a:noFill/>
+            <a:prstDash val="solid"/>
+            <a:miter lim="800000"/>
+          </a:ln>
+          <a:effectLst/>
+          <a:extLst>
+            <a:ext uri="{91240B29-F687-4F45-9708-019B960494DF}">
+              <a14:hiddenLine xmlns:a14="http://schemas.microsoft.com/office/drawing/2010/main" w="12700" cap="flat" cmpd="sng" algn="ctr">
+                <a:solidFill>
+                  <a:schemeClr val="accent1">
+                    <a:shade val="50000"/>
+                  </a:schemeClr>
+                </a:solidFill>
+                <a:prstDash val="solid"/>
+                <a:miter lim="800000"/>
+              </a14:hiddenLine>
+            </a:ext>
+          </a:extLst>
+        </p:spPr>
+        <p:style>
+          <a:lnRef idx="2">
+            <a:schemeClr val="accent1">
+              <a:shade val="50000"/>
+            </a:schemeClr>
+          </a:lnRef>
+          <a:fillRef idx="1">
+            <a:schemeClr val="accent1"/>
+          </a:fillRef>
+          <a:effectRef idx="0">
+            <a:schemeClr val="accent1"/>
+          </a:effectRef>
+          <a:fontRef idx="minor">
+            <a:schemeClr val="lt1"/>
+          </a:fontRef>
+        </p:style>
+        <p:txBody>
+          <a:bodyPr rtlCol="0" anchor="ctr"/>
+          <a:lstStyle/>
+          <a:p>
+            <a:pPr algn="ctr"/>
+            <a:endParaRPr lang="en-US"/>
+          </a:p>
+        </p:txBody>
+      </p:sp>
+      <p:sp>
+        <p:nvSpPr>
+          <p:cNvPr id="32" name="Rectangle 31">
+            <a:extLst>
+              <a:ext uri="{FF2B5EF4-FFF2-40B4-BE49-F238E27FC236}">
+                <a16:creationId xmlns:a16="http://schemas.microsoft.com/office/drawing/2014/main" id="{DBC4C9AC-C650-C8FA-5B89-17EA7712E14D}"/>
+              </a:ext>
+              <a:ext uri="{C183D7F6-B498-43B3-948B-1728B52AA6E4}">
+                <adec:decorative xmlns:adec="http://schemas.microsoft.com/office/drawing/2017/decorative" val="1"/>
+              </a:ext>
+            </a:extLst>
+          </p:cNvPr>
+          <p:cNvSpPr>
+            <a:spLocks noGrp="1" noRot="1" noChangeAspect="1" noMove="1" noResize="1" noEditPoints="1" noAdjustHandles="1" noChangeArrowheads="1" noChangeShapeType="1" noTextEdit="1"/>
+          </p:cNvSpPr>
+          <p:nvPr>
+            <p:extLst>
+              <p:ext uri="{386F3935-93C4-4BCD-93E2-E3B085C9AB24}">
+                <p16:designElem xmlns:p16="http://schemas.microsoft.com/office/powerpoint/2015/main" val="1"/>
+              </p:ext>
+            </p:extLst>
+          </p:nvPr>
+        </p:nvSpPr>
+        <p:spPr>
+          <a:xfrm flipH="1">
+            <a:off x="2" y="0"/>
+            <a:ext cx="12191998" cy="1575955"/>
+          </a:xfrm>
+          <a:prstGeom prst="rect">
+            <a:avLst/>
+          </a:prstGeom>
+          <a:gradFill>
+            <a:gsLst>
+              <a:gs pos="0">
+                <a:srgbClr val="000000">
+                  <a:alpha val="96000"/>
+                </a:srgbClr>
+              </a:gs>
+              <a:gs pos="100000">
+                <a:schemeClr val="accent1">
+                  <a:lumMod val="75000"/>
+                </a:schemeClr>
+              </a:gs>
+            </a:gsLst>
+            <a:lin ang="8400000" scaled="0"/>
+          </a:gradFill>
+          <a:ln>
+            <a:noFill/>
+          </a:ln>
+        </p:spPr>
+        <p:style>
+          <a:lnRef idx="2">
+            <a:schemeClr val="accent1">
+              <a:shade val="50000"/>
+            </a:schemeClr>
+          </a:lnRef>
+          <a:fillRef idx="1">
+            <a:schemeClr val="accent1"/>
+          </a:fillRef>
+          <a:effectRef idx="0">
+            <a:schemeClr val="accent1"/>
+          </a:effectRef>
+          <a:fontRef idx="minor">
+            <a:schemeClr val="lt1"/>
+          </a:fontRef>
+        </p:style>
+        <p:txBody>
+          <a:bodyPr rtlCol="0" anchor="ctr"/>
+          <a:lstStyle/>
+          <a:p>
+            <a:pPr algn="ctr"/>
+            <a:endParaRPr lang="en-US"/>
+          </a:p>
+        </p:txBody>
+      </p:sp>
+      <p:sp>
+        <p:nvSpPr>
+          <p:cNvPr id="34" name="Rectangle 33">
+            <a:extLst>
+              <a:ext uri="{FF2B5EF4-FFF2-40B4-BE49-F238E27FC236}">
+                <a16:creationId xmlns:a16="http://schemas.microsoft.com/office/drawing/2014/main" id="{3A5E6C9C-D1C6-B9A2-9AC2-4CE852AB5BF9}"/>
+              </a:ext>
+              <a:ext uri="{C183D7F6-B498-43B3-948B-1728B52AA6E4}">
+                <adec:decorative xmlns:adec="http://schemas.microsoft.com/office/drawing/2017/decorative" val="1"/>
+              </a:ext>
+            </a:extLst>
+          </p:cNvPr>
+          <p:cNvSpPr>
+            <a:spLocks noGrp="1" noRot="1" noChangeAspect="1" noMove="1" noResize="1" noEditPoints="1" noAdjustHandles="1" noChangeArrowheads="1" noChangeShapeType="1" noTextEdit="1"/>
+          </p:cNvSpPr>
+          <p:nvPr>
+            <p:extLst>
+              <p:ext uri="{386F3935-93C4-4BCD-93E2-E3B085C9AB24}">
+                <p16:designElem xmlns:p16="http://schemas.microsoft.com/office/powerpoint/2015/main" val="1"/>
+              </p:ext>
+            </p:extLst>
+          </p:nvPr>
+        </p:nvSpPr>
+        <p:spPr>
+          <a:xfrm rot="10800000" flipH="1">
+            <a:off x="8128857" y="0"/>
+            <a:ext cx="4063143" cy="1576412"/>
+          </a:xfrm>
+          <a:prstGeom prst="rect">
+            <a:avLst/>
+          </a:prstGeom>
+          <a:gradFill>
+            <a:gsLst>
+              <a:gs pos="19000">
+                <a:schemeClr val="accent1">
+                  <a:lumMod val="50000"/>
+                  <a:alpha val="68000"/>
+                </a:schemeClr>
+              </a:gs>
+              <a:gs pos="100000">
+                <a:schemeClr val="accent1">
+                  <a:alpha val="79000"/>
+                </a:schemeClr>
+              </a:gs>
+            </a:gsLst>
+            <a:lin ang="19200000" scaled="0"/>
+          </a:gradFill>
+          <a:ln>
+            <a:noFill/>
+          </a:ln>
+        </p:spPr>
+        <p:style>
+          <a:lnRef idx="2">
+            <a:schemeClr val="accent1">
+              <a:shade val="50000"/>
+            </a:schemeClr>
+          </a:lnRef>
+          <a:fillRef idx="1">
+            <a:schemeClr val="accent1"/>
+          </a:fillRef>
+          <a:effectRef idx="0">
+            <a:schemeClr val="accent1"/>
+          </a:effectRef>
+          <a:fontRef idx="minor">
+            <a:schemeClr val="lt1"/>
+          </a:fontRef>
+        </p:style>
+        <p:txBody>
+          <a:bodyPr rtlCol="0" anchor="ctr"/>
+          <a:lstStyle/>
+          <a:p>
+            <a:pPr algn="ctr"/>
+            <a:endParaRPr lang="en-US"/>
+          </a:p>
+        </p:txBody>
+      </p:sp>
+      <p:sp>
+        <p:nvSpPr>
+          <p:cNvPr id="36" name="Rectangle 35">
+            <a:extLst>
+              <a:ext uri="{FF2B5EF4-FFF2-40B4-BE49-F238E27FC236}">
+                <a16:creationId xmlns:a16="http://schemas.microsoft.com/office/drawing/2014/main" id="{CE830937-2F9F-9A2C-1189-2D1513CF0EC1}"/>
+              </a:ext>
+              <a:ext uri="{C183D7F6-B498-43B3-948B-1728B52AA6E4}">
+                <adec:decorative xmlns:adec="http://schemas.microsoft.com/office/drawing/2017/decorative" val="1"/>
+              </a:ext>
+            </a:extLst>
+          </p:cNvPr>
+          <p:cNvSpPr>
+            <a:spLocks noGrp="1" noRot="1" noChangeAspect="1" noMove="1" noResize="1" noEditPoints="1" noAdjustHandles="1" noChangeArrowheads="1" noChangeShapeType="1" noTextEdit="1"/>
+          </p:cNvSpPr>
+          <p:nvPr>
+            <p:extLst>
+              <p:ext uri="{386F3935-93C4-4BCD-93E2-E3B085C9AB24}">
+                <p16:designElem xmlns:p16="http://schemas.microsoft.com/office/powerpoint/2015/main" val="1"/>
+              </p:ext>
+            </p:extLst>
+          </p:nvPr>
+        </p:nvSpPr>
+        <p:spPr>
+          <a:xfrm rot="5400000">
+            <a:off x="5307777" y="-5307778"/>
+            <a:ext cx="1576446" cy="12192002"/>
+          </a:xfrm>
+          <a:prstGeom prst="rect">
+            <a:avLst/>
+          </a:prstGeom>
+          <a:gradFill>
+            <a:gsLst>
+              <a:gs pos="23000">
+                <a:schemeClr val="accent1">
+                  <a:alpha val="0"/>
+                </a:schemeClr>
+              </a:gs>
+              <a:gs pos="99000">
+                <a:srgbClr val="000000">
+                  <a:alpha val="74000"/>
+                </a:srgbClr>
+              </a:gs>
+            </a:gsLst>
+            <a:lin ang="20400000" scaled="0"/>
+          </a:gradFill>
+          <a:ln>
+            <a:noFill/>
+          </a:ln>
+        </p:spPr>
+        <p:style>
+          <a:lnRef idx="2">
+            <a:schemeClr val="accent1">
+              <a:shade val="50000"/>
+            </a:schemeClr>
+          </a:lnRef>
+          <a:fillRef idx="1">
+            <a:schemeClr val="accent1"/>
+          </a:fillRef>
+          <a:effectRef idx="0">
+            <a:schemeClr val="accent1"/>
+          </a:effectRef>
+          <a:fontRef idx="minor">
+            <a:schemeClr val="lt1"/>
+          </a:fontRef>
+        </p:style>
+        <p:txBody>
+          <a:bodyPr rtlCol="0" anchor="ctr"/>
+          <a:lstStyle/>
+          <a:p>
+            <a:pPr algn="ctr"/>
+            <a:endParaRPr lang="en-US" dirty="0"/>
+          </a:p>
+        </p:txBody>
+      </p:sp>
+      <p:sp>
+        <p:nvSpPr>
+          <p:cNvPr id="2" name="Title 1">
+            <a:extLst>
+              <a:ext uri="{FF2B5EF4-FFF2-40B4-BE49-F238E27FC236}">
+                <a16:creationId xmlns:a16="http://schemas.microsoft.com/office/drawing/2014/main" id="{A5E6521C-4B84-C132-0756-2BAE432B77EB}"/>
+              </a:ext>
+            </a:extLst>
+          </p:cNvPr>
+          <p:cNvSpPr>
+            <a:spLocks noGrp="1"/>
+          </p:cNvSpPr>
+          <p:nvPr>
+            <p:ph type="title"/>
+          </p:nvPr>
+        </p:nvSpPr>
+        <p:spPr>
+          <a:xfrm>
+            <a:off x="1371597" y="348865"/>
+            <a:ext cx="10044023" cy="877729"/>
+          </a:xfrm>
+        </p:spPr>
+        <p:txBody>
+          <a:bodyPr anchor="ctr">
+            <a:normAutofit/>
+          </a:bodyPr>
+          <a:lstStyle/>
+          <a:p>
+            <a:r>
+              <a:rPr lang="en-US" sz="4000" dirty="0">
+                <a:solidFill>
+                  <a:srgbClr val="FFFFFF"/>
+                </a:solidFill>
+              </a:rPr>
+              <a:t>Asher Reynolds</a:t>
+            </a:r>
+          </a:p>
+        </p:txBody>
+      </p:sp>
+      <p:sp>
+        <p:nvSpPr>
+          <p:cNvPr id="5" name="Content Placeholder 4">
+            <a:extLst>
+              <a:ext uri="{FF2B5EF4-FFF2-40B4-BE49-F238E27FC236}">
+                <a16:creationId xmlns:a16="http://schemas.microsoft.com/office/drawing/2014/main" id="{CEE484BC-CA16-594B-383C-E99F9AB58CF9}"/>
+              </a:ext>
+            </a:extLst>
+          </p:cNvPr>
+          <p:cNvSpPr>
+            <a:spLocks noGrp="1"/>
+          </p:cNvSpPr>
+          <p:nvPr>
+            <p:ph idx="1"/>
+          </p:nvPr>
+        </p:nvSpPr>
+        <p:spPr>
+          <a:xfrm>
+            <a:off x="838200" y="1825624"/>
+            <a:ext cx="5666338" cy="4605655"/>
+          </a:xfrm>
+        </p:spPr>
+        <p:txBody>
+          <a:bodyPr>
+            <a:normAutofit lnSpcReduction="10000"/>
+          </a:bodyPr>
+          <a:lstStyle/>
+          <a:p>
+            <a:r>
+              <a:rPr lang="en-US" sz="2400" dirty="0"/>
+              <a:t>Strengths</a:t>
+            </a:r>
+          </a:p>
+          <a:p>
+            <a:pPr lvl="1"/>
+            <a:r>
+              <a:rPr lang="en-US" sz="2000" dirty="0"/>
+              <a:t>Rebounding</a:t>
+            </a:r>
+          </a:p>
+          <a:p>
+            <a:pPr lvl="1"/>
+            <a:r>
+              <a:rPr lang="en-US" sz="2000" dirty="0"/>
+              <a:t>Hustle Plays</a:t>
+            </a:r>
+          </a:p>
+          <a:p>
+            <a:pPr lvl="1"/>
+            <a:r>
+              <a:rPr lang="en-US" sz="2000" dirty="0"/>
+              <a:t>AST/TO Ratio (+0.18 Team Average)</a:t>
+            </a:r>
+          </a:p>
+          <a:p>
+            <a:r>
+              <a:rPr lang="en-US" sz="2400" dirty="0"/>
+              <a:t>Weaknesses</a:t>
+            </a:r>
+          </a:p>
+          <a:p>
+            <a:pPr lvl="1"/>
+            <a:r>
+              <a:rPr lang="en-US" sz="2000" dirty="0"/>
+              <a:t>Rim Shots (-14.5% Team Average)</a:t>
+            </a:r>
+          </a:p>
+          <a:p>
+            <a:pPr lvl="1"/>
+            <a:r>
+              <a:rPr lang="en-US" sz="2000" dirty="0"/>
+              <a:t>Fouls (Leads Team)</a:t>
+            </a:r>
+          </a:p>
+          <a:p>
+            <a:pPr lvl="1"/>
+            <a:endParaRPr lang="en-US" sz="2000" dirty="0"/>
+          </a:p>
+          <a:p>
+            <a:r>
+              <a:rPr lang="en-US" sz="2400" dirty="0"/>
+              <a:t>Areas to Help Us Win: </a:t>
+            </a:r>
+          </a:p>
+          <a:p>
+            <a:pPr lvl="1"/>
+            <a:r>
+              <a:rPr lang="en-US" sz="2000" dirty="0"/>
+              <a:t>Practice Contested Rim Attacks under Control (Look to Score, Not to get Fouled)</a:t>
+            </a:r>
+          </a:p>
+          <a:p>
+            <a:pPr lvl="1"/>
+            <a:r>
+              <a:rPr lang="en-US" sz="2000" dirty="0"/>
+              <a:t>Continue to Grow Confidence from 3PT</a:t>
+            </a:r>
+          </a:p>
+          <a:p>
+            <a:pPr lvl="1"/>
+            <a:r>
+              <a:rPr lang="en-US" sz="2000" dirty="0"/>
+              <a:t>Guard without Fouling</a:t>
+            </a:r>
+          </a:p>
+          <a:p>
+            <a:pPr lvl="1"/>
+            <a:endParaRPr lang="en-US" sz="2000" dirty="0"/>
+          </a:p>
+          <a:p>
+            <a:pPr lvl="1"/>
+            <a:endParaRPr lang="en-US" sz="2000" dirty="0"/>
+          </a:p>
+          <a:p>
+            <a:pPr lvl="1"/>
+            <a:endParaRPr lang="en-US" dirty="0"/>
+          </a:p>
+        </p:txBody>
+      </p:sp>
+      <p:pic>
+        <p:nvPicPr>
+          <p:cNvPr id="4" name="Picture 3">
+            <a:extLst>
+              <a:ext uri="{FF2B5EF4-FFF2-40B4-BE49-F238E27FC236}">
+                <a16:creationId xmlns:a16="http://schemas.microsoft.com/office/drawing/2014/main" id="{80C14A27-F039-F08A-1E3F-72680FD41936}"/>
+              </a:ext>
+            </a:extLst>
+          </p:cNvPr>
+          <p:cNvPicPr>
+            <a:picLocks noChangeAspect="1"/>
+          </p:cNvPicPr>
+          <p:nvPr/>
+        </p:nvPicPr>
+        <p:blipFill>
+          <a:blip r:embed="rId2"/>
+          <a:stretch>
+            <a:fillRect/>
+          </a:stretch>
+        </p:blipFill>
+        <p:spPr>
+          <a:xfrm>
+            <a:off x="6684816" y="-1"/>
+            <a:ext cx="5507182" cy="6858000"/>
+          </a:xfrm>
+          <a:prstGeom prst="rect">
+            <a:avLst/>
+          </a:prstGeom>
+        </p:spPr>
+      </p:pic>
+      <p:pic>
+        <p:nvPicPr>
+          <p:cNvPr id="8" name="Picture 7">
+            <a:extLst>
+              <a:ext uri="{FF2B5EF4-FFF2-40B4-BE49-F238E27FC236}">
+                <a16:creationId xmlns:a16="http://schemas.microsoft.com/office/drawing/2014/main" id="{329D8D20-B55E-7E6E-21C5-827B15D5D48C}"/>
+              </a:ext>
+            </a:extLst>
+          </p:cNvPr>
+          <p:cNvPicPr>
+            <a:picLocks noChangeAspect="1"/>
+          </p:cNvPicPr>
+          <p:nvPr/>
+        </p:nvPicPr>
+        <p:blipFill>
+          <a:blip r:embed="rId3"/>
+          <a:stretch>
+            <a:fillRect/>
+          </a:stretch>
+        </p:blipFill>
+        <p:spPr>
+          <a:xfrm>
+            <a:off x="6684818" y="1458932"/>
+            <a:ext cx="5507182" cy="1576446"/>
+          </a:xfrm>
+          <a:prstGeom prst="rect">
+            <a:avLst/>
+          </a:prstGeom>
+        </p:spPr>
+      </p:pic>
+    </p:spTree>
+    <p:extLst>
+      <p:ext uri="{BB962C8B-B14F-4D97-AF65-F5344CB8AC3E}">
+        <p14:creationId xmlns:p14="http://schemas.microsoft.com/office/powerpoint/2010/main" val="2868745971"/>
+      </p:ext>
+    </p:extLst>
+  </p:cSld>
+  <p:clrMapOvr>
+    <a:masterClrMapping/>
+  </p:clrMapOvr>
+</p:sld>
+</file>
+
+<file path=ppt/slides/slide21.xml><?xml version="1.0" encoding="utf-8"?>
+<p:sld xmlns:a="http://schemas.openxmlformats.org/drawingml/2006/main" xmlns:r="http://schemas.openxmlformats.org/officeDocument/2006/relationships" xmlns:p="http://schemas.openxmlformats.org/presentationml/2006/main">
+  <p:cSld>
+    <p:bg>
+      <p:bgPr>
+        <a:solidFill>
+          <a:schemeClr val="bg1"/>
+        </a:solidFill>
+        <a:effectLst/>
+      </p:bgPr>
+    </p:bg>
+    <p:spTree>
+      <p:nvGrpSpPr>
+        <p:cNvPr id="1" name="">
+          <a:extLst>
+            <a:ext uri="{FF2B5EF4-FFF2-40B4-BE49-F238E27FC236}">
+              <a16:creationId xmlns:a16="http://schemas.microsoft.com/office/drawing/2014/main" id="{E75CF214-DBA2-C535-E55A-B1ECF0E42D36}"/>
+            </a:ext>
+          </a:extLst>
+        </p:cNvPr>
+        <p:cNvGrpSpPr/>
+        <p:nvPr/>
+      </p:nvGrpSpPr>
+      <p:grpSpPr>
+        <a:xfrm>
+          <a:off x="0" y="0"/>
+          <a:ext cx="0" cy="0"/>
+          <a:chOff x="0" y="0"/>
+          <a:chExt cx="0" cy="0"/>
+        </a:xfrm>
+      </p:grpSpPr>
+      <p:sp useBgFill="1">
+        <p:nvSpPr>
+          <p:cNvPr id="30" name="Rectangle 29">
+            <a:extLst>
+              <a:ext uri="{FF2B5EF4-FFF2-40B4-BE49-F238E27FC236}">
+                <a16:creationId xmlns:a16="http://schemas.microsoft.com/office/drawing/2014/main" id="{BDC107B7-25BB-AC6E-C48F-2245542D43F0}"/>
+              </a:ext>
+              <a:ext uri="{C183D7F6-B498-43B3-948B-1728B52AA6E4}">
+                <adec:decorative xmlns:adec="http://schemas.microsoft.com/office/drawing/2017/decorative" val="1"/>
+              </a:ext>
+            </a:extLst>
+          </p:cNvPr>
+          <p:cNvSpPr>
+            <a:spLocks noGrp="1" noRot="1" noChangeAspect="1" noMove="1" noResize="1" noEditPoints="1" noAdjustHandles="1" noChangeArrowheads="1" noChangeShapeType="1" noTextEdit="1"/>
+          </p:cNvSpPr>
+          <p:nvPr>
+            <p:extLst>
+              <p:ext uri="{386F3935-93C4-4BCD-93E2-E3B085C9AB24}">
+                <p16:designElem xmlns:p16="http://schemas.microsoft.com/office/powerpoint/2015/main" val="1"/>
+              </p:ext>
+            </p:extLst>
+          </p:nvPr>
+        </p:nvSpPr>
+        <p:spPr>
+          <a:xfrm>
+            <a:off x="0" y="0"/>
+            <a:ext cx="12192000" cy="6858000"/>
+          </a:xfrm>
+          <a:prstGeom prst="rect">
+            <a:avLst/>
+          </a:prstGeom>
+          <a:ln w="12700" cap="flat" cmpd="sng" algn="ctr">
+            <a:noFill/>
+            <a:prstDash val="solid"/>
+            <a:miter lim="800000"/>
+          </a:ln>
+          <a:effectLst/>
+          <a:extLst>
+            <a:ext uri="{91240B29-F687-4F45-9708-019B960494DF}">
+              <a14:hiddenLine xmlns:a14="http://schemas.microsoft.com/office/drawing/2010/main" w="12700" cap="flat" cmpd="sng" algn="ctr">
+                <a:solidFill>
+                  <a:schemeClr val="accent1">
+                    <a:shade val="50000"/>
+                  </a:schemeClr>
+                </a:solidFill>
+                <a:prstDash val="solid"/>
+                <a:miter lim="800000"/>
+              </a14:hiddenLine>
+            </a:ext>
+          </a:extLst>
+        </p:spPr>
+        <p:style>
+          <a:lnRef idx="2">
+            <a:schemeClr val="accent1">
+              <a:shade val="50000"/>
+            </a:schemeClr>
+          </a:lnRef>
+          <a:fillRef idx="1">
+            <a:schemeClr val="accent1"/>
+          </a:fillRef>
+          <a:effectRef idx="0">
+            <a:schemeClr val="accent1"/>
+          </a:effectRef>
+          <a:fontRef idx="minor">
+            <a:schemeClr val="lt1"/>
+          </a:fontRef>
+        </p:style>
+        <p:txBody>
+          <a:bodyPr rtlCol="0" anchor="ctr"/>
+          <a:lstStyle/>
+          <a:p>
+            <a:pPr algn="ctr"/>
+            <a:endParaRPr lang="en-US"/>
+          </a:p>
+        </p:txBody>
+      </p:sp>
+      <p:sp>
+        <p:nvSpPr>
+          <p:cNvPr id="32" name="Rectangle 31">
+            <a:extLst>
+              <a:ext uri="{FF2B5EF4-FFF2-40B4-BE49-F238E27FC236}">
+                <a16:creationId xmlns:a16="http://schemas.microsoft.com/office/drawing/2014/main" id="{53C3E0AD-30B9-6451-316B-B4E4D0B93F99}"/>
+              </a:ext>
+              <a:ext uri="{C183D7F6-B498-43B3-948B-1728B52AA6E4}">
+                <adec:decorative xmlns:adec="http://schemas.microsoft.com/office/drawing/2017/decorative" val="1"/>
+              </a:ext>
+            </a:extLst>
+          </p:cNvPr>
+          <p:cNvSpPr>
+            <a:spLocks noGrp="1" noRot="1" noChangeAspect="1" noMove="1" noResize="1" noEditPoints="1" noAdjustHandles="1" noChangeArrowheads="1" noChangeShapeType="1" noTextEdit="1"/>
+          </p:cNvSpPr>
+          <p:nvPr>
+            <p:extLst>
+              <p:ext uri="{386F3935-93C4-4BCD-93E2-E3B085C9AB24}">
+                <p16:designElem xmlns:p16="http://schemas.microsoft.com/office/powerpoint/2015/main" val="1"/>
+              </p:ext>
+            </p:extLst>
+          </p:nvPr>
+        </p:nvSpPr>
+        <p:spPr>
+          <a:xfrm flipH="1">
+            <a:off x="2" y="0"/>
+            <a:ext cx="12191998" cy="1575955"/>
+          </a:xfrm>
+          <a:prstGeom prst="rect">
+            <a:avLst/>
+          </a:prstGeom>
+          <a:gradFill>
+            <a:gsLst>
+              <a:gs pos="0">
+                <a:srgbClr val="000000">
+                  <a:alpha val="96000"/>
+                </a:srgbClr>
+              </a:gs>
+              <a:gs pos="100000">
+                <a:schemeClr val="accent1">
+                  <a:lumMod val="75000"/>
+                </a:schemeClr>
+              </a:gs>
+            </a:gsLst>
+            <a:lin ang="8400000" scaled="0"/>
+          </a:gradFill>
+          <a:ln>
+            <a:noFill/>
+          </a:ln>
+        </p:spPr>
+        <p:style>
+          <a:lnRef idx="2">
+            <a:schemeClr val="accent1">
+              <a:shade val="50000"/>
+            </a:schemeClr>
+          </a:lnRef>
+          <a:fillRef idx="1">
+            <a:schemeClr val="accent1"/>
+          </a:fillRef>
+          <a:effectRef idx="0">
+            <a:schemeClr val="accent1"/>
+          </a:effectRef>
+          <a:fontRef idx="minor">
+            <a:schemeClr val="lt1"/>
+          </a:fontRef>
+        </p:style>
+        <p:txBody>
+          <a:bodyPr rtlCol="0" anchor="ctr"/>
+          <a:lstStyle/>
+          <a:p>
+            <a:pPr algn="ctr"/>
+            <a:endParaRPr lang="en-US"/>
+          </a:p>
+        </p:txBody>
+      </p:sp>
+      <p:sp>
+        <p:nvSpPr>
+          <p:cNvPr id="34" name="Rectangle 33">
+            <a:extLst>
+              <a:ext uri="{FF2B5EF4-FFF2-40B4-BE49-F238E27FC236}">
+                <a16:creationId xmlns:a16="http://schemas.microsoft.com/office/drawing/2014/main" id="{3014D08D-2661-A042-7C5A-8DBB08291C02}"/>
+              </a:ext>
+              <a:ext uri="{C183D7F6-B498-43B3-948B-1728B52AA6E4}">
+                <adec:decorative xmlns:adec="http://schemas.microsoft.com/office/drawing/2017/decorative" val="1"/>
+              </a:ext>
+            </a:extLst>
+          </p:cNvPr>
+          <p:cNvSpPr>
+            <a:spLocks noGrp="1" noRot="1" noChangeAspect="1" noMove="1" noResize="1" noEditPoints="1" noAdjustHandles="1" noChangeArrowheads="1" noChangeShapeType="1" noTextEdit="1"/>
+          </p:cNvSpPr>
+          <p:nvPr>
+            <p:extLst>
+              <p:ext uri="{386F3935-93C4-4BCD-93E2-E3B085C9AB24}">
+                <p16:designElem xmlns:p16="http://schemas.microsoft.com/office/powerpoint/2015/main" val="1"/>
+              </p:ext>
+            </p:extLst>
+          </p:nvPr>
+        </p:nvSpPr>
+        <p:spPr>
+          <a:xfrm rot="10800000" flipH="1">
+            <a:off x="8128857" y="0"/>
+            <a:ext cx="4063143" cy="1576412"/>
+          </a:xfrm>
+          <a:prstGeom prst="rect">
+            <a:avLst/>
+          </a:prstGeom>
+          <a:gradFill>
+            <a:gsLst>
+              <a:gs pos="19000">
+                <a:schemeClr val="accent1">
+                  <a:lumMod val="50000"/>
+                  <a:alpha val="68000"/>
+                </a:schemeClr>
+              </a:gs>
+              <a:gs pos="100000">
+                <a:schemeClr val="accent1">
+                  <a:alpha val="79000"/>
+                </a:schemeClr>
+              </a:gs>
+            </a:gsLst>
+            <a:lin ang="19200000" scaled="0"/>
+          </a:gradFill>
+          <a:ln>
+            <a:noFill/>
+          </a:ln>
+        </p:spPr>
+        <p:style>
+          <a:lnRef idx="2">
+            <a:schemeClr val="accent1">
+              <a:shade val="50000"/>
+            </a:schemeClr>
+          </a:lnRef>
+          <a:fillRef idx="1">
+            <a:schemeClr val="accent1"/>
+          </a:fillRef>
+          <a:effectRef idx="0">
+            <a:schemeClr val="accent1"/>
+          </a:effectRef>
+          <a:fontRef idx="minor">
+            <a:schemeClr val="lt1"/>
+          </a:fontRef>
+        </p:style>
+        <p:txBody>
+          <a:bodyPr rtlCol="0" anchor="ctr"/>
+          <a:lstStyle/>
+          <a:p>
+            <a:pPr algn="ctr"/>
+            <a:endParaRPr lang="en-US"/>
+          </a:p>
+        </p:txBody>
+      </p:sp>
+      <p:sp>
+        <p:nvSpPr>
+          <p:cNvPr id="36" name="Rectangle 35">
+            <a:extLst>
+              <a:ext uri="{FF2B5EF4-FFF2-40B4-BE49-F238E27FC236}">
+                <a16:creationId xmlns:a16="http://schemas.microsoft.com/office/drawing/2014/main" id="{CD3CA4D6-0297-F870-298B-3D04D42A13EB}"/>
+              </a:ext>
+              <a:ext uri="{C183D7F6-B498-43B3-948B-1728B52AA6E4}">
+                <adec:decorative xmlns:adec="http://schemas.microsoft.com/office/drawing/2017/decorative" val="1"/>
+              </a:ext>
+            </a:extLst>
+          </p:cNvPr>
+          <p:cNvSpPr>
+            <a:spLocks noGrp="1" noRot="1" noChangeAspect="1" noMove="1" noResize="1" noEditPoints="1" noAdjustHandles="1" noChangeArrowheads="1" noChangeShapeType="1" noTextEdit="1"/>
+          </p:cNvSpPr>
+          <p:nvPr>
+            <p:extLst>
+              <p:ext uri="{386F3935-93C4-4BCD-93E2-E3B085C9AB24}">
+                <p16:designElem xmlns:p16="http://schemas.microsoft.com/office/powerpoint/2015/main" val="1"/>
+              </p:ext>
+            </p:extLst>
+          </p:nvPr>
+        </p:nvSpPr>
+        <p:spPr>
+          <a:xfrm rot="5400000">
+            <a:off x="5307777" y="-5307778"/>
+            <a:ext cx="1576446" cy="12192002"/>
+          </a:xfrm>
+          <a:prstGeom prst="rect">
+            <a:avLst/>
+          </a:prstGeom>
+          <a:gradFill>
+            <a:gsLst>
+              <a:gs pos="23000">
+                <a:schemeClr val="accent1">
+                  <a:alpha val="0"/>
+                </a:schemeClr>
+              </a:gs>
+              <a:gs pos="99000">
+                <a:srgbClr val="000000">
+                  <a:alpha val="74000"/>
+                </a:srgbClr>
+              </a:gs>
+            </a:gsLst>
+            <a:lin ang="20400000" scaled="0"/>
+          </a:gradFill>
+          <a:ln>
+            <a:noFill/>
+          </a:ln>
+        </p:spPr>
+        <p:style>
+          <a:lnRef idx="2">
+            <a:schemeClr val="accent1">
+              <a:shade val="50000"/>
+            </a:schemeClr>
+          </a:lnRef>
+          <a:fillRef idx="1">
+            <a:schemeClr val="accent1"/>
+          </a:fillRef>
+          <a:effectRef idx="0">
+            <a:schemeClr val="accent1"/>
+          </a:effectRef>
+          <a:fontRef idx="minor">
+            <a:schemeClr val="lt1"/>
+          </a:fontRef>
+        </p:style>
+        <p:txBody>
+          <a:bodyPr rtlCol="0" anchor="ctr"/>
+          <a:lstStyle/>
+          <a:p>
+            <a:pPr algn="ctr"/>
+            <a:endParaRPr lang="en-US" dirty="0"/>
+          </a:p>
+        </p:txBody>
+      </p:sp>
+      <p:sp>
+        <p:nvSpPr>
+          <p:cNvPr id="2" name="Title 1">
+            <a:extLst>
+              <a:ext uri="{FF2B5EF4-FFF2-40B4-BE49-F238E27FC236}">
+                <a16:creationId xmlns:a16="http://schemas.microsoft.com/office/drawing/2014/main" id="{4FF0A548-B092-44D3-9E35-6AEF66C01149}"/>
+              </a:ext>
+            </a:extLst>
+          </p:cNvPr>
+          <p:cNvSpPr>
+            <a:spLocks noGrp="1"/>
+          </p:cNvSpPr>
+          <p:nvPr>
+            <p:ph type="title"/>
+          </p:nvPr>
+        </p:nvSpPr>
+        <p:spPr>
+          <a:xfrm>
+            <a:off x="1371597" y="348865"/>
+            <a:ext cx="10044023" cy="877729"/>
+          </a:xfrm>
+        </p:spPr>
+        <p:txBody>
+          <a:bodyPr anchor="ctr">
+            <a:normAutofit/>
+          </a:bodyPr>
+          <a:lstStyle/>
+          <a:p>
+            <a:r>
+              <a:rPr lang="en-US" sz="4000" dirty="0">
+                <a:solidFill>
+                  <a:srgbClr val="FFFFFF"/>
+                </a:solidFill>
+              </a:rPr>
+              <a:t>Kaden Griffin</a:t>
+            </a:r>
+          </a:p>
+        </p:txBody>
+      </p:sp>
+      <p:sp>
+        <p:nvSpPr>
+          <p:cNvPr id="5" name="Content Placeholder 4">
+            <a:extLst>
+              <a:ext uri="{FF2B5EF4-FFF2-40B4-BE49-F238E27FC236}">
+                <a16:creationId xmlns:a16="http://schemas.microsoft.com/office/drawing/2014/main" id="{1E3C23C3-EE83-648B-5F68-0562234AD618}"/>
+              </a:ext>
+            </a:extLst>
+          </p:cNvPr>
+          <p:cNvSpPr>
+            <a:spLocks noGrp="1"/>
+          </p:cNvSpPr>
+          <p:nvPr>
+            <p:ph idx="1"/>
+          </p:nvPr>
+        </p:nvSpPr>
+        <p:spPr>
+          <a:xfrm>
+            <a:off x="838200" y="1825624"/>
+            <a:ext cx="5666338" cy="4605655"/>
+          </a:xfrm>
+        </p:spPr>
+        <p:txBody>
+          <a:bodyPr>
+            <a:normAutofit/>
+          </a:bodyPr>
+          <a:lstStyle/>
+          <a:p>
+            <a:r>
+              <a:rPr lang="en-US" sz="2400" dirty="0"/>
+              <a:t>Strengths</a:t>
+            </a:r>
+          </a:p>
+          <a:p>
+            <a:pPr lvl="1"/>
+            <a:r>
+              <a:rPr lang="en-US" sz="2000" dirty="0"/>
+              <a:t>Rebounding (2</a:t>
+            </a:r>
+            <a:r>
+              <a:rPr lang="en-US" sz="2000" baseline="30000" dirty="0"/>
+              <a:t>nd</a:t>
+            </a:r>
+            <a:r>
+              <a:rPr lang="en-US" sz="2000" dirty="0"/>
+              <a:t> in OREBs)</a:t>
+            </a:r>
+          </a:p>
+          <a:p>
+            <a:pPr lvl="1"/>
+            <a:r>
+              <a:rPr lang="en-US" sz="2000" dirty="0"/>
+              <a:t>Rim Shot (1.21 </a:t>
+            </a:r>
+            <a:r>
+              <a:rPr lang="en-US" sz="2000" dirty="0" err="1"/>
+              <a:t>xP</a:t>
+            </a:r>
+            <a:r>
+              <a:rPr lang="en-US" sz="2000" dirty="0"/>
+              <a:t> per shot)</a:t>
+            </a:r>
+          </a:p>
+          <a:p>
+            <a:r>
+              <a:rPr lang="en-US" sz="2400" dirty="0"/>
+              <a:t>Weaknesses</a:t>
+            </a:r>
+          </a:p>
+          <a:p>
+            <a:pPr lvl="1"/>
+            <a:r>
+              <a:rPr lang="en-US" sz="2000" dirty="0"/>
+              <a:t>3PT Shooting (0.27 </a:t>
+            </a:r>
+            <a:r>
+              <a:rPr lang="en-US" sz="2000" dirty="0" err="1"/>
+              <a:t>xP</a:t>
+            </a:r>
+            <a:r>
+              <a:rPr lang="en-US" sz="2000" dirty="0"/>
+              <a:t> per shot)</a:t>
+            </a:r>
+          </a:p>
+          <a:p>
+            <a:pPr lvl="1"/>
+            <a:endParaRPr lang="en-US" sz="2000" dirty="0"/>
+          </a:p>
+          <a:p>
+            <a:r>
+              <a:rPr lang="en-US" sz="2400" dirty="0"/>
+              <a:t>Areas to Help Us Win: </a:t>
+            </a:r>
+          </a:p>
+          <a:p>
+            <a:pPr lvl="1"/>
+            <a:r>
+              <a:rPr lang="en-US" sz="2000" dirty="0"/>
+              <a:t>Attack the Rim</a:t>
+            </a:r>
+          </a:p>
+          <a:p>
+            <a:pPr lvl="2"/>
+            <a:r>
+              <a:rPr lang="en-US" sz="1600" dirty="0"/>
+              <a:t>Practice Beating Defenders off the Dribble</a:t>
+            </a:r>
+          </a:p>
+          <a:p>
+            <a:pPr lvl="1"/>
+            <a:r>
+              <a:rPr lang="en-US" sz="2000" dirty="0"/>
+              <a:t>Practice Game Speed 3PT shots</a:t>
+            </a:r>
+          </a:p>
+          <a:p>
+            <a:pPr lvl="1"/>
+            <a:r>
+              <a:rPr lang="en-US" sz="2000" dirty="0"/>
+              <a:t>Continue to attack the boards to get 2</a:t>
+            </a:r>
+            <a:r>
+              <a:rPr lang="en-US" sz="2000" baseline="30000" dirty="0"/>
+              <a:t>nd</a:t>
+            </a:r>
+            <a:r>
+              <a:rPr lang="en-US" sz="2000" dirty="0"/>
+              <a:t> Chance Opportunities</a:t>
+            </a:r>
+          </a:p>
+          <a:p>
+            <a:pPr lvl="2"/>
+            <a:endParaRPr lang="en-US" sz="1600" dirty="0"/>
+          </a:p>
+          <a:p>
+            <a:pPr lvl="1"/>
+            <a:endParaRPr lang="en-US" sz="2000" dirty="0"/>
+          </a:p>
+          <a:p>
+            <a:pPr lvl="1"/>
+            <a:endParaRPr lang="en-US" dirty="0"/>
+          </a:p>
+        </p:txBody>
+      </p:sp>
+      <p:pic>
+        <p:nvPicPr>
+          <p:cNvPr id="6" name="Picture 5">
+            <a:extLst>
+              <a:ext uri="{FF2B5EF4-FFF2-40B4-BE49-F238E27FC236}">
+                <a16:creationId xmlns:a16="http://schemas.microsoft.com/office/drawing/2014/main" id="{C17AFA61-5A4C-41A4-51E7-1F6734B06AC3}"/>
+              </a:ext>
+            </a:extLst>
+          </p:cNvPr>
+          <p:cNvPicPr>
+            <a:picLocks noChangeAspect="1"/>
+          </p:cNvPicPr>
+          <p:nvPr/>
+        </p:nvPicPr>
+        <p:blipFill>
+          <a:blip r:embed="rId2"/>
+          <a:srcRect l="2622"/>
+          <a:stretch>
+            <a:fillRect/>
+          </a:stretch>
+        </p:blipFill>
+        <p:spPr>
+          <a:xfrm>
+            <a:off x="6525660" y="-1"/>
+            <a:ext cx="5666338" cy="6858000"/>
+          </a:xfrm>
+          <a:prstGeom prst="rect">
+            <a:avLst/>
+          </a:prstGeom>
+        </p:spPr>
+      </p:pic>
+      <p:pic>
+        <p:nvPicPr>
+          <p:cNvPr id="9" name="Picture 8">
+            <a:extLst>
+              <a:ext uri="{FF2B5EF4-FFF2-40B4-BE49-F238E27FC236}">
+                <a16:creationId xmlns:a16="http://schemas.microsoft.com/office/drawing/2014/main" id="{562A904C-F46D-2B8B-81A3-BCA28A494BEF}"/>
+              </a:ext>
+            </a:extLst>
+          </p:cNvPr>
+          <p:cNvPicPr>
+            <a:picLocks noChangeAspect="1"/>
+          </p:cNvPicPr>
+          <p:nvPr/>
+        </p:nvPicPr>
+        <p:blipFill>
+          <a:blip r:embed="rId3"/>
+          <a:stretch>
+            <a:fillRect/>
+          </a:stretch>
+        </p:blipFill>
+        <p:spPr>
+          <a:xfrm>
+            <a:off x="6525658" y="1386132"/>
+            <a:ext cx="5666338" cy="1575955"/>
+          </a:xfrm>
+          <a:prstGeom prst="rect">
+            <a:avLst/>
+          </a:prstGeom>
+        </p:spPr>
+      </p:pic>
+    </p:spTree>
+    <p:extLst>
+      <p:ext uri="{BB962C8B-B14F-4D97-AF65-F5344CB8AC3E}">
+        <p14:creationId xmlns:p14="http://schemas.microsoft.com/office/powerpoint/2010/main" val="3814690008"/>
+      </p:ext>
+    </p:extLst>
+  </p:cSld>
+  <p:clrMapOvr>
+    <a:masterClrMapping/>
+  </p:clrMapOvr>
+</p:sld>
+</file>
+
+<file path=ppt/slides/slide22.xml><?xml version="1.0" encoding="utf-8"?>
+<p:sld xmlns:a="http://schemas.openxmlformats.org/drawingml/2006/main" xmlns:r="http://schemas.openxmlformats.org/officeDocument/2006/relationships" xmlns:p="http://schemas.openxmlformats.org/presentationml/2006/main">
+  <p:cSld>
+    <p:bg>
+      <p:bgPr>
+        <a:solidFill>
+          <a:schemeClr val="bg1"/>
+        </a:solidFill>
+        <a:effectLst/>
+      </p:bgPr>
+    </p:bg>
+    <p:spTree>
+      <p:nvGrpSpPr>
+        <p:cNvPr id="1" name="">
+          <a:extLst>
+            <a:ext uri="{FF2B5EF4-FFF2-40B4-BE49-F238E27FC236}">
+              <a16:creationId xmlns:a16="http://schemas.microsoft.com/office/drawing/2014/main" id="{76E507B2-7563-76F3-C66E-A7E85EA45304}"/>
+            </a:ext>
+          </a:extLst>
+        </p:cNvPr>
+        <p:cNvGrpSpPr/>
+        <p:nvPr/>
+      </p:nvGrpSpPr>
+      <p:grpSpPr>
+        <a:xfrm>
+          <a:off x="0" y="0"/>
+          <a:ext cx="0" cy="0"/>
+          <a:chOff x="0" y="0"/>
+          <a:chExt cx="0" cy="0"/>
+        </a:xfrm>
+      </p:grpSpPr>
+      <p:sp useBgFill="1">
+        <p:nvSpPr>
+          <p:cNvPr id="30" name="Rectangle 29">
+            <a:extLst>
+              <a:ext uri="{FF2B5EF4-FFF2-40B4-BE49-F238E27FC236}">
+                <a16:creationId xmlns:a16="http://schemas.microsoft.com/office/drawing/2014/main" id="{BC367EA4-BAAD-0249-64AC-9BC0937F897F}"/>
+              </a:ext>
+              <a:ext uri="{C183D7F6-B498-43B3-948B-1728B52AA6E4}">
+                <adec:decorative xmlns:adec="http://schemas.microsoft.com/office/drawing/2017/decorative" val="1"/>
+              </a:ext>
+            </a:extLst>
+          </p:cNvPr>
+          <p:cNvSpPr>
+            <a:spLocks noGrp="1" noRot="1" noChangeAspect="1" noMove="1" noResize="1" noEditPoints="1" noAdjustHandles="1" noChangeArrowheads="1" noChangeShapeType="1" noTextEdit="1"/>
+          </p:cNvSpPr>
+          <p:nvPr>
+            <p:extLst>
+              <p:ext uri="{386F3935-93C4-4BCD-93E2-E3B085C9AB24}">
+                <p16:designElem xmlns:p16="http://schemas.microsoft.com/office/powerpoint/2015/main" val="1"/>
+              </p:ext>
+            </p:extLst>
+          </p:nvPr>
+        </p:nvSpPr>
+        <p:spPr>
+          <a:xfrm>
+            <a:off x="0" y="0"/>
+            <a:ext cx="12192000" cy="6858000"/>
+          </a:xfrm>
+          <a:prstGeom prst="rect">
+            <a:avLst/>
+          </a:prstGeom>
+          <a:ln w="12700" cap="flat" cmpd="sng" algn="ctr">
+            <a:noFill/>
+            <a:prstDash val="solid"/>
+            <a:miter lim="800000"/>
+          </a:ln>
+          <a:effectLst/>
+          <a:extLst>
+            <a:ext uri="{91240B29-F687-4F45-9708-019B960494DF}">
+              <a14:hiddenLine xmlns:a14="http://schemas.microsoft.com/office/drawing/2010/main" w="12700" cap="flat" cmpd="sng" algn="ctr">
+                <a:solidFill>
+                  <a:schemeClr val="accent1">
+                    <a:shade val="50000"/>
+                  </a:schemeClr>
+                </a:solidFill>
+                <a:prstDash val="solid"/>
+                <a:miter lim="800000"/>
+              </a14:hiddenLine>
+            </a:ext>
+          </a:extLst>
+        </p:spPr>
+        <p:style>
+          <a:lnRef idx="2">
+            <a:schemeClr val="accent1">
+              <a:shade val="50000"/>
+            </a:schemeClr>
+          </a:lnRef>
+          <a:fillRef idx="1">
+            <a:schemeClr val="accent1"/>
+          </a:fillRef>
+          <a:effectRef idx="0">
+            <a:schemeClr val="accent1"/>
+          </a:effectRef>
+          <a:fontRef idx="minor">
+            <a:schemeClr val="lt1"/>
+          </a:fontRef>
+        </p:style>
+        <p:txBody>
+          <a:bodyPr rtlCol="0" anchor="ctr"/>
+          <a:lstStyle/>
+          <a:p>
+            <a:pPr algn="ctr"/>
+            <a:endParaRPr lang="en-US"/>
+          </a:p>
+        </p:txBody>
+      </p:sp>
+      <p:sp>
+        <p:nvSpPr>
+          <p:cNvPr id="32" name="Rectangle 31">
+            <a:extLst>
+              <a:ext uri="{FF2B5EF4-FFF2-40B4-BE49-F238E27FC236}">
+                <a16:creationId xmlns:a16="http://schemas.microsoft.com/office/drawing/2014/main" id="{9752D61F-0402-CE2F-8FC2-99232E96FAD0}"/>
+              </a:ext>
+              <a:ext uri="{C183D7F6-B498-43B3-948B-1728B52AA6E4}">
+                <adec:decorative xmlns:adec="http://schemas.microsoft.com/office/drawing/2017/decorative" val="1"/>
+              </a:ext>
+            </a:extLst>
+          </p:cNvPr>
+          <p:cNvSpPr>
+            <a:spLocks noGrp="1" noRot="1" noChangeAspect="1" noMove="1" noResize="1" noEditPoints="1" noAdjustHandles="1" noChangeArrowheads="1" noChangeShapeType="1" noTextEdit="1"/>
+          </p:cNvSpPr>
+          <p:nvPr>
+            <p:extLst>
+              <p:ext uri="{386F3935-93C4-4BCD-93E2-E3B085C9AB24}">
+                <p16:designElem xmlns:p16="http://schemas.microsoft.com/office/powerpoint/2015/main" val="1"/>
+              </p:ext>
+            </p:extLst>
+          </p:nvPr>
+        </p:nvSpPr>
+        <p:spPr>
+          <a:xfrm flipH="1">
+            <a:off x="2" y="0"/>
+            <a:ext cx="12191998" cy="1575955"/>
+          </a:xfrm>
+          <a:prstGeom prst="rect">
+            <a:avLst/>
+          </a:prstGeom>
+          <a:gradFill>
+            <a:gsLst>
+              <a:gs pos="0">
+                <a:srgbClr val="000000">
+                  <a:alpha val="96000"/>
+                </a:srgbClr>
+              </a:gs>
+              <a:gs pos="100000">
+                <a:schemeClr val="accent1">
+                  <a:lumMod val="75000"/>
+                </a:schemeClr>
+              </a:gs>
+            </a:gsLst>
+            <a:lin ang="8400000" scaled="0"/>
+          </a:gradFill>
+          <a:ln>
+            <a:noFill/>
+          </a:ln>
+        </p:spPr>
+        <p:style>
+          <a:lnRef idx="2">
+            <a:schemeClr val="accent1">
+              <a:shade val="50000"/>
+            </a:schemeClr>
+          </a:lnRef>
+          <a:fillRef idx="1">
+            <a:schemeClr val="accent1"/>
+          </a:fillRef>
+          <a:effectRef idx="0">
+            <a:schemeClr val="accent1"/>
+          </a:effectRef>
+          <a:fontRef idx="minor">
+            <a:schemeClr val="lt1"/>
+          </a:fontRef>
+        </p:style>
+        <p:txBody>
+          <a:bodyPr rtlCol="0" anchor="ctr"/>
+          <a:lstStyle/>
+          <a:p>
+            <a:pPr algn="ctr"/>
+            <a:endParaRPr lang="en-US"/>
+          </a:p>
+        </p:txBody>
+      </p:sp>
+      <p:sp>
+        <p:nvSpPr>
+          <p:cNvPr id="34" name="Rectangle 33">
+            <a:extLst>
+              <a:ext uri="{FF2B5EF4-FFF2-40B4-BE49-F238E27FC236}">
+                <a16:creationId xmlns:a16="http://schemas.microsoft.com/office/drawing/2014/main" id="{9CDB56F4-7594-0CAB-A2E6-EDF2AD742E29}"/>
+              </a:ext>
+              <a:ext uri="{C183D7F6-B498-43B3-948B-1728B52AA6E4}">
+                <adec:decorative xmlns:adec="http://schemas.microsoft.com/office/drawing/2017/decorative" val="1"/>
+              </a:ext>
+            </a:extLst>
+          </p:cNvPr>
+          <p:cNvSpPr>
+            <a:spLocks noGrp="1" noRot="1" noChangeAspect="1" noMove="1" noResize="1" noEditPoints="1" noAdjustHandles="1" noChangeArrowheads="1" noChangeShapeType="1" noTextEdit="1"/>
+          </p:cNvSpPr>
+          <p:nvPr>
+            <p:extLst>
+              <p:ext uri="{386F3935-93C4-4BCD-93E2-E3B085C9AB24}">
+                <p16:designElem xmlns:p16="http://schemas.microsoft.com/office/powerpoint/2015/main" val="1"/>
+              </p:ext>
+            </p:extLst>
+          </p:nvPr>
+        </p:nvSpPr>
+        <p:spPr>
+          <a:xfrm rot="10800000" flipH="1">
+            <a:off x="8128857" y="0"/>
+            <a:ext cx="4063143" cy="1576412"/>
+          </a:xfrm>
+          <a:prstGeom prst="rect">
+            <a:avLst/>
+          </a:prstGeom>
+          <a:gradFill>
+            <a:gsLst>
+              <a:gs pos="19000">
+                <a:schemeClr val="accent1">
+                  <a:lumMod val="50000"/>
+                  <a:alpha val="68000"/>
+                </a:schemeClr>
+              </a:gs>
+              <a:gs pos="100000">
+                <a:schemeClr val="accent1">
+                  <a:alpha val="79000"/>
+                </a:schemeClr>
+              </a:gs>
+            </a:gsLst>
+            <a:lin ang="19200000" scaled="0"/>
+          </a:gradFill>
+          <a:ln>
+            <a:noFill/>
+          </a:ln>
+        </p:spPr>
+        <p:style>
+          <a:lnRef idx="2">
+            <a:schemeClr val="accent1">
+              <a:shade val="50000"/>
+            </a:schemeClr>
+          </a:lnRef>
+          <a:fillRef idx="1">
+            <a:schemeClr val="accent1"/>
+          </a:fillRef>
+          <a:effectRef idx="0">
+            <a:schemeClr val="accent1"/>
+          </a:effectRef>
+          <a:fontRef idx="minor">
+            <a:schemeClr val="lt1"/>
+          </a:fontRef>
+        </p:style>
+        <p:txBody>
+          <a:bodyPr rtlCol="0" anchor="ctr"/>
+          <a:lstStyle/>
+          <a:p>
+            <a:pPr algn="ctr"/>
+            <a:endParaRPr lang="en-US"/>
+          </a:p>
+        </p:txBody>
+      </p:sp>
+      <p:sp>
+        <p:nvSpPr>
+          <p:cNvPr id="36" name="Rectangle 35">
+            <a:extLst>
+              <a:ext uri="{FF2B5EF4-FFF2-40B4-BE49-F238E27FC236}">
+                <a16:creationId xmlns:a16="http://schemas.microsoft.com/office/drawing/2014/main" id="{BD49CB68-1A0B-B1D7-261E-BD1C22DCEAFB}"/>
+              </a:ext>
+              <a:ext uri="{C183D7F6-B498-43B3-948B-1728B52AA6E4}">
+                <adec:decorative xmlns:adec="http://schemas.microsoft.com/office/drawing/2017/decorative" val="1"/>
+              </a:ext>
+            </a:extLst>
+          </p:cNvPr>
+          <p:cNvSpPr>
+            <a:spLocks noGrp="1" noRot="1" noChangeAspect="1" noMove="1" noResize="1" noEditPoints="1" noAdjustHandles="1" noChangeArrowheads="1" noChangeShapeType="1" noTextEdit="1"/>
+          </p:cNvSpPr>
+          <p:nvPr>
+            <p:extLst>
+              <p:ext uri="{386F3935-93C4-4BCD-93E2-E3B085C9AB24}">
+                <p16:designElem xmlns:p16="http://schemas.microsoft.com/office/powerpoint/2015/main" val="1"/>
+              </p:ext>
+            </p:extLst>
+          </p:nvPr>
+        </p:nvSpPr>
+        <p:spPr>
+          <a:xfrm rot="5400000">
+            <a:off x="5307777" y="-5307778"/>
+            <a:ext cx="1576446" cy="12192002"/>
+          </a:xfrm>
+          <a:prstGeom prst="rect">
+            <a:avLst/>
+          </a:prstGeom>
+          <a:gradFill>
+            <a:gsLst>
+              <a:gs pos="23000">
+                <a:schemeClr val="accent1">
+                  <a:alpha val="0"/>
+                </a:schemeClr>
+              </a:gs>
+              <a:gs pos="99000">
+                <a:srgbClr val="000000">
+                  <a:alpha val="74000"/>
+                </a:srgbClr>
+              </a:gs>
+            </a:gsLst>
+            <a:lin ang="20400000" scaled="0"/>
+          </a:gradFill>
+          <a:ln>
+            <a:noFill/>
+          </a:ln>
+        </p:spPr>
+        <p:style>
+          <a:lnRef idx="2">
+            <a:schemeClr val="accent1">
+              <a:shade val="50000"/>
+            </a:schemeClr>
+          </a:lnRef>
+          <a:fillRef idx="1">
+            <a:schemeClr val="accent1"/>
+          </a:fillRef>
+          <a:effectRef idx="0">
+            <a:schemeClr val="accent1"/>
+          </a:effectRef>
+          <a:fontRef idx="minor">
+            <a:schemeClr val="lt1"/>
+          </a:fontRef>
+        </p:style>
+        <p:txBody>
+          <a:bodyPr rtlCol="0" anchor="ctr"/>
+          <a:lstStyle/>
+          <a:p>
+            <a:pPr algn="ctr"/>
+            <a:endParaRPr lang="en-US" dirty="0"/>
+          </a:p>
+        </p:txBody>
+      </p:sp>
+      <p:sp>
+        <p:nvSpPr>
+          <p:cNvPr id="2" name="Title 1">
+            <a:extLst>
+              <a:ext uri="{FF2B5EF4-FFF2-40B4-BE49-F238E27FC236}">
+                <a16:creationId xmlns:a16="http://schemas.microsoft.com/office/drawing/2014/main" id="{569A457A-E39E-6A06-91F1-81CCFE54F8D9}"/>
+              </a:ext>
+            </a:extLst>
+          </p:cNvPr>
+          <p:cNvSpPr>
+            <a:spLocks noGrp="1"/>
+          </p:cNvSpPr>
+          <p:nvPr>
+            <p:ph type="title"/>
+          </p:nvPr>
+        </p:nvSpPr>
+        <p:spPr>
+          <a:xfrm>
+            <a:off x="1371597" y="348865"/>
+            <a:ext cx="10044023" cy="877729"/>
+          </a:xfrm>
+        </p:spPr>
+        <p:txBody>
+          <a:bodyPr anchor="ctr">
+            <a:normAutofit/>
+          </a:bodyPr>
+          <a:lstStyle/>
+          <a:p>
+            <a:r>
+              <a:rPr lang="en-US" sz="4000" dirty="0">
+                <a:solidFill>
+                  <a:srgbClr val="FFFFFF"/>
+                </a:solidFill>
+              </a:rPr>
+              <a:t>Hemming Williamson</a:t>
+            </a:r>
+          </a:p>
+        </p:txBody>
+      </p:sp>
+      <p:sp>
+        <p:nvSpPr>
+          <p:cNvPr id="5" name="Content Placeholder 4">
+            <a:extLst>
+              <a:ext uri="{FF2B5EF4-FFF2-40B4-BE49-F238E27FC236}">
+                <a16:creationId xmlns:a16="http://schemas.microsoft.com/office/drawing/2014/main" id="{CB2E3421-2482-B3D5-3431-6EA7F85C0E5F}"/>
+              </a:ext>
+            </a:extLst>
+          </p:cNvPr>
+          <p:cNvSpPr>
+            <a:spLocks noGrp="1"/>
+          </p:cNvSpPr>
+          <p:nvPr>
+            <p:ph idx="1"/>
+          </p:nvPr>
+        </p:nvSpPr>
+        <p:spPr>
+          <a:xfrm>
+            <a:off x="838200" y="1825624"/>
+            <a:ext cx="5666338" cy="4605655"/>
+          </a:xfrm>
+        </p:spPr>
+        <p:txBody>
+          <a:bodyPr>
+            <a:normAutofit/>
+          </a:bodyPr>
+          <a:lstStyle/>
+          <a:p>
+            <a:r>
+              <a:rPr lang="en-US" sz="2400" dirty="0"/>
+              <a:t>Strengths</a:t>
+            </a:r>
+          </a:p>
+          <a:p>
+            <a:pPr lvl="1"/>
+            <a:r>
+              <a:rPr lang="en-US" sz="2000" dirty="0"/>
+              <a:t>AST/TO Ration (+0.18 Team Average)</a:t>
+            </a:r>
+          </a:p>
+          <a:p>
+            <a:pPr lvl="1"/>
+            <a:r>
+              <a:rPr lang="en-US" sz="2000" dirty="0"/>
+              <a:t>Leads Team in Charges Taken (4)</a:t>
+            </a:r>
+          </a:p>
+          <a:p>
+            <a:r>
+              <a:rPr lang="en-US" sz="2400" dirty="0"/>
+              <a:t>Weaknesses</a:t>
+            </a:r>
+          </a:p>
+          <a:p>
+            <a:pPr lvl="1"/>
+            <a:r>
+              <a:rPr lang="en-US" sz="2000" dirty="0"/>
+              <a:t>3PT Shooting (0.25 </a:t>
+            </a:r>
+            <a:r>
+              <a:rPr lang="en-US" sz="2000" dirty="0" err="1"/>
+              <a:t>xP</a:t>
+            </a:r>
+            <a:r>
+              <a:rPr lang="en-US" sz="2000" dirty="0"/>
+              <a:t> per Shot)</a:t>
+            </a:r>
+          </a:p>
+          <a:p>
+            <a:pPr lvl="1"/>
+            <a:r>
+              <a:rPr lang="en-US" sz="2000" dirty="0"/>
+              <a:t>Fouls</a:t>
+            </a:r>
+          </a:p>
+          <a:p>
+            <a:pPr lvl="1"/>
+            <a:endParaRPr lang="en-US" sz="2000" dirty="0"/>
+          </a:p>
+          <a:p>
+            <a:r>
+              <a:rPr lang="en-US" sz="2400" dirty="0"/>
+              <a:t>Areas to Help Us Win: </a:t>
+            </a:r>
+          </a:p>
+          <a:p>
+            <a:pPr lvl="1"/>
+            <a:r>
+              <a:rPr lang="en-US" sz="2000" dirty="0"/>
+              <a:t>Practice Contested Rim Attacks under Control (Look to Score, Not to get Fouled)</a:t>
+            </a:r>
+          </a:p>
+          <a:p>
+            <a:pPr lvl="2"/>
+            <a:r>
+              <a:rPr lang="en-US" sz="1600" dirty="0">
+                <a:highlight>
+                  <a:srgbClr val="00FFFF"/>
+                </a:highlight>
+              </a:rPr>
+              <a:t>Goal: 60% from Rim Shots</a:t>
+            </a:r>
+          </a:p>
+          <a:p>
+            <a:pPr lvl="1"/>
+            <a:r>
+              <a:rPr lang="en-US" sz="2000" dirty="0"/>
+              <a:t>Practice Game Speed Catch &amp; Shoot 3s</a:t>
+            </a:r>
+          </a:p>
+          <a:p>
+            <a:pPr lvl="1"/>
+            <a:r>
+              <a:rPr lang="en-US" sz="2000" dirty="0"/>
+              <a:t>Guard without Fouling</a:t>
+            </a:r>
+          </a:p>
+          <a:p>
+            <a:pPr lvl="1"/>
+            <a:endParaRPr lang="en-US" sz="2000" dirty="0"/>
+          </a:p>
+          <a:p>
+            <a:pPr lvl="1"/>
+            <a:endParaRPr lang="en-US" sz="2000" dirty="0"/>
+          </a:p>
+          <a:p>
+            <a:pPr lvl="1"/>
+            <a:endParaRPr lang="en-US" dirty="0"/>
+          </a:p>
+        </p:txBody>
+      </p:sp>
+      <p:pic>
+        <p:nvPicPr>
+          <p:cNvPr id="6" name="Picture 5">
+            <a:extLst>
+              <a:ext uri="{FF2B5EF4-FFF2-40B4-BE49-F238E27FC236}">
+                <a16:creationId xmlns:a16="http://schemas.microsoft.com/office/drawing/2014/main" id="{967433A7-F11B-A3BE-1E58-BC82CFB17532}"/>
+              </a:ext>
+            </a:extLst>
+          </p:cNvPr>
+          <p:cNvPicPr>
+            <a:picLocks noChangeAspect="1"/>
+          </p:cNvPicPr>
+          <p:nvPr/>
+        </p:nvPicPr>
+        <p:blipFill>
+          <a:blip r:embed="rId2"/>
+          <a:stretch>
+            <a:fillRect/>
+          </a:stretch>
+        </p:blipFill>
+        <p:spPr>
+          <a:xfrm>
+            <a:off x="6502409" y="-491"/>
+            <a:ext cx="5691720" cy="6858000"/>
+          </a:xfrm>
+          <a:prstGeom prst="rect">
+            <a:avLst/>
+          </a:prstGeom>
+        </p:spPr>
+      </p:pic>
+      <p:pic>
+        <p:nvPicPr>
+          <p:cNvPr id="9" name="Picture 8">
+            <a:extLst>
+              <a:ext uri="{FF2B5EF4-FFF2-40B4-BE49-F238E27FC236}">
+                <a16:creationId xmlns:a16="http://schemas.microsoft.com/office/drawing/2014/main" id="{2520F4B4-3FB9-61DA-0016-47A88AF75848}"/>
+              </a:ext>
+            </a:extLst>
+          </p:cNvPr>
+          <p:cNvPicPr>
+            <a:picLocks noChangeAspect="1"/>
+          </p:cNvPicPr>
+          <p:nvPr/>
+        </p:nvPicPr>
+        <p:blipFill>
+          <a:blip r:embed="rId3"/>
+          <a:stretch>
+            <a:fillRect/>
+          </a:stretch>
+        </p:blipFill>
+        <p:spPr>
+          <a:xfrm>
+            <a:off x="6500280" y="1452976"/>
+            <a:ext cx="5691720" cy="1892468"/>
+          </a:xfrm>
+          <a:prstGeom prst="rect">
+            <a:avLst/>
+          </a:prstGeom>
+        </p:spPr>
+      </p:pic>
+    </p:spTree>
+    <p:extLst>
+      <p:ext uri="{BB962C8B-B14F-4D97-AF65-F5344CB8AC3E}">
+        <p14:creationId xmlns:p14="http://schemas.microsoft.com/office/powerpoint/2010/main" val="1362825073"/>
+      </p:ext>
+    </p:extLst>
+  </p:cSld>
+  <p:clrMapOvr>
+    <a:masterClrMapping/>
+  </p:clrMapOvr>
+</p:sld>
+</file>
+
+<file path=ppt/slides/slide23.xml><?xml version="1.0" encoding="utf-8"?>
+<p:sld xmlns:a="http://schemas.openxmlformats.org/drawingml/2006/main" xmlns:r="http://schemas.openxmlformats.org/officeDocument/2006/relationships" xmlns:p="http://schemas.openxmlformats.org/presentationml/2006/main">
+  <p:cSld>
+    <p:bg>
+      <p:bgPr>
+        <a:solidFill>
+          <a:schemeClr val="bg1"/>
+        </a:solidFill>
+        <a:effectLst/>
+      </p:bgPr>
+    </p:bg>
+    <p:spTree>
+      <p:nvGrpSpPr>
+        <p:cNvPr id="1" name="">
+          <a:extLst>
+            <a:ext uri="{FF2B5EF4-FFF2-40B4-BE49-F238E27FC236}">
+              <a16:creationId xmlns:a16="http://schemas.microsoft.com/office/drawing/2014/main" id="{A4337467-DEF0-44E0-EB51-18EBB96A10E7}"/>
+            </a:ext>
+          </a:extLst>
+        </p:cNvPr>
+        <p:cNvGrpSpPr/>
+        <p:nvPr/>
+      </p:nvGrpSpPr>
+      <p:grpSpPr>
+        <a:xfrm>
+          <a:off x="0" y="0"/>
+          <a:ext cx="0" cy="0"/>
+          <a:chOff x="0" y="0"/>
+          <a:chExt cx="0" cy="0"/>
+        </a:xfrm>
+      </p:grpSpPr>
+      <p:sp useBgFill="1">
+        <p:nvSpPr>
+          <p:cNvPr id="30" name="Rectangle 29">
+            <a:extLst>
+              <a:ext uri="{FF2B5EF4-FFF2-40B4-BE49-F238E27FC236}">
+                <a16:creationId xmlns:a16="http://schemas.microsoft.com/office/drawing/2014/main" id="{DF9177E4-5EAA-5E64-AD98-7EEA09090A4D}"/>
+              </a:ext>
+              <a:ext uri="{C183D7F6-B498-43B3-948B-1728B52AA6E4}">
+                <adec:decorative xmlns:adec="http://schemas.microsoft.com/office/drawing/2017/decorative" val="1"/>
+              </a:ext>
+            </a:extLst>
+          </p:cNvPr>
+          <p:cNvSpPr>
+            <a:spLocks noGrp="1" noRot="1" noChangeAspect="1" noMove="1" noResize="1" noEditPoints="1" noAdjustHandles="1" noChangeArrowheads="1" noChangeShapeType="1" noTextEdit="1"/>
+          </p:cNvSpPr>
+          <p:nvPr>
+            <p:extLst>
+              <p:ext uri="{386F3935-93C4-4BCD-93E2-E3B085C9AB24}">
+                <p16:designElem xmlns:p16="http://schemas.microsoft.com/office/powerpoint/2015/main" val="1"/>
+              </p:ext>
+            </p:extLst>
+          </p:nvPr>
+        </p:nvSpPr>
+        <p:spPr>
+          <a:xfrm>
+            <a:off x="0" y="0"/>
+            <a:ext cx="12192000" cy="6858000"/>
+          </a:xfrm>
+          <a:prstGeom prst="rect">
+            <a:avLst/>
+          </a:prstGeom>
+          <a:ln w="12700" cap="flat" cmpd="sng" algn="ctr">
+            <a:noFill/>
+            <a:prstDash val="solid"/>
+            <a:miter lim="800000"/>
+          </a:ln>
+          <a:effectLst/>
+          <a:extLst>
+            <a:ext uri="{91240B29-F687-4F45-9708-019B960494DF}">
+              <a14:hiddenLine xmlns:a14="http://schemas.microsoft.com/office/drawing/2010/main" w="12700" cap="flat" cmpd="sng" algn="ctr">
+                <a:solidFill>
+                  <a:schemeClr val="accent1">
+                    <a:shade val="50000"/>
+                  </a:schemeClr>
+                </a:solidFill>
+                <a:prstDash val="solid"/>
+                <a:miter lim="800000"/>
+              </a14:hiddenLine>
+            </a:ext>
+          </a:extLst>
+        </p:spPr>
+        <p:style>
+          <a:lnRef idx="2">
+            <a:schemeClr val="accent1">
+              <a:shade val="50000"/>
+            </a:schemeClr>
+          </a:lnRef>
+          <a:fillRef idx="1">
+            <a:schemeClr val="accent1"/>
+          </a:fillRef>
+          <a:effectRef idx="0">
+            <a:schemeClr val="accent1"/>
+          </a:effectRef>
+          <a:fontRef idx="minor">
+            <a:schemeClr val="lt1"/>
+          </a:fontRef>
+        </p:style>
+        <p:txBody>
+          <a:bodyPr rtlCol="0" anchor="ctr"/>
+          <a:lstStyle/>
+          <a:p>
+            <a:pPr algn="ctr"/>
+            <a:endParaRPr lang="en-US"/>
+          </a:p>
+        </p:txBody>
+      </p:sp>
+      <p:sp>
+        <p:nvSpPr>
+          <p:cNvPr id="32" name="Rectangle 31">
+            <a:extLst>
+              <a:ext uri="{FF2B5EF4-FFF2-40B4-BE49-F238E27FC236}">
+                <a16:creationId xmlns:a16="http://schemas.microsoft.com/office/drawing/2014/main" id="{A6D9CCEE-9A3B-FA7B-FC95-2967A4C3290B}"/>
+              </a:ext>
+              <a:ext uri="{C183D7F6-B498-43B3-948B-1728B52AA6E4}">
+                <adec:decorative xmlns:adec="http://schemas.microsoft.com/office/drawing/2017/decorative" val="1"/>
+              </a:ext>
+            </a:extLst>
+          </p:cNvPr>
+          <p:cNvSpPr>
+            <a:spLocks noGrp="1" noRot="1" noChangeAspect="1" noMove="1" noResize="1" noEditPoints="1" noAdjustHandles="1" noChangeArrowheads="1" noChangeShapeType="1" noTextEdit="1"/>
+          </p:cNvSpPr>
+          <p:nvPr>
+            <p:extLst>
+              <p:ext uri="{386F3935-93C4-4BCD-93E2-E3B085C9AB24}">
+                <p16:designElem xmlns:p16="http://schemas.microsoft.com/office/powerpoint/2015/main" val="1"/>
+              </p:ext>
+            </p:extLst>
+          </p:nvPr>
+        </p:nvSpPr>
+        <p:spPr>
+          <a:xfrm flipH="1">
+            <a:off x="2" y="0"/>
+            <a:ext cx="12191998" cy="1575955"/>
+          </a:xfrm>
+          <a:prstGeom prst="rect">
+            <a:avLst/>
+          </a:prstGeom>
+          <a:gradFill>
+            <a:gsLst>
+              <a:gs pos="0">
+                <a:srgbClr val="000000">
+                  <a:alpha val="96000"/>
+                </a:srgbClr>
+              </a:gs>
+              <a:gs pos="100000">
+                <a:schemeClr val="accent1">
+                  <a:lumMod val="75000"/>
+                </a:schemeClr>
+              </a:gs>
+            </a:gsLst>
+            <a:lin ang="8400000" scaled="0"/>
+          </a:gradFill>
+          <a:ln>
+            <a:noFill/>
+          </a:ln>
+        </p:spPr>
+        <p:style>
+          <a:lnRef idx="2">
+            <a:schemeClr val="accent1">
+              <a:shade val="50000"/>
+            </a:schemeClr>
+          </a:lnRef>
+          <a:fillRef idx="1">
+            <a:schemeClr val="accent1"/>
+          </a:fillRef>
+          <a:effectRef idx="0">
+            <a:schemeClr val="accent1"/>
+          </a:effectRef>
+          <a:fontRef idx="minor">
+            <a:schemeClr val="lt1"/>
+          </a:fontRef>
+        </p:style>
+        <p:txBody>
+          <a:bodyPr rtlCol="0" anchor="ctr"/>
+          <a:lstStyle/>
+          <a:p>
+            <a:pPr algn="ctr"/>
+            <a:endParaRPr lang="en-US"/>
+          </a:p>
+        </p:txBody>
+      </p:sp>
+      <p:sp>
+        <p:nvSpPr>
+          <p:cNvPr id="34" name="Rectangle 33">
+            <a:extLst>
+              <a:ext uri="{FF2B5EF4-FFF2-40B4-BE49-F238E27FC236}">
+                <a16:creationId xmlns:a16="http://schemas.microsoft.com/office/drawing/2014/main" id="{7AB19FE3-AD48-D46D-9587-8443F8D329C6}"/>
+              </a:ext>
+              <a:ext uri="{C183D7F6-B498-43B3-948B-1728B52AA6E4}">
+                <adec:decorative xmlns:adec="http://schemas.microsoft.com/office/drawing/2017/decorative" val="1"/>
+              </a:ext>
+            </a:extLst>
+          </p:cNvPr>
+          <p:cNvSpPr>
+            <a:spLocks noGrp="1" noRot="1" noChangeAspect="1" noMove="1" noResize="1" noEditPoints="1" noAdjustHandles="1" noChangeArrowheads="1" noChangeShapeType="1" noTextEdit="1"/>
+          </p:cNvSpPr>
+          <p:nvPr>
+            <p:extLst>
+              <p:ext uri="{386F3935-93C4-4BCD-93E2-E3B085C9AB24}">
+                <p16:designElem xmlns:p16="http://schemas.microsoft.com/office/powerpoint/2015/main" val="1"/>
+              </p:ext>
+            </p:extLst>
+          </p:nvPr>
+        </p:nvSpPr>
+        <p:spPr>
+          <a:xfrm rot="10800000" flipH="1">
+            <a:off x="8128857" y="0"/>
+            <a:ext cx="4063143" cy="1576412"/>
+          </a:xfrm>
+          <a:prstGeom prst="rect">
+            <a:avLst/>
+          </a:prstGeom>
+          <a:gradFill>
+            <a:gsLst>
+              <a:gs pos="19000">
+                <a:schemeClr val="accent1">
+                  <a:lumMod val="50000"/>
+                  <a:alpha val="68000"/>
+                </a:schemeClr>
+              </a:gs>
+              <a:gs pos="100000">
+                <a:schemeClr val="accent1">
+                  <a:alpha val="79000"/>
+                </a:schemeClr>
+              </a:gs>
+            </a:gsLst>
+            <a:lin ang="19200000" scaled="0"/>
+          </a:gradFill>
+          <a:ln>
+            <a:noFill/>
+          </a:ln>
+        </p:spPr>
+        <p:style>
+          <a:lnRef idx="2">
+            <a:schemeClr val="accent1">
+              <a:shade val="50000"/>
+            </a:schemeClr>
+          </a:lnRef>
+          <a:fillRef idx="1">
+            <a:schemeClr val="accent1"/>
+          </a:fillRef>
+          <a:effectRef idx="0">
+            <a:schemeClr val="accent1"/>
+          </a:effectRef>
+          <a:fontRef idx="minor">
+            <a:schemeClr val="lt1"/>
+          </a:fontRef>
+        </p:style>
+        <p:txBody>
+          <a:bodyPr rtlCol="0" anchor="ctr"/>
+          <a:lstStyle/>
+          <a:p>
+            <a:pPr algn="ctr"/>
+            <a:endParaRPr lang="en-US"/>
+          </a:p>
+        </p:txBody>
+      </p:sp>
+      <p:sp>
+        <p:nvSpPr>
+          <p:cNvPr id="36" name="Rectangle 35">
+            <a:extLst>
+              <a:ext uri="{FF2B5EF4-FFF2-40B4-BE49-F238E27FC236}">
+                <a16:creationId xmlns:a16="http://schemas.microsoft.com/office/drawing/2014/main" id="{F60E0EDB-34C0-00BC-E50A-EEBDB3F21999}"/>
+              </a:ext>
+              <a:ext uri="{C183D7F6-B498-43B3-948B-1728B52AA6E4}">
+                <adec:decorative xmlns:adec="http://schemas.microsoft.com/office/drawing/2017/decorative" val="1"/>
+              </a:ext>
+            </a:extLst>
+          </p:cNvPr>
+          <p:cNvSpPr>
+            <a:spLocks noGrp="1" noRot="1" noChangeAspect="1" noMove="1" noResize="1" noEditPoints="1" noAdjustHandles="1" noChangeArrowheads="1" noChangeShapeType="1" noTextEdit="1"/>
+          </p:cNvSpPr>
+          <p:nvPr>
+            <p:extLst>
+              <p:ext uri="{386F3935-93C4-4BCD-93E2-E3B085C9AB24}">
+                <p16:designElem xmlns:p16="http://schemas.microsoft.com/office/powerpoint/2015/main" val="1"/>
+              </p:ext>
+            </p:extLst>
+          </p:nvPr>
+        </p:nvSpPr>
+        <p:spPr>
+          <a:xfrm rot="5400000">
+            <a:off x="5307777" y="-5307778"/>
+            <a:ext cx="1576446" cy="12192002"/>
+          </a:xfrm>
+          <a:prstGeom prst="rect">
+            <a:avLst/>
+          </a:prstGeom>
+          <a:gradFill>
+            <a:gsLst>
+              <a:gs pos="23000">
+                <a:schemeClr val="accent1">
+                  <a:alpha val="0"/>
+                </a:schemeClr>
+              </a:gs>
+              <a:gs pos="99000">
+                <a:srgbClr val="000000">
+                  <a:alpha val="74000"/>
+                </a:srgbClr>
+              </a:gs>
+            </a:gsLst>
+            <a:lin ang="20400000" scaled="0"/>
+          </a:gradFill>
+          <a:ln>
+            <a:noFill/>
+          </a:ln>
+        </p:spPr>
+        <p:style>
+          <a:lnRef idx="2">
+            <a:schemeClr val="accent1">
+              <a:shade val="50000"/>
+            </a:schemeClr>
+          </a:lnRef>
+          <a:fillRef idx="1">
+            <a:schemeClr val="accent1"/>
+          </a:fillRef>
+          <a:effectRef idx="0">
+            <a:schemeClr val="accent1"/>
+          </a:effectRef>
+          <a:fontRef idx="minor">
+            <a:schemeClr val="lt1"/>
+          </a:fontRef>
+        </p:style>
+        <p:txBody>
+          <a:bodyPr rtlCol="0" anchor="ctr"/>
+          <a:lstStyle/>
+          <a:p>
+            <a:pPr algn="ctr"/>
+            <a:endParaRPr lang="en-US" dirty="0"/>
+          </a:p>
+        </p:txBody>
+      </p:sp>
+      <p:sp>
+        <p:nvSpPr>
+          <p:cNvPr id="2" name="Title 1">
+            <a:extLst>
+              <a:ext uri="{FF2B5EF4-FFF2-40B4-BE49-F238E27FC236}">
+                <a16:creationId xmlns:a16="http://schemas.microsoft.com/office/drawing/2014/main" id="{CDB45C81-BCFD-DF93-09E1-2C7A3FFBBC8E}"/>
+              </a:ext>
+            </a:extLst>
+          </p:cNvPr>
+          <p:cNvSpPr>
+            <a:spLocks noGrp="1"/>
+          </p:cNvSpPr>
+          <p:nvPr>
+            <p:ph type="title"/>
+          </p:nvPr>
+        </p:nvSpPr>
+        <p:spPr>
+          <a:xfrm>
+            <a:off x="1371597" y="348865"/>
+            <a:ext cx="10044023" cy="877729"/>
+          </a:xfrm>
+        </p:spPr>
+        <p:txBody>
+          <a:bodyPr anchor="ctr">
+            <a:normAutofit/>
+          </a:bodyPr>
+          <a:lstStyle/>
+          <a:p>
+            <a:r>
+              <a:rPr lang="en-US" sz="4000" dirty="0">
+                <a:solidFill>
+                  <a:srgbClr val="FFFFFF"/>
+                </a:solidFill>
+              </a:rPr>
+              <a:t>Manning Parks</a:t>
+            </a:r>
+          </a:p>
+        </p:txBody>
+      </p:sp>
+      <p:sp>
+        <p:nvSpPr>
+          <p:cNvPr id="5" name="Content Placeholder 4">
+            <a:extLst>
+              <a:ext uri="{FF2B5EF4-FFF2-40B4-BE49-F238E27FC236}">
+                <a16:creationId xmlns:a16="http://schemas.microsoft.com/office/drawing/2014/main" id="{590EB8A2-C232-45F1-6E52-6EB9A0DBD12A}"/>
+              </a:ext>
+            </a:extLst>
+          </p:cNvPr>
+          <p:cNvSpPr>
+            <a:spLocks noGrp="1"/>
+          </p:cNvSpPr>
+          <p:nvPr>
+            <p:ph idx="1"/>
+          </p:nvPr>
+        </p:nvSpPr>
+        <p:spPr>
+          <a:xfrm>
+            <a:off x="838200" y="1825624"/>
+            <a:ext cx="5666338" cy="4605655"/>
+          </a:xfrm>
+        </p:spPr>
+        <p:txBody>
+          <a:bodyPr>
+            <a:normAutofit/>
+          </a:bodyPr>
+          <a:lstStyle/>
+          <a:p>
+            <a:r>
+              <a:rPr lang="en-US" sz="2400" dirty="0"/>
+              <a:t>Strengths</a:t>
+            </a:r>
+          </a:p>
+          <a:p>
+            <a:pPr lvl="1"/>
+            <a:r>
+              <a:rPr lang="en-US" sz="2000" dirty="0"/>
+              <a:t>Rebounding</a:t>
+            </a:r>
+          </a:p>
+          <a:p>
+            <a:pPr lvl="1"/>
+            <a:r>
+              <a:rPr lang="en-US" sz="2000" dirty="0"/>
+              <a:t>AST/TO Ratio (+0.43 Team Average)</a:t>
+            </a:r>
+          </a:p>
+          <a:p>
+            <a:r>
+              <a:rPr lang="en-US" sz="2400" dirty="0"/>
+              <a:t>Weaknesses</a:t>
+            </a:r>
+          </a:p>
+          <a:p>
+            <a:pPr lvl="1"/>
+            <a:r>
+              <a:rPr lang="en-US" sz="2000" dirty="0"/>
+              <a:t>Rim Shots (0.67 </a:t>
+            </a:r>
+            <a:r>
+              <a:rPr lang="en-US" sz="2000" dirty="0" err="1"/>
+              <a:t>xP</a:t>
+            </a:r>
+            <a:r>
+              <a:rPr lang="en-US" sz="2000" dirty="0"/>
+              <a:t> Per Shot)</a:t>
+            </a:r>
+          </a:p>
+          <a:p>
+            <a:pPr lvl="1"/>
+            <a:endParaRPr lang="en-US" sz="2000" dirty="0"/>
+          </a:p>
+          <a:p>
+            <a:r>
+              <a:rPr lang="en-US" sz="2400" dirty="0"/>
+              <a:t>Areas to Help Us Win: </a:t>
+            </a:r>
+          </a:p>
+          <a:p>
+            <a:pPr lvl="1"/>
+            <a:r>
+              <a:rPr lang="en-US" sz="2000" dirty="0"/>
+              <a:t>Continue to Distribute the Ball through the High Post</a:t>
+            </a:r>
+          </a:p>
+          <a:p>
+            <a:pPr lvl="1"/>
+            <a:r>
+              <a:rPr lang="en-US" sz="2000" dirty="0"/>
+              <a:t>Practice Inside Post Moves and Touch Around the Rim</a:t>
+            </a:r>
+          </a:p>
+          <a:p>
+            <a:pPr lvl="1"/>
+            <a:endParaRPr lang="en-US" sz="2000" dirty="0"/>
+          </a:p>
+          <a:p>
+            <a:pPr lvl="1"/>
+            <a:endParaRPr lang="en-US" dirty="0"/>
+          </a:p>
+        </p:txBody>
+      </p:sp>
+      <p:pic>
+        <p:nvPicPr>
+          <p:cNvPr id="6" name="Picture 5">
+            <a:extLst>
+              <a:ext uri="{FF2B5EF4-FFF2-40B4-BE49-F238E27FC236}">
+                <a16:creationId xmlns:a16="http://schemas.microsoft.com/office/drawing/2014/main" id="{B9B98941-83B3-148C-02F1-19BF002F5975}"/>
+              </a:ext>
+            </a:extLst>
+          </p:cNvPr>
+          <p:cNvPicPr>
+            <a:picLocks noChangeAspect="1"/>
+          </p:cNvPicPr>
+          <p:nvPr/>
+        </p:nvPicPr>
+        <p:blipFill>
+          <a:blip r:embed="rId2"/>
+          <a:stretch>
+            <a:fillRect/>
+          </a:stretch>
+        </p:blipFill>
+        <p:spPr>
+          <a:xfrm>
+            <a:off x="6550401" y="-491"/>
+            <a:ext cx="5641597" cy="6858000"/>
+          </a:xfrm>
+          <a:prstGeom prst="rect">
+            <a:avLst/>
+          </a:prstGeom>
+        </p:spPr>
+      </p:pic>
+      <p:pic>
+        <p:nvPicPr>
+          <p:cNvPr id="9" name="Picture 8">
+            <a:extLst>
+              <a:ext uri="{FF2B5EF4-FFF2-40B4-BE49-F238E27FC236}">
+                <a16:creationId xmlns:a16="http://schemas.microsoft.com/office/drawing/2014/main" id="{4D98A380-A6AF-C849-6E1F-ED9FEDAB83DD}"/>
+              </a:ext>
+            </a:extLst>
+          </p:cNvPr>
+          <p:cNvPicPr>
+            <a:picLocks noChangeAspect="1"/>
+          </p:cNvPicPr>
+          <p:nvPr/>
+        </p:nvPicPr>
+        <p:blipFill>
+          <a:blip r:embed="rId3"/>
+          <a:stretch>
+            <a:fillRect/>
+          </a:stretch>
+        </p:blipFill>
+        <p:spPr>
+          <a:xfrm>
+            <a:off x="6638102" y="1418556"/>
+            <a:ext cx="5553896" cy="1725335"/>
+          </a:xfrm>
+          <a:prstGeom prst="rect">
+            <a:avLst/>
+          </a:prstGeom>
+        </p:spPr>
+      </p:pic>
+    </p:spTree>
+    <p:extLst>
+      <p:ext uri="{BB962C8B-B14F-4D97-AF65-F5344CB8AC3E}">
+        <p14:creationId xmlns:p14="http://schemas.microsoft.com/office/powerpoint/2010/main" val="3724232745"/>
+      </p:ext>
+    </p:extLst>
+  </p:cSld>
+  <p:clrMapOvr>
+    <a:masterClrMapping/>
+  </p:clrMapOvr>
+</p:sld>
+</file>
+
+<file path=ppt/slides/slide24.xml><?xml version="1.0" encoding="utf-8"?>
+<p:sld xmlns:a="http://schemas.openxmlformats.org/drawingml/2006/main" xmlns:r="http://schemas.openxmlformats.org/officeDocument/2006/relationships" xmlns:p="http://schemas.openxmlformats.org/presentationml/2006/main">
+  <p:cSld>
+    <p:bg>
+      <p:bgPr>
+        <a:solidFill>
+          <a:schemeClr val="bg1"/>
+        </a:solidFill>
+        <a:effectLst/>
+      </p:bgPr>
+    </p:bg>
+    <p:spTree>
+      <p:nvGrpSpPr>
+        <p:cNvPr id="1" name="">
+          <a:extLst>
+            <a:ext uri="{FF2B5EF4-FFF2-40B4-BE49-F238E27FC236}">
+              <a16:creationId xmlns:a16="http://schemas.microsoft.com/office/drawing/2014/main" id="{F11F72A1-56AF-F4AB-A0C5-7EA93FFC9BD8}"/>
+            </a:ext>
+          </a:extLst>
+        </p:cNvPr>
+        <p:cNvGrpSpPr/>
+        <p:nvPr/>
+      </p:nvGrpSpPr>
+      <p:grpSpPr>
+        <a:xfrm>
+          <a:off x="0" y="0"/>
+          <a:ext cx="0" cy="0"/>
+          <a:chOff x="0" y="0"/>
+          <a:chExt cx="0" cy="0"/>
+        </a:xfrm>
+      </p:grpSpPr>
+      <p:sp useBgFill="1">
+        <p:nvSpPr>
+          <p:cNvPr id="30" name="Rectangle 29">
+            <a:extLst>
+              <a:ext uri="{FF2B5EF4-FFF2-40B4-BE49-F238E27FC236}">
+                <a16:creationId xmlns:a16="http://schemas.microsoft.com/office/drawing/2014/main" id="{C187702B-B77D-79C6-29F7-C118BCDAD0E8}"/>
+              </a:ext>
+              <a:ext uri="{C183D7F6-B498-43B3-948B-1728B52AA6E4}">
+                <adec:decorative xmlns:adec="http://schemas.microsoft.com/office/drawing/2017/decorative" val="1"/>
+              </a:ext>
+            </a:extLst>
+          </p:cNvPr>
+          <p:cNvSpPr>
+            <a:spLocks noGrp="1" noRot="1" noChangeAspect="1" noMove="1" noResize="1" noEditPoints="1" noAdjustHandles="1" noChangeArrowheads="1" noChangeShapeType="1" noTextEdit="1"/>
+          </p:cNvSpPr>
+          <p:nvPr>
+            <p:extLst>
+              <p:ext uri="{386F3935-93C4-4BCD-93E2-E3B085C9AB24}">
+                <p16:designElem xmlns:p16="http://schemas.microsoft.com/office/powerpoint/2015/main" val="1"/>
+              </p:ext>
+            </p:extLst>
+          </p:nvPr>
+        </p:nvSpPr>
+        <p:spPr>
+          <a:xfrm>
+            <a:off x="0" y="0"/>
+            <a:ext cx="12192000" cy="6858000"/>
+          </a:xfrm>
+          <a:prstGeom prst="rect">
+            <a:avLst/>
+          </a:prstGeom>
+          <a:ln w="12700" cap="flat" cmpd="sng" algn="ctr">
+            <a:noFill/>
+            <a:prstDash val="solid"/>
+            <a:miter lim="800000"/>
+          </a:ln>
+          <a:effectLst/>
+          <a:extLst>
+            <a:ext uri="{91240B29-F687-4F45-9708-019B960494DF}">
+              <a14:hiddenLine xmlns:a14="http://schemas.microsoft.com/office/drawing/2010/main" w="12700" cap="flat" cmpd="sng" algn="ctr">
+                <a:solidFill>
+                  <a:schemeClr val="accent1">
+                    <a:shade val="50000"/>
+                  </a:schemeClr>
+                </a:solidFill>
+                <a:prstDash val="solid"/>
+                <a:miter lim="800000"/>
+              </a14:hiddenLine>
+            </a:ext>
+          </a:extLst>
+        </p:spPr>
+        <p:style>
+          <a:lnRef idx="2">
+            <a:schemeClr val="accent1">
+              <a:shade val="50000"/>
+            </a:schemeClr>
+          </a:lnRef>
+          <a:fillRef idx="1">
+            <a:schemeClr val="accent1"/>
+          </a:fillRef>
+          <a:effectRef idx="0">
+            <a:schemeClr val="accent1"/>
+          </a:effectRef>
+          <a:fontRef idx="minor">
+            <a:schemeClr val="lt1"/>
+          </a:fontRef>
+        </p:style>
+        <p:txBody>
+          <a:bodyPr rtlCol="0" anchor="ctr"/>
+          <a:lstStyle/>
+          <a:p>
+            <a:pPr algn="ctr"/>
+            <a:endParaRPr lang="en-US"/>
+          </a:p>
+        </p:txBody>
+      </p:sp>
+      <p:sp>
+        <p:nvSpPr>
+          <p:cNvPr id="32" name="Rectangle 31">
+            <a:extLst>
+              <a:ext uri="{FF2B5EF4-FFF2-40B4-BE49-F238E27FC236}">
+                <a16:creationId xmlns:a16="http://schemas.microsoft.com/office/drawing/2014/main" id="{DCEBC3D4-F4EC-A936-0C32-F14560CEE752}"/>
+              </a:ext>
+              <a:ext uri="{C183D7F6-B498-43B3-948B-1728B52AA6E4}">
+                <adec:decorative xmlns:adec="http://schemas.microsoft.com/office/drawing/2017/decorative" val="1"/>
+              </a:ext>
+            </a:extLst>
+          </p:cNvPr>
+          <p:cNvSpPr>
+            <a:spLocks noGrp="1" noRot="1" noChangeAspect="1" noMove="1" noResize="1" noEditPoints="1" noAdjustHandles="1" noChangeArrowheads="1" noChangeShapeType="1" noTextEdit="1"/>
+          </p:cNvSpPr>
+          <p:nvPr>
+            <p:extLst>
+              <p:ext uri="{386F3935-93C4-4BCD-93E2-E3B085C9AB24}">
+                <p16:designElem xmlns:p16="http://schemas.microsoft.com/office/powerpoint/2015/main" val="1"/>
+              </p:ext>
+            </p:extLst>
+          </p:nvPr>
+        </p:nvSpPr>
+        <p:spPr>
+          <a:xfrm flipH="1">
+            <a:off x="2" y="0"/>
+            <a:ext cx="12191998" cy="1575955"/>
+          </a:xfrm>
+          <a:prstGeom prst="rect">
+            <a:avLst/>
+          </a:prstGeom>
+          <a:gradFill>
+            <a:gsLst>
+              <a:gs pos="0">
+                <a:srgbClr val="000000">
+                  <a:alpha val="96000"/>
+                </a:srgbClr>
+              </a:gs>
+              <a:gs pos="100000">
+                <a:schemeClr val="accent1">
+                  <a:lumMod val="75000"/>
+                </a:schemeClr>
+              </a:gs>
+            </a:gsLst>
+            <a:lin ang="8400000" scaled="0"/>
+          </a:gradFill>
+          <a:ln>
+            <a:noFill/>
+          </a:ln>
+        </p:spPr>
+        <p:style>
+          <a:lnRef idx="2">
+            <a:schemeClr val="accent1">
+              <a:shade val="50000"/>
+            </a:schemeClr>
+          </a:lnRef>
+          <a:fillRef idx="1">
+            <a:schemeClr val="accent1"/>
+          </a:fillRef>
+          <a:effectRef idx="0">
+            <a:schemeClr val="accent1"/>
+          </a:effectRef>
+          <a:fontRef idx="minor">
+            <a:schemeClr val="lt1"/>
+          </a:fontRef>
+        </p:style>
+        <p:txBody>
+          <a:bodyPr rtlCol="0" anchor="ctr"/>
+          <a:lstStyle/>
+          <a:p>
+            <a:pPr algn="ctr"/>
+            <a:endParaRPr lang="en-US"/>
+          </a:p>
+        </p:txBody>
+      </p:sp>
+      <p:sp>
+        <p:nvSpPr>
+          <p:cNvPr id="34" name="Rectangle 33">
+            <a:extLst>
+              <a:ext uri="{FF2B5EF4-FFF2-40B4-BE49-F238E27FC236}">
+                <a16:creationId xmlns:a16="http://schemas.microsoft.com/office/drawing/2014/main" id="{F90050B9-91B1-4B4E-FE2C-15BA7C05CFCD}"/>
+              </a:ext>
+              <a:ext uri="{C183D7F6-B498-43B3-948B-1728B52AA6E4}">
+                <adec:decorative xmlns:adec="http://schemas.microsoft.com/office/drawing/2017/decorative" val="1"/>
+              </a:ext>
+            </a:extLst>
+          </p:cNvPr>
+          <p:cNvSpPr>
+            <a:spLocks noGrp="1" noRot="1" noChangeAspect="1" noMove="1" noResize="1" noEditPoints="1" noAdjustHandles="1" noChangeArrowheads="1" noChangeShapeType="1" noTextEdit="1"/>
+          </p:cNvSpPr>
+          <p:nvPr>
+            <p:extLst>
+              <p:ext uri="{386F3935-93C4-4BCD-93E2-E3B085C9AB24}">
+                <p16:designElem xmlns:p16="http://schemas.microsoft.com/office/powerpoint/2015/main" val="1"/>
+              </p:ext>
+            </p:extLst>
+          </p:nvPr>
+        </p:nvSpPr>
+        <p:spPr>
+          <a:xfrm rot="10800000" flipH="1">
+            <a:off x="8128857" y="0"/>
+            <a:ext cx="4063143" cy="1576412"/>
+          </a:xfrm>
+          <a:prstGeom prst="rect">
+            <a:avLst/>
+          </a:prstGeom>
+          <a:gradFill>
+            <a:gsLst>
+              <a:gs pos="19000">
+                <a:schemeClr val="accent1">
+                  <a:lumMod val="50000"/>
+                  <a:alpha val="68000"/>
+                </a:schemeClr>
+              </a:gs>
+              <a:gs pos="100000">
+                <a:schemeClr val="accent1">
+                  <a:alpha val="79000"/>
+                </a:schemeClr>
+              </a:gs>
+            </a:gsLst>
+            <a:lin ang="19200000" scaled="0"/>
+          </a:gradFill>
+          <a:ln>
+            <a:noFill/>
+          </a:ln>
+        </p:spPr>
+        <p:style>
+          <a:lnRef idx="2">
+            <a:schemeClr val="accent1">
+              <a:shade val="50000"/>
+            </a:schemeClr>
+          </a:lnRef>
+          <a:fillRef idx="1">
+            <a:schemeClr val="accent1"/>
+          </a:fillRef>
+          <a:effectRef idx="0">
+            <a:schemeClr val="accent1"/>
+          </a:effectRef>
+          <a:fontRef idx="minor">
+            <a:schemeClr val="lt1"/>
+          </a:fontRef>
+        </p:style>
+        <p:txBody>
+          <a:bodyPr rtlCol="0" anchor="ctr"/>
+          <a:lstStyle/>
+          <a:p>
+            <a:pPr algn="ctr"/>
+            <a:endParaRPr lang="en-US"/>
+          </a:p>
+        </p:txBody>
+      </p:sp>
+      <p:sp>
+        <p:nvSpPr>
+          <p:cNvPr id="36" name="Rectangle 35">
+            <a:extLst>
+              <a:ext uri="{FF2B5EF4-FFF2-40B4-BE49-F238E27FC236}">
+                <a16:creationId xmlns:a16="http://schemas.microsoft.com/office/drawing/2014/main" id="{F3F56558-9C56-5D61-E720-8CAD1FA1FD6E}"/>
+              </a:ext>
+              <a:ext uri="{C183D7F6-B498-43B3-948B-1728B52AA6E4}">
+                <adec:decorative xmlns:adec="http://schemas.microsoft.com/office/drawing/2017/decorative" val="1"/>
+              </a:ext>
+            </a:extLst>
+          </p:cNvPr>
+          <p:cNvSpPr>
+            <a:spLocks noGrp="1" noRot="1" noChangeAspect="1" noMove="1" noResize="1" noEditPoints="1" noAdjustHandles="1" noChangeArrowheads="1" noChangeShapeType="1" noTextEdit="1"/>
+          </p:cNvSpPr>
+          <p:nvPr>
+            <p:extLst>
+              <p:ext uri="{386F3935-93C4-4BCD-93E2-E3B085C9AB24}">
+                <p16:designElem xmlns:p16="http://schemas.microsoft.com/office/powerpoint/2015/main" val="1"/>
+              </p:ext>
+            </p:extLst>
+          </p:nvPr>
+        </p:nvSpPr>
+        <p:spPr>
+          <a:xfrm rot="5400000">
+            <a:off x="5307777" y="-5307778"/>
+            <a:ext cx="1576446" cy="12192002"/>
+          </a:xfrm>
+          <a:prstGeom prst="rect">
+            <a:avLst/>
+          </a:prstGeom>
+          <a:gradFill>
+            <a:gsLst>
+              <a:gs pos="23000">
+                <a:schemeClr val="accent1">
+                  <a:alpha val="0"/>
+                </a:schemeClr>
+              </a:gs>
+              <a:gs pos="99000">
+                <a:srgbClr val="000000">
+                  <a:alpha val="74000"/>
+                </a:srgbClr>
+              </a:gs>
+            </a:gsLst>
+            <a:lin ang="20400000" scaled="0"/>
+          </a:gradFill>
+          <a:ln>
+            <a:noFill/>
+          </a:ln>
+        </p:spPr>
+        <p:style>
+          <a:lnRef idx="2">
+            <a:schemeClr val="accent1">
+              <a:shade val="50000"/>
+            </a:schemeClr>
+          </a:lnRef>
+          <a:fillRef idx="1">
+            <a:schemeClr val="accent1"/>
+          </a:fillRef>
+          <a:effectRef idx="0">
+            <a:schemeClr val="accent1"/>
+          </a:effectRef>
+          <a:fontRef idx="minor">
+            <a:schemeClr val="lt1"/>
+          </a:fontRef>
+        </p:style>
+        <p:txBody>
+          <a:bodyPr rtlCol="0" anchor="ctr"/>
+          <a:lstStyle/>
+          <a:p>
+            <a:pPr algn="ctr"/>
+            <a:endParaRPr lang="en-US" dirty="0"/>
+          </a:p>
+        </p:txBody>
+      </p:sp>
+      <p:sp>
+        <p:nvSpPr>
+          <p:cNvPr id="2" name="Title 1">
+            <a:extLst>
+              <a:ext uri="{FF2B5EF4-FFF2-40B4-BE49-F238E27FC236}">
+                <a16:creationId xmlns:a16="http://schemas.microsoft.com/office/drawing/2014/main" id="{2629D6ED-EF3F-9361-C80F-B0DB3E7069E4}"/>
+              </a:ext>
+            </a:extLst>
+          </p:cNvPr>
+          <p:cNvSpPr>
+            <a:spLocks noGrp="1"/>
+          </p:cNvSpPr>
+          <p:nvPr>
+            <p:ph type="title"/>
+          </p:nvPr>
+        </p:nvSpPr>
+        <p:spPr>
+          <a:xfrm>
+            <a:off x="1371597" y="348865"/>
+            <a:ext cx="10044023" cy="877729"/>
+          </a:xfrm>
+        </p:spPr>
+        <p:txBody>
+          <a:bodyPr anchor="ctr">
+            <a:normAutofit/>
+          </a:bodyPr>
+          <a:lstStyle/>
+          <a:p>
+            <a:r>
+              <a:rPr lang="en-US" sz="4000" dirty="0">
+                <a:solidFill>
+                  <a:srgbClr val="FFFFFF"/>
+                </a:solidFill>
+              </a:rPr>
+              <a:t>Ben Roberts Smith</a:t>
+            </a:r>
+          </a:p>
+        </p:txBody>
+      </p:sp>
+      <p:sp>
+        <p:nvSpPr>
+          <p:cNvPr id="5" name="Content Placeholder 4">
+            <a:extLst>
+              <a:ext uri="{FF2B5EF4-FFF2-40B4-BE49-F238E27FC236}">
+                <a16:creationId xmlns:a16="http://schemas.microsoft.com/office/drawing/2014/main" id="{9D938F36-06DD-0D1C-C567-03B44DE26CF3}"/>
+              </a:ext>
+            </a:extLst>
+          </p:cNvPr>
+          <p:cNvSpPr>
+            <a:spLocks noGrp="1"/>
+          </p:cNvSpPr>
+          <p:nvPr>
+            <p:ph idx="1"/>
+          </p:nvPr>
+        </p:nvSpPr>
+        <p:spPr>
+          <a:xfrm>
+            <a:off x="838200" y="1743963"/>
+            <a:ext cx="5666338" cy="4945046"/>
+          </a:xfrm>
+        </p:spPr>
+        <p:txBody>
+          <a:bodyPr>
+            <a:normAutofit/>
+          </a:bodyPr>
+          <a:lstStyle/>
+          <a:p>
+            <a:r>
+              <a:rPr lang="en-US" sz="2400" dirty="0"/>
+              <a:t>Strengths</a:t>
+            </a:r>
+          </a:p>
+          <a:p>
+            <a:pPr lvl="1"/>
+            <a:r>
+              <a:rPr lang="en-US" sz="2000" dirty="0"/>
+              <a:t>Defensive Pressure</a:t>
+            </a:r>
+          </a:p>
+          <a:p>
+            <a:pPr lvl="1"/>
+            <a:r>
+              <a:rPr lang="en-US" sz="2000" dirty="0"/>
+              <a:t>Hustle Plays</a:t>
+            </a:r>
+          </a:p>
+          <a:p>
+            <a:pPr lvl="1"/>
+            <a:r>
+              <a:rPr lang="en-US" sz="2000" dirty="0"/>
+              <a:t>Corner 3s (1.09 </a:t>
+            </a:r>
+            <a:r>
+              <a:rPr lang="en-US" sz="2000" dirty="0" err="1"/>
+              <a:t>xP</a:t>
+            </a:r>
+            <a:r>
+              <a:rPr lang="en-US" sz="2000" dirty="0"/>
+              <a:t> per Shot)</a:t>
+            </a:r>
+          </a:p>
+          <a:p>
+            <a:r>
+              <a:rPr lang="en-US" dirty="0"/>
+              <a:t>Weaknesses</a:t>
+            </a:r>
+          </a:p>
+          <a:p>
+            <a:pPr lvl="1"/>
+            <a:r>
+              <a:rPr lang="en-US" sz="2000" dirty="0"/>
+              <a:t>Wing 3s (0.67 </a:t>
+            </a:r>
+            <a:r>
+              <a:rPr lang="en-US" sz="2000" dirty="0" err="1"/>
+              <a:t>xP</a:t>
+            </a:r>
+            <a:r>
+              <a:rPr lang="en-US" sz="2000" dirty="0"/>
+              <a:t> per Shot)</a:t>
+            </a:r>
+          </a:p>
+          <a:p>
+            <a:pPr lvl="1"/>
+            <a:endParaRPr lang="en-US" sz="2000" dirty="0"/>
+          </a:p>
+          <a:p>
+            <a:r>
+              <a:rPr lang="en-US" sz="2400" dirty="0"/>
+              <a:t>Areas to Help Us Win: </a:t>
+            </a:r>
+          </a:p>
+          <a:p>
+            <a:pPr lvl="1"/>
+            <a:r>
+              <a:rPr lang="en-US" sz="2000" dirty="0"/>
+              <a:t>Shoot Balanced Uncontested 3PT Shots</a:t>
+            </a:r>
+          </a:p>
+          <a:p>
+            <a:pPr lvl="1"/>
+            <a:r>
+              <a:rPr lang="en-US" sz="2000" dirty="0"/>
+              <a:t>Practice Game Speed Catch &amp; Shoot 3s</a:t>
+            </a:r>
+          </a:p>
+          <a:p>
+            <a:pPr lvl="1"/>
+            <a:r>
+              <a:rPr lang="en-US" sz="2000" dirty="0"/>
+              <a:t>Create Chaos on the Defensive Sides of Ball</a:t>
+            </a:r>
+          </a:p>
+          <a:p>
+            <a:pPr lvl="1"/>
+            <a:r>
+              <a:rPr lang="en-US" sz="2000" dirty="0"/>
+              <a:t>Practice Attack Moves to the Rim</a:t>
+            </a:r>
+          </a:p>
+          <a:p>
+            <a:pPr lvl="2"/>
+            <a:r>
+              <a:rPr lang="en-US" sz="1600" dirty="0"/>
+              <a:t>Only 12% of Shots inside the 3PT Line</a:t>
+            </a:r>
+            <a:endParaRPr lang="en-US" sz="2000" dirty="0"/>
+          </a:p>
+          <a:p>
+            <a:pPr lvl="1"/>
+            <a:endParaRPr lang="en-US" dirty="0"/>
+          </a:p>
+        </p:txBody>
+      </p:sp>
+      <p:pic>
+        <p:nvPicPr>
+          <p:cNvPr id="6" name="Picture 5">
+            <a:extLst>
+              <a:ext uri="{FF2B5EF4-FFF2-40B4-BE49-F238E27FC236}">
+                <a16:creationId xmlns:a16="http://schemas.microsoft.com/office/drawing/2014/main" id="{D4D35CDE-F704-1E0C-A737-E2EC75746ECB}"/>
+              </a:ext>
+            </a:extLst>
+          </p:cNvPr>
+          <p:cNvPicPr>
+            <a:picLocks noChangeAspect="1"/>
+          </p:cNvPicPr>
+          <p:nvPr/>
+        </p:nvPicPr>
+        <p:blipFill>
+          <a:blip r:embed="rId2"/>
+          <a:srcRect l="1493"/>
+          <a:stretch>
+            <a:fillRect/>
+          </a:stretch>
+        </p:blipFill>
+        <p:spPr>
+          <a:xfrm>
+            <a:off x="6504537" y="-491"/>
+            <a:ext cx="5687463" cy="6858000"/>
+          </a:xfrm>
+          <a:prstGeom prst="rect">
+            <a:avLst/>
+          </a:prstGeom>
+        </p:spPr>
+      </p:pic>
+      <p:pic>
+        <p:nvPicPr>
+          <p:cNvPr id="9" name="Picture 8">
+            <a:extLst>
+              <a:ext uri="{FF2B5EF4-FFF2-40B4-BE49-F238E27FC236}">
+                <a16:creationId xmlns:a16="http://schemas.microsoft.com/office/drawing/2014/main" id="{C4AEC32E-6717-B29E-E063-145EB8888124}"/>
+              </a:ext>
+            </a:extLst>
+          </p:cNvPr>
+          <p:cNvPicPr>
+            <a:picLocks noChangeAspect="1"/>
+          </p:cNvPicPr>
+          <p:nvPr/>
+        </p:nvPicPr>
+        <p:blipFill>
+          <a:blip r:embed="rId3"/>
+          <a:stretch>
+            <a:fillRect/>
+          </a:stretch>
+        </p:blipFill>
+        <p:spPr>
+          <a:xfrm>
+            <a:off x="6504538" y="1398903"/>
+            <a:ext cx="5687462" cy="1503734"/>
+          </a:xfrm>
+          <a:prstGeom prst="rect">
+            <a:avLst/>
+          </a:prstGeom>
+        </p:spPr>
+      </p:pic>
+    </p:spTree>
+    <p:extLst>
+      <p:ext uri="{BB962C8B-B14F-4D97-AF65-F5344CB8AC3E}">
+        <p14:creationId xmlns:p14="http://schemas.microsoft.com/office/powerpoint/2010/main" val="3969546834"/>
+      </p:ext>
+    </p:extLst>
+  </p:cSld>
+  <p:clrMapOvr>
+    <a:masterClrMapping/>
+  </p:clrMapOvr>
+</p:sld>
+</file>
+
+<file path=ppt/slides/slide25.xml><?xml version="1.0" encoding="utf-8"?>
+<p:sld xmlns:a="http://schemas.openxmlformats.org/drawingml/2006/main" xmlns:r="http://schemas.openxmlformats.org/officeDocument/2006/relationships" xmlns:p="http://schemas.openxmlformats.org/presentationml/2006/main">
+  <p:cSld>
+    <p:bg>
+      <p:bgPr>
+        <a:solidFill>
+          <a:schemeClr val="bg1"/>
+        </a:solidFill>
+        <a:effectLst/>
+      </p:bgPr>
+    </p:bg>
+    <p:spTree>
+      <p:nvGrpSpPr>
+        <p:cNvPr id="1" name="">
+          <a:extLst>
+            <a:ext uri="{FF2B5EF4-FFF2-40B4-BE49-F238E27FC236}">
+              <a16:creationId xmlns:a16="http://schemas.microsoft.com/office/drawing/2014/main" id="{B9705A1E-C191-35EA-4656-A4902C507C0D}"/>
+            </a:ext>
+          </a:extLst>
+        </p:cNvPr>
+        <p:cNvGrpSpPr/>
+        <p:nvPr/>
+      </p:nvGrpSpPr>
+      <p:grpSpPr>
+        <a:xfrm>
+          <a:off x="0" y="0"/>
+          <a:ext cx="0" cy="0"/>
+          <a:chOff x="0" y="0"/>
+          <a:chExt cx="0" cy="0"/>
+        </a:xfrm>
+      </p:grpSpPr>
+      <p:sp useBgFill="1">
+        <p:nvSpPr>
+          <p:cNvPr id="55" name="Rectangle 54">
+            <a:extLst>
+              <a:ext uri="{FF2B5EF4-FFF2-40B4-BE49-F238E27FC236}">
+                <a16:creationId xmlns:a16="http://schemas.microsoft.com/office/drawing/2014/main" id="{3FD9591B-88A2-633F-75FB-BB351BC90E66}"/>
+              </a:ext>
+              <a:ext uri="{C183D7F6-B498-43B3-948B-1728B52AA6E4}">
+                <adec:decorative xmlns:adec="http://schemas.microsoft.com/office/drawing/2017/decorative" val="1"/>
+              </a:ext>
+            </a:extLst>
+          </p:cNvPr>
+          <p:cNvSpPr>
+            <a:spLocks noGrp="1" noRot="1" noChangeAspect="1" noMove="1" noResize="1" noEditPoints="1" noAdjustHandles="1" noChangeArrowheads="1" noChangeShapeType="1" noTextEdit="1"/>
+          </p:cNvSpPr>
+          <p:nvPr>
+            <p:extLst>
+              <p:ext uri="{386F3935-93C4-4BCD-93E2-E3B085C9AB24}">
+                <p16:designElem xmlns:p16="http://schemas.microsoft.com/office/powerpoint/2015/main" val="1"/>
+              </p:ext>
+            </p:extLst>
+          </p:nvPr>
+        </p:nvSpPr>
+        <p:spPr>
+          <a:xfrm>
+            <a:off x="0" y="0"/>
+            <a:ext cx="12192000" cy="6858000"/>
+          </a:xfrm>
+          <a:prstGeom prst="rect">
+            <a:avLst/>
+          </a:prstGeom>
+          <a:ln>
+            <a:noFill/>
+          </a:ln>
+        </p:spPr>
+        <p:style>
+          <a:lnRef idx="2">
+            <a:schemeClr val="accent1">
+              <a:shade val="50000"/>
+            </a:schemeClr>
+          </a:lnRef>
+          <a:fillRef idx="1">
+            <a:schemeClr val="accent1"/>
+          </a:fillRef>
+          <a:effectRef idx="0">
+            <a:schemeClr val="accent1"/>
+          </a:effectRef>
+          <a:fontRef idx="minor">
+            <a:schemeClr val="lt1"/>
+          </a:fontRef>
+        </p:style>
+        <p:txBody>
+          <a:bodyPr rtlCol="0" anchor="ctr"/>
+          <a:lstStyle/>
+          <a:p>
+            <a:pPr algn="ctr"/>
+            <a:endParaRPr lang="en-US"/>
+          </a:p>
+        </p:txBody>
+      </p:sp>
+      <p:sp>
+        <p:nvSpPr>
+          <p:cNvPr id="57" name="Right Triangle 56">
+            <a:extLst>
+              <a:ext uri="{FF2B5EF4-FFF2-40B4-BE49-F238E27FC236}">
+                <a16:creationId xmlns:a16="http://schemas.microsoft.com/office/drawing/2014/main" id="{A4A668E4-5CA3-1D51-BAB5-26380B83B30F}"/>
+              </a:ext>
+              <a:ext uri="{C183D7F6-B498-43B3-948B-1728B52AA6E4}">
+                <adec:decorative xmlns:adec="http://schemas.microsoft.com/office/drawing/2017/decorative" val="1"/>
+              </a:ext>
+            </a:extLst>
+          </p:cNvPr>
+          <p:cNvSpPr>
+            <a:spLocks noGrp="1" noRot="1" noChangeAspect="1" noMove="1" noResize="1" noEditPoints="1" noAdjustHandles="1" noChangeArrowheads="1" noChangeShapeType="1" noTextEdit="1"/>
+          </p:cNvSpPr>
+          <p:nvPr>
+            <p:extLst>
+              <p:ext uri="{386F3935-93C4-4BCD-93E2-E3B085C9AB24}">
+                <p16:designElem xmlns:p16="http://schemas.microsoft.com/office/powerpoint/2015/main" val="1"/>
+              </p:ext>
+            </p:extLst>
+          </p:nvPr>
+        </p:nvSpPr>
+        <p:spPr>
+          <a:xfrm flipH="1">
+            <a:off x="8576720" y="3335867"/>
+            <a:ext cx="3291840" cy="3200400"/>
+          </a:xfrm>
+          <a:prstGeom prst="rtTriangle">
+            <a:avLst/>
+          </a:prstGeom>
+          <a:solidFill>
+            <a:schemeClr val="accent4"/>
+          </a:solidFill>
+          <a:ln>
+            <a:noFill/>
+          </a:ln>
+        </p:spPr>
+        <p:style>
+          <a:lnRef idx="2">
+            <a:schemeClr val="accent1">
+              <a:shade val="50000"/>
+            </a:schemeClr>
+          </a:lnRef>
+          <a:fillRef idx="1">
+            <a:schemeClr val="accent1"/>
+          </a:fillRef>
+          <a:effectRef idx="0">
+            <a:schemeClr val="accent1"/>
+          </a:effectRef>
+          <a:fontRef idx="minor">
+            <a:schemeClr val="lt1"/>
+          </a:fontRef>
+        </p:style>
+        <p:txBody>
+          <a:bodyPr rtlCol="0" anchor="ctr"/>
+          <a:lstStyle/>
+          <a:p>
+            <a:pPr algn="ctr"/>
+            <a:endParaRPr lang="en-US" dirty="0"/>
+          </a:p>
+        </p:txBody>
+      </p:sp>
+      <p:sp>
+        <p:nvSpPr>
+          <p:cNvPr id="59" name="Rectangle 58">
+            <a:extLst>
+              <a:ext uri="{FF2B5EF4-FFF2-40B4-BE49-F238E27FC236}">
+                <a16:creationId xmlns:a16="http://schemas.microsoft.com/office/drawing/2014/main" id="{EFB86C28-E638-6173-D417-366B43D695D7}"/>
+              </a:ext>
+              <a:ext uri="{C183D7F6-B498-43B3-948B-1728B52AA6E4}">
+                <adec:decorative xmlns:adec="http://schemas.microsoft.com/office/drawing/2017/decorative" val="1"/>
+              </a:ext>
+            </a:extLst>
+          </p:cNvPr>
+          <p:cNvSpPr>
+            <a:spLocks noGrp="1" noRot="1" noChangeAspect="1" noMove="1" noResize="1" noEditPoints="1" noAdjustHandles="1" noChangeArrowheads="1" noChangeShapeType="1" noTextEdit="1"/>
+          </p:cNvSpPr>
+          <p:nvPr>
+            <p:extLst>
+              <p:ext uri="{386F3935-93C4-4BCD-93E2-E3B085C9AB24}">
+                <p16:designElem xmlns:p16="http://schemas.microsoft.com/office/powerpoint/2015/main" val="1"/>
+              </p:ext>
+            </p:extLst>
+          </p:nvPr>
+        </p:nvSpPr>
+        <p:spPr>
+          <a:xfrm>
+            <a:off x="641774" y="623275"/>
+            <a:ext cx="10905053" cy="5607882"/>
+          </a:xfrm>
+          <a:prstGeom prst="rect">
+            <a:avLst/>
+          </a:prstGeom>
+          <a:noFill/>
+          <a:ln w="19050">
+            <a:solidFill>
+              <a:schemeClr val="tx1">
+                <a:lumMod val="75000"/>
+                <a:lumOff val="25000"/>
+              </a:schemeClr>
+            </a:solidFill>
+          </a:ln>
+        </p:spPr>
+        <p:style>
+          <a:lnRef idx="2">
+            <a:schemeClr val="accent1">
+              <a:shade val="50000"/>
+            </a:schemeClr>
+          </a:lnRef>
+          <a:fillRef idx="1">
+            <a:schemeClr val="accent1"/>
+          </a:fillRef>
+          <a:effectRef idx="0">
+            <a:schemeClr val="accent1"/>
+          </a:effectRef>
+          <a:fontRef idx="minor">
+            <a:schemeClr val="lt1"/>
+          </a:fontRef>
+        </p:style>
+        <p:txBody>
+          <a:bodyPr rtlCol="0" anchor="ctr"/>
+          <a:lstStyle/>
+          <a:p>
+            <a:pPr algn="ctr"/>
+            <a:endParaRPr lang="en-US"/>
+          </a:p>
+        </p:txBody>
+      </p:sp>
+      <p:sp>
+        <p:nvSpPr>
+          <p:cNvPr id="2" name="Title 1">
+            <a:extLst>
+              <a:ext uri="{FF2B5EF4-FFF2-40B4-BE49-F238E27FC236}">
+                <a16:creationId xmlns:a16="http://schemas.microsoft.com/office/drawing/2014/main" id="{07A593F5-E599-87F6-E398-99F860550091}"/>
+              </a:ext>
+            </a:extLst>
+          </p:cNvPr>
+          <p:cNvSpPr>
+            <a:spLocks noGrp="1"/>
+          </p:cNvSpPr>
+          <p:nvPr>
+            <p:ph type="title"/>
+          </p:nvPr>
+        </p:nvSpPr>
+        <p:spPr>
+          <a:xfrm>
+            <a:off x="965200" y="1383528"/>
+            <a:ext cx="5925989" cy="3167510"/>
+          </a:xfrm>
+        </p:spPr>
+        <p:txBody>
+          <a:bodyPr vert="horz" lIns="91440" tIns="45720" rIns="91440" bIns="45720" rtlCol="0" anchor="b">
+            <a:normAutofit/>
+          </a:bodyPr>
+          <a:lstStyle/>
+          <a:p>
+            <a:pPr algn="r"/>
+            <a:r>
+              <a:rPr lang="en-US" sz="7400" kern="1200" dirty="0">
+                <a:solidFill>
+                  <a:schemeClr val="tx1"/>
+                </a:solidFill>
+                <a:latin typeface="+mj-lt"/>
+                <a:ea typeface="+mj-ea"/>
+                <a:cs typeface="+mj-cs"/>
+              </a:rPr>
+              <a:t>Role Players – </a:t>
+            </a:r>
+            <a:r>
+              <a:rPr lang="en-US" sz="7400" dirty="0"/>
+              <a:t>Practice</a:t>
+            </a:r>
+            <a:r>
+              <a:rPr lang="en-US" sz="7400" kern="1200" dirty="0">
+                <a:solidFill>
+                  <a:schemeClr val="tx1"/>
+                </a:solidFill>
+                <a:latin typeface="+mj-lt"/>
+                <a:ea typeface="+mj-ea"/>
+                <a:cs typeface="+mj-cs"/>
+              </a:rPr>
+              <a:t> Stats</a:t>
+            </a:r>
+          </a:p>
+        </p:txBody>
+      </p:sp>
+      <p:pic>
+        <p:nvPicPr>
+          <p:cNvPr id="40" name="Graphic 39" descr="Users">
+            <a:extLst>
+              <a:ext uri="{FF2B5EF4-FFF2-40B4-BE49-F238E27FC236}">
+                <a16:creationId xmlns:a16="http://schemas.microsoft.com/office/drawing/2014/main" id="{8217C4DF-232C-1BC8-17A7-3B9012909837}"/>
+              </a:ext>
+            </a:extLst>
+          </p:cNvPr>
+          <p:cNvPicPr>
+            <a:picLocks noChangeAspect="1"/>
+          </p:cNvPicPr>
+          <p:nvPr/>
+        </p:nvPicPr>
+        <p:blipFill>
+          <a:blip r:embed="rId2">
+            <a:extLst>
+              <a:ext uri="{28A0092B-C50C-407E-A947-70E740481C1C}">
+                <a14:useLocalDpi xmlns:a14="http://schemas.microsoft.com/office/drawing/2010/main" val="0"/>
+              </a:ext>
+              <a:ext uri="{96DAC541-7B7A-43D3-8B79-37D633B846F1}">
+                <asvg:svgBlip xmlns:asvg="http://schemas.microsoft.com/office/drawing/2016/SVG/main" r:embed="rId3"/>
+              </a:ext>
+            </a:extLst>
+          </a:blip>
+          <a:stretch>
+            <a:fillRect/>
+          </a:stretch>
+        </p:blipFill>
+        <p:spPr>
+          <a:xfrm>
+            <a:off x="7599140" y="2209474"/>
+            <a:ext cx="2489416" cy="2489416"/>
+          </a:xfrm>
+          <a:prstGeom prst="rect">
+            <a:avLst/>
+          </a:prstGeom>
+        </p:spPr>
+      </p:pic>
+    </p:spTree>
+    <p:extLst>
+      <p:ext uri="{BB962C8B-B14F-4D97-AF65-F5344CB8AC3E}">
+        <p14:creationId xmlns:p14="http://schemas.microsoft.com/office/powerpoint/2010/main" val="3994082645"/>
       </p:ext>
     </p:extLst>
   </p:cSld>
